--- a/Spring/pics.pptx
+++ b/Spring/pics.pptx
@@ -6,6 +6,12 @@
   </p:sldMasterIdLst>
   <p:sldIdLst>
     <p:sldId id="256" r:id="rId2"/>
+    <p:sldId id="257" r:id="rId3"/>
+    <p:sldId id="258" r:id="rId4"/>
+    <p:sldId id="259" r:id="rId5"/>
+    <p:sldId id="260" r:id="rId6"/>
+    <p:sldId id="261" r:id="rId7"/>
+    <p:sldId id="262" r:id="rId8"/>
   </p:sldIdLst>
   <p:sldSz cx="12192000" cy="6858000"/>
   <p:notesSz cx="6858000" cy="9144000"/>
@@ -104,6 +110,11 @@
       </a:defRPr>
     </a:lvl9pPr>
   </p:defaultTextStyle>
+  <p:extLst>
+    <p:ext uri="{EFAFB233-063F-42B5-8137-9DF3F51BA10A}">
+      <p15:sldGuideLst xmlns:p15="http://schemas.microsoft.com/office/powerpoint/2012/main"/>
+    </p:ext>
+  </p:extLst>
 </p:presentation>
 </file>
 
@@ -254,7 +265,7 @@
           <a:p>
             <a:fld id="{0F4FC828-2F47-4374-A58D-300187FD084B}" type="datetimeFigureOut">
               <a:rPr lang="ko-KR" altLang="en-US" smtClean="0"/>
-              <a:t>2020-08-06</a:t>
+              <a:t>2020-08-09</a:t>
             </a:fld>
             <a:endParaRPr lang="ko-KR" altLang="en-US"/>
           </a:p>
@@ -452,7 +463,7 @@
           <a:p>
             <a:fld id="{0F4FC828-2F47-4374-A58D-300187FD084B}" type="datetimeFigureOut">
               <a:rPr lang="ko-KR" altLang="en-US" smtClean="0"/>
-              <a:t>2020-08-06</a:t>
+              <a:t>2020-08-09</a:t>
             </a:fld>
             <a:endParaRPr lang="ko-KR" altLang="en-US"/>
           </a:p>
@@ -660,7 +671,7 @@
           <a:p>
             <a:fld id="{0F4FC828-2F47-4374-A58D-300187FD084B}" type="datetimeFigureOut">
               <a:rPr lang="ko-KR" altLang="en-US" smtClean="0"/>
-              <a:t>2020-08-06</a:t>
+              <a:t>2020-08-09</a:t>
             </a:fld>
             <a:endParaRPr lang="ko-KR" altLang="en-US"/>
           </a:p>
@@ -858,7 +869,7 @@
           <a:p>
             <a:fld id="{0F4FC828-2F47-4374-A58D-300187FD084B}" type="datetimeFigureOut">
               <a:rPr lang="ko-KR" altLang="en-US" smtClean="0"/>
-              <a:t>2020-08-06</a:t>
+              <a:t>2020-08-09</a:t>
             </a:fld>
             <a:endParaRPr lang="ko-KR" altLang="en-US"/>
           </a:p>
@@ -1133,7 +1144,7 @@
           <a:p>
             <a:fld id="{0F4FC828-2F47-4374-A58D-300187FD084B}" type="datetimeFigureOut">
               <a:rPr lang="ko-KR" altLang="en-US" smtClean="0"/>
-              <a:t>2020-08-06</a:t>
+              <a:t>2020-08-09</a:t>
             </a:fld>
             <a:endParaRPr lang="ko-KR" altLang="en-US"/>
           </a:p>
@@ -1398,7 +1409,7 @@
           <a:p>
             <a:fld id="{0F4FC828-2F47-4374-A58D-300187FD084B}" type="datetimeFigureOut">
               <a:rPr lang="ko-KR" altLang="en-US" smtClean="0"/>
-              <a:t>2020-08-06</a:t>
+              <a:t>2020-08-09</a:t>
             </a:fld>
             <a:endParaRPr lang="ko-KR" altLang="en-US"/>
           </a:p>
@@ -1810,7 +1821,7 @@
           <a:p>
             <a:fld id="{0F4FC828-2F47-4374-A58D-300187FD084B}" type="datetimeFigureOut">
               <a:rPr lang="ko-KR" altLang="en-US" smtClean="0"/>
-              <a:t>2020-08-06</a:t>
+              <a:t>2020-08-09</a:t>
             </a:fld>
             <a:endParaRPr lang="ko-KR" altLang="en-US"/>
           </a:p>
@@ -1951,7 +1962,7 @@
           <a:p>
             <a:fld id="{0F4FC828-2F47-4374-A58D-300187FD084B}" type="datetimeFigureOut">
               <a:rPr lang="ko-KR" altLang="en-US" smtClean="0"/>
-              <a:t>2020-08-06</a:t>
+              <a:t>2020-08-09</a:t>
             </a:fld>
             <a:endParaRPr lang="ko-KR" altLang="en-US"/>
           </a:p>
@@ -2064,7 +2075,7 @@
           <a:p>
             <a:fld id="{0F4FC828-2F47-4374-A58D-300187FD084B}" type="datetimeFigureOut">
               <a:rPr lang="ko-KR" altLang="en-US" smtClean="0"/>
-              <a:t>2020-08-06</a:t>
+              <a:t>2020-08-09</a:t>
             </a:fld>
             <a:endParaRPr lang="ko-KR" altLang="en-US"/>
           </a:p>
@@ -2375,7 +2386,7 @@
           <a:p>
             <a:fld id="{0F4FC828-2F47-4374-A58D-300187FD084B}" type="datetimeFigureOut">
               <a:rPr lang="ko-KR" altLang="en-US" smtClean="0"/>
-              <a:t>2020-08-06</a:t>
+              <a:t>2020-08-09</a:t>
             </a:fld>
             <a:endParaRPr lang="ko-KR" altLang="en-US"/>
           </a:p>
@@ -2663,7 +2674,7 @@
           <a:p>
             <a:fld id="{0F4FC828-2F47-4374-A58D-300187FD084B}" type="datetimeFigureOut">
               <a:rPr lang="ko-KR" altLang="en-US" smtClean="0"/>
-              <a:t>2020-08-06</a:t>
+              <a:t>2020-08-09</a:t>
             </a:fld>
             <a:endParaRPr lang="ko-KR" altLang="en-US"/>
           </a:p>
@@ -2904,7 +2915,7 @@
           <a:p>
             <a:fld id="{0F4FC828-2F47-4374-A58D-300187FD084B}" type="datetimeFigureOut">
               <a:rPr lang="ko-KR" altLang="en-US" smtClean="0"/>
-              <a:t>2020-08-06</a:t>
+              <a:t>2020-08-09</a:t>
             </a:fld>
             <a:endParaRPr lang="ko-KR" altLang="en-US"/>
           </a:p>
@@ -4695,6 +4706,1205 @@
 </p:sld>
 </file>
 
+<file path=ppt/slides/slide2.xml><?xml version="1.0" encoding="utf-8"?>
+<p:sld xmlns:a="http://schemas.openxmlformats.org/drawingml/2006/main" xmlns:r="http://schemas.openxmlformats.org/officeDocument/2006/relationships" xmlns:p="http://schemas.openxmlformats.org/presentationml/2006/main">
+  <p:cSld>
+    <p:spTree>
+      <p:nvGrpSpPr>
+        <p:cNvPr id="1" name=""/>
+        <p:cNvGrpSpPr/>
+        <p:nvPr/>
+      </p:nvGrpSpPr>
+      <p:grpSpPr>
+        <a:xfrm>
+          <a:off x="0" y="0"/>
+          <a:ext cx="0" cy="0"/>
+          <a:chOff x="0" y="0"/>
+          <a:chExt cx="0" cy="0"/>
+        </a:xfrm>
+      </p:grpSpPr>
+      <p:grpSp>
+        <p:nvGrpSpPr>
+          <p:cNvPr id="4" name="그룹 3">
+            <a:extLst>
+              <a:ext uri="{FF2B5EF4-FFF2-40B4-BE49-F238E27FC236}">
+                <a16:creationId xmlns:a16="http://schemas.microsoft.com/office/drawing/2014/main" id="{D360DD73-89A2-47C1-86B0-AE2FFD242EED}"/>
+              </a:ext>
+            </a:extLst>
+          </p:cNvPr>
+          <p:cNvGrpSpPr/>
+          <p:nvPr/>
+        </p:nvGrpSpPr>
+        <p:grpSpPr>
+          <a:xfrm>
+            <a:off x="159392" y="1021172"/>
+            <a:ext cx="1933529" cy="983799"/>
+            <a:chOff x="2692866" y="819836"/>
+            <a:chExt cx="1933529" cy="983799"/>
+          </a:xfrm>
+        </p:grpSpPr>
+        <p:sp>
+          <p:nvSpPr>
+            <p:cNvPr id="2" name="사각형: 둥근 모서리 1">
+              <a:extLst>
+                <a:ext uri="{FF2B5EF4-FFF2-40B4-BE49-F238E27FC236}">
+                  <a16:creationId xmlns:a16="http://schemas.microsoft.com/office/drawing/2014/main" id="{5FB871CD-7FDF-41AD-89F6-BF34EA4380F9}"/>
+                </a:ext>
+              </a:extLst>
+            </p:cNvPr>
+            <p:cNvSpPr/>
+            <p:nvPr/>
+          </p:nvSpPr>
+          <p:spPr>
+            <a:xfrm>
+              <a:off x="2692866" y="1199627"/>
+              <a:ext cx="1933529" cy="604008"/>
+            </a:xfrm>
+            <a:prstGeom prst="roundRect">
+              <a:avLst/>
+            </a:prstGeom>
+            <a:solidFill>
+              <a:schemeClr val="bg1"/>
+            </a:solidFill>
+            <a:ln>
+              <a:solidFill>
+                <a:schemeClr val="tx1"/>
+              </a:solidFill>
+            </a:ln>
+            <a:effectLst>
+              <a:outerShdw blurRad="50800" dist="38100" dir="2700000" algn="tl" rotWithShape="0">
+                <a:prstClr val="black">
+                  <a:alpha val="40000"/>
+                </a:prstClr>
+              </a:outerShdw>
+            </a:effectLst>
+          </p:spPr>
+          <p:style>
+            <a:lnRef idx="2">
+              <a:schemeClr val="accent1">
+                <a:shade val="50000"/>
+              </a:schemeClr>
+            </a:lnRef>
+            <a:fillRef idx="1">
+              <a:schemeClr val="accent1"/>
+            </a:fillRef>
+            <a:effectRef idx="0">
+              <a:schemeClr val="accent1"/>
+            </a:effectRef>
+            <a:fontRef idx="minor">
+              <a:schemeClr val="lt1"/>
+            </a:fontRef>
+          </p:style>
+          <p:txBody>
+            <a:bodyPr rtlCol="0" anchor="ctr"/>
+            <a:lstStyle/>
+            <a:p>
+              <a:pPr algn="ctr"/>
+              <a:endParaRPr lang="ko-KR" altLang="en-US" dirty="0">
+                <a:solidFill>
+                  <a:schemeClr val="tx1"/>
+                </a:solidFill>
+                <a:latin typeface="a옛날사진관3" panose="02020600000000000000" pitchFamily="18" charset="-127"/>
+                <a:ea typeface="a옛날사진관3" panose="02020600000000000000" pitchFamily="18" charset="-127"/>
+              </a:endParaRPr>
+            </a:p>
+          </p:txBody>
+        </p:sp>
+        <p:sp>
+          <p:nvSpPr>
+            <p:cNvPr id="3" name="TextBox 2">
+              <a:extLst>
+                <a:ext uri="{FF2B5EF4-FFF2-40B4-BE49-F238E27FC236}">
+                  <a16:creationId xmlns:a16="http://schemas.microsoft.com/office/drawing/2014/main" id="{EAF5049C-16A8-4903-B448-4A11A69484B2}"/>
+                </a:ext>
+              </a:extLst>
+            </p:cNvPr>
+            <p:cNvSpPr txBox="1"/>
+            <p:nvPr/>
+          </p:nvSpPr>
+          <p:spPr>
+            <a:xfrm>
+              <a:off x="2749605" y="819836"/>
+              <a:ext cx="1820050" cy="323165"/>
+            </a:xfrm>
+            <a:prstGeom prst="rect">
+              <a:avLst/>
+            </a:prstGeom>
+            <a:noFill/>
+          </p:spPr>
+          <p:txBody>
+            <a:bodyPr wrap="none" rtlCol="0">
+              <a:spAutoFit/>
+            </a:bodyPr>
+            <a:lstStyle/>
+            <a:p>
+              <a:r>
+                <a:rPr lang="en-US" altLang="ko-KR" sz="1500" dirty="0">
+                  <a:latin typeface="a옛날사진관3" panose="02020600000000000000" pitchFamily="18" charset="-127"/>
+                  <a:ea typeface="a옛날사진관3" panose="02020600000000000000" pitchFamily="18" charset="-127"/>
+                </a:rPr>
+                <a:t>Spring</a:t>
+              </a:r>
+              <a:r>
+                <a:rPr lang="ko-KR" altLang="en-US" sz="1500" dirty="0">
+                  <a:latin typeface="a옛날사진관3" panose="02020600000000000000" pitchFamily="18" charset="-127"/>
+                  <a:ea typeface="a옛날사진관3" panose="02020600000000000000" pitchFamily="18" charset="-127"/>
+                </a:rPr>
+                <a:t>의 </a:t>
+              </a:r>
+              <a:r>
+                <a:rPr lang="en-US" altLang="ko-KR" sz="1500" dirty="0">
+                  <a:latin typeface="a옛날사진관3" panose="02020600000000000000" pitchFamily="18" charset="-127"/>
+                  <a:ea typeface="a옛날사진관3" panose="02020600000000000000" pitchFamily="18" charset="-127"/>
+                </a:rPr>
+                <a:t>Context</a:t>
+              </a:r>
+              <a:endParaRPr lang="ko-KR" altLang="en-US" sz="1500" dirty="0">
+                <a:latin typeface="a옛날사진관3" panose="02020600000000000000" pitchFamily="18" charset="-127"/>
+                <a:ea typeface="a옛날사진관3" panose="02020600000000000000" pitchFamily="18" charset="-127"/>
+              </a:endParaRPr>
+            </a:p>
+          </p:txBody>
+        </p:sp>
+      </p:grpSp>
+      <p:sp>
+        <p:nvSpPr>
+          <p:cNvPr id="7" name="TextBox 6">
+            <a:extLst>
+              <a:ext uri="{FF2B5EF4-FFF2-40B4-BE49-F238E27FC236}">
+                <a16:creationId xmlns:a16="http://schemas.microsoft.com/office/drawing/2014/main" id="{13AECC79-2595-4381-827A-4F366D27A70E}"/>
+              </a:ext>
+            </a:extLst>
+          </p:cNvPr>
+          <p:cNvSpPr txBox="1"/>
+          <p:nvPr/>
+        </p:nvSpPr>
+        <p:spPr>
+          <a:xfrm>
+            <a:off x="2665132" y="1541384"/>
+            <a:ext cx="1855636" cy="323165"/>
+          </a:xfrm>
+          <a:prstGeom prst="rect">
+            <a:avLst/>
+          </a:prstGeom>
+          <a:solidFill>
+            <a:schemeClr val="bg1"/>
+          </a:solidFill>
+          <a:ln>
+            <a:solidFill>
+              <a:schemeClr val="tx1"/>
+            </a:solidFill>
+          </a:ln>
+          <a:effectLst>
+            <a:outerShdw blurRad="50800" dist="38100" dir="2700000" algn="tl" rotWithShape="0">
+              <a:prstClr val="black">
+                <a:alpha val="40000"/>
+              </a:prstClr>
+            </a:outerShdw>
+          </a:effectLst>
+        </p:spPr>
+        <p:txBody>
+          <a:bodyPr wrap="none" rtlCol="0">
+            <a:spAutoFit/>
+          </a:bodyPr>
+          <a:lstStyle/>
+          <a:p>
+            <a:r>
+              <a:rPr lang="en-US" altLang="ko-KR" sz="1500" dirty="0">
+                <a:latin typeface="a옛날사진관3" panose="02020600000000000000" pitchFamily="18" charset="-127"/>
+                <a:ea typeface="a옛날사진관3" panose="02020600000000000000" pitchFamily="18" charset="-127"/>
+              </a:rPr>
+              <a:t>root-context.xml</a:t>
+            </a:r>
+            <a:endParaRPr lang="ko-KR" altLang="en-US" sz="1500" dirty="0">
+              <a:latin typeface="a옛날사진관3" panose="02020600000000000000" pitchFamily="18" charset="-127"/>
+              <a:ea typeface="a옛날사진관3" panose="02020600000000000000" pitchFamily="18" charset="-127"/>
+            </a:endParaRPr>
+          </a:p>
+        </p:txBody>
+      </p:sp>
+      <p:sp>
+        <p:nvSpPr>
+          <p:cNvPr id="5" name="화살표: 오른쪽 4">
+            <a:extLst>
+              <a:ext uri="{FF2B5EF4-FFF2-40B4-BE49-F238E27FC236}">
+                <a16:creationId xmlns:a16="http://schemas.microsoft.com/office/drawing/2014/main" id="{FB6CAD79-5E57-49CA-86DC-900CEED49D71}"/>
+              </a:ext>
+            </a:extLst>
+          </p:cNvPr>
+          <p:cNvSpPr/>
+          <p:nvPr/>
+        </p:nvSpPr>
+        <p:spPr>
+          <a:xfrm>
+            <a:off x="1954637" y="1514214"/>
+            <a:ext cx="763398" cy="377506"/>
+          </a:xfrm>
+          <a:prstGeom prst="rightArrow">
+            <a:avLst>
+              <a:gd name="adj1" fmla="val 50000"/>
+              <a:gd name="adj2" fmla="val 76389"/>
+            </a:avLst>
+          </a:prstGeom>
+          <a:solidFill>
+            <a:schemeClr val="bg1">
+              <a:lumMod val="85000"/>
+            </a:schemeClr>
+          </a:solidFill>
+          <a:ln>
+            <a:solidFill>
+              <a:schemeClr val="tx1"/>
+            </a:solidFill>
+          </a:ln>
+          <a:effectLst>
+            <a:outerShdw blurRad="50800" dist="38100" dir="2700000" algn="tl" rotWithShape="0">
+              <a:prstClr val="black">
+                <a:alpha val="40000"/>
+              </a:prstClr>
+            </a:outerShdw>
+          </a:effectLst>
+        </p:spPr>
+        <p:style>
+          <a:lnRef idx="2">
+            <a:schemeClr val="accent1">
+              <a:shade val="50000"/>
+            </a:schemeClr>
+          </a:lnRef>
+          <a:fillRef idx="1">
+            <a:schemeClr val="accent1"/>
+          </a:fillRef>
+          <a:effectRef idx="0">
+            <a:schemeClr val="accent1"/>
+          </a:effectRef>
+          <a:fontRef idx="minor">
+            <a:schemeClr val="lt1"/>
+          </a:fontRef>
+        </p:style>
+        <p:txBody>
+          <a:bodyPr rtlCol="0" anchor="ctr"/>
+          <a:lstStyle/>
+          <a:p>
+            <a:pPr algn="ctr"/>
+            <a:endParaRPr lang="ko-KR" altLang="en-US"/>
+          </a:p>
+        </p:txBody>
+      </p:sp>
+      <p:grpSp>
+        <p:nvGrpSpPr>
+          <p:cNvPr id="15" name="그룹 14">
+            <a:extLst>
+              <a:ext uri="{FF2B5EF4-FFF2-40B4-BE49-F238E27FC236}">
+                <a16:creationId xmlns:a16="http://schemas.microsoft.com/office/drawing/2014/main" id="{3FB9056E-F1AE-4EDB-857E-0ABC4CE2CDB0}"/>
+              </a:ext>
+            </a:extLst>
+          </p:cNvPr>
+          <p:cNvGrpSpPr/>
+          <p:nvPr/>
+        </p:nvGrpSpPr>
+        <p:grpSpPr>
+          <a:xfrm>
+            <a:off x="5237576" y="871178"/>
+            <a:ext cx="1933529" cy="1340412"/>
+            <a:chOff x="5990601" y="792543"/>
+            <a:chExt cx="1933529" cy="1340412"/>
+          </a:xfrm>
+        </p:grpSpPr>
+        <p:grpSp>
+          <p:nvGrpSpPr>
+            <p:cNvPr id="8" name="그룹 7">
+              <a:extLst>
+                <a:ext uri="{FF2B5EF4-FFF2-40B4-BE49-F238E27FC236}">
+                  <a16:creationId xmlns:a16="http://schemas.microsoft.com/office/drawing/2014/main" id="{AD03CD34-0F07-4286-960F-687EC39B5725}"/>
+                </a:ext>
+              </a:extLst>
+            </p:cNvPr>
+            <p:cNvGrpSpPr/>
+            <p:nvPr/>
+          </p:nvGrpSpPr>
+          <p:grpSpPr>
+            <a:xfrm>
+              <a:off x="5990601" y="792543"/>
+              <a:ext cx="1933529" cy="1340412"/>
+              <a:chOff x="2692866" y="828033"/>
+              <a:chExt cx="1933529" cy="1340412"/>
+            </a:xfrm>
+          </p:grpSpPr>
+          <p:sp>
+            <p:nvSpPr>
+              <p:cNvPr id="9" name="사각형: 둥근 모서리 8">
+                <a:extLst>
+                  <a:ext uri="{FF2B5EF4-FFF2-40B4-BE49-F238E27FC236}">
+                    <a16:creationId xmlns:a16="http://schemas.microsoft.com/office/drawing/2014/main" id="{633B1ED9-FCD5-4138-AE66-675D3F4B7B8E}"/>
+                  </a:ext>
+                </a:extLst>
+              </p:cNvPr>
+              <p:cNvSpPr/>
+              <p:nvPr/>
+            </p:nvSpPr>
+            <p:spPr>
+              <a:xfrm>
+                <a:off x="2692866" y="1199626"/>
+                <a:ext cx="1933529" cy="968819"/>
+              </a:xfrm>
+              <a:prstGeom prst="roundRect">
+                <a:avLst/>
+              </a:prstGeom>
+              <a:solidFill>
+                <a:schemeClr val="bg1"/>
+              </a:solidFill>
+              <a:ln>
+                <a:solidFill>
+                  <a:schemeClr val="tx1"/>
+                </a:solidFill>
+              </a:ln>
+              <a:effectLst>
+                <a:outerShdw blurRad="50800" dist="38100" dir="2700000" algn="tl" rotWithShape="0">
+                  <a:prstClr val="black">
+                    <a:alpha val="40000"/>
+                  </a:prstClr>
+                </a:outerShdw>
+              </a:effectLst>
+            </p:spPr>
+            <p:style>
+              <a:lnRef idx="2">
+                <a:schemeClr val="accent1">
+                  <a:shade val="50000"/>
+                </a:schemeClr>
+              </a:lnRef>
+              <a:fillRef idx="1">
+                <a:schemeClr val="accent1"/>
+              </a:fillRef>
+              <a:effectRef idx="0">
+                <a:schemeClr val="accent1"/>
+              </a:effectRef>
+              <a:fontRef idx="minor">
+                <a:schemeClr val="lt1"/>
+              </a:fontRef>
+            </p:style>
+            <p:txBody>
+              <a:bodyPr rtlCol="0" anchor="ctr"/>
+              <a:lstStyle/>
+              <a:p>
+                <a:pPr algn="ctr"/>
+                <a:endParaRPr lang="ko-KR" altLang="en-US" dirty="0">
+                  <a:solidFill>
+                    <a:schemeClr val="tx1"/>
+                  </a:solidFill>
+                  <a:latin typeface="a옛날사진관3" panose="02020600000000000000" pitchFamily="18" charset="-127"/>
+                  <a:ea typeface="a옛날사진관3" panose="02020600000000000000" pitchFamily="18" charset="-127"/>
+                </a:endParaRPr>
+              </a:p>
+            </p:txBody>
+          </p:sp>
+          <p:sp>
+            <p:nvSpPr>
+              <p:cNvPr id="10" name="TextBox 9">
+                <a:extLst>
+                  <a:ext uri="{FF2B5EF4-FFF2-40B4-BE49-F238E27FC236}">
+                    <a16:creationId xmlns:a16="http://schemas.microsoft.com/office/drawing/2014/main" id="{52650CFE-A865-4033-AD7B-D21DDC5E4965}"/>
+                  </a:ext>
+                </a:extLst>
+              </p:cNvPr>
+              <p:cNvSpPr txBox="1"/>
+              <p:nvPr/>
+            </p:nvSpPr>
+            <p:spPr>
+              <a:xfrm>
+                <a:off x="2749605" y="828033"/>
+                <a:ext cx="1820050" cy="323165"/>
+              </a:xfrm>
+              <a:prstGeom prst="rect">
+                <a:avLst/>
+              </a:prstGeom>
+              <a:noFill/>
+            </p:spPr>
+            <p:txBody>
+              <a:bodyPr wrap="none" rtlCol="0">
+                <a:spAutoFit/>
+              </a:bodyPr>
+              <a:lstStyle/>
+              <a:p>
+                <a:r>
+                  <a:rPr lang="en-US" altLang="ko-KR" sz="1500" dirty="0">
+                    <a:latin typeface="a옛날사진관3" panose="02020600000000000000" pitchFamily="18" charset="-127"/>
+                    <a:ea typeface="a옛날사진관3" panose="02020600000000000000" pitchFamily="18" charset="-127"/>
+                  </a:rPr>
+                  <a:t>Spring</a:t>
+                </a:r>
+                <a:r>
+                  <a:rPr lang="ko-KR" altLang="en-US" sz="1500" dirty="0">
+                    <a:latin typeface="a옛날사진관3" panose="02020600000000000000" pitchFamily="18" charset="-127"/>
+                    <a:ea typeface="a옛날사진관3" panose="02020600000000000000" pitchFamily="18" charset="-127"/>
+                  </a:rPr>
+                  <a:t>의 </a:t>
+                </a:r>
+                <a:r>
+                  <a:rPr lang="en-US" altLang="ko-KR" sz="1500" dirty="0">
+                    <a:latin typeface="a옛날사진관3" panose="02020600000000000000" pitchFamily="18" charset="-127"/>
+                    <a:ea typeface="a옛날사진관3" panose="02020600000000000000" pitchFamily="18" charset="-127"/>
+                  </a:rPr>
+                  <a:t>Context</a:t>
+                </a:r>
+                <a:endParaRPr lang="ko-KR" altLang="en-US" sz="1500" dirty="0">
+                  <a:latin typeface="a옛날사진관3" panose="02020600000000000000" pitchFamily="18" charset="-127"/>
+                  <a:ea typeface="a옛날사진관3" panose="02020600000000000000" pitchFamily="18" charset="-127"/>
+                </a:endParaRPr>
+              </a:p>
+            </p:txBody>
+          </p:sp>
+        </p:grpSp>
+        <p:sp>
+          <p:nvSpPr>
+            <p:cNvPr id="12" name="TextBox 11">
+              <a:extLst>
+                <a:ext uri="{FF2B5EF4-FFF2-40B4-BE49-F238E27FC236}">
+                  <a16:creationId xmlns:a16="http://schemas.microsoft.com/office/drawing/2014/main" id="{C96802B8-9F31-4187-AABC-ED59B692026C}"/>
+                </a:ext>
+              </a:extLst>
+            </p:cNvPr>
+            <p:cNvSpPr txBox="1"/>
+            <p:nvPr/>
+          </p:nvSpPr>
+          <p:spPr>
+            <a:xfrm>
+              <a:off x="6104080" y="1308764"/>
+              <a:ext cx="1272784" cy="323165"/>
+            </a:xfrm>
+            <a:prstGeom prst="rect">
+              <a:avLst/>
+            </a:prstGeom>
+            <a:solidFill>
+              <a:schemeClr val="bg1"/>
+            </a:solidFill>
+            <a:ln>
+              <a:solidFill>
+                <a:schemeClr val="tx1"/>
+              </a:solidFill>
+            </a:ln>
+            <a:effectLst>
+              <a:outerShdw blurRad="50800" dist="38100" dir="2700000" algn="tl" rotWithShape="0">
+                <a:prstClr val="black">
+                  <a:alpha val="40000"/>
+                </a:prstClr>
+              </a:outerShdw>
+            </a:effectLst>
+          </p:spPr>
+          <p:txBody>
+            <a:bodyPr wrap="none" rtlCol="0">
+              <a:spAutoFit/>
+            </a:bodyPr>
+            <a:lstStyle/>
+            <a:p>
+              <a:r>
+                <a:rPr lang="en-US" altLang="ko-KR" sz="1500" dirty="0">
+                  <a:latin typeface="a옛날사진관3" panose="02020600000000000000" pitchFamily="18" charset="-127"/>
+                  <a:ea typeface="a옛날사진관3" panose="02020600000000000000" pitchFamily="18" charset="-127"/>
+                </a:rPr>
+                <a:t>Restaurant</a:t>
+              </a:r>
+              <a:endParaRPr lang="ko-KR" altLang="en-US" sz="1500" dirty="0">
+                <a:latin typeface="a옛날사진관3" panose="02020600000000000000" pitchFamily="18" charset="-127"/>
+                <a:ea typeface="a옛날사진관3" panose="02020600000000000000" pitchFamily="18" charset="-127"/>
+              </a:endParaRPr>
+            </a:p>
+          </p:txBody>
+        </p:sp>
+        <p:sp>
+          <p:nvSpPr>
+            <p:cNvPr id="14" name="TextBox 13">
+              <a:extLst>
+                <a:ext uri="{FF2B5EF4-FFF2-40B4-BE49-F238E27FC236}">
+                  <a16:creationId xmlns:a16="http://schemas.microsoft.com/office/drawing/2014/main" id="{37C2E4C8-F032-43AE-95C6-F0767AA076A5}"/>
+                </a:ext>
+              </a:extLst>
+            </p:cNvPr>
+            <p:cNvSpPr txBox="1"/>
+            <p:nvPr/>
+          </p:nvSpPr>
+          <p:spPr>
+            <a:xfrm>
+              <a:off x="6104080" y="1720859"/>
+              <a:ext cx="635110" cy="323165"/>
+            </a:xfrm>
+            <a:prstGeom prst="rect">
+              <a:avLst/>
+            </a:prstGeom>
+            <a:solidFill>
+              <a:schemeClr val="bg1"/>
+            </a:solidFill>
+            <a:ln>
+              <a:solidFill>
+                <a:schemeClr val="tx1"/>
+              </a:solidFill>
+            </a:ln>
+            <a:effectLst>
+              <a:outerShdw blurRad="50800" dist="38100" dir="2700000" algn="tl" rotWithShape="0">
+                <a:prstClr val="black">
+                  <a:alpha val="40000"/>
+                </a:prstClr>
+              </a:outerShdw>
+            </a:effectLst>
+          </p:spPr>
+          <p:txBody>
+            <a:bodyPr wrap="none" rtlCol="0">
+              <a:spAutoFit/>
+            </a:bodyPr>
+            <a:lstStyle/>
+            <a:p>
+              <a:r>
+                <a:rPr lang="en-US" altLang="ko-KR" sz="1500" dirty="0">
+                  <a:latin typeface="a옛날사진관3" panose="02020600000000000000" pitchFamily="18" charset="-127"/>
+                  <a:ea typeface="a옛날사진관3" panose="02020600000000000000" pitchFamily="18" charset="-127"/>
+                </a:rPr>
+                <a:t>Chef</a:t>
+              </a:r>
+              <a:endParaRPr lang="ko-KR" altLang="en-US" sz="1500" dirty="0">
+                <a:latin typeface="a옛날사진관3" panose="02020600000000000000" pitchFamily="18" charset="-127"/>
+                <a:ea typeface="a옛날사진관3" panose="02020600000000000000" pitchFamily="18" charset="-127"/>
+              </a:endParaRPr>
+            </a:p>
+          </p:txBody>
+        </p:sp>
+      </p:grpSp>
+      <p:sp>
+        <p:nvSpPr>
+          <p:cNvPr id="17" name="화살표: 오른쪽 16">
+            <a:extLst>
+              <a:ext uri="{FF2B5EF4-FFF2-40B4-BE49-F238E27FC236}">
+                <a16:creationId xmlns:a16="http://schemas.microsoft.com/office/drawing/2014/main" id="{FC37F60B-C44C-4910-AD07-A08071AF0622}"/>
+              </a:ext>
+            </a:extLst>
+          </p:cNvPr>
+          <p:cNvSpPr/>
+          <p:nvPr/>
+        </p:nvSpPr>
+        <p:spPr>
+          <a:xfrm>
+            <a:off x="4490956" y="1516407"/>
+            <a:ext cx="763398" cy="377506"/>
+          </a:xfrm>
+          <a:prstGeom prst="rightArrow">
+            <a:avLst>
+              <a:gd name="adj1" fmla="val 50000"/>
+              <a:gd name="adj2" fmla="val 76389"/>
+            </a:avLst>
+          </a:prstGeom>
+          <a:solidFill>
+            <a:schemeClr val="bg1">
+              <a:lumMod val="85000"/>
+            </a:schemeClr>
+          </a:solidFill>
+          <a:ln>
+            <a:solidFill>
+              <a:schemeClr val="tx1"/>
+            </a:solidFill>
+          </a:ln>
+          <a:effectLst>
+            <a:outerShdw blurRad="50800" dist="38100" dir="2700000" algn="tl" rotWithShape="0">
+              <a:prstClr val="black">
+                <a:alpha val="40000"/>
+              </a:prstClr>
+            </a:outerShdw>
+          </a:effectLst>
+        </p:spPr>
+        <p:style>
+          <a:lnRef idx="2">
+            <a:schemeClr val="accent1">
+              <a:shade val="50000"/>
+            </a:schemeClr>
+          </a:lnRef>
+          <a:fillRef idx="1">
+            <a:schemeClr val="accent1"/>
+          </a:fillRef>
+          <a:effectRef idx="0">
+            <a:schemeClr val="accent1"/>
+          </a:effectRef>
+          <a:fontRef idx="minor">
+            <a:schemeClr val="lt1"/>
+          </a:fontRef>
+        </p:style>
+        <p:txBody>
+          <a:bodyPr rtlCol="0" anchor="ctr"/>
+          <a:lstStyle/>
+          <a:p>
+            <a:pPr algn="ctr"/>
+            <a:endParaRPr lang="ko-KR" altLang="en-US"/>
+          </a:p>
+        </p:txBody>
+      </p:sp>
+      <p:grpSp>
+        <p:nvGrpSpPr>
+          <p:cNvPr id="18" name="그룹 17">
+            <a:extLst>
+              <a:ext uri="{FF2B5EF4-FFF2-40B4-BE49-F238E27FC236}">
+                <a16:creationId xmlns:a16="http://schemas.microsoft.com/office/drawing/2014/main" id="{2E976A90-2241-4607-BFD4-F500722AADBE}"/>
+              </a:ext>
+            </a:extLst>
+          </p:cNvPr>
+          <p:cNvGrpSpPr/>
+          <p:nvPr/>
+        </p:nvGrpSpPr>
+        <p:grpSpPr>
+          <a:xfrm>
+            <a:off x="7860985" y="871178"/>
+            <a:ext cx="1933529" cy="1340412"/>
+            <a:chOff x="5990601" y="792543"/>
+            <a:chExt cx="1933529" cy="1340412"/>
+          </a:xfrm>
+        </p:grpSpPr>
+        <p:grpSp>
+          <p:nvGrpSpPr>
+            <p:cNvPr id="19" name="그룹 18">
+              <a:extLst>
+                <a:ext uri="{FF2B5EF4-FFF2-40B4-BE49-F238E27FC236}">
+                  <a16:creationId xmlns:a16="http://schemas.microsoft.com/office/drawing/2014/main" id="{7D7F27E2-A5F2-42B7-8D19-23FD0828694C}"/>
+                </a:ext>
+              </a:extLst>
+            </p:cNvPr>
+            <p:cNvGrpSpPr/>
+            <p:nvPr/>
+          </p:nvGrpSpPr>
+          <p:grpSpPr>
+            <a:xfrm>
+              <a:off x="5990601" y="792543"/>
+              <a:ext cx="1933529" cy="1340412"/>
+              <a:chOff x="2692866" y="828033"/>
+              <a:chExt cx="1933529" cy="1340412"/>
+            </a:xfrm>
+          </p:grpSpPr>
+          <p:sp>
+            <p:nvSpPr>
+              <p:cNvPr id="22" name="사각형: 둥근 모서리 21">
+                <a:extLst>
+                  <a:ext uri="{FF2B5EF4-FFF2-40B4-BE49-F238E27FC236}">
+                    <a16:creationId xmlns:a16="http://schemas.microsoft.com/office/drawing/2014/main" id="{BF2D0ECC-5321-45E6-8B9A-CB0B6A29B891}"/>
+                  </a:ext>
+                </a:extLst>
+              </p:cNvPr>
+              <p:cNvSpPr/>
+              <p:nvPr/>
+            </p:nvSpPr>
+            <p:spPr>
+              <a:xfrm>
+                <a:off x="2692866" y="1199626"/>
+                <a:ext cx="1933529" cy="968819"/>
+              </a:xfrm>
+              <a:prstGeom prst="roundRect">
+                <a:avLst/>
+              </a:prstGeom>
+              <a:solidFill>
+                <a:schemeClr val="bg1"/>
+              </a:solidFill>
+              <a:ln>
+                <a:solidFill>
+                  <a:schemeClr val="tx1"/>
+                </a:solidFill>
+              </a:ln>
+              <a:effectLst>
+                <a:outerShdw blurRad="50800" dist="38100" dir="2700000" algn="tl" rotWithShape="0">
+                  <a:prstClr val="black">
+                    <a:alpha val="40000"/>
+                  </a:prstClr>
+                </a:outerShdw>
+              </a:effectLst>
+            </p:spPr>
+            <p:style>
+              <a:lnRef idx="2">
+                <a:schemeClr val="accent1">
+                  <a:shade val="50000"/>
+                </a:schemeClr>
+              </a:lnRef>
+              <a:fillRef idx="1">
+                <a:schemeClr val="accent1"/>
+              </a:fillRef>
+              <a:effectRef idx="0">
+                <a:schemeClr val="accent1"/>
+              </a:effectRef>
+              <a:fontRef idx="minor">
+                <a:schemeClr val="lt1"/>
+              </a:fontRef>
+            </p:style>
+            <p:txBody>
+              <a:bodyPr rtlCol="0" anchor="ctr"/>
+              <a:lstStyle/>
+              <a:p>
+                <a:pPr algn="ctr"/>
+                <a:endParaRPr lang="ko-KR" altLang="en-US" dirty="0">
+                  <a:solidFill>
+                    <a:schemeClr val="tx1"/>
+                  </a:solidFill>
+                  <a:latin typeface="a옛날사진관3" panose="02020600000000000000" pitchFamily="18" charset="-127"/>
+                  <a:ea typeface="a옛날사진관3" panose="02020600000000000000" pitchFamily="18" charset="-127"/>
+                </a:endParaRPr>
+              </a:p>
+            </p:txBody>
+          </p:sp>
+          <p:sp>
+            <p:nvSpPr>
+              <p:cNvPr id="23" name="TextBox 22">
+                <a:extLst>
+                  <a:ext uri="{FF2B5EF4-FFF2-40B4-BE49-F238E27FC236}">
+                    <a16:creationId xmlns:a16="http://schemas.microsoft.com/office/drawing/2014/main" id="{2754FDC6-8E12-4527-803F-446C79CB82B8}"/>
+                  </a:ext>
+                </a:extLst>
+              </p:cNvPr>
+              <p:cNvSpPr txBox="1"/>
+              <p:nvPr/>
+            </p:nvSpPr>
+            <p:spPr>
+              <a:xfrm>
+                <a:off x="2749605" y="828033"/>
+                <a:ext cx="1820050" cy="323165"/>
+              </a:xfrm>
+              <a:prstGeom prst="rect">
+                <a:avLst/>
+              </a:prstGeom>
+              <a:noFill/>
+            </p:spPr>
+            <p:txBody>
+              <a:bodyPr wrap="none" rtlCol="0">
+                <a:spAutoFit/>
+              </a:bodyPr>
+              <a:lstStyle/>
+              <a:p>
+                <a:r>
+                  <a:rPr lang="en-US" altLang="ko-KR" sz="1500" dirty="0">
+                    <a:latin typeface="a옛날사진관3" panose="02020600000000000000" pitchFamily="18" charset="-127"/>
+                    <a:ea typeface="a옛날사진관3" panose="02020600000000000000" pitchFamily="18" charset="-127"/>
+                  </a:rPr>
+                  <a:t>Spring</a:t>
+                </a:r>
+                <a:r>
+                  <a:rPr lang="ko-KR" altLang="en-US" sz="1500" dirty="0">
+                    <a:latin typeface="a옛날사진관3" panose="02020600000000000000" pitchFamily="18" charset="-127"/>
+                    <a:ea typeface="a옛날사진관3" panose="02020600000000000000" pitchFamily="18" charset="-127"/>
+                  </a:rPr>
+                  <a:t>의 </a:t>
+                </a:r>
+                <a:r>
+                  <a:rPr lang="en-US" altLang="ko-KR" sz="1500" dirty="0">
+                    <a:latin typeface="a옛날사진관3" panose="02020600000000000000" pitchFamily="18" charset="-127"/>
+                    <a:ea typeface="a옛날사진관3" panose="02020600000000000000" pitchFamily="18" charset="-127"/>
+                  </a:rPr>
+                  <a:t>Context</a:t>
+                </a:r>
+                <a:endParaRPr lang="ko-KR" altLang="en-US" sz="1500" dirty="0">
+                  <a:latin typeface="a옛날사진관3" panose="02020600000000000000" pitchFamily="18" charset="-127"/>
+                  <a:ea typeface="a옛날사진관3" panose="02020600000000000000" pitchFamily="18" charset="-127"/>
+                </a:endParaRPr>
+              </a:p>
+            </p:txBody>
+          </p:sp>
+        </p:grpSp>
+        <p:sp>
+          <p:nvSpPr>
+            <p:cNvPr id="20" name="TextBox 19">
+              <a:extLst>
+                <a:ext uri="{FF2B5EF4-FFF2-40B4-BE49-F238E27FC236}">
+                  <a16:creationId xmlns:a16="http://schemas.microsoft.com/office/drawing/2014/main" id="{17029226-2461-4985-82A7-669C9FBD502D}"/>
+                </a:ext>
+              </a:extLst>
+            </p:cNvPr>
+            <p:cNvSpPr txBox="1"/>
+            <p:nvPr/>
+          </p:nvSpPr>
+          <p:spPr>
+            <a:xfrm>
+              <a:off x="6104080" y="1308764"/>
+              <a:ext cx="1272784" cy="323165"/>
+            </a:xfrm>
+            <a:prstGeom prst="rect">
+              <a:avLst/>
+            </a:prstGeom>
+            <a:solidFill>
+              <a:schemeClr val="bg1"/>
+            </a:solidFill>
+            <a:ln>
+              <a:solidFill>
+                <a:schemeClr val="tx1"/>
+              </a:solidFill>
+            </a:ln>
+            <a:effectLst>
+              <a:outerShdw blurRad="50800" dist="38100" dir="2700000" algn="tl" rotWithShape="0">
+                <a:prstClr val="black">
+                  <a:alpha val="40000"/>
+                </a:prstClr>
+              </a:outerShdw>
+            </a:effectLst>
+          </p:spPr>
+          <p:txBody>
+            <a:bodyPr wrap="none" rtlCol="0">
+              <a:spAutoFit/>
+            </a:bodyPr>
+            <a:lstStyle/>
+            <a:p>
+              <a:r>
+                <a:rPr lang="en-US" altLang="ko-KR" sz="1500" dirty="0">
+                  <a:latin typeface="a옛날사진관3" panose="02020600000000000000" pitchFamily="18" charset="-127"/>
+                  <a:ea typeface="a옛날사진관3" panose="02020600000000000000" pitchFamily="18" charset="-127"/>
+                </a:rPr>
+                <a:t>Restaurant</a:t>
+              </a:r>
+              <a:endParaRPr lang="ko-KR" altLang="en-US" sz="1500" dirty="0">
+                <a:latin typeface="a옛날사진관3" panose="02020600000000000000" pitchFamily="18" charset="-127"/>
+                <a:ea typeface="a옛날사진관3" panose="02020600000000000000" pitchFamily="18" charset="-127"/>
+              </a:endParaRPr>
+            </a:p>
+          </p:txBody>
+        </p:sp>
+        <p:sp>
+          <p:nvSpPr>
+            <p:cNvPr id="21" name="TextBox 20">
+              <a:extLst>
+                <a:ext uri="{FF2B5EF4-FFF2-40B4-BE49-F238E27FC236}">
+                  <a16:creationId xmlns:a16="http://schemas.microsoft.com/office/drawing/2014/main" id="{CEEE3BC7-2EB1-4F47-8BBA-515E037DBB26}"/>
+                </a:ext>
+              </a:extLst>
+            </p:cNvPr>
+            <p:cNvSpPr txBox="1"/>
+            <p:nvPr/>
+          </p:nvSpPr>
+          <p:spPr>
+            <a:xfrm>
+              <a:off x="6104080" y="1720859"/>
+              <a:ext cx="635110" cy="323165"/>
+            </a:xfrm>
+            <a:prstGeom prst="rect">
+              <a:avLst/>
+            </a:prstGeom>
+            <a:solidFill>
+              <a:schemeClr val="bg1"/>
+            </a:solidFill>
+            <a:ln>
+              <a:solidFill>
+                <a:schemeClr val="tx1"/>
+              </a:solidFill>
+            </a:ln>
+            <a:effectLst>
+              <a:outerShdw blurRad="50800" dist="38100" dir="2700000" algn="tl" rotWithShape="0">
+                <a:prstClr val="black">
+                  <a:alpha val="40000"/>
+                </a:prstClr>
+              </a:outerShdw>
+            </a:effectLst>
+          </p:spPr>
+          <p:txBody>
+            <a:bodyPr wrap="none" rtlCol="0">
+              <a:spAutoFit/>
+            </a:bodyPr>
+            <a:lstStyle/>
+            <a:p>
+              <a:r>
+                <a:rPr lang="en-US" altLang="ko-KR" sz="1500" dirty="0">
+                  <a:latin typeface="a옛날사진관3" panose="02020600000000000000" pitchFamily="18" charset="-127"/>
+                  <a:ea typeface="a옛날사진관3" panose="02020600000000000000" pitchFamily="18" charset="-127"/>
+                </a:rPr>
+                <a:t>Chef</a:t>
+              </a:r>
+              <a:endParaRPr lang="ko-KR" altLang="en-US" sz="1500" dirty="0">
+                <a:latin typeface="a옛날사진관3" panose="02020600000000000000" pitchFamily="18" charset="-127"/>
+                <a:ea typeface="a옛날사진관3" panose="02020600000000000000" pitchFamily="18" charset="-127"/>
+              </a:endParaRPr>
+            </a:p>
+          </p:txBody>
+        </p:sp>
+      </p:grpSp>
+      <p:sp>
+        <p:nvSpPr>
+          <p:cNvPr id="24" name="화살표: 오른쪽 23">
+            <a:extLst>
+              <a:ext uri="{FF2B5EF4-FFF2-40B4-BE49-F238E27FC236}">
+                <a16:creationId xmlns:a16="http://schemas.microsoft.com/office/drawing/2014/main" id="{E3A3D96D-4A34-492E-9127-D235A46F9E0E}"/>
+              </a:ext>
+            </a:extLst>
+          </p:cNvPr>
+          <p:cNvSpPr/>
+          <p:nvPr/>
+        </p:nvSpPr>
+        <p:spPr>
+          <a:xfrm>
+            <a:off x="7114365" y="1516407"/>
+            <a:ext cx="763398" cy="377506"/>
+          </a:xfrm>
+          <a:prstGeom prst="rightArrow">
+            <a:avLst>
+              <a:gd name="adj1" fmla="val 50000"/>
+              <a:gd name="adj2" fmla="val 76389"/>
+            </a:avLst>
+          </a:prstGeom>
+          <a:solidFill>
+            <a:schemeClr val="bg1">
+              <a:lumMod val="85000"/>
+            </a:schemeClr>
+          </a:solidFill>
+          <a:ln>
+            <a:solidFill>
+              <a:schemeClr val="tx1"/>
+            </a:solidFill>
+          </a:ln>
+          <a:effectLst>
+            <a:outerShdw blurRad="50800" dist="38100" dir="2700000" algn="tl" rotWithShape="0">
+              <a:prstClr val="black">
+                <a:alpha val="40000"/>
+              </a:prstClr>
+            </a:outerShdw>
+          </a:effectLst>
+        </p:spPr>
+        <p:style>
+          <a:lnRef idx="2">
+            <a:schemeClr val="accent1">
+              <a:shade val="50000"/>
+            </a:schemeClr>
+          </a:lnRef>
+          <a:fillRef idx="1">
+            <a:schemeClr val="accent1"/>
+          </a:fillRef>
+          <a:effectRef idx="0">
+            <a:schemeClr val="accent1"/>
+          </a:effectRef>
+          <a:fontRef idx="minor">
+            <a:schemeClr val="lt1"/>
+          </a:fontRef>
+        </p:style>
+        <p:txBody>
+          <a:bodyPr rtlCol="0" anchor="ctr"/>
+          <a:lstStyle/>
+          <a:p>
+            <a:pPr algn="ctr"/>
+            <a:endParaRPr lang="ko-KR" altLang="en-US"/>
+          </a:p>
+        </p:txBody>
+      </p:sp>
+      <p:sp>
+        <p:nvSpPr>
+          <p:cNvPr id="25" name="화살표: 오른쪽으로 구부러짐 24">
+            <a:extLst>
+              <a:ext uri="{FF2B5EF4-FFF2-40B4-BE49-F238E27FC236}">
+                <a16:creationId xmlns:a16="http://schemas.microsoft.com/office/drawing/2014/main" id="{40F10086-3C1B-450E-9839-ACB2133B03CC}"/>
+              </a:ext>
+            </a:extLst>
+          </p:cNvPr>
+          <p:cNvSpPr/>
+          <p:nvPr/>
+        </p:nvSpPr>
+        <p:spPr>
+          <a:xfrm rot="12683874">
+            <a:off x="8661202" y="1676132"/>
+            <a:ext cx="256205" cy="431176"/>
+          </a:xfrm>
+          <a:prstGeom prst="curvedRightArrow">
+            <a:avLst/>
+          </a:prstGeom>
+          <a:solidFill>
+            <a:schemeClr val="bg1">
+              <a:lumMod val="85000"/>
+            </a:schemeClr>
+          </a:solidFill>
+          <a:ln>
+            <a:solidFill>
+              <a:schemeClr val="tx1"/>
+            </a:solidFill>
+          </a:ln>
+          <a:effectLst>
+            <a:outerShdw blurRad="50800" dist="38100" dir="2700000" algn="tl" rotWithShape="0">
+              <a:prstClr val="black">
+                <a:alpha val="40000"/>
+              </a:prstClr>
+            </a:outerShdw>
+          </a:effectLst>
+        </p:spPr>
+        <p:style>
+          <a:lnRef idx="2">
+            <a:schemeClr val="accent1">
+              <a:shade val="50000"/>
+            </a:schemeClr>
+          </a:lnRef>
+          <a:fillRef idx="1">
+            <a:schemeClr val="accent1"/>
+          </a:fillRef>
+          <a:effectRef idx="0">
+            <a:schemeClr val="accent1"/>
+          </a:effectRef>
+          <a:fontRef idx="minor">
+            <a:schemeClr val="lt1"/>
+          </a:fontRef>
+        </p:style>
+        <p:txBody>
+          <a:bodyPr rtlCol="0" anchor="ctr"/>
+          <a:lstStyle/>
+          <a:p>
+            <a:pPr algn="ctr"/>
+            <a:endParaRPr lang="ko-KR" altLang="en-US">
+              <a:solidFill>
+                <a:schemeClr val="tx1"/>
+              </a:solidFill>
+            </a:endParaRPr>
+          </a:p>
+        </p:txBody>
+      </p:sp>
+    </p:spTree>
+    <p:extLst>
+      <p:ext uri="{BB962C8B-B14F-4D97-AF65-F5344CB8AC3E}">
+        <p14:creationId xmlns:p14="http://schemas.microsoft.com/office/powerpoint/2010/main" val="583441802"/>
+      </p:ext>
+    </p:extLst>
+  </p:cSld>
+  <p:clrMapOvr>
+    <a:masterClrMapping/>
+  </p:clrMapOvr>
+</p:sld>
+</file>
+
+<file path=ppt/slides/slide3.xml><?xml version="1.0" encoding="utf-8"?>
+<p:sld xmlns:a="http://schemas.openxmlformats.org/drawingml/2006/main" xmlns:r="http://schemas.openxmlformats.org/officeDocument/2006/relationships" xmlns:p="http://schemas.openxmlformats.org/presentationml/2006/main">
+  <p:cSld>
+    <p:spTree>
+      <p:nvGrpSpPr>
+        <p:cNvPr id="1" name=""/>
+        <p:cNvGrpSpPr/>
+        <p:nvPr/>
+      </p:nvGrpSpPr>
+      <p:grpSpPr>
+        <a:xfrm>
+          <a:off x="0" y="0"/>
+          <a:ext cx="0" cy="0"/>
+          <a:chOff x="0" y="0"/>
+          <a:chExt cx="0" cy="0"/>
+        </a:xfrm>
+      </p:grpSpPr>
+    </p:spTree>
+    <p:extLst>
+      <p:ext uri="{BB962C8B-B14F-4D97-AF65-F5344CB8AC3E}">
+        <p14:creationId xmlns:p14="http://schemas.microsoft.com/office/powerpoint/2010/main" val="3316289853"/>
+      </p:ext>
+    </p:extLst>
+  </p:cSld>
+  <p:clrMapOvr>
+    <a:masterClrMapping/>
+  </p:clrMapOvr>
+</p:sld>
+</file>
+
+<file path=ppt/slides/slide4.xml><?xml version="1.0" encoding="utf-8"?>
+<p:sld xmlns:a="http://schemas.openxmlformats.org/drawingml/2006/main" xmlns:r="http://schemas.openxmlformats.org/officeDocument/2006/relationships" xmlns:p="http://schemas.openxmlformats.org/presentationml/2006/main">
+  <p:cSld>
+    <p:spTree>
+      <p:nvGrpSpPr>
+        <p:cNvPr id="1" name=""/>
+        <p:cNvGrpSpPr/>
+        <p:nvPr/>
+      </p:nvGrpSpPr>
+      <p:grpSpPr>
+        <a:xfrm>
+          <a:off x="0" y="0"/>
+          <a:ext cx="0" cy="0"/>
+          <a:chOff x="0" y="0"/>
+          <a:chExt cx="0" cy="0"/>
+        </a:xfrm>
+      </p:grpSpPr>
+    </p:spTree>
+    <p:extLst>
+      <p:ext uri="{BB962C8B-B14F-4D97-AF65-F5344CB8AC3E}">
+        <p14:creationId xmlns:p14="http://schemas.microsoft.com/office/powerpoint/2010/main" val="1909867597"/>
+      </p:ext>
+    </p:extLst>
+  </p:cSld>
+  <p:clrMapOvr>
+    <a:masterClrMapping/>
+  </p:clrMapOvr>
+</p:sld>
+</file>
+
+<file path=ppt/slides/slide5.xml><?xml version="1.0" encoding="utf-8"?>
+<p:sld xmlns:a="http://schemas.openxmlformats.org/drawingml/2006/main" xmlns:r="http://schemas.openxmlformats.org/officeDocument/2006/relationships" xmlns:p="http://schemas.openxmlformats.org/presentationml/2006/main">
+  <p:cSld>
+    <p:spTree>
+      <p:nvGrpSpPr>
+        <p:cNvPr id="1" name=""/>
+        <p:cNvGrpSpPr/>
+        <p:nvPr/>
+      </p:nvGrpSpPr>
+      <p:grpSpPr>
+        <a:xfrm>
+          <a:off x="0" y="0"/>
+          <a:ext cx="0" cy="0"/>
+          <a:chOff x="0" y="0"/>
+          <a:chExt cx="0" cy="0"/>
+        </a:xfrm>
+      </p:grpSpPr>
+    </p:spTree>
+    <p:extLst>
+      <p:ext uri="{BB962C8B-B14F-4D97-AF65-F5344CB8AC3E}">
+        <p14:creationId xmlns:p14="http://schemas.microsoft.com/office/powerpoint/2010/main" val="4011711791"/>
+      </p:ext>
+    </p:extLst>
+  </p:cSld>
+  <p:clrMapOvr>
+    <a:masterClrMapping/>
+  </p:clrMapOvr>
+</p:sld>
+</file>
+
+<file path=ppt/slides/slide6.xml><?xml version="1.0" encoding="utf-8"?>
+<p:sld xmlns:a="http://schemas.openxmlformats.org/drawingml/2006/main" xmlns:r="http://schemas.openxmlformats.org/officeDocument/2006/relationships" xmlns:p="http://schemas.openxmlformats.org/presentationml/2006/main">
+  <p:cSld>
+    <p:spTree>
+      <p:nvGrpSpPr>
+        <p:cNvPr id="1" name=""/>
+        <p:cNvGrpSpPr/>
+        <p:nvPr/>
+      </p:nvGrpSpPr>
+      <p:grpSpPr>
+        <a:xfrm>
+          <a:off x="0" y="0"/>
+          <a:ext cx="0" cy="0"/>
+          <a:chOff x="0" y="0"/>
+          <a:chExt cx="0" cy="0"/>
+        </a:xfrm>
+      </p:grpSpPr>
+    </p:spTree>
+    <p:extLst>
+      <p:ext uri="{BB962C8B-B14F-4D97-AF65-F5344CB8AC3E}">
+        <p14:creationId xmlns:p14="http://schemas.microsoft.com/office/powerpoint/2010/main" val="1847010927"/>
+      </p:ext>
+    </p:extLst>
+  </p:cSld>
+  <p:clrMapOvr>
+    <a:masterClrMapping/>
+  </p:clrMapOvr>
+</p:sld>
+</file>
+
+<file path=ppt/slides/slide7.xml><?xml version="1.0" encoding="utf-8"?>
+<p:sld xmlns:a="http://schemas.openxmlformats.org/drawingml/2006/main" xmlns:r="http://schemas.openxmlformats.org/officeDocument/2006/relationships" xmlns:p="http://schemas.openxmlformats.org/presentationml/2006/main">
+  <p:cSld>
+    <p:spTree>
+      <p:nvGrpSpPr>
+        <p:cNvPr id="1" name=""/>
+        <p:cNvGrpSpPr/>
+        <p:nvPr/>
+      </p:nvGrpSpPr>
+      <p:grpSpPr>
+        <a:xfrm>
+          <a:off x="0" y="0"/>
+          <a:ext cx="0" cy="0"/>
+          <a:chOff x="0" y="0"/>
+          <a:chExt cx="0" cy="0"/>
+        </a:xfrm>
+      </p:grpSpPr>
+    </p:spTree>
+    <p:extLst>
+      <p:ext uri="{BB962C8B-B14F-4D97-AF65-F5344CB8AC3E}">
+        <p14:creationId xmlns:p14="http://schemas.microsoft.com/office/powerpoint/2010/main" val="1661342168"/>
+      </p:ext>
+    </p:extLst>
+  </p:cSld>
+  <p:clrMapOvr>
+    <a:masterClrMapping/>
+  </p:clrMapOvr>
+</p:sld>
+</file>
+
 <file path=ppt/theme/theme1.xml><?xml version="1.0" encoding="utf-8"?>
 <a:theme xmlns:a="http://schemas.openxmlformats.org/drawingml/2006/main" name="Office 테마">
   <a:themeElements>

--- a/Spring/pics.pptx
+++ b/Spring/pics.pptx
@@ -265,7 +265,7 @@
           <a:p>
             <a:fld id="{0F4FC828-2F47-4374-A58D-300187FD084B}" type="datetimeFigureOut">
               <a:rPr lang="ko-KR" altLang="en-US" smtClean="0"/>
-              <a:t>2020-08-09</a:t>
+              <a:t>2020-08-10</a:t>
             </a:fld>
             <a:endParaRPr lang="ko-KR" altLang="en-US"/>
           </a:p>
@@ -463,7 +463,7 @@
           <a:p>
             <a:fld id="{0F4FC828-2F47-4374-A58D-300187FD084B}" type="datetimeFigureOut">
               <a:rPr lang="ko-KR" altLang="en-US" smtClean="0"/>
-              <a:t>2020-08-09</a:t>
+              <a:t>2020-08-10</a:t>
             </a:fld>
             <a:endParaRPr lang="ko-KR" altLang="en-US"/>
           </a:p>
@@ -671,7 +671,7 @@
           <a:p>
             <a:fld id="{0F4FC828-2F47-4374-A58D-300187FD084B}" type="datetimeFigureOut">
               <a:rPr lang="ko-KR" altLang="en-US" smtClean="0"/>
-              <a:t>2020-08-09</a:t>
+              <a:t>2020-08-10</a:t>
             </a:fld>
             <a:endParaRPr lang="ko-KR" altLang="en-US"/>
           </a:p>
@@ -869,7 +869,7 @@
           <a:p>
             <a:fld id="{0F4FC828-2F47-4374-A58D-300187FD084B}" type="datetimeFigureOut">
               <a:rPr lang="ko-KR" altLang="en-US" smtClean="0"/>
-              <a:t>2020-08-09</a:t>
+              <a:t>2020-08-10</a:t>
             </a:fld>
             <a:endParaRPr lang="ko-KR" altLang="en-US"/>
           </a:p>
@@ -1144,7 +1144,7 @@
           <a:p>
             <a:fld id="{0F4FC828-2F47-4374-A58D-300187FD084B}" type="datetimeFigureOut">
               <a:rPr lang="ko-KR" altLang="en-US" smtClean="0"/>
-              <a:t>2020-08-09</a:t>
+              <a:t>2020-08-10</a:t>
             </a:fld>
             <a:endParaRPr lang="ko-KR" altLang="en-US"/>
           </a:p>
@@ -1409,7 +1409,7 @@
           <a:p>
             <a:fld id="{0F4FC828-2F47-4374-A58D-300187FD084B}" type="datetimeFigureOut">
               <a:rPr lang="ko-KR" altLang="en-US" smtClean="0"/>
-              <a:t>2020-08-09</a:t>
+              <a:t>2020-08-10</a:t>
             </a:fld>
             <a:endParaRPr lang="ko-KR" altLang="en-US"/>
           </a:p>
@@ -1821,7 +1821,7 @@
           <a:p>
             <a:fld id="{0F4FC828-2F47-4374-A58D-300187FD084B}" type="datetimeFigureOut">
               <a:rPr lang="ko-KR" altLang="en-US" smtClean="0"/>
-              <a:t>2020-08-09</a:t>
+              <a:t>2020-08-10</a:t>
             </a:fld>
             <a:endParaRPr lang="ko-KR" altLang="en-US"/>
           </a:p>
@@ -1962,7 +1962,7 @@
           <a:p>
             <a:fld id="{0F4FC828-2F47-4374-A58D-300187FD084B}" type="datetimeFigureOut">
               <a:rPr lang="ko-KR" altLang="en-US" smtClean="0"/>
-              <a:t>2020-08-09</a:t>
+              <a:t>2020-08-10</a:t>
             </a:fld>
             <a:endParaRPr lang="ko-KR" altLang="en-US"/>
           </a:p>
@@ -2075,7 +2075,7 @@
           <a:p>
             <a:fld id="{0F4FC828-2F47-4374-A58D-300187FD084B}" type="datetimeFigureOut">
               <a:rPr lang="ko-KR" altLang="en-US" smtClean="0"/>
-              <a:t>2020-08-09</a:t>
+              <a:t>2020-08-10</a:t>
             </a:fld>
             <a:endParaRPr lang="ko-KR" altLang="en-US"/>
           </a:p>
@@ -2386,7 +2386,7 @@
           <a:p>
             <a:fld id="{0F4FC828-2F47-4374-A58D-300187FD084B}" type="datetimeFigureOut">
               <a:rPr lang="ko-KR" altLang="en-US" smtClean="0"/>
-              <a:t>2020-08-09</a:t>
+              <a:t>2020-08-10</a:t>
             </a:fld>
             <a:endParaRPr lang="ko-KR" altLang="en-US"/>
           </a:p>
@@ -2674,7 +2674,7 @@
           <a:p>
             <a:fld id="{0F4FC828-2F47-4374-A58D-300187FD084B}" type="datetimeFigureOut">
               <a:rPr lang="ko-KR" altLang="en-US" smtClean="0"/>
-              <a:t>2020-08-09</a:t>
+              <a:t>2020-08-10</a:t>
             </a:fld>
             <a:endParaRPr lang="ko-KR" altLang="en-US"/>
           </a:p>
@@ -2915,7 +2915,7 @@
           <a:p>
             <a:fld id="{0F4FC828-2F47-4374-A58D-300187FD084B}" type="datetimeFigureOut">
               <a:rPr lang="ko-KR" altLang="en-US" smtClean="0"/>
-              <a:t>2020-08-09</a:t>
+              <a:t>2020-08-10</a:t>
             </a:fld>
             <a:endParaRPr lang="ko-KR" altLang="en-US"/>
           </a:p>
@@ -5739,6 +5739,1762 @@
                 <a:schemeClr val="tx1"/>
               </a:solidFill>
             </a:endParaRPr>
+          </a:p>
+        </p:txBody>
+      </p:sp>
+      <p:sp>
+        <p:nvSpPr>
+          <p:cNvPr id="29" name="TextBox 28">
+            <a:extLst>
+              <a:ext uri="{FF2B5EF4-FFF2-40B4-BE49-F238E27FC236}">
+                <a16:creationId xmlns:a16="http://schemas.microsoft.com/office/drawing/2014/main" id="{203EC241-A219-45B5-8D3C-99E33CBBAAA3}"/>
+              </a:ext>
+            </a:extLst>
+          </p:cNvPr>
+          <p:cNvSpPr txBox="1"/>
+          <p:nvPr/>
+        </p:nvSpPr>
+        <p:spPr>
+          <a:xfrm>
+            <a:off x="329203" y="4551993"/>
+            <a:ext cx="1855636" cy="323165"/>
+          </a:xfrm>
+          <a:prstGeom prst="rect">
+            <a:avLst/>
+          </a:prstGeom>
+          <a:solidFill>
+            <a:schemeClr val="bg1"/>
+          </a:solidFill>
+          <a:ln>
+            <a:solidFill>
+              <a:schemeClr val="tx1"/>
+            </a:solidFill>
+          </a:ln>
+          <a:effectLst>
+            <a:outerShdw blurRad="50800" dist="38100" dir="2700000" algn="tl" rotWithShape="0">
+              <a:prstClr val="black">
+                <a:alpha val="40000"/>
+              </a:prstClr>
+            </a:outerShdw>
+          </a:effectLst>
+        </p:spPr>
+        <p:txBody>
+          <a:bodyPr wrap="none" rtlCol="0">
+            <a:spAutoFit/>
+          </a:bodyPr>
+          <a:lstStyle/>
+          <a:p>
+            <a:r>
+              <a:rPr lang="en-US" altLang="ko-KR" sz="1500" dirty="0">
+                <a:latin typeface="a옛날사진관3" panose="02020600000000000000" pitchFamily="18" charset="-127"/>
+                <a:ea typeface="a옛날사진관3" panose="02020600000000000000" pitchFamily="18" charset="-127"/>
+              </a:rPr>
+              <a:t>root-context.xml</a:t>
+            </a:r>
+            <a:endParaRPr lang="ko-KR" altLang="en-US" sz="1500" dirty="0">
+              <a:latin typeface="a옛날사진관3" panose="02020600000000000000" pitchFamily="18" charset="-127"/>
+              <a:ea typeface="a옛날사진관3" panose="02020600000000000000" pitchFamily="18" charset="-127"/>
+            </a:endParaRPr>
+          </a:p>
+        </p:txBody>
+      </p:sp>
+      <p:grpSp>
+        <p:nvGrpSpPr>
+          <p:cNvPr id="38" name="그룹 37">
+            <a:extLst>
+              <a:ext uri="{FF2B5EF4-FFF2-40B4-BE49-F238E27FC236}">
+                <a16:creationId xmlns:a16="http://schemas.microsoft.com/office/drawing/2014/main" id="{D446D814-6ADF-4C0F-B4E6-4B42FDE9988A}"/>
+              </a:ext>
+            </a:extLst>
+          </p:cNvPr>
+          <p:cNvGrpSpPr/>
+          <p:nvPr/>
+        </p:nvGrpSpPr>
+        <p:grpSpPr>
+          <a:xfrm>
+            <a:off x="2223786" y="4713575"/>
+            <a:ext cx="2861751" cy="1737530"/>
+            <a:chOff x="5062379" y="792543"/>
+            <a:chExt cx="2861751" cy="1737530"/>
+          </a:xfrm>
+        </p:grpSpPr>
+        <p:grpSp>
+          <p:nvGrpSpPr>
+            <p:cNvPr id="39" name="그룹 38">
+              <a:extLst>
+                <a:ext uri="{FF2B5EF4-FFF2-40B4-BE49-F238E27FC236}">
+                  <a16:creationId xmlns:a16="http://schemas.microsoft.com/office/drawing/2014/main" id="{6279D4F6-298C-4EA0-B05C-4B440DEE55D9}"/>
+                </a:ext>
+              </a:extLst>
+            </p:cNvPr>
+            <p:cNvGrpSpPr/>
+            <p:nvPr/>
+          </p:nvGrpSpPr>
+          <p:grpSpPr>
+            <a:xfrm>
+              <a:off x="5062379" y="792543"/>
+              <a:ext cx="2861751" cy="1737530"/>
+              <a:chOff x="1764644" y="828033"/>
+              <a:chExt cx="2861751" cy="1737530"/>
+            </a:xfrm>
+          </p:grpSpPr>
+          <p:sp>
+            <p:nvSpPr>
+              <p:cNvPr id="42" name="사각형: 둥근 모서리 41">
+                <a:extLst>
+                  <a:ext uri="{FF2B5EF4-FFF2-40B4-BE49-F238E27FC236}">
+                    <a16:creationId xmlns:a16="http://schemas.microsoft.com/office/drawing/2014/main" id="{2152213D-9883-45E1-AB6D-51B9EDC3E8B8}"/>
+                  </a:ext>
+                </a:extLst>
+              </p:cNvPr>
+              <p:cNvSpPr/>
+              <p:nvPr/>
+            </p:nvSpPr>
+            <p:spPr>
+              <a:xfrm>
+                <a:off x="1764644" y="1199626"/>
+                <a:ext cx="2861751" cy="1365937"/>
+              </a:xfrm>
+              <a:prstGeom prst="roundRect">
+                <a:avLst/>
+              </a:prstGeom>
+              <a:solidFill>
+                <a:schemeClr val="bg1"/>
+              </a:solidFill>
+              <a:ln>
+                <a:solidFill>
+                  <a:schemeClr val="tx1"/>
+                </a:solidFill>
+              </a:ln>
+              <a:effectLst>
+                <a:outerShdw blurRad="50800" dist="38100" dir="2700000" algn="tl" rotWithShape="0">
+                  <a:prstClr val="black">
+                    <a:alpha val="40000"/>
+                  </a:prstClr>
+                </a:outerShdw>
+              </a:effectLst>
+            </p:spPr>
+            <p:style>
+              <a:lnRef idx="2">
+                <a:schemeClr val="accent1">
+                  <a:shade val="50000"/>
+                </a:schemeClr>
+              </a:lnRef>
+              <a:fillRef idx="1">
+                <a:schemeClr val="accent1"/>
+              </a:fillRef>
+              <a:effectRef idx="0">
+                <a:schemeClr val="accent1"/>
+              </a:effectRef>
+              <a:fontRef idx="minor">
+                <a:schemeClr val="lt1"/>
+              </a:fontRef>
+            </p:style>
+            <p:txBody>
+              <a:bodyPr rtlCol="0" anchor="ctr"/>
+              <a:lstStyle/>
+              <a:p>
+                <a:pPr algn="ctr"/>
+                <a:endParaRPr lang="ko-KR" altLang="en-US" dirty="0">
+                  <a:solidFill>
+                    <a:schemeClr val="tx1"/>
+                  </a:solidFill>
+                  <a:latin typeface="a옛날사진관3" panose="02020600000000000000" pitchFamily="18" charset="-127"/>
+                  <a:ea typeface="a옛날사진관3" panose="02020600000000000000" pitchFamily="18" charset="-127"/>
+                </a:endParaRPr>
+              </a:p>
+            </p:txBody>
+          </p:sp>
+          <p:sp>
+            <p:nvSpPr>
+              <p:cNvPr id="43" name="TextBox 42">
+                <a:extLst>
+                  <a:ext uri="{FF2B5EF4-FFF2-40B4-BE49-F238E27FC236}">
+                    <a16:creationId xmlns:a16="http://schemas.microsoft.com/office/drawing/2014/main" id="{25CA37EE-C49D-4E56-B25B-BDC4457310B9}"/>
+                  </a:ext>
+                </a:extLst>
+              </p:cNvPr>
+              <p:cNvSpPr txBox="1"/>
+              <p:nvPr/>
+            </p:nvSpPr>
+            <p:spPr>
+              <a:xfrm>
+                <a:off x="1822505" y="828033"/>
+                <a:ext cx="809517" cy="323165"/>
+              </a:xfrm>
+              <a:prstGeom prst="rect">
+                <a:avLst/>
+              </a:prstGeom>
+              <a:noFill/>
+            </p:spPr>
+            <p:txBody>
+              <a:bodyPr wrap="none" rtlCol="0">
+                <a:spAutoFit/>
+              </a:bodyPr>
+              <a:lstStyle/>
+              <a:p>
+                <a:r>
+                  <a:rPr lang="en-US" altLang="ko-KR" sz="1500" dirty="0">
+                    <a:latin typeface="a옛날사진관3" panose="02020600000000000000" pitchFamily="18" charset="-127"/>
+                    <a:ea typeface="a옛날사진관3" panose="02020600000000000000" pitchFamily="18" charset="-127"/>
+                  </a:rPr>
+                  <a:t>Spring</a:t>
+                </a:r>
+                <a:endParaRPr lang="ko-KR" altLang="en-US" sz="1500" dirty="0">
+                  <a:latin typeface="a옛날사진관3" panose="02020600000000000000" pitchFamily="18" charset="-127"/>
+                  <a:ea typeface="a옛날사진관3" panose="02020600000000000000" pitchFamily="18" charset="-127"/>
+                </a:endParaRPr>
+              </a:p>
+            </p:txBody>
+          </p:sp>
+        </p:grpSp>
+        <p:sp>
+          <p:nvSpPr>
+            <p:cNvPr id="40" name="TextBox 39">
+              <a:extLst>
+                <a:ext uri="{FF2B5EF4-FFF2-40B4-BE49-F238E27FC236}">
+                  <a16:creationId xmlns:a16="http://schemas.microsoft.com/office/drawing/2014/main" id="{277044C9-7FA5-4E41-A9A0-4F4A0A840029}"/>
+                </a:ext>
+              </a:extLst>
+            </p:cNvPr>
+            <p:cNvSpPr txBox="1"/>
+            <p:nvPr/>
+          </p:nvSpPr>
+          <p:spPr>
+            <a:xfrm>
+              <a:off x="6104080" y="1423064"/>
+              <a:ext cx="1681551" cy="323165"/>
+            </a:xfrm>
+            <a:prstGeom prst="rect">
+              <a:avLst/>
+            </a:prstGeom>
+            <a:solidFill>
+              <a:schemeClr val="bg1"/>
+            </a:solidFill>
+            <a:ln>
+              <a:solidFill>
+                <a:schemeClr val="tx1"/>
+              </a:solidFill>
+            </a:ln>
+            <a:effectLst>
+              <a:outerShdw blurRad="50800" dist="38100" dir="2700000" algn="tl" rotWithShape="0">
+                <a:prstClr val="black">
+                  <a:alpha val="40000"/>
+                </a:prstClr>
+              </a:outerShdw>
+            </a:effectLst>
+          </p:spPr>
+          <p:txBody>
+            <a:bodyPr wrap="none" rtlCol="0">
+              <a:spAutoFit/>
+            </a:bodyPr>
+            <a:lstStyle/>
+            <a:p>
+              <a:r>
+                <a:rPr lang="en-US" altLang="ko-KR" sz="1500" dirty="0" err="1">
+                  <a:latin typeface="a옛날사진관3" panose="02020600000000000000" pitchFamily="18" charset="-127"/>
+                  <a:ea typeface="a옛날사진관3" panose="02020600000000000000" pitchFamily="18" charset="-127"/>
+                </a:rPr>
+                <a:t>mybatis</a:t>
+              </a:r>
+              <a:r>
+                <a:rPr lang="en-US" altLang="ko-KR" sz="1500" dirty="0">
+                  <a:latin typeface="a옛날사진관3" panose="02020600000000000000" pitchFamily="18" charset="-127"/>
+                  <a:ea typeface="a옛날사진관3" panose="02020600000000000000" pitchFamily="18" charset="-127"/>
+                </a:rPr>
+                <a:t>-spring</a:t>
+              </a:r>
+              <a:endParaRPr lang="ko-KR" altLang="en-US" sz="1500" dirty="0">
+                <a:latin typeface="a옛날사진관3" panose="02020600000000000000" pitchFamily="18" charset="-127"/>
+                <a:ea typeface="a옛날사진관3" panose="02020600000000000000" pitchFamily="18" charset="-127"/>
+              </a:endParaRPr>
+            </a:p>
+          </p:txBody>
+        </p:sp>
+      </p:grpSp>
+      <p:sp>
+        <p:nvSpPr>
+          <p:cNvPr id="6" name="TextBox 5">
+            <a:extLst>
+              <a:ext uri="{FF2B5EF4-FFF2-40B4-BE49-F238E27FC236}">
+                <a16:creationId xmlns:a16="http://schemas.microsoft.com/office/drawing/2014/main" id="{B99CCAFA-80D4-4A36-8AB6-6D2AC510305B}"/>
+              </a:ext>
+            </a:extLst>
+          </p:cNvPr>
+          <p:cNvSpPr txBox="1"/>
+          <p:nvPr/>
+        </p:nvSpPr>
+        <p:spPr>
+          <a:xfrm>
+            <a:off x="5918317" y="5159429"/>
+            <a:ext cx="1465885" cy="1015663"/>
+          </a:xfrm>
+          <a:prstGeom prst="rect">
+            <a:avLst/>
+          </a:prstGeom>
+          <a:solidFill>
+            <a:schemeClr val="bg1"/>
+          </a:solidFill>
+          <a:ln>
+            <a:solidFill>
+              <a:schemeClr val="tx1"/>
+            </a:solidFill>
+          </a:ln>
+          <a:effectLst>
+            <a:outerShdw blurRad="50800" dist="38100" dir="2700000" algn="tl" rotWithShape="0">
+              <a:prstClr val="black">
+                <a:alpha val="40000"/>
+              </a:prstClr>
+            </a:outerShdw>
+          </a:effectLst>
+        </p:spPr>
+        <p:txBody>
+          <a:bodyPr wrap="square" rtlCol="0">
+            <a:spAutoFit/>
+          </a:bodyPr>
+          <a:lstStyle/>
+          <a:p>
+            <a:pPr algn="ctr"/>
+            <a:r>
+              <a:rPr lang="en-US" altLang="ko-KR" sz="1500" dirty="0" err="1">
+                <a:latin typeface="a옛날사진관3" panose="02020600000000000000" pitchFamily="18" charset="-127"/>
+                <a:ea typeface="a옛날사진관3" panose="02020600000000000000" pitchFamily="18" charset="-127"/>
+              </a:rPr>
+              <a:t>MyBatis</a:t>
+            </a:r>
+            <a:endParaRPr lang="en-US" altLang="ko-KR" sz="1500" dirty="0">
+              <a:latin typeface="a옛날사진관3" panose="02020600000000000000" pitchFamily="18" charset="-127"/>
+              <a:ea typeface="a옛날사진관3" panose="02020600000000000000" pitchFamily="18" charset="-127"/>
+            </a:endParaRPr>
+          </a:p>
+          <a:p>
+            <a:pPr algn="ctr"/>
+            <a:endParaRPr lang="en-US" altLang="ko-KR" sz="1500" dirty="0">
+              <a:latin typeface="a옛날사진관3" panose="02020600000000000000" pitchFamily="18" charset="-127"/>
+              <a:ea typeface="a옛날사진관3" panose="02020600000000000000" pitchFamily="18" charset="-127"/>
+            </a:endParaRPr>
+          </a:p>
+          <a:p>
+            <a:pPr algn="ctr"/>
+            <a:endParaRPr lang="en-US" altLang="ko-KR" sz="1500" dirty="0">
+              <a:latin typeface="a옛날사진관3" panose="02020600000000000000" pitchFamily="18" charset="-127"/>
+              <a:ea typeface="a옛날사진관3" panose="02020600000000000000" pitchFamily="18" charset="-127"/>
+            </a:endParaRPr>
+          </a:p>
+          <a:p>
+            <a:pPr algn="ctr"/>
+            <a:endParaRPr lang="ko-KR" altLang="en-US" sz="1500" dirty="0">
+              <a:latin typeface="a옛날사진관3" panose="02020600000000000000" pitchFamily="18" charset="-127"/>
+              <a:ea typeface="a옛날사진관3" panose="02020600000000000000" pitchFamily="18" charset="-127"/>
+            </a:endParaRPr>
+          </a:p>
+        </p:txBody>
+      </p:sp>
+      <p:grpSp>
+        <p:nvGrpSpPr>
+          <p:cNvPr id="52" name="그룹 51">
+            <a:extLst>
+              <a:ext uri="{FF2B5EF4-FFF2-40B4-BE49-F238E27FC236}">
+                <a16:creationId xmlns:a16="http://schemas.microsoft.com/office/drawing/2014/main" id="{1F093FCA-223D-4583-AE66-A975D3DD6307}"/>
+              </a:ext>
+            </a:extLst>
+          </p:cNvPr>
+          <p:cNvGrpSpPr/>
+          <p:nvPr/>
+        </p:nvGrpSpPr>
+        <p:grpSpPr>
+          <a:xfrm>
+            <a:off x="290257" y="2682384"/>
+            <a:ext cx="1933529" cy="1737530"/>
+            <a:chOff x="2692866" y="828033"/>
+            <a:chExt cx="1933529" cy="1737530"/>
+          </a:xfrm>
+        </p:grpSpPr>
+        <p:sp>
+          <p:nvSpPr>
+            <p:cNvPr id="55" name="사각형: 둥근 모서리 54">
+              <a:extLst>
+                <a:ext uri="{FF2B5EF4-FFF2-40B4-BE49-F238E27FC236}">
+                  <a16:creationId xmlns:a16="http://schemas.microsoft.com/office/drawing/2014/main" id="{2590A06F-0707-4348-ADC2-D40DA36E2806}"/>
+                </a:ext>
+              </a:extLst>
+            </p:cNvPr>
+            <p:cNvSpPr/>
+            <p:nvPr/>
+          </p:nvSpPr>
+          <p:spPr>
+            <a:xfrm>
+              <a:off x="2692866" y="1199626"/>
+              <a:ext cx="1933529" cy="1365937"/>
+            </a:xfrm>
+            <a:prstGeom prst="roundRect">
+              <a:avLst/>
+            </a:prstGeom>
+            <a:solidFill>
+              <a:schemeClr val="bg1"/>
+            </a:solidFill>
+            <a:ln>
+              <a:solidFill>
+                <a:schemeClr val="tx1"/>
+              </a:solidFill>
+            </a:ln>
+            <a:effectLst>
+              <a:outerShdw blurRad="50800" dist="38100" dir="2700000" algn="tl" rotWithShape="0">
+                <a:prstClr val="black">
+                  <a:alpha val="40000"/>
+                </a:prstClr>
+              </a:outerShdw>
+            </a:effectLst>
+          </p:spPr>
+          <p:style>
+            <a:lnRef idx="2">
+              <a:schemeClr val="accent1">
+                <a:shade val="50000"/>
+              </a:schemeClr>
+            </a:lnRef>
+            <a:fillRef idx="1">
+              <a:schemeClr val="accent1"/>
+            </a:fillRef>
+            <a:effectRef idx="0">
+              <a:schemeClr val="accent1"/>
+            </a:effectRef>
+            <a:fontRef idx="minor">
+              <a:schemeClr val="lt1"/>
+            </a:fontRef>
+          </p:style>
+          <p:txBody>
+            <a:bodyPr rtlCol="0" anchor="ctr"/>
+            <a:lstStyle/>
+            <a:p>
+              <a:pPr algn="ctr"/>
+              <a:endParaRPr lang="ko-KR" altLang="en-US" dirty="0">
+                <a:solidFill>
+                  <a:schemeClr val="tx1"/>
+                </a:solidFill>
+                <a:latin typeface="a옛날사진관3" panose="02020600000000000000" pitchFamily="18" charset="-127"/>
+                <a:ea typeface="a옛날사진관3" panose="02020600000000000000" pitchFamily="18" charset="-127"/>
+              </a:endParaRPr>
+            </a:p>
+          </p:txBody>
+        </p:sp>
+        <p:sp>
+          <p:nvSpPr>
+            <p:cNvPr id="56" name="TextBox 55">
+              <a:extLst>
+                <a:ext uri="{FF2B5EF4-FFF2-40B4-BE49-F238E27FC236}">
+                  <a16:creationId xmlns:a16="http://schemas.microsoft.com/office/drawing/2014/main" id="{EE0E7740-A1E9-4929-ADB0-EE751E336FE8}"/>
+                </a:ext>
+              </a:extLst>
+            </p:cNvPr>
+            <p:cNvSpPr txBox="1"/>
+            <p:nvPr/>
+          </p:nvSpPr>
+          <p:spPr>
+            <a:xfrm>
+              <a:off x="2749605" y="828033"/>
+              <a:ext cx="1820050" cy="323165"/>
+            </a:xfrm>
+            <a:prstGeom prst="rect">
+              <a:avLst/>
+            </a:prstGeom>
+            <a:noFill/>
+          </p:spPr>
+          <p:txBody>
+            <a:bodyPr wrap="none" rtlCol="0">
+              <a:spAutoFit/>
+            </a:bodyPr>
+            <a:lstStyle/>
+            <a:p>
+              <a:r>
+                <a:rPr lang="en-US" altLang="ko-KR" sz="1500" dirty="0">
+                  <a:latin typeface="a옛날사진관3" panose="02020600000000000000" pitchFamily="18" charset="-127"/>
+                  <a:ea typeface="a옛날사진관3" panose="02020600000000000000" pitchFamily="18" charset="-127"/>
+                </a:rPr>
+                <a:t>Spring</a:t>
+              </a:r>
+              <a:r>
+                <a:rPr lang="ko-KR" altLang="en-US" sz="1500" dirty="0">
+                  <a:latin typeface="a옛날사진관3" panose="02020600000000000000" pitchFamily="18" charset="-127"/>
+                  <a:ea typeface="a옛날사진관3" panose="02020600000000000000" pitchFamily="18" charset="-127"/>
+                </a:rPr>
+                <a:t>의 </a:t>
+              </a:r>
+              <a:r>
+                <a:rPr lang="en-US" altLang="ko-KR" sz="1500" dirty="0">
+                  <a:latin typeface="a옛날사진관3" panose="02020600000000000000" pitchFamily="18" charset="-127"/>
+                  <a:ea typeface="a옛날사진관3" panose="02020600000000000000" pitchFamily="18" charset="-127"/>
+                </a:rPr>
+                <a:t>Context</a:t>
+              </a:r>
+              <a:endParaRPr lang="ko-KR" altLang="en-US" sz="1500" dirty="0">
+                <a:latin typeface="a옛날사진관3" panose="02020600000000000000" pitchFamily="18" charset="-127"/>
+                <a:ea typeface="a옛날사진관3" panose="02020600000000000000" pitchFamily="18" charset="-127"/>
+              </a:endParaRPr>
+            </a:p>
+          </p:txBody>
+        </p:sp>
+      </p:grpSp>
+      <p:grpSp>
+        <p:nvGrpSpPr>
+          <p:cNvPr id="57" name="그룹 56">
+            <a:extLst>
+              <a:ext uri="{FF2B5EF4-FFF2-40B4-BE49-F238E27FC236}">
+                <a16:creationId xmlns:a16="http://schemas.microsoft.com/office/drawing/2014/main" id="{12BD40F1-72EA-402A-BB32-37222E392B00}"/>
+              </a:ext>
+            </a:extLst>
+          </p:cNvPr>
+          <p:cNvGrpSpPr/>
+          <p:nvPr/>
+        </p:nvGrpSpPr>
+        <p:grpSpPr>
+          <a:xfrm>
+            <a:off x="2626390" y="2682384"/>
+            <a:ext cx="1933529" cy="1737530"/>
+            <a:chOff x="5990601" y="792543"/>
+            <a:chExt cx="1933529" cy="1737530"/>
+          </a:xfrm>
+        </p:grpSpPr>
+        <p:grpSp>
+          <p:nvGrpSpPr>
+            <p:cNvPr id="58" name="그룹 57">
+              <a:extLst>
+                <a:ext uri="{FF2B5EF4-FFF2-40B4-BE49-F238E27FC236}">
+                  <a16:creationId xmlns:a16="http://schemas.microsoft.com/office/drawing/2014/main" id="{A1606104-D166-4AA6-8B6E-A596766BC74E}"/>
+                </a:ext>
+              </a:extLst>
+            </p:cNvPr>
+            <p:cNvGrpSpPr/>
+            <p:nvPr/>
+          </p:nvGrpSpPr>
+          <p:grpSpPr>
+            <a:xfrm>
+              <a:off x="5990601" y="792543"/>
+              <a:ext cx="1933529" cy="1737530"/>
+              <a:chOff x="2692866" y="828033"/>
+              <a:chExt cx="1933529" cy="1737530"/>
+            </a:xfrm>
+          </p:grpSpPr>
+          <p:sp>
+            <p:nvSpPr>
+              <p:cNvPr id="61" name="사각형: 둥근 모서리 60">
+                <a:extLst>
+                  <a:ext uri="{FF2B5EF4-FFF2-40B4-BE49-F238E27FC236}">
+                    <a16:creationId xmlns:a16="http://schemas.microsoft.com/office/drawing/2014/main" id="{5C040478-62D2-40CF-9913-D0EA2E89EF38}"/>
+                  </a:ext>
+                </a:extLst>
+              </p:cNvPr>
+              <p:cNvSpPr/>
+              <p:nvPr/>
+            </p:nvSpPr>
+            <p:spPr>
+              <a:xfrm>
+                <a:off x="2692866" y="1199626"/>
+                <a:ext cx="1933529" cy="1365937"/>
+              </a:xfrm>
+              <a:prstGeom prst="roundRect">
+                <a:avLst/>
+              </a:prstGeom>
+              <a:solidFill>
+                <a:schemeClr val="bg1"/>
+              </a:solidFill>
+              <a:ln>
+                <a:solidFill>
+                  <a:schemeClr val="tx1"/>
+                </a:solidFill>
+              </a:ln>
+              <a:effectLst>
+                <a:outerShdw blurRad="50800" dist="38100" dir="2700000" algn="tl" rotWithShape="0">
+                  <a:prstClr val="black">
+                    <a:alpha val="40000"/>
+                  </a:prstClr>
+                </a:outerShdw>
+              </a:effectLst>
+            </p:spPr>
+            <p:style>
+              <a:lnRef idx="2">
+                <a:schemeClr val="accent1">
+                  <a:shade val="50000"/>
+                </a:schemeClr>
+              </a:lnRef>
+              <a:fillRef idx="1">
+                <a:schemeClr val="accent1"/>
+              </a:fillRef>
+              <a:effectRef idx="0">
+                <a:schemeClr val="accent1"/>
+              </a:effectRef>
+              <a:fontRef idx="minor">
+                <a:schemeClr val="lt1"/>
+              </a:fontRef>
+            </p:style>
+            <p:txBody>
+              <a:bodyPr rtlCol="0" anchor="ctr"/>
+              <a:lstStyle/>
+              <a:p>
+                <a:pPr algn="ctr"/>
+                <a:endParaRPr lang="ko-KR" altLang="en-US" dirty="0">
+                  <a:solidFill>
+                    <a:schemeClr val="tx1"/>
+                  </a:solidFill>
+                  <a:latin typeface="a옛날사진관3" panose="02020600000000000000" pitchFamily="18" charset="-127"/>
+                  <a:ea typeface="a옛날사진관3" panose="02020600000000000000" pitchFamily="18" charset="-127"/>
+                </a:endParaRPr>
+              </a:p>
+            </p:txBody>
+          </p:sp>
+          <p:sp>
+            <p:nvSpPr>
+              <p:cNvPr id="62" name="TextBox 61">
+                <a:extLst>
+                  <a:ext uri="{FF2B5EF4-FFF2-40B4-BE49-F238E27FC236}">
+                    <a16:creationId xmlns:a16="http://schemas.microsoft.com/office/drawing/2014/main" id="{0FA4DA77-0FC3-4803-A69B-513036AC8933}"/>
+                  </a:ext>
+                </a:extLst>
+              </p:cNvPr>
+              <p:cNvSpPr txBox="1"/>
+              <p:nvPr/>
+            </p:nvSpPr>
+            <p:spPr>
+              <a:xfrm>
+                <a:off x="2749605" y="828033"/>
+                <a:ext cx="1820050" cy="323165"/>
+              </a:xfrm>
+              <a:prstGeom prst="rect">
+                <a:avLst/>
+              </a:prstGeom>
+              <a:noFill/>
+            </p:spPr>
+            <p:txBody>
+              <a:bodyPr wrap="none" rtlCol="0">
+                <a:spAutoFit/>
+              </a:bodyPr>
+              <a:lstStyle/>
+              <a:p>
+                <a:r>
+                  <a:rPr lang="en-US" altLang="ko-KR" sz="1500" dirty="0">
+                    <a:latin typeface="a옛날사진관3" panose="02020600000000000000" pitchFamily="18" charset="-127"/>
+                    <a:ea typeface="a옛날사진관3" panose="02020600000000000000" pitchFamily="18" charset="-127"/>
+                  </a:rPr>
+                  <a:t>Spring</a:t>
+                </a:r>
+                <a:r>
+                  <a:rPr lang="ko-KR" altLang="en-US" sz="1500" dirty="0">
+                    <a:latin typeface="a옛날사진관3" panose="02020600000000000000" pitchFamily="18" charset="-127"/>
+                    <a:ea typeface="a옛날사진관3" panose="02020600000000000000" pitchFamily="18" charset="-127"/>
+                  </a:rPr>
+                  <a:t>의 </a:t>
+                </a:r>
+                <a:r>
+                  <a:rPr lang="en-US" altLang="ko-KR" sz="1500" dirty="0">
+                    <a:latin typeface="a옛날사진관3" panose="02020600000000000000" pitchFamily="18" charset="-127"/>
+                    <a:ea typeface="a옛날사진관3" panose="02020600000000000000" pitchFamily="18" charset="-127"/>
+                  </a:rPr>
+                  <a:t>Context</a:t>
+                </a:r>
+                <a:endParaRPr lang="ko-KR" altLang="en-US" sz="1500" dirty="0">
+                  <a:latin typeface="a옛날사진관3" panose="02020600000000000000" pitchFamily="18" charset="-127"/>
+                  <a:ea typeface="a옛날사진관3" panose="02020600000000000000" pitchFamily="18" charset="-127"/>
+                </a:endParaRPr>
+              </a:p>
+            </p:txBody>
+          </p:sp>
+        </p:grpSp>
+        <p:sp>
+          <p:nvSpPr>
+            <p:cNvPr id="59" name="TextBox 58">
+              <a:extLst>
+                <a:ext uri="{FF2B5EF4-FFF2-40B4-BE49-F238E27FC236}">
+                  <a16:creationId xmlns:a16="http://schemas.microsoft.com/office/drawing/2014/main" id="{7110F91C-6815-4D76-B2BA-AD565F32073D}"/>
+                </a:ext>
+              </a:extLst>
+            </p:cNvPr>
+            <p:cNvSpPr txBox="1"/>
+            <p:nvPr/>
+          </p:nvSpPr>
+          <p:spPr>
+            <a:xfrm>
+              <a:off x="6104080" y="1423064"/>
+              <a:ext cx="1378904" cy="323165"/>
+            </a:xfrm>
+            <a:prstGeom prst="rect">
+              <a:avLst/>
+            </a:prstGeom>
+            <a:solidFill>
+              <a:schemeClr val="bg1"/>
+            </a:solidFill>
+            <a:ln>
+              <a:solidFill>
+                <a:schemeClr val="tx1"/>
+              </a:solidFill>
+            </a:ln>
+            <a:effectLst>
+              <a:outerShdw blurRad="50800" dist="38100" dir="2700000" algn="tl" rotWithShape="0">
+                <a:prstClr val="black">
+                  <a:alpha val="40000"/>
+                </a:prstClr>
+              </a:outerShdw>
+            </a:effectLst>
+          </p:spPr>
+          <p:txBody>
+            <a:bodyPr wrap="none" rtlCol="0">
+              <a:spAutoFit/>
+            </a:bodyPr>
+            <a:lstStyle/>
+            <a:p>
+              <a:r>
+                <a:rPr lang="en-US" altLang="ko-KR" sz="1500" dirty="0" err="1">
+                  <a:latin typeface="a옛날사진관3" panose="02020600000000000000" pitchFamily="18" charset="-127"/>
+                  <a:ea typeface="a옛날사진관3" panose="02020600000000000000" pitchFamily="18" charset="-127"/>
+                </a:rPr>
+                <a:t>hikariConfig</a:t>
+              </a:r>
+              <a:endParaRPr lang="ko-KR" altLang="en-US" sz="1500" dirty="0">
+                <a:latin typeface="a옛날사진관3" panose="02020600000000000000" pitchFamily="18" charset="-127"/>
+                <a:ea typeface="a옛날사진관3" panose="02020600000000000000" pitchFamily="18" charset="-127"/>
+              </a:endParaRPr>
+            </a:p>
+          </p:txBody>
+        </p:sp>
+      </p:grpSp>
+      <p:sp>
+        <p:nvSpPr>
+          <p:cNvPr id="30" name="화살표: 오른쪽 29">
+            <a:extLst>
+              <a:ext uri="{FF2B5EF4-FFF2-40B4-BE49-F238E27FC236}">
+                <a16:creationId xmlns:a16="http://schemas.microsoft.com/office/drawing/2014/main" id="{9D17F0D2-9F9F-41D6-A4D3-7E52B167D174}"/>
+              </a:ext>
+            </a:extLst>
+          </p:cNvPr>
+          <p:cNvSpPr/>
+          <p:nvPr/>
+        </p:nvSpPr>
+        <p:spPr>
+          <a:xfrm>
+            <a:off x="1994868" y="3572576"/>
+            <a:ext cx="763398" cy="377506"/>
+          </a:xfrm>
+          <a:prstGeom prst="rightArrow">
+            <a:avLst>
+              <a:gd name="adj1" fmla="val 50000"/>
+              <a:gd name="adj2" fmla="val 76389"/>
+            </a:avLst>
+          </a:prstGeom>
+          <a:solidFill>
+            <a:schemeClr val="bg1">
+              <a:lumMod val="85000"/>
+            </a:schemeClr>
+          </a:solidFill>
+          <a:ln>
+            <a:solidFill>
+              <a:schemeClr val="tx1"/>
+            </a:solidFill>
+          </a:ln>
+          <a:effectLst>
+            <a:outerShdw blurRad="50800" dist="38100" dir="2700000" algn="tl" rotWithShape="0">
+              <a:prstClr val="black">
+                <a:alpha val="40000"/>
+              </a:prstClr>
+            </a:outerShdw>
+          </a:effectLst>
+        </p:spPr>
+        <p:style>
+          <a:lnRef idx="2">
+            <a:schemeClr val="accent1">
+              <a:shade val="50000"/>
+            </a:schemeClr>
+          </a:lnRef>
+          <a:fillRef idx="1">
+            <a:schemeClr val="accent1"/>
+          </a:fillRef>
+          <a:effectRef idx="0">
+            <a:schemeClr val="accent1"/>
+          </a:effectRef>
+          <a:fontRef idx="minor">
+            <a:schemeClr val="lt1"/>
+          </a:fontRef>
+        </p:style>
+        <p:txBody>
+          <a:bodyPr rtlCol="0" anchor="ctr"/>
+          <a:lstStyle/>
+          <a:p>
+            <a:pPr algn="ctr"/>
+            <a:endParaRPr lang="ko-KR" altLang="en-US"/>
+          </a:p>
+        </p:txBody>
+      </p:sp>
+      <p:grpSp>
+        <p:nvGrpSpPr>
+          <p:cNvPr id="63" name="그룹 62">
+            <a:extLst>
+              <a:ext uri="{FF2B5EF4-FFF2-40B4-BE49-F238E27FC236}">
+                <a16:creationId xmlns:a16="http://schemas.microsoft.com/office/drawing/2014/main" id="{DF452A2F-7FF9-46F3-A67C-5E84417FE00C}"/>
+              </a:ext>
+            </a:extLst>
+          </p:cNvPr>
+          <p:cNvGrpSpPr/>
+          <p:nvPr/>
+        </p:nvGrpSpPr>
+        <p:grpSpPr>
+          <a:xfrm>
+            <a:off x="4948557" y="2682384"/>
+            <a:ext cx="1933529" cy="1737530"/>
+            <a:chOff x="5990601" y="792543"/>
+            <a:chExt cx="1933529" cy="1737530"/>
+          </a:xfrm>
+        </p:grpSpPr>
+        <p:grpSp>
+          <p:nvGrpSpPr>
+            <p:cNvPr id="64" name="그룹 63">
+              <a:extLst>
+                <a:ext uri="{FF2B5EF4-FFF2-40B4-BE49-F238E27FC236}">
+                  <a16:creationId xmlns:a16="http://schemas.microsoft.com/office/drawing/2014/main" id="{3CA69AB8-5086-4734-9527-F28D6AD593B8}"/>
+                </a:ext>
+              </a:extLst>
+            </p:cNvPr>
+            <p:cNvGrpSpPr/>
+            <p:nvPr/>
+          </p:nvGrpSpPr>
+          <p:grpSpPr>
+            <a:xfrm>
+              <a:off x="5990601" y="792543"/>
+              <a:ext cx="1933529" cy="1737530"/>
+              <a:chOff x="2692866" y="828033"/>
+              <a:chExt cx="1933529" cy="1737530"/>
+            </a:xfrm>
+          </p:grpSpPr>
+          <p:sp>
+            <p:nvSpPr>
+              <p:cNvPr id="67" name="사각형: 둥근 모서리 66">
+                <a:extLst>
+                  <a:ext uri="{FF2B5EF4-FFF2-40B4-BE49-F238E27FC236}">
+                    <a16:creationId xmlns:a16="http://schemas.microsoft.com/office/drawing/2014/main" id="{5888DB53-6044-43BA-86FE-F3C5B7720FC2}"/>
+                  </a:ext>
+                </a:extLst>
+              </p:cNvPr>
+              <p:cNvSpPr/>
+              <p:nvPr/>
+            </p:nvSpPr>
+            <p:spPr>
+              <a:xfrm>
+                <a:off x="2692866" y="1199626"/>
+                <a:ext cx="1933529" cy="1365937"/>
+              </a:xfrm>
+              <a:prstGeom prst="roundRect">
+                <a:avLst/>
+              </a:prstGeom>
+              <a:solidFill>
+                <a:schemeClr val="bg1"/>
+              </a:solidFill>
+              <a:ln>
+                <a:solidFill>
+                  <a:schemeClr val="tx1"/>
+                </a:solidFill>
+              </a:ln>
+              <a:effectLst>
+                <a:outerShdw blurRad="50800" dist="38100" dir="2700000" algn="tl" rotWithShape="0">
+                  <a:prstClr val="black">
+                    <a:alpha val="40000"/>
+                  </a:prstClr>
+                </a:outerShdw>
+              </a:effectLst>
+            </p:spPr>
+            <p:style>
+              <a:lnRef idx="2">
+                <a:schemeClr val="accent1">
+                  <a:shade val="50000"/>
+                </a:schemeClr>
+              </a:lnRef>
+              <a:fillRef idx="1">
+                <a:schemeClr val="accent1"/>
+              </a:fillRef>
+              <a:effectRef idx="0">
+                <a:schemeClr val="accent1"/>
+              </a:effectRef>
+              <a:fontRef idx="minor">
+                <a:schemeClr val="lt1"/>
+              </a:fontRef>
+            </p:style>
+            <p:txBody>
+              <a:bodyPr rtlCol="0" anchor="ctr"/>
+              <a:lstStyle/>
+              <a:p>
+                <a:pPr algn="ctr"/>
+                <a:endParaRPr lang="ko-KR" altLang="en-US" dirty="0">
+                  <a:solidFill>
+                    <a:schemeClr val="tx1"/>
+                  </a:solidFill>
+                  <a:latin typeface="a옛날사진관3" panose="02020600000000000000" pitchFamily="18" charset="-127"/>
+                  <a:ea typeface="a옛날사진관3" panose="02020600000000000000" pitchFamily="18" charset="-127"/>
+                </a:endParaRPr>
+              </a:p>
+            </p:txBody>
+          </p:sp>
+          <p:sp>
+            <p:nvSpPr>
+              <p:cNvPr id="68" name="TextBox 67">
+                <a:extLst>
+                  <a:ext uri="{FF2B5EF4-FFF2-40B4-BE49-F238E27FC236}">
+                    <a16:creationId xmlns:a16="http://schemas.microsoft.com/office/drawing/2014/main" id="{0FF550A8-9600-4BEE-BE54-84C3C8E30840}"/>
+                  </a:ext>
+                </a:extLst>
+              </p:cNvPr>
+              <p:cNvSpPr txBox="1"/>
+              <p:nvPr/>
+            </p:nvSpPr>
+            <p:spPr>
+              <a:xfrm>
+                <a:off x="2749605" y="828033"/>
+                <a:ext cx="1820050" cy="323165"/>
+              </a:xfrm>
+              <a:prstGeom prst="rect">
+                <a:avLst/>
+              </a:prstGeom>
+              <a:noFill/>
+            </p:spPr>
+            <p:txBody>
+              <a:bodyPr wrap="none" rtlCol="0">
+                <a:spAutoFit/>
+              </a:bodyPr>
+              <a:lstStyle/>
+              <a:p>
+                <a:r>
+                  <a:rPr lang="en-US" altLang="ko-KR" sz="1500" dirty="0">
+                    <a:latin typeface="a옛날사진관3" panose="02020600000000000000" pitchFamily="18" charset="-127"/>
+                    <a:ea typeface="a옛날사진관3" panose="02020600000000000000" pitchFamily="18" charset="-127"/>
+                  </a:rPr>
+                  <a:t>Spring</a:t>
+                </a:r>
+                <a:r>
+                  <a:rPr lang="ko-KR" altLang="en-US" sz="1500" dirty="0">
+                    <a:latin typeface="a옛날사진관3" panose="02020600000000000000" pitchFamily="18" charset="-127"/>
+                    <a:ea typeface="a옛날사진관3" panose="02020600000000000000" pitchFamily="18" charset="-127"/>
+                  </a:rPr>
+                  <a:t>의 </a:t>
+                </a:r>
+                <a:r>
+                  <a:rPr lang="en-US" altLang="ko-KR" sz="1500" dirty="0">
+                    <a:latin typeface="a옛날사진관3" panose="02020600000000000000" pitchFamily="18" charset="-127"/>
+                    <a:ea typeface="a옛날사진관3" panose="02020600000000000000" pitchFamily="18" charset="-127"/>
+                  </a:rPr>
+                  <a:t>Context</a:t>
+                </a:r>
+                <a:endParaRPr lang="ko-KR" altLang="en-US" sz="1500" dirty="0">
+                  <a:latin typeface="a옛날사진관3" panose="02020600000000000000" pitchFamily="18" charset="-127"/>
+                  <a:ea typeface="a옛날사진관3" panose="02020600000000000000" pitchFamily="18" charset="-127"/>
+                </a:endParaRPr>
+              </a:p>
+            </p:txBody>
+          </p:sp>
+        </p:grpSp>
+        <p:sp>
+          <p:nvSpPr>
+            <p:cNvPr id="65" name="TextBox 64">
+              <a:extLst>
+                <a:ext uri="{FF2B5EF4-FFF2-40B4-BE49-F238E27FC236}">
+                  <a16:creationId xmlns:a16="http://schemas.microsoft.com/office/drawing/2014/main" id="{3DA1C8B2-C51C-46BD-939E-D5EE74398DD4}"/>
+                </a:ext>
+              </a:extLst>
+            </p:cNvPr>
+            <p:cNvSpPr txBox="1"/>
+            <p:nvPr/>
+          </p:nvSpPr>
+          <p:spPr>
+            <a:xfrm>
+              <a:off x="6104080" y="1423064"/>
+              <a:ext cx="1378904" cy="323165"/>
+            </a:xfrm>
+            <a:prstGeom prst="rect">
+              <a:avLst/>
+            </a:prstGeom>
+            <a:solidFill>
+              <a:schemeClr val="bg1"/>
+            </a:solidFill>
+            <a:ln>
+              <a:solidFill>
+                <a:schemeClr val="tx1"/>
+              </a:solidFill>
+            </a:ln>
+            <a:effectLst>
+              <a:outerShdw blurRad="50800" dist="38100" dir="2700000" algn="tl" rotWithShape="0">
+                <a:prstClr val="black">
+                  <a:alpha val="40000"/>
+                </a:prstClr>
+              </a:outerShdw>
+            </a:effectLst>
+          </p:spPr>
+          <p:txBody>
+            <a:bodyPr wrap="none" rtlCol="0">
+              <a:spAutoFit/>
+            </a:bodyPr>
+            <a:lstStyle/>
+            <a:p>
+              <a:r>
+                <a:rPr lang="en-US" altLang="ko-KR" sz="1500" dirty="0" err="1">
+                  <a:latin typeface="a옛날사진관3" panose="02020600000000000000" pitchFamily="18" charset="-127"/>
+                  <a:ea typeface="a옛날사진관3" panose="02020600000000000000" pitchFamily="18" charset="-127"/>
+                </a:rPr>
+                <a:t>hikariConfig</a:t>
+              </a:r>
+              <a:endParaRPr lang="ko-KR" altLang="en-US" sz="1500" dirty="0">
+                <a:latin typeface="a옛날사진관3" panose="02020600000000000000" pitchFamily="18" charset="-127"/>
+                <a:ea typeface="a옛날사진관3" panose="02020600000000000000" pitchFamily="18" charset="-127"/>
+              </a:endParaRPr>
+            </a:p>
+          </p:txBody>
+        </p:sp>
+        <p:sp>
+          <p:nvSpPr>
+            <p:cNvPr id="66" name="TextBox 65">
+              <a:extLst>
+                <a:ext uri="{FF2B5EF4-FFF2-40B4-BE49-F238E27FC236}">
+                  <a16:creationId xmlns:a16="http://schemas.microsoft.com/office/drawing/2014/main" id="{78811D9F-0EB2-45C4-9E1E-1328E9933F81}"/>
+                </a:ext>
+              </a:extLst>
+            </p:cNvPr>
+            <p:cNvSpPr txBox="1"/>
+            <p:nvPr/>
+          </p:nvSpPr>
+          <p:spPr>
+            <a:xfrm>
+              <a:off x="6104080" y="1898659"/>
+              <a:ext cx="1297150" cy="323165"/>
+            </a:xfrm>
+            <a:prstGeom prst="rect">
+              <a:avLst/>
+            </a:prstGeom>
+            <a:solidFill>
+              <a:schemeClr val="bg1"/>
+            </a:solidFill>
+            <a:ln>
+              <a:solidFill>
+                <a:schemeClr val="tx1"/>
+              </a:solidFill>
+            </a:ln>
+            <a:effectLst>
+              <a:outerShdw blurRad="50800" dist="38100" dir="2700000" algn="tl" rotWithShape="0">
+                <a:prstClr val="black">
+                  <a:alpha val="40000"/>
+                </a:prstClr>
+              </a:outerShdw>
+            </a:effectLst>
+          </p:spPr>
+          <p:txBody>
+            <a:bodyPr wrap="none" rtlCol="0">
+              <a:spAutoFit/>
+            </a:bodyPr>
+            <a:lstStyle/>
+            <a:p>
+              <a:r>
+                <a:rPr lang="en-US" altLang="ko-KR" sz="1500" dirty="0" err="1">
+                  <a:latin typeface="a옛날사진관3" panose="02020600000000000000" pitchFamily="18" charset="-127"/>
+                  <a:ea typeface="a옛날사진관3" panose="02020600000000000000" pitchFamily="18" charset="-127"/>
+                </a:rPr>
+                <a:t>dataSource</a:t>
+              </a:r>
+              <a:endParaRPr lang="ko-KR" altLang="en-US" sz="1500" dirty="0">
+                <a:latin typeface="a옛날사진관3" panose="02020600000000000000" pitchFamily="18" charset="-127"/>
+                <a:ea typeface="a옛날사진관3" panose="02020600000000000000" pitchFamily="18" charset="-127"/>
+              </a:endParaRPr>
+            </a:p>
+          </p:txBody>
+        </p:sp>
+      </p:grpSp>
+      <p:sp>
+        <p:nvSpPr>
+          <p:cNvPr id="37" name="화살표: 오른쪽 36">
+            <a:extLst>
+              <a:ext uri="{FF2B5EF4-FFF2-40B4-BE49-F238E27FC236}">
+                <a16:creationId xmlns:a16="http://schemas.microsoft.com/office/drawing/2014/main" id="{F1373630-9444-4C42-9D45-A35B423EE94C}"/>
+              </a:ext>
+            </a:extLst>
+          </p:cNvPr>
+          <p:cNvSpPr/>
+          <p:nvPr/>
+        </p:nvSpPr>
+        <p:spPr>
+          <a:xfrm>
+            <a:off x="4291640" y="3548192"/>
+            <a:ext cx="763398" cy="377506"/>
+          </a:xfrm>
+          <a:prstGeom prst="rightArrow">
+            <a:avLst>
+              <a:gd name="adj1" fmla="val 50000"/>
+              <a:gd name="adj2" fmla="val 76389"/>
+            </a:avLst>
+          </a:prstGeom>
+          <a:solidFill>
+            <a:schemeClr val="bg1">
+              <a:lumMod val="85000"/>
+            </a:schemeClr>
+          </a:solidFill>
+          <a:ln>
+            <a:solidFill>
+              <a:schemeClr val="tx1"/>
+            </a:solidFill>
+          </a:ln>
+          <a:effectLst>
+            <a:outerShdw blurRad="50800" dist="38100" dir="2700000" algn="tl" rotWithShape="0">
+              <a:prstClr val="black">
+                <a:alpha val="40000"/>
+              </a:prstClr>
+            </a:outerShdw>
+          </a:effectLst>
+        </p:spPr>
+        <p:style>
+          <a:lnRef idx="2">
+            <a:schemeClr val="accent1">
+              <a:shade val="50000"/>
+            </a:schemeClr>
+          </a:lnRef>
+          <a:fillRef idx="1">
+            <a:schemeClr val="accent1"/>
+          </a:fillRef>
+          <a:effectRef idx="0">
+            <a:schemeClr val="accent1"/>
+          </a:effectRef>
+          <a:fontRef idx="minor">
+            <a:schemeClr val="lt1"/>
+          </a:fontRef>
+        </p:style>
+        <p:txBody>
+          <a:bodyPr rtlCol="0" anchor="ctr"/>
+          <a:lstStyle/>
+          <a:p>
+            <a:pPr algn="ctr"/>
+            <a:endParaRPr lang="ko-KR" altLang="en-US"/>
+          </a:p>
+        </p:txBody>
+      </p:sp>
+      <p:grpSp>
+        <p:nvGrpSpPr>
+          <p:cNvPr id="13" name="그룹 12">
+            <a:extLst>
+              <a:ext uri="{FF2B5EF4-FFF2-40B4-BE49-F238E27FC236}">
+                <a16:creationId xmlns:a16="http://schemas.microsoft.com/office/drawing/2014/main" id="{2AFE5B6B-E5EC-41CA-BCDD-5AA4A457534B}"/>
+              </a:ext>
+            </a:extLst>
+          </p:cNvPr>
+          <p:cNvGrpSpPr/>
+          <p:nvPr/>
+        </p:nvGrpSpPr>
+        <p:grpSpPr>
+          <a:xfrm>
+            <a:off x="7327463" y="2682384"/>
+            <a:ext cx="1933529" cy="1737530"/>
+            <a:chOff x="7356935" y="2622141"/>
+            <a:chExt cx="1933529" cy="1737530"/>
+          </a:xfrm>
+        </p:grpSpPr>
+        <p:grpSp>
+          <p:nvGrpSpPr>
+            <p:cNvPr id="69" name="그룹 68">
+              <a:extLst>
+                <a:ext uri="{FF2B5EF4-FFF2-40B4-BE49-F238E27FC236}">
+                  <a16:creationId xmlns:a16="http://schemas.microsoft.com/office/drawing/2014/main" id="{4E3A944C-3952-4B2F-9697-580503DFCC6F}"/>
+                </a:ext>
+              </a:extLst>
+            </p:cNvPr>
+            <p:cNvGrpSpPr/>
+            <p:nvPr/>
+          </p:nvGrpSpPr>
+          <p:grpSpPr>
+            <a:xfrm>
+              <a:off x="7356935" y="2622141"/>
+              <a:ext cx="1933529" cy="1737530"/>
+              <a:chOff x="5990601" y="792543"/>
+              <a:chExt cx="1933529" cy="1737530"/>
+            </a:xfrm>
+          </p:grpSpPr>
+          <p:grpSp>
+            <p:nvGrpSpPr>
+              <p:cNvPr id="70" name="그룹 69">
+                <a:extLst>
+                  <a:ext uri="{FF2B5EF4-FFF2-40B4-BE49-F238E27FC236}">
+                    <a16:creationId xmlns:a16="http://schemas.microsoft.com/office/drawing/2014/main" id="{84091AAA-28C8-4B9E-98AC-CAFF6CDD3CF7}"/>
+                  </a:ext>
+                </a:extLst>
+              </p:cNvPr>
+              <p:cNvGrpSpPr/>
+              <p:nvPr/>
+            </p:nvGrpSpPr>
+            <p:grpSpPr>
+              <a:xfrm>
+                <a:off x="5990601" y="792543"/>
+                <a:ext cx="1933529" cy="1737530"/>
+                <a:chOff x="2692866" y="828033"/>
+                <a:chExt cx="1933529" cy="1737530"/>
+              </a:xfrm>
+            </p:grpSpPr>
+            <p:sp>
+              <p:nvSpPr>
+                <p:cNvPr id="73" name="사각형: 둥근 모서리 72">
+                  <a:extLst>
+                    <a:ext uri="{FF2B5EF4-FFF2-40B4-BE49-F238E27FC236}">
+                      <a16:creationId xmlns:a16="http://schemas.microsoft.com/office/drawing/2014/main" id="{F84856FE-EB7E-4FEA-8D58-2672A65C41CF}"/>
+                    </a:ext>
+                  </a:extLst>
+                </p:cNvPr>
+                <p:cNvSpPr/>
+                <p:nvPr/>
+              </p:nvSpPr>
+              <p:spPr>
+                <a:xfrm>
+                  <a:off x="2692866" y="1199626"/>
+                  <a:ext cx="1933529" cy="1365937"/>
+                </a:xfrm>
+                <a:prstGeom prst="roundRect">
+                  <a:avLst/>
+                </a:prstGeom>
+                <a:solidFill>
+                  <a:schemeClr val="bg1"/>
+                </a:solidFill>
+                <a:ln>
+                  <a:solidFill>
+                    <a:schemeClr val="tx1"/>
+                  </a:solidFill>
+                </a:ln>
+                <a:effectLst>
+                  <a:outerShdw blurRad="50800" dist="38100" dir="2700000" algn="tl" rotWithShape="0">
+                    <a:prstClr val="black">
+                      <a:alpha val="40000"/>
+                    </a:prstClr>
+                  </a:outerShdw>
+                </a:effectLst>
+              </p:spPr>
+              <p:style>
+                <a:lnRef idx="2">
+                  <a:schemeClr val="accent1">
+                    <a:shade val="50000"/>
+                  </a:schemeClr>
+                </a:lnRef>
+                <a:fillRef idx="1">
+                  <a:schemeClr val="accent1"/>
+                </a:fillRef>
+                <a:effectRef idx="0">
+                  <a:schemeClr val="accent1"/>
+                </a:effectRef>
+                <a:fontRef idx="minor">
+                  <a:schemeClr val="lt1"/>
+                </a:fontRef>
+              </p:style>
+              <p:txBody>
+                <a:bodyPr rtlCol="0" anchor="ctr"/>
+                <a:lstStyle/>
+                <a:p>
+                  <a:pPr algn="ctr"/>
+                  <a:endParaRPr lang="ko-KR" altLang="en-US" dirty="0">
+                    <a:solidFill>
+                      <a:schemeClr val="tx1"/>
+                    </a:solidFill>
+                    <a:latin typeface="a옛날사진관3" panose="02020600000000000000" pitchFamily="18" charset="-127"/>
+                    <a:ea typeface="a옛날사진관3" panose="02020600000000000000" pitchFamily="18" charset="-127"/>
+                  </a:endParaRPr>
+                </a:p>
+              </p:txBody>
+            </p:sp>
+            <p:sp>
+              <p:nvSpPr>
+                <p:cNvPr id="74" name="TextBox 73">
+                  <a:extLst>
+                    <a:ext uri="{FF2B5EF4-FFF2-40B4-BE49-F238E27FC236}">
+                      <a16:creationId xmlns:a16="http://schemas.microsoft.com/office/drawing/2014/main" id="{1E25B031-5FD0-41C1-A3D5-C0F5EF1F440F}"/>
+                    </a:ext>
+                  </a:extLst>
+                </p:cNvPr>
+                <p:cNvSpPr txBox="1"/>
+                <p:nvPr/>
+              </p:nvSpPr>
+              <p:spPr>
+                <a:xfrm>
+                  <a:off x="2749605" y="828033"/>
+                  <a:ext cx="1820050" cy="323165"/>
+                </a:xfrm>
+                <a:prstGeom prst="rect">
+                  <a:avLst/>
+                </a:prstGeom>
+                <a:noFill/>
+              </p:spPr>
+              <p:txBody>
+                <a:bodyPr wrap="none" rtlCol="0">
+                  <a:spAutoFit/>
+                </a:bodyPr>
+                <a:lstStyle/>
+                <a:p>
+                  <a:r>
+                    <a:rPr lang="en-US" altLang="ko-KR" sz="1500" dirty="0">
+                      <a:latin typeface="a옛날사진관3" panose="02020600000000000000" pitchFamily="18" charset="-127"/>
+                      <a:ea typeface="a옛날사진관3" panose="02020600000000000000" pitchFamily="18" charset="-127"/>
+                    </a:rPr>
+                    <a:t>Spring</a:t>
+                  </a:r>
+                  <a:r>
+                    <a:rPr lang="ko-KR" altLang="en-US" sz="1500" dirty="0">
+                      <a:latin typeface="a옛날사진관3" panose="02020600000000000000" pitchFamily="18" charset="-127"/>
+                      <a:ea typeface="a옛날사진관3" panose="02020600000000000000" pitchFamily="18" charset="-127"/>
+                    </a:rPr>
+                    <a:t>의 </a:t>
+                  </a:r>
+                  <a:r>
+                    <a:rPr lang="en-US" altLang="ko-KR" sz="1500" dirty="0">
+                      <a:latin typeface="a옛날사진관3" panose="02020600000000000000" pitchFamily="18" charset="-127"/>
+                      <a:ea typeface="a옛날사진관3" panose="02020600000000000000" pitchFamily="18" charset="-127"/>
+                    </a:rPr>
+                    <a:t>Context</a:t>
+                  </a:r>
+                  <a:endParaRPr lang="ko-KR" altLang="en-US" sz="1500" dirty="0">
+                    <a:latin typeface="a옛날사진관3" panose="02020600000000000000" pitchFamily="18" charset="-127"/>
+                    <a:ea typeface="a옛날사진관3" panose="02020600000000000000" pitchFamily="18" charset="-127"/>
+                  </a:endParaRPr>
+                </a:p>
+              </p:txBody>
+            </p:sp>
+          </p:grpSp>
+          <p:sp>
+            <p:nvSpPr>
+              <p:cNvPr id="71" name="TextBox 70">
+                <a:extLst>
+                  <a:ext uri="{FF2B5EF4-FFF2-40B4-BE49-F238E27FC236}">
+                    <a16:creationId xmlns:a16="http://schemas.microsoft.com/office/drawing/2014/main" id="{5CF7C19F-5A7A-4FA6-9DAE-1D96144A12F6}"/>
+                  </a:ext>
+                </a:extLst>
+              </p:cNvPr>
+              <p:cNvSpPr txBox="1"/>
+              <p:nvPr/>
+            </p:nvSpPr>
+            <p:spPr>
+              <a:xfrm>
+                <a:off x="6104080" y="1423064"/>
+                <a:ext cx="1378904" cy="323165"/>
+              </a:xfrm>
+              <a:prstGeom prst="rect">
+                <a:avLst/>
+              </a:prstGeom>
+              <a:solidFill>
+                <a:schemeClr val="bg1"/>
+              </a:solidFill>
+              <a:ln>
+                <a:solidFill>
+                  <a:schemeClr val="tx1"/>
+                </a:solidFill>
+              </a:ln>
+              <a:effectLst>
+                <a:outerShdw blurRad="50800" dist="38100" dir="2700000" algn="tl" rotWithShape="0">
+                  <a:prstClr val="black">
+                    <a:alpha val="40000"/>
+                  </a:prstClr>
+                </a:outerShdw>
+              </a:effectLst>
+            </p:spPr>
+            <p:txBody>
+              <a:bodyPr wrap="none" rtlCol="0">
+                <a:spAutoFit/>
+              </a:bodyPr>
+              <a:lstStyle/>
+              <a:p>
+                <a:r>
+                  <a:rPr lang="en-US" altLang="ko-KR" sz="1500" dirty="0" err="1">
+                    <a:latin typeface="a옛날사진관3" panose="02020600000000000000" pitchFamily="18" charset="-127"/>
+                    <a:ea typeface="a옛날사진관3" panose="02020600000000000000" pitchFamily="18" charset="-127"/>
+                  </a:rPr>
+                  <a:t>hikariConfig</a:t>
+                </a:r>
+                <a:endParaRPr lang="ko-KR" altLang="en-US" sz="1500" dirty="0">
+                  <a:latin typeface="a옛날사진관3" panose="02020600000000000000" pitchFamily="18" charset="-127"/>
+                  <a:ea typeface="a옛날사진관3" panose="02020600000000000000" pitchFamily="18" charset="-127"/>
+                </a:endParaRPr>
+              </a:p>
+            </p:txBody>
+          </p:sp>
+          <p:sp>
+            <p:nvSpPr>
+              <p:cNvPr id="72" name="TextBox 71">
+                <a:extLst>
+                  <a:ext uri="{FF2B5EF4-FFF2-40B4-BE49-F238E27FC236}">
+                    <a16:creationId xmlns:a16="http://schemas.microsoft.com/office/drawing/2014/main" id="{77B5F5CE-1711-4868-B7EE-2AA4C18C682F}"/>
+                  </a:ext>
+                </a:extLst>
+              </p:cNvPr>
+              <p:cNvSpPr txBox="1"/>
+              <p:nvPr/>
+            </p:nvSpPr>
+            <p:spPr>
+              <a:xfrm>
+                <a:off x="6104080" y="1898659"/>
+                <a:ext cx="1297150" cy="323165"/>
+              </a:xfrm>
+              <a:prstGeom prst="rect">
+                <a:avLst/>
+              </a:prstGeom>
+              <a:solidFill>
+                <a:schemeClr val="bg1"/>
+              </a:solidFill>
+              <a:ln>
+                <a:solidFill>
+                  <a:schemeClr val="tx1"/>
+                </a:solidFill>
+              </a:ln>
+              <a:effectLst>
+                <a:outerShdw blurRad="50800" dist="38100" dir="2700000" algn="tl" rotWithShape="0">
+                  <a:prstClr val="black">
+                    <a:alpha val="40000"/>
+                  </a:prstClr>
+                </a:outerShdw>
+              </a:effectLst>
+            </p:spPr>
+            <p:txBody>
+              <a:bodyPr wrap="none" rtlCol="0">
+                <a:spAutoFit/>
+              </a:bodyPr>
+              <a:lstStyle/>
+              <a:p>
+                <a:r>
+                  <a:rPr lang="en-US" altLang="ko-KR" sz="1500" dirty="0" err="1">
+                    <a:latin typeface="a옛날사진관3" panose="02020600000000000000" pitchFamily="18" charset="-127"/>
+                    <a:ea typeface="a옛날사진관3" panose="02020600000000000000" pitchFamily="18" charset="-127"/>
+                  </a:rPr>
+                  <a:t>dataSource</a:t>
+                </a:r>
+                <a:endParaRPr lang="ko-KR" altLang="en-US" sz="1500" dirty="0">
+                  <a:latin typeface="a옛날사진관3" panose="02020600000000000000" pitchFamily="18" charset="-127"/>
+                  <a:ea typeface="a옛날사진관3" panose="02020600000000000000" pitchFamily="18" charset="-127"/>
+                </a:endParaRPr>
+              </a:p>
+            </p:txBody>
+          </p:sp>
+        </p:grpSp>
+        <p:sp>
+          <p:nvSpPr>
+            <p:cNvPr id="45" name="화살표: 오른쪽으로 구부러짐 44">
+              <a:extLst>
+                <a:ext uri="{FF2B5EF4-FFF2-40B4-BE49-F238E27FC236}">
+                  <a16:creationId xmlns:a16="http://schemas.microsoft.com/office/drawing/2014/main" id="{34917333-8184-4BA0-91A6-3F7B286F8E3C}"/>
+                </a:ext>
+              </a:extLst>
+            </p:cNvPr>
+            <p:cNvSpPr/>
+            <p:nvPr/>
+          </p:nvSpPr>
+          <p:spPr>
+            <a:xfrm rot="1391337" flipH="1">
+              <a:off x="8753324" y="3473568"/>
+              <a:ext cx="404168" cy="621318"/>
+            </a:xfrm>
+            <a:prstGeom prst="curvedRightArrow">
+              <a:avLst/>
+            </a:prstGeom>
+            <a:solidFill>
+              <a:schemeClr val="bg1">
+                <a:lumMod val="85000"/>
+              </a:schemeClr>
+            </a:solidFill>
+            <a:ln>
+              <a:solidFill>
+                <a:schemeClr val="tx1"/>
+              </a:solidFill>
+            </a:ln>
+            <a:effectLst>
+              <a:outerShdw blurRad="50800" dist="38100" dir="2700000" algn="tl" rotWithShape="0">
+                <a:prstClr val="black">
+                  <a:alpha val="40000"/>
+                </a:prstClr>
+              </a:outerShdw>
+            </a:effectLst>
+          </p:spPr>
+          <p:style>
+            <a:lnRef idx="2">
+              <a:schemeClr val="accent1">
+                <a:shade val="50000"/>
+              </a:schemeClr>
+            </a:lnRef>
+            <a:fillRef idx="1">
+              <a:schemeClr val="accent1"/>
+            </a:fillRef>
+            <a:effectRef idx="0">
+              <a:schemeClr val="accent1"/>
+            </a:effectRef>
+            <a:fontRef idx="minor">
+              <a:schemeClr val="lt1"/>
+            </a:fontRef>
+          </p:style>
+          <p:txBody>
+            <a:bodyPr rtlCol="0" anchor="ctr"/>
+            <a:lstStyle/>
+            <a:p>
+              <a:pPr algn="ctr"/>
+              <a:endParaRPr lang="ko-KR" altLang="en-US">
+                <a:solidFill>
+                  <a:schemeClr val="tx1"/>
+                </a:solidFill>
+              </a:endParaRPr>
+            </a:p>
+          </p:txBody>
+        </p:sp>
+      </p:grpSp>
+      <p:sp>
+        <p:nvSpPr>
+          <p:cNvPr id="44" name="화살표: 오른쪽 43">
+            <a:extLst>
+              <a:ext uri="{FF2B5EF4-FFF2-40B4-BE49-F238E27FC236}">
+                <a16:creationId xmlns:a16="http://schemas.microsoft.com/office/drawing/2014/main" id="{FCFB7AF1-85C8-4947-A040-55DA59593DAD}"/>
+              </a:ext>
+            </a:extLst>
+          </p:cNvPr>
+          <p:cNvSpPr/>
+          <p:nvPr/>
+        </p:nvSpPr>
+        <p:spPr>
+          <a:xfrm>
+            <a:off x="6623524" y="3559952"/>
+            <a:ext cx="763398" cy="377506"/>
+          </a:xfrm>
+          <a:prstGeom prst="rightArrow">
+            <a:avLst>
+              <a:gd name="adj1" fmla="val 50000"/>
+              <a:gd name="adj2" fmla="val 76389"/>
+            </a:avLst>
+          </a:prstGeom>
+          <a:solidFill>
+            <a:schemeClr val="bg1">
+              <a:lumMod val="85000"/>
+            </a:schemeClr>
+          </a:solidFill>
+          <a:ln>
+            <a:solidFill>
+              <a:schemeClr val="tx1"/>
+            </a:solidFill>
+          </a:ln>
+          <a:effectLst>
+            <a:outerShdw blurRad="50800" dist="38100" dir="2700000" algn="tl" rotWithShape="0">
+              <a:prstClr val="black">
+                <a:alpha val="40000"/>
+              </a:prstClr>
+            </a:outerShdw>
+          </a:effectLst>
+        </p:spPr>
+        <p:style>
+          <a:lnRef idx="2">
+            <a:schemeClr val="accent1">
+              <a:shade val="50000"/>
+            </a:schemeClr>
+          </a:lnRef>
+          <a:fillRef idx="1">
+            <a:schemeClr val="accent1"/>
+          </a:fillRef>
+          <a:effectRef idx="0">
+            <a:schemeClr val="accent1"/>
+          </a:effectRef>
+          <a:fontRef idx="minor">
+            <a:schemeClr val="lt1"/>
+          </a:fontRef>
+        </p:style>
+        <p:txBody>
+          <a:bodyPr rtlCol="0" anchor="ctr"/>
+          <a:lstStyle/>
+          <a:p>
+            <a:pPr algn="ctr"/>
+            <a:endParaRPr lang="ko-KR" altLang="en-US"/>
+          </a:p>
+        </p:txBody>
+      </p:sp>
+      <p:sp>
+        <p:nvSpPr>
+          <p:cNvPr id="16" name="원통형 15">
+            <a:extLst>
+              <a:ext uri="{FF2B5EF4-FFF2-40B4-BE49-F238E27FC236}">
+                <a16:creationId xmlns:a16="http://schemas.microsoft.com/office/drawing/2014/main" id="{A7B5588C-7792-40EF-9DF0-1BB88A498B87}"/>
+              </a:ext>
+            </a:extLst>
+          </p:cNvPr>
+          <p:cNvSpPr/>
+          <p:nvPr/>
+        </p:nvSpPr>
+        <p:spPr>
+          <a:xfrm>
+            <a:off x="8216982" y="5046053"/>
+            <a:ext cx="1632254" cy="1138352"/>
+          </a:xfrm>
+          <a:prstGeom prst="can">
+            <a:avLst/>
+          </a:prstGeom>
+          <a:solidFill>
+            <a:schemeClr val="bg1"/>
+          </a:solidFill>
+          <a:ln>
+            <a:solidFill>
+              <a:schemeClr val="tx1"/>
+            </a:solidFill>
+          </a:ln>
+          <a:effectLst>
+            <a:outerShdw blurRad="50800" dist="38100" dir="2700000" algn="tl" rotWithShape="0">
+              <a:prstClr val="black">
+                <a:alpha val="40000"/>
+              </a:prstClr>
+            </a:outerShdw>
+          </a:effectLst>
+        </p:spPr>
+        <p:style>
+          <a:lnRef idx="2">
+            <a:schemeClr val="accent1">
+              <a:shade val="50000"/>
+            </a:schemeClr>
+          </a:lnRef>
+          <a:fillRef idx="1">
+            <a:schemeClr val="accent1"/>
+          </a:fillRef>
+          <a:effectRef idx="0">
+            <a:schemeClr val="accent1"/>
+          </a:effectRef>
+          <a:fontRef idx="minor">
+            <a:schemeClr val="lt1"/>
+          </a:fontRef>
+        </p:style>
+        <p:txBody>
+          <a:bodyPr rtlCol="0" anchor="ctr"/>
+          <a:lstStyle/>
+          <a:p>
+            <a:pPr algn="ctr"/>
+            <a:r>
+              <a:rPr lang="en-US" altLang="ko-KR" sz="1500" dirty="0" err="1">
+                <a:solidFill>
+                  <a:schemeClr val="tx1"/>
+                </a:solidFill>
+                <a:latin typeface="a옛날사진관3" panose="02020600000000000000" pitchFamily="18" charset="-127"/>
+                <a:ea typeface="a옛날사진관3" panose="02020600000000000000" pitchFamily="18" charset="-127"/>
+              </a:rPr>
+              <a:t>DataBase</a:t>
+            </a:r>
+            <a:endParaRPr lang="ko-KR" altLang="en-US" sz="1500" dirty="0">
+              <a:solidFill>
+                <a:schemeClr val="tx1"/>
+              </a:solidFill>
+              <a:latin typeface="a옛날사진관3" panose="02020600000000000000" pitchFamily="18" charset="-127"/>
+              <a:ea typeface="a옛날사진관3" panose="02020600000000000000" pitchFamily="18" charset="-127"/>
+            </a:endParaRPr>
+          </a:p>
+        </p:txBody>
+      </p:sp>
+      <p:sp>
+        <p:nvSpPr>
+          <p:cNvPr id="75" name="화살표: 왼쪽/오른쪽 74">
+            <a:extLst>
+              <a:ext uri="{FF2B5EF4-FFF2-40B4-BE49-F238E27FC236}">
+                <a16:creationId xmlns:a16="http://schemas.microsoft.com/office/drawing/2014/main" id="{6AA79191-9297-474E-A8DB-870A2FE57DD7}"/>
+              </a:ext>
+            </a:extLst>
+          </p:cNvPr>
+          <p:cNvSpPr/>
+          <p:nvPr/>
+        </p:nvSpPr>
+        <p:spPr>
+          <a:xfrm>
+            <a:off x="5005296" y="5446101"/>
+            <a:ext cx="1010463" cy="595114"/>
+          </a:xfrm>
+          <a:prstGeom prst="leftRightArrow">
+            <a:avLst/>
+          </a:prstGeom>
+          <a:solidFill>
+            <a:schemeClr val="bg1">
+              <a:lumMod val="75000"/>
+            </a:schemeClr>
+          </a:solidFill>
+          <a:ln>
+            <a:solidFill>
+              <a:schemeClr val="tx1"/>
+            </a:solidFill>
+          </a:ln>
+          <a:effectLst>
+            <a:outerShdw blurRad="50800" dist="38100" dir="2700000" algn="tl" rotWithShape="0">
+              <a:prstClr val="black">
+                <a:alpha val="40000"/>
+              </a:prstClr>
+            </a:outerShdw>
+          </a:effectLst>
+        </p:spPr>
+        <p:style>
+          <a:lnRef idx="2">
+            <a:schemeClr val="accent1">
+              <a:shade val="50000"/>
+            </a:schemeClr>
+          </a:lnRef>
+          <a:fillRef idx="1">
+            <a:schemeClr val="accent1"/>
+          </a:fillRef>
+          <a:effectRef idx="0">
+            <a:schemeClr val="accent1"/>
+          </a:effectRef>
+          <a:fontRef idx="minor">
+            <a:schemeClr val="lt1"/>
+          </a:fontRef>
+        </p:style>
+        <p:txBody>
+          <a:bodyPr rtlCol="0" anchor="ctr"/>
+          <a:lstStyle/>
+          <a:p>
+            <a:pPr algn="ctr"/>
+            <a:endParaRPr lang="ko-KR" altLang="en-US"/>
+          </a:p>
+        </p:txBody>
+      </p:sp>
+      <p:sp>
+        <p:nvSpPr>
+          <p:cNvPr id="77" name="화살표: 왼쪽/오른쪽 76">
+            <a:extLst>
+              <a:ext uri="{FF2B5EF4-FFF2-40B4-BE49-F238E27FC236}">
+                <a16:creationId xmlns:a16="http://schemas.microsoft.com/office/drawing/2014/main" id="{F595D291-A964-48C5-B427-94B6AEF1AF96}"/>
+              </a:ext>
+            </a:extLst>
+          </p:cNvPr>
+          <p:cNvSpPr/>
+          <p:nvPr/>
+        </p:nvSpPr>
+        <p:spPr>
+          <a:xfrm>
+            <a:off x="7303381" y="5446101"/>
+            <a:ext cx="1010463" cy="595114"/>
+          </a:xfrm>
+          <a:prstGeom prst="leftRightArrow">
+            <a:avLst/>
+          </a:prstGeom>
+          <a:solidFill>
+            <a:schemeClr val="bg1">
+              <a:lumMod val="75000"/>
+            </a:schemeClr>
+          </a:solidFill>
+          <a:ln>
+            <a:solidFill>
+              <a:schemeClr val="tx1"/>
+            </a:solidFill>
+          </a:ln>
+          <a:effectLst>
+            <a:outerShdw blurRad="50800" dist="38100" dir="2700000" algn="tl" rotWithShape="0">
+              <a:prstClr val="black">
+                <a:alpha val="40000"/>
+              </a:prstClr>
+            </a:outerShdw>
+          </a:effectLst>
+        </p:spPr>
+        <p:style>
+          <a:lnRef idx="2">
+            <a:schemeClr val="accent1">
+              <a:shade val="50000"/>
+            </a:schemeClr>
+          </a:lnRef>
+          <a:fillRef idx="1">
+            <a:schemeClr val="accent1"/>
+          </a:fillRef>
+          <a:effectRef idx="0">
+            <a:schemeClr val="accent1"/>
+          </a:effectRef>
+          <a:fontRef idx="minor">
+            <a:schemeClr val="lt1"/>
+          </a:fontRef>
+        </p:style>
+        <p:txBody>
+          <a:bodyPr rtlCol="0" anchor="ctr"/>
+          <a:lstStyle/>
+          <a:p>
+            <a:pPr algn="ctr"/>
+            <a:endParaRPr lang="ko-KR" altLang="en-US"/>
           </a:p>
         </p:txBody>
       </p:sp>

--- a/Spring/pics.pptx
+++ b/Spring/pics.pptx
@@ -12,6 +12,11 @@
     <p:sldId id="260" r:id="rId6"/>
     <p:sldId id="261" r:id="rId7"/>
     <p:sldId id="262" r:id="rId8"/>
+    <p:sldId id="263" r:id="rId9"/>
+    <p:sldId id="264" r:id="rId10"/>
+    <p:sldId id="265" r:id="rId11"/>
+    <p:sldId id="266" r:id="rId12"/>
+    <p:sldId id="267" r:id="rId13"/>
   </p:sldIdLst>
   <p:sldSz cx="12192000" cy="6858000"/>
   <p:notesSz cx="6858000" cy="9144000"/>
@@ -265,7 +270,7 @@
           <a:p>
             <a:fld id="{0F4FC828-2F47-4374-A58D-300187FD084B}" type="datetimeFigureOut">
               <a:rPr lang="ko-KR" altLang="en-US" smtClean="0"/>
-              <a:t>2020-08-10</a:t>
+              <a:t>2020-08-11</a:t>
             </a:fld>
             <a:endParaRPr lang="ko-KR" altLang="en-US"/>
           </a:p>
@@ -463,7 +468,7 @@
           <a:p>
             <a:fld id="{0F4FC828-2F47-4374-A58D-300187FD084B}" type="datetimeFigureOut">
               <a:rPr lang="ko-KR" altLang="en-US" smtClean="0"/>
-              <a:t>2020-08-10</a:t>
+              <a:t>2020-08-11</a:t>
             </a:fld>
             <a:endParaRPr lang="ko-KR" altLang="en-US"/>
           </a:p>
@@ -671,7 +676,7 @@
           <a:p>
             <a:fld id="{0F4FC828-2F47-4374-A58D-300187FD084B}" type="datetimeFigureOut">
               <a:rPr lang="ko-KR" altLang="en-US" smtClean="0"/>
-              <a:t>2020-08-10</a:t>
+              <a:t>2020-08-11</a:t>
             </a:fld>
             <a:endParaRPr lang="ko-KR" altLang="en-US"/>
           </a:p>
@@ -869,7 +874,7 @@
           <a:p>
             <a:fld id="{0F4FC828-2F47-4374-A58D-300187FD084B}" type="datetimeFigureOut">
               <a:rPr lang="ko-KR" altLang="en-US" smtClean="0"/>
-              <a:t>2020-08-10</a:t>
+              <a:t>2020-08-11</a:t>
             </a:fld>
             <a:endParaRPr lang="ko-KR" altLang="en-US"/>
           </a:p>
@@ -1144,7 +1149,7 @@
           <a:p>
             <a:fld id="{0F4FC828-2F47-4374-A58D-300187FD084B}" type="datetimeFigureOut">
               <a:rPr lang="ko-KR" altLang="en-US" smtClean="0"/>
-              <a:t>2020-08-10</a:t>
+              <a:t>2020-08-11</a:t>
             </a:fld>
             <a:endParaRPr lang="ko-KR" altLang="en-US"/>
           </a:p>
@@ -1409,7 +1414,7 @@
           <a:p>
             <a:fld id="{0F4FC828-2F47-4374-A58D-300187FD084B}" type="datetimeFigureOut">
               <a:rPr lang="ko-KR" altLang="en-US" smtClean="0"/>
-              <a:t>2020-08-10</a:t>
+              <a:t>2020-08-11</a:t>
             </a:fld>
             <a:endParaRPr lang="ko-KR" altLang="en-US"/>
           </a:p>
@@ -1821,7 +1826,7 @@
           <a:p>
             <a:fld id="{0F4FC828-2F47-4374-A58D-300187FD084B}" type="datetimeFigureOut">
               <a:rPr lang="ko-KR" altLang="en-US" smtClean="0"/>
-              <a:t>2020-08-10</a:t>
+              <a:t>2020-08-11</a:t>
             </a:fld>
             <a:endParaRPr lang="ko-KR" altLang="en-US"/>
           </a:p>
@@ -1962,7 +1967,7 @@
           <a:p>
             <a:fld id="{0F4FC828-2F47-4374-A58D-300187FD084B}" type="datetimeFigureOut">
               <a:rPr lang="ko-KR" altLang="en-US" smtClean="0"/>
-              <a:t>2020-08-10</a:t>
+              <a:t>2020-08-11</a:t>
             </a:fld>
             <a:endParaRPr lang="ko-KR" altLang="en-US"/>
           </a:p>
@@ -2075,7 +2080,7 @@
           <a:p>
             <a:fld id="{0F4FC828-2F47-4374-A58D-300187FD084B}" type="datetimeFigureOut">
               <a:rPr lang="ko-KR" altLang="en-US" smtClean="0"/>
-              <a:t>2020-08-10</a:t>
+              <a:t>2020-08-11</a:t>
             </a:fld>
             <a:endParaRPr lang="ko-KR" altLang="en-US"/>
           </a:p>
@@ -2386,7 +2391,7 @@
           <a:p>
             <a:fld id="{0F4FC828-2F47-4374-A58D-300187FD084B}" type="datetimeFigureOut">
               <a:rPr lang="ko-KR" altLang="en-US" smtClean="0"/>
-              <a:t>2020-08-10</a:t>
+              <a:t>2020-08-11</a:t>
             </a:fld>
             <a:endParaRPr lang="ko-KR" altLang="en-US"/>
           </a:p>
@@ -2674,7 +2679,7 @@
           <a:p>
             <a:fld id="{0F4FC828-2F47-4374-A58D-300187FD084B}" type="datetimeFigureOut">
               <a:rPr lang="ko-KR" altLang="en-US" smtClean="0"/>
-              <a:t>2020-08-10</a:t>
+              <a:t>2020-08-11</a:t>
             </a:fld>
             <a:endParaRPr lang="ko-KR" altLang="en-US"/>
           </a:p>
@@ -2915,7 +2920,7 @@
           <a:p>
             <a:fld id="{0F4FC828-2F47-4374-A58D-300187FD084B}" type="datetimeFigureOut">
               <a:rPr lang="ko-KR" altLang="en-US" smtClean="0"/>
-              <a:t>2020-08-10</a:t>
+              <a:t>2020-08-11</a:t>
             </a:fld>
             <a:endParaRPr lang="ko-KR" altLang="en-US"/>
           </a:p>
@@ -4697,6 +4702,96 @@
     <p:extLst>
       <p:ext uri="{BB962C8B-B14F-4D97-AF65-F5344CB8AC3E}">
         <p14:creationId xmlns:p14="http://schemas.microsoft.com/office/powerpoint/2010/main" val="2823246934"/>
+      </p:ext>
+    </p:extLst>
+  </p:cSld>
+  <p:clrMapOvr>
+    <a:masterClrMapping/>
+  </p:clrMapOvr>
+</p:sld>
+</file>
+
+<file path=ppt/slides/slide10.xml><?xml version="1.0" encoding="utf-8"?>
+<p:sld xmlns:a="http://schemas.openxmlformats.org/drawingml/2006/main" xmlns:r="http://schemas.openxmlformats.org/officeDocument/2006/relationships" xmlns:p="http://schemas.openxmlformats.org/presentationml/2006/main">
+  <p:cSld>
+    <p:spTree>
+      <p:nvGrpSpPr>
+        <p:cNvPr id="1" name=""/>
+        <p:cNvGrpSpPr/>
+        <p:nvPr/>
+      </p:nvGrpSpPr>
+      <p:grpSpPr>
+        <a:xfrm>
+          <a:off x="0" y="0"/>
+          <a:ext cx="0" cy="0"/>
+          <a:chOff x="0" y="0"/>
+          <a:chExt cx="0" cy="0"/>
+        </a:xfrm>
+      </p:grpSpPr>
+    </p:spTree>
+    <p:extLst>
+      <p:ext uri="{BB962C8B-B14F-4D97-AF65-F5344CB8AC3E}">
+        <p14:creationId xmlns:p14="http://schemas.microsoft.com/office/powerpoint/2010/main" val="2889009211"/>
+      </p:ext>
+    </p:extLst>
+  </p:cSld>
+  <p:clrMapOvr>
+    <a:masterClrMapping/>
+  </p:clrMapOvr>
+</p:sld>
+</file>
+
+<file path=ppt/slides/slide11.xml><?xml version="1.0" encoding="utf-8"?>
+<p:sld xmlns:a="http://schemas.openxmlformats.org/drawingml/2006/main" xmlns:r="http://schemas.openxmlformats.org/officeDocument/2006/relationships" xmlns:p="http://schemas.openxmlformats.org/presentationml/2006/main">
+  <p:cSld>
+    <p:spTree>
+      <p:nvGrpSpPr>
+        <p:cNvPr id="1" name=""/>
+        <p:cNvGrpSpPr/>
+        <p:nvPr/>
+      </p:nvGrpSpPr>
+      <p:grpSpPr>
+        <a:xfrm>
+          <a:off x="0" y="0"/>
+          <a:ext cx="0" cy="0"/>
+          <a:chOff x="0" y="0"/>
+          <a:chExt cx="0" cy="0"/>
+        </a:xfrm>
+      </p:grpSpPr>
+    </p:spTree>
+    <p:extLst>
+      <p:ext uri="{BB962C8B-B14F-4D97-AF65-F5344CB8AC3E}">
+        <p14:creationId xmlns:p14="http://schemas.microsoft.com/office/powerpoint/2010/main" val="761583026"/>
+      </p:ext>
+    </p:extLst>
+  </p:cSld>
+  <p:clrMapOvr>
+    <a:masterClrMapping/>
+  </p:clrMapOvr>
+</p:sld>
+</file>
+
+<file path=ppt/slides/slide12.xml><?xml version="1.0" encoding="utf-8"?>
+<p:sld xmlns:a="http://schemas.openxmlformats.org/drawingml/2006/main" xmlns:r="http://schemas.openxmlformats.org/officeDocument/2006/relationships" xmlns:p="http://schemas.openxmlformats.org/presentationml/2006/main">
+  <p:cSld>
+    <p:spTree>
+      <p:nvGrpSpPr>
+        <p:cNvPr id="1" name=""/>
+        <p:cNvGrpSpPr/>
+        <p:nvPr/>
+      </p:nvGrpSpPr>
+      <p:grpSpPr>
+        <a:xfrm>
+          <a:off x="0" y="0"/>
+          <a:ext cx="0" cy="0"/>
+          <a:chOff x="0" y="0"/>
+          <a:chExt cx="0" cy="0"/>
+        </a:xfrm>
+      </p:grpSpPr>
+    </p:spTree>
+    <p:extLst>
+      <p:ext uri="{BB962C8B-B14F-4D97-AF65-F5344CB8AC3E}">
+        <p14:creationId xmlns:p14="http://schemas.microsoft.com/office/powerpoint/2010/main" val="2240423904"/>
       </p:ext>
     </p:extLst>
   </p:cSld>
@@ -7528,6 +7623,1214 @@
           <a:chExt cx="0" cy="0"/>
         </a:xfrm>
       </p:grpSpPr>
+      <p:grpSp>
+        <p:nvGrpSpPr>
+          <p:cNvPr id="26" name="그룹 25">
+            <a:extLst>
+              <a:ext uri="{FF2B5EF4-FFF2-40B4-BE49-F238E27FC236}">
+                <a16:creationId xmlns:a16="http://schemas.microsoft.com/office/drawing/2014/main" id="{0260939C-1CF8-4745-9A98-C8E1F22B0F47}"/>
+              </a:ext>
+            </a:extLst>
+          </p:cNvPr>
+          <p:cNvGrpSpPr/>
+          <p:nvPr/>
+        </p:nvGrpSpPr>
+        <p:grpSpPr>
+          <a:xfrm>
+            <a:off x="419010" y="587516"/>
+            <a:ext cx="5628752" cy="3123488"/>
+            <a:chOff x="419010" y="587516"/>
+            <a:chExt cx="5628752" cy="3123488"/>
+          </a:xfrm>
+        </p:grpSpPr>
+        <p:sp>
+          <p:nvSpPr>
+            <p:cNvPr id="5" name="사각형: 둥근 모서리 4">
+              <a:extLst>
+                <a:ext uri="{FF2B5EF4-FFF2-40B4-BE49-F238E27FC236}">
+                  <a16:creationId xmlns:a16="http://schemas.microsoft.com/office/drawing/2014/main" id="{A4B7FD42-35FD-4A18-9E75-9D8402D84100}"/>
+                </a:ext>
+              </a:extLst>
+            </p:cNvPr>
+            <p:cNvSpPr/>
+            <p:nvPr/>
+          </p:nvSpPr>
+          <p:spPr>
+            <a:xfrm>
+              <a:off x="419011" y="2188660"/>
+              <a:ext cx="2861751" cy="478753"/>
+            </a:xfrm>
+            <a:prstGeom prst="roundRect">
+              <a:avLst/>
+            </a:prstGeom>
+            <a:solidFill>
+              <a:schemeClr val="bg1"/>
+            </a:solidFill>
+            <a:ln>
+              <a:solidFill>
+                <a:schemeClr val="tx1"/>
+              </a:solidFill>
+            </a:ln>
+            <a:effectLst>
+              <a:outerShdw blurRad="50800" dist="38100" dir="2700000" algn="tl" rotWithShape="0">
+                <a:prstClr val="black">
+                  <a:alpha val="40000"/>
+                </a:prstClr>
+              </a:outerShdw>
+            </a:effectLst>
+          </p:spPr>
+          <p:style>
+            <a:lnRef idx="2">
+              <a:schemeClr val="accent1">
+                <a:shade val="50000"/>
+              </a:schemeClr>
+            </a:lnRef>
+            <a:fillRef idx="1">
+              <a:schemeClr val="accent1"/>
+            </a:fillRef>
+            <a:effectRef idx="0">
+              <a:schemeClr val="accent1"/>
+            </a:effectRef>
+            <a:fontRef idx="minor">
+              <a:schemeClr val="lt1"/>
+            </a:fontRef>
+          </p:style>
+          <p:txBody>
+            <a:bodyPr rtlCol="0" anchor="ctr"/>
+            <a:lstStyle/>
+            <a:p>
+              <a:pPr algn="ctr"/>
+              <a:r>
+                <a:rPr lang="en-US" altLang="ko-KR" dirty="0" err="1">
+                  <a:solidFill>
+                    <a:schemeClr val="tx1"/>
+                  </a:solidFill>
+                  <a:latin typeface="a옛날사진관3" panose="02020600000000000000" pitchFamily="18" charset="-127"/>
+                  <a:ea typeface="a옛날사진관3" panose="02020600000000000000" pitchFamily="18" charset="-127"/>
+                </a:rPr>
+                <a:t>MyBatis</a:t>
+              </a:r>
+              <a:endParaRPr lang="ko-KR" altLang="en-US" dirty="0">
+                <a:solidFill>
+                  <a:schemeClr val="tx1"/>
+                </a:solidFill>
+                <a:latin typeface="a옛날사진관3" panose="02020600000000000000" pitchFamily="18" charset="-127"/>
+                <a:ea typeface="a옛날사진관3" panose="02020600000000000000" pitchFamily="18" charset="-127"/>
+              </a:endParaRPr>
+            </a:p>
+          </p:txBody>
+        </p:sp>
+        <p:sp>
+          <p:nvSpPr>
+            <p:cNvPr id="6" name="TextBox 5">
+              <a:extLst>
+                <a:ext uri="{FF2B5EF4-FFF2-40B4-BE49-F238E27FC236}">
+                  <a16:creationId xmlns:a16="http://schemas.microsoft.com/office/drawing/2014/main" id="{8260675D-A3E8-4310-A10F-4ACA90500CBD}"/>
+                </a:ext>
+              </a:extLst>
+            </p:cNvPr>
+            <p:cNvSpPr txBox="1"/>
+            <p:nvPr/>
+          </p:nvSpPr>
+          <p:spPr>
+            <a:xfrm>
+              <a:off x="1262224" y="587516"/>
+              <a:ext cx="1175322" cy="369332"/>
+            </a:xfrm>
+            <a:prstGeom prst="rect">
+              <a:avLst/>
+            </a:prstGeom>
+            <a:noFill/>
+          </p:spPr>
+          <p:txBody>
+            <a:bodyPr wrap="none" rtlCol="0">
+              <a:spAutoFit/>
+            </a:bodyPr>
+            <a:lstStyle/>
+            <a:p>
+              <a:r>
+                <a:rPr lang="en-US" altLang="ko-KR" dirty="0">
+                  <a:latin typeface="a옛날사진관3" panose="02020600000000000000" pitchFamily="18" charset="-127"/>
+                  <a:ea typeface="a옛날사진관3" panose="02020600000000000000" pitchFamily="18" charset="-127"/>
+                </a:rPr>
+                <a:t>XML </a:t>
+              </a:r>
+              <a:r>
+                <a:rPr lang="ko-KR" altLang="en-US" dirty="0">
+                  <a:latin typeface="a옛날사진관3" panose="02020600000000000000" pitchFamily="18" charset="-127"/>
+                  <a:ea typeface="a옛날사진관3" panose="02020600000000000000" pitchFamily="18" charset="-127"/>
+                </a:rPr>
+                <a:t>설정</a:t>
+              </a:r>
+            </a:p>
+          </p:txBody>
+        </p:sp>
+        <p:sp>
+          <p:nvSpPr>
+            <p:cNvPr id="4" name="TextBox 3">
+              <a:extLst>
+                <a:ext uri="{FF2B5EF4-FFF2-40B4-BE49-F238E27FC236}">
+                  <a16:creationId xmlns:a16="http://schemas.microsoft.com/office/drawing/2014/main" id="{55303461-E203-4AD1-834E-3A827D9BF9DF}"/>
+                </a:ext>
+              </a:extLst>
+            </p:cNvPr>
+            <p:cNvSpPr txBox="1"/>
+            <p:nvPr/>
+          </p:nvSpPr>
+          <p:spPr>
+            <a:xfrm>
+              <a:off x="3911600" y="1921674"/>
+              <a:ext cx="1855636" cy="323165"/>
+            </a:xfrm>
+            <a:prstGeom prst="rect">
+              <a:avLst/>
+            </a:prstGeom>
+            <a:solidFill>
+              <a:schemeClr val="bg1"/>
+            </a:solidFill>
+            <a:ln>
+              <a:solidFill>
+                <a:schemeClr val="tx1"/>
+              </a:solidFill>
+            </a:ln>
+            <a:effectLst>
+              <a:outerShdw blurRad="50800" dist="38100" dir="2700000" algn="tl" rotWithShape="0">
+                <a:prstClr val="black">
+                  <a:alpha val="40000"/>
+                </a:prstClr>
+              </a:outerShdw>
+            </a:effectLst>
+          </p:spPr>
+          <p:txBody>
+            <a:bodyPr wrap="none" rtlCol="0">
+              <a:spAutoFit/>
+            </a:bodyPr>
+            <a:lstStyle/>
+            <a:p>
+              <a:r>
+                <a:rPr lang="en-US" altLang="ko-KR" sz="1500" dirty="0">
+                  <a:latin typeface="a옛날사진관3" panose="02020600000000000000" pitchFamily="18" charset="-127"/>
+                  <a:ea typeface="a옛날사진관3" panose="02020600000000000000" pitchFamily="18" charset="-127"/>
+                </a:rPr>
+                <a:t>root-context.xml</a:t>
+              </a:r>
+              <a:endParaRPr lang="ko-KR" altLang="en-US" sz="1500" dirty="0">
+                <a:latin typeface="a옛날사진관3" panose="02020600000000000000" pitchFamily="18" charset="-127"/>
+                <a:ea typeface="a옛날사진관3" panose="02020600000000000000" pitchFamily="18" charset="-127"/>
+              </a:endParaRPr>
+            </a:p>
+          </p:txBody>
+        </p:sp>
+        <p:sp>
+          <p:nvSpPr>
+            <p:cNvPr id="7" name="원통형 6">
+              <a:extLst>
+                <a:ext uri="{FF2B5EF4-FFF2-40B4-BE49-F238E27FC236}">
+                  <a16:creationId xmlns:a16="http://schemas.microsoft.com/office/drawing/2014/main" id="{D2DAB341-2CAE-45A6-B30B-0B0900141A4F}"/>
+                </a:ext>
+              </a:extLst>
+            </p:cNvPr>
+            <p:cNvSpPr/>
+            <p:nvPr/>
+          </p:nvSpPr>
+          <p:spPr>
+            <a:xfrm>
+              <a:off x="419011" y="2810916"/>
+              <a:ext cx="2861751" cy="900088"/>
+            </a:xfrm>
+            <a:prstGeom prst="can">
+              <a:avLst/>
+            </a:prstGeom>
+            <a:solidFill>
+              <a:schemeClr val="bg1">
+                <a:lumMod val="65000"/>
+              </a:schemeClr>
+            </a:solidFill>
+            <a:ln>
+              <a:solidFill>
+                <a:schemeClr val="tx1"/>
+              </a:solidFill>
+            </a:ln>
+            <a:effectLst>
+              <a:outerShdw blurRad="50800" dist="38100" dir="2700000" algn="tl" rotWithShape="0">
+                <a:prstClr val="black">
+                  <a:alpha val="40000"/>
+                </a:prstClr>
+              </a:outerShdw>
+            </a:effectLst>
+          </p:spPr>
+          <p:style>
+            <a:lnRef idx="2">
+              <a:schemeClr val="accent1">
+                <a:shade val="50000"/>
+              </a:schemeClr>
+            </a:lnRef>
+            <a:fillRef idx="1">
+              <a:schemeClr val="accent1"/>
+            </a:fillRef>
+            <a:effectRef idx="0">
+              <a:schemeClr val="accent1"/>
+            </a:effectRef>
+            <a:fontRef idx="minor">
+              <a:schemeClr val="lt1"/>
+            </a:fontRef>
+          </p:style>
+          <p:txBody>
+            <a:bodyPr rtlCol="0" anchor="ctr"/>
+            <a:lstStyle/>
+            <a:p>
+              <a:pPr algn="ctr"/>
+              <a:r>
+                <a:rPr lang="en-US" altLang="ko-KR" sz="1500" dirty="0" err="1">
+                  <a:solidFill>
+                    <a:schemeClr val="tx1"/>
+                  </a:solidFill>
+                  <a:latin typeface="a옛날사진관3" panose="02020600000000000000" pitchFamily="18" charset="-127"/>
+                  <a:ea typeface="a옛날사진관3" panose="02020600000000000000" pitchFamily="18" charset="-127"/>
+                </a:rPr>
+                <a:t>DataBase</a:t>
+              </a:r>
+              <a:endParaRPr lang="ko-KR" altLang="en-US" sz="1500" dirty="0">
+                <a:solidFill>
+                  <a:schemeClr val="tx1"/>
+                </a:solidFill>
+                <a:latin typeface="a옛날사진관3" panose="02020600000000000000" pitchFamily="18" charset="-127"/>
+                <a:ea typeface="a옛날사진관3" panose="02020600000000000000" pitchFamily="18" charset="-127"/>
+              </a:endParaRPr>
+            </a:p>
+          </p:txBody>
+        </p:sp>
+        <p:sp>
+          <p:nvSpPr>
+            <p:cNvPr id="9" name="사각형: 둥근 모서리 8">
+              <a:extLst>
+                <a:ext uri="{FF2B5EF4-FFF2-40B4-BE49-F238E27FC236}">
+                  <a16:creationId xmlns:a16="http://schemas.microsoft.com/office/drawing/2014/main" id="{B07F394A-C372-494F-8751-D9D3F271B03A}"/>
+                </a:ext>
+              </a:extLst>
+            </p:cNvPr>
+            <p:cNvSpPr/>
+            <p:nvPr/>
+          </p:nvSpPr>
+          <p:spPr>
+            <a:xfrm>
+              <a:off x="419010" y="1604504"/>
+              <a:ext cx="2861751" cy="478753"/>
+            </a:xfrm>
+            <a:prstGeom prst="roundRect">
+              <a:avLst/>
+            </a:prstGeom>
+            <a:solidFill>
+              <a:schemeClr val="bg1"/>
+            </a:solidFill>
+            <a:ln>
+              <a:solidFill>
+                <a:schemeClr val="tx1"/>
+              </a:solidFill>
+            </a:ln>
+            <a:effectLst>
+              <a:outerShdw blurRad="50800" dist="38100" dir="2700000" algn="tl" rotWithShape="0">
+                <a:prstClr val="black">
+                  <a:alpha val="40000"/>
+                </a:prstClr>
+              </a:outerShdw>
+            </a:effectLst>
+          </p:spPr>
+          <p:style>
+            <a:lnRef idx="2">
+              <a:schemeClr val="accent1">
+                <a:shade val="50000"/>
+              </a:schemeClr>
+            </a:lnRef>
+            <a:fillRef idx="1">
+              <a:schemeClr val="accent1"/>
+            </a:fillRef>
+            <a:effectRef idx="0">
+              <a:schemeClr val="accent1"/>
+            </a:effectRef>
+            <a:fontRef idx="minor">
+              <a:schemeClr val="lt1"/>
+            </a:fontRef>
+          </p:style>
+          <p:txBody>
+            <a:bodyPr rtlCol="0" anchor="ctr"/>
+            <a:lstStyle/>
+            <a:p>
+              <a:pPr algn="ctr"/>
+              <a:r>
+                <a:rPr lang="en-US" altLang="ko-KR" dirty="0">
+                  <a:solidFill>
+                    <a:schemeClr val="tx1"/>
+                  </a:solidFill>
+                  <a:latin typeface="a옛날사진관3" panose="02020600000000000000" pitchFamily="18" charset="-127"/>
+                  <a:ea typeface="a옛날사진관3" panose="02020600000000000000" pitchFamily="18" charset="-127"/>
+                </a:rPr>
+                <a:t>Spring Core</a:t>
+              </a:r>
+              <a:endParaRPr lang="ko-KR" altLang="en-US" dirty="0">
+                <a:solidFill>
+                  <a:schemeClr val="tx1"/>
+                </a:solidFill>
+                <a:latin typeface="a옛날사진관3" panose="02020600000000000000" pitchFamily="18" charset="-127"/>
+                <a:ea typeface="a옛날사진관3" panose="02020600000000000000" pitchFamily="18" charset="-127"/>
+              </a:endParaRPr>
+            </a:p>
+          </p:txBody>
+        </p:sp>
+        <p:sp>
+          <p:nvSpPr>
+            <p:cNvPr id="11" name="사각형: 둥근 모서리 10">
+              <a:extLst>
+                <a:ext uri="{FF2B5EF4-FFF2-40B4-BE49-F238E27FC236}">
+                  <a16:creationId xmlns:a16="http://schemas.microsoft.com/office/drawing/2014/main" id="{3B86CA0F-644B-4932-B470-1EC40E0B83A0}"/>
+                </a:ext>
+              </a:extLst>
+            </p:cNvPr>
+            <p:cNvSpPr/>
+            <p:nvPr/>
+          </p:nvSpPr>
+          <p:spPr>
+            <a:xfrm>
+              <a:off x="419010" y="1028599"/>
+              <a:ext cx="2861751" cy="478753"/>
+            </a:xfrm>
+            <a:prstGeom prst="roundRect">
+              <a:avLst/>
+            </a:prstGeom>
+            <a:solidFill>
+              <a:schemeClr val="bg1"/>
+            </a:solidFill>
+            <a:ln>
+              <a:solidFill>
+                <a:schemeClr val="tx1"/>
+              </a:solidFill>
+            </a:ln>
+            <a:effectLst>
+              <a:outerShdw blurRad="50800" dist="38100" dir="2700000" algn="tl" rotWithShape="0">
+                <a:prstClr val="black">
+                  <a:alpha val="40000"/>
+                </a:prstClr>
+              </a:outerShdw>
+            </a:effectLst>
+          </p:spPr>
+          <p:style>
+            <a:lnRef idx="2">
+              <a:schemeClr val="accent1">
+                <a:shade val="50000"/>
+              </a:schemeClr>
+            </a:lnRef>
+            <a:fillRef idx="1">
+              <a:schemeClr val="accent1"/>
+            </a:fillRef>
+            <a:effectRef idx="0">
+              <a:schemeClr val="accent1"/>
+            </a:effectRef>
+            <a:fontRef idx="minor">
+              <a:schemeClr val="lt1"/>
+            </a:fontRef>
+          </p:style>
+          <p:txBody>
+            <a:bodyPr rtlCol="0" anchor="ctr"/>
+            <a:lstStyle/>
+            <a:p>
+              <a:pPr algn="ctr"/>
+              <a:r>
+                <a:rPr lang="en-US" altLang="ko-KR" dirty="0">
+                  <a:solidFill>
+                    <a:schemeClr val="tx1"/>
+                  </a:solidFill>
+                  <a:latin typeface="a옛날사진관3" panose="02020600000000000000" pitchFamily="18" charset="-127"/>
+                  <a:ea typeface="a옛날사진관3" panose="02020600000000000000" pitchFamily="18" charset="-127"/>
+                </a:rPr>
+                <a:t>Spring MVC</a:t>
+              </a:r>
+              <a:endParaRPr lang="ko-KR" altLang="en-US" dirty="0">
+                <a:solidFill>
+                  <a:schemeClr val="tx1"/>
+                </a:solidFill>
+                <a:latin typeface="a옛날사진관3" panose="02020600000000000000" pitchFamily="18" charset="-127"/>
+                <a:ea typeface="a옛날사진관3" panose="02020600000000000000" pitchFamily="18" charset="-127"/>
+              </a:endParaRPr>
+            </a:p>
+          </p:txBody>
+        </p:sp>
+        <p:sp>
+          <p:nvSpPr>
+            <p:cNvPr id="12" name="오른쪽 중괄호 11">
+              <a:extLst>
+                <a:ext uri="{FF2B5EF4-FFF2-40B4-BE49-F238E27FC236}">
+                  <a16:creationId xmlns:a16="http://schemas.microsoft.com/office/drawing/2014/main" id="{9F74FFCB-DF73-4598-B5D6-640A527998C5}"/>
+                </a:ext>
+              </a:extLst>
+            </p:cNvPr>
+            <p:cNvSpPr/>
+            <p:nvPr/>
+          </p:nvSpPr>
+          <p:spPr>
+            <a:xfrm>
+              <a:off x="3456480" y="1871331"/>
+              <a:ext cx="279400" cy="478753"/>
+            </a:xfrm>
+            <a:prstGeom prst="rightBrace">
+              <a:avLst/>
+            </a:prstGeom>
+            <a:solidFill>
+              <a:schemeClr val="bg1"/>
+            </a:solidFill>
+            <a:ln w="19050">
+              <a:solidFill>
+                <a:schemeClr val="tx1">
+                  <a:lumMod val="65000"/>
+                  <a:lumOff val="35000"/>
+                </a:schemeClr>
+              </a:solidFill>
+            </a:ln>
+            <a:effectLst>
+              <a:outerShdw blurRad="50800" dist="38100" dir="2700000" algn="tl" rotWithShape="0">
+                <a:prstClr val="black">
+                  <a:alpha val="40000"/>
+                </a:prstClr>
+              </a:outerShdw>
+            </a:effectLst>
+          </p:spPr>
+          <p:style>
+            <a:lnRef idx="1">
+              <a:schemeClr val="dk1"/>
+            </a:lnRef>
+            <a:fillRef idx="0">
+              <a:schemeClr val="dk1"/>
+            </a:fillRef>
+            <a:effectRef idx="0">
+              <a:schemeClr val="dk1"/>
+            </a:effectRef>
+            <a:fontRef idx="minor">
+              <a:schemeClr val="tx1"/>
+            </a:fontRef>
+          </p:style>
+          <p:txBody>
+            <a:bodyPr rtlCol="0" anchor="ctr"/>
+            <a:lstStyle/>
+            <a:p>
+              <a:pPr algn="ctr"/>
+              <a:endParaRPr lang="ko-KR" altLang="en-US"/>
+            </a:p>
+          </p:txBody>
+        </p:sp>
+        <p:sp>
+          <p:nvSpPr>
+            <p:cNvPr id="14" name="TextBox 13">
+              <a:extLst>
+                <a:ext uri="{FF2B5EF4-FFF2-40B4-BE49-F238E27FC236}">
+                  <a16:creationId xmlns:a16="http://schemas.microsoft.com/office/drawing/2014/main" id="{5FE705F6-CCE7-4972-977D-28E8F89FEC05}"/>
+                </a:ext>
+              </a:extLst>
+            </p:cNvPr>
+            <p:cNvSpPr txBox="1"/>
+            <p:nvPr/>
+          </p:nvSpPr>
+          <p:spPr>
+            <a:xfrm>
+              <a:off x="3911600" y="1106392"/>
+              <a:ext cx="2136162" cy="323165"/>
+            </a:xfrm>
+            <a:prstGeom prst="rect">
+              <a:avLst/>
+            </a:prstGeom>
+            <a:solidFill>
+              <a:schemeClr val="bg1"/>
+            </a:solidFill>
+            <a:ln>
+              <a:solidFill>
+                <a:schemeClr val="tx1"/>
+              </a:solidFill>
+            </a:ln>
+            <a:effectLst>
+              <a:outerShdw blurRad="50800" dist="38100" dir="2700000" algn="tl" rotWithShape="0">
+                <a:prstClr val="black">
+                  <a:alpha val="40000"/>
+                </a:prstClr>
+              </a:outerShdw>
+            </a:effectLst>
+          </p:spPr>
+          <p:txBody>
+            <a:bodyPr wrap="none" rtlCol="0">
+              <a:spAutoFit/>
+            </a:bodyPr>
+            <a:lstStyle/>
+            <a:p>
+              <a:r>
+                <a:rPr lang="en-US" altLang="ko-KR" sz="1500" dirty="0">
+                  <a:latin typeface="a옛날사진관3" panose="02020600000000000000" pitchFamily="18" charset="-127"/>
+                  <a:ea typeface="a옛날사진관3" panose="02020600000000000000" pitchFamily="18" charset="-127"/>
+                </a:rPr>
+                <a:t>servlet-context.xml</a:t>
+              </a:r>
+              <a:endParaRPr lang="ko-KR" altLang="en-US" sz="1500" dirty="0">
+                <a:latin typeface="a옛날사진관3" panose="02020600000000000000" pitchFamily="18" charset="-127"/>
+                <a:ea typeface="a옛날사진관3" panose="02020600000000000000" pitchFamily="18" charset="-127"/>
+              </a:endParaRPr>
+            </a:p>
+          </p:txBody>
+        </p:sp>
+        <p:cxnSp>
+          <p:nvCxnSpPr>
+            <p:cNvPr id="16" name="직선 연결선 15">
+              <a:extLst>
+                <a:ext uri="{FF2B5EF4-FFF2-40B4-BE49-F238E27FC236}">
+                  <a16:creationId xmlns:a16="http://schemas.microsoft.com/office/drawing/2014/main" id="{634F732A-D156-41FB-AFAF-AD8089D17532}"/>
+                </a:ext>
+              </a:extLst>
+            </p:cNvPr>
+            <p:cNvCxnSpPr>
+              <a:stCxn id="11" idx="3"/>
+              <a:endCxn id="14" idx="1"/>
+            </p:cNvCxnSpPr>
+            <p:nvPr/>
+          </p:nvCxnSpPr>
+          <p:spPr>
+            <a:xfrm flipV="1">
+              <a:off x="3400329" y="1267975"/>
+              <a:ext cx="391702" cy="1"/>
+            </a:xfrm>
+            <a:prstGeom prst="line">
+              <a:avLst/>
+            </a:prstGeom>
+            <a:ln w="19050">
+              <a:solidFill>
+                <a:schemeClr val="tx1">
+                  <a:lumMod val="50000"/>
+                  <a:lumOff val="50000"/>
+                </a:schemeClr>
+              </a:solidFill>
+            </a:ln>
+            <a:effectLst>
+              <a:outerShdw blurRad="50800" dist="38100" dir="2700000" algn="tl" rotWithShape="0">
+                <a:prstClr val="black">
+                  <a:alpha val="40000"/>
+                </a:prstClr>
+              </a:outerShdw>
+            </a:effectLst>
+          </p:spPr>
+          <p:style>
+            <a:lnRef idx="1">
+              <a:schemeClr val="accent1"/>
+            </a:lnRef>
+            <a:fillRef idx="0">
+              <a:schemeClr val="accent1"/>
+            </a:fillRef>
+            <a:effectRef idx="0">
+              <a:schemeClr val="accent1"/>
+            </a:effectRef>
+            <a:fontRef idx="minor">
+              <a:schemeClr val="tx1"/>
+            </a:fontRef>
+          </p:style>
+        </p:cxnSp>
+      </p:grpSp>
+      <p:grpSp>
+        <p:nvGrpSpPr>
+          <p:cNvPr id="27" name="그룹 26">
+            <a:extLst>
+              <a:ext uri="{FF2B5EF4-FFF2-40B4-BE49-F238E27FC236}">
+                <a16:creationId xmlns:a16="http://schemas.microsoft.com/office/drawing/2014/main" id="{4A95D12A-9D18-46E5-87EB-FB8EA2CB47C0}"/>
+              </a:ext>
+            </a:extLst>
+          </p:cNvPr>
+          <p:cNvGrpSpPr/>
+          <p:nvPr/>
+        </p:nvGrpSpPr>
+        <p:grpSpPr>
+          <a:xfrm>
+            <a:off x="6146710" y="587516"/>
+            <a:ext cx="5580021" cy="3123488"/>
+            <a:chOff x="6146710" y="587516"/>
+            <a:chExt cx="5580021" cy="3123488"/>
+          </a:xfrm>
+        </p:grpSpPr>
+        <p:sp>
+          <p:nvSpPr>
+            <p:cNvPr id="17" name="사각형: 둥근 모서리 16">
+              <a:extLst>
+                <a:ext uri="{FF2B5EF4-FFF2-40B4-BE49-F238E27FC236}">
+                  <a16:creationId xmlns:a16="http://schemas.microsoft.com/office/drawing/2014/main" id="{BAA20EB0-F46F-4FF8-BA2E-659395BD71A2}"/>
+                </a:ext>
+              </a:extLst>
+            </p:cNvPr>
+            <p:cNvSpPr/>
+            <p:nvPr/>
+          </p:nvSpPr>
+          <p:spPr>
+            <a:xfrm>
+              <a:off x="6146711" y="2188660"/>
+              <a:ext cx="2861751" cy="478753"/>
+            </a:xfrm>
+            <a:prstGeom prst="roundRect">
+              <a:avLst/>
+            </a:prstGeom>
+            <a:solidFill>
+              <a:schemeClr val="bg1"/>
+            </a:solidFill>
+            <a:ln>
+              <a:solidFill>
+                <a:schemeClr val="tx1"/>
+              </a:solidFill>
+            </a:ln>
+            <a:effectLst>
+              <a:outerShdw blurRad="50800" dist="38100" dir="2700000" algn="tl" rotWithShape="0">
+                <a:prstClr val="black">
+                  <a:alpha val="40000"/>
+                </a:prstClr>
+              </a:outerShdw>
+            </a:effectLst>
+          </p:spPr>
+          <p:style>
+            <a:lnRef idx="2">
+              <a:schemeClr val="accent1">
+                <a:shade val="50000"/>
+              </a:schemeClr>
+            </a:lnRef>
+            <a:fillRef idx="1">
+              <a:schemeClr val="accent1"/>
+            </a:fillRef>
+            <a:effectRef idx="0">
+              <a:schemeClr val="accent1"/>
+            </a:effectRef>
+            <a:fontRef idx="minor">
+              <a:schemeClr val="lt1"/>
+            </a:fontRef>
+          </p:style>
+          <p:txBody>
+            <a:bodyPr rtlCol="0" anchor="ctr"/>
+            <a:lstStyle/>
+            <a:p>
+              <a:pPr algn="ctr"/>
+              <a:r>
+                <a:rPr lang="en-US" altLang="ko-KR" dirty="0" err="1">
+                  <a:solidFill>
+                    <a:schemeClr val="tx1"/>
+                  </a:solidFill>
+                  <a:latin typeface="a옛날사진관3" panose="02020600000000000000" pitchFamily="18" charset="-127"/>
+                  <a:ea typeface="a옛날사진관3" panose="02020600000000000000" pitchFamily="18" charset="-127"/>
+                </a:rPr>
+                <a:t>MyBatis</a:t>
+              </a:r>
+              <a:endParaRPr lang="ko-KR" altLang="en-US" dirty="0">
+                <a:solidFill>
+                  <a:schemeClr val="tx1"/>
+                </a:solidFill>
+                <a:latin typeface="a옛날사진관3" panose="02020600000000000000" pitchFamily="18" charset="-127"/>
+                <a:ea typeface="a옛날사진관3" panose="02020600000000000000" pitchFamily="18" charset="-127"/>
+              </a:endParaRPr>
+            </a:p>
+          </p:txBody>
+        </p:sp>
+        <p:sp>
+          <p:nvSpPr>
+            <p:cNvPr id="18" name="TextBox 17">
+              <a:extLst>
+                <a:ext uri="{FF2B5EF4-FFF2-40B4-BE49-F238E27FC236}">
+                  <a16:creationId xmlns:a16="http://schemas.microsoft.com/office/drawing/2014/main" id="{0E1BC6AB-C7FC-4E9E-B89B-E3CDE3AA53C2}"/>
+                </a:ext>
+              </a:extLst>
+            </p:cNvPr>
+            <p:cNvSpPr txBox="1"/>
+            <p:nvPr/>
+          </p:nvSpPr>
+          <p:spPr>
+            <a:xfrm>
+              <a:off x="6989924" y="587516"/>
+              <a:ext cx="1209883" cy="369332"/>
+            </a:xfrm>
+            <a:prstGeom prst="rect">
+              <a:avLst/>
+            </a:prstGeom>
+            <a:noFill/>
+          </p:spPr>
+          <p:txBody>
+            <a:bodyPr wrap="none" rtlCol="0">
+              <a:spAutoFit/>
+            </a:bodyPr>
+            <a:lstStyle/>
+            <a:p>
+              <a:r>
+                <a:rPr lang="en-US" altLang="ko-KR" dirty="0">
+                  <a:latin typeface="a옛날사진관3" panose="02020600000000000000" pitchFamily="18" charset="-127"/>
+                  <a:ea typeface="a옛날사진관3" panose="02020600000000000000" pitchFamily="18" charset="-127"/>
+                </a:rPr>
+                <a:t>Java </a:t>
+              </a:r>
+              <a:r>
+                <a:rPr lang="ko-KR" altLang="en-US" dirty="0">
+                  <a:latin typeface="a옛날사진관3" panose="02020600000000000000" pitchFamily="18" charset="-127"/>
+                  <a:ea typeface="a옛날사진관3" panose="02020600000000000000" pitchFamily="18" charset="-127"/>
+                </a:rPr>
+                <a:t>설정</a:t>
+              </a:r>
+            </a:p>
+          </p:txBody>
+        </p:sp>
+        <p:sp>
+          <p:nvSpPr>
+            <p:cNvPr id="19" name="TextBox 18">
+              <a:extLst>
+                <a:ext uri="{FF2B5EF4-FFF2-40B4-BE49-F238E27FC236}">
+                  <a16:creationId xmlns:a16="http://schemas.microsoft.com/office/drawing/2014/main" id="{02158547-BE7A-433C-979B-69E08E285FB6}"/>
+                </a:ext>
+              </a:extLst>
+            </p:cNvPr>
+            <p:cNvSpPr txBox="1"/>
+            <p:nvPr/>
+          </p:nvSpPr>
+          <p:spPr>
+            <a:xfrm>
+              <a:off x="9639300" y="1921674"/>
+              <a:ext cx="1835439" cy="323165"/>
+            </a:xfrm>
+            <a:prstGeom prst="rect">
+              <a:avLst/>
+            </a:prstGeom>
+            <a:solidFill>
+              <a:schemeClr val="bg1"/>
+            </a:solidFill>
+            <a:ln>
+              <a:solidFill>
+                <a:schemeClr val="tx1"/>
+              </a:solidFill>
+            </a:ln>
+            <a:effectLst>
+              <a:outerShdw blurRad="50800" dist="38100" dir="2700000" algn="tl" rotWithShape="0">
+                <a:prstClr val="black">
+                  <a:alpha val="40000"/>
+                </a:prstClr>
+              </a:outerShdw>
+            </a:effectLst>
+          </p:spPr>
+          <p:txBody>
+            <a:bodyPr wrap="none" rtlCol="0">
+              <a:spAutoFit/>
+            </a:bodyPr>
+            <a:lstStyle/>
+            <a:p>
+              <a:r>
+                <a:rPr lang="en-US" altLang="ko-KR" sz="1500" dirty="0" err="1">
+                  <a:latin typeface="a옛날사진관3" panose="02020600000000000000" pitchFamily="18" charset="-127"/>
+                  <a:ea typeface="a옛날사진관3" panose="02020600000000000000" pitchFamily="18" charset="-127"/>
+                </a:rPr>
+                <a:t>RootConfig.class</a:t>
+              </a:r>
+              <a:endParaRPr lang="ko-KR" altLang="en-US" sz="1500" dirty="0">
+                <a:latin typeface="a옛날사진관3" panose="02020600000000000000" pitchFamily="18" charset="-127"/>
+                <a:ea typeface="a옛날사진관3" panose="02020600000000000000" pitchFamily="18" charset="-127"/>
+              </a:endParaRPr>
+            </a:p>
+          </p:txBody>
+        </p:sp>
+        <p:sp>
+          <p:nvSpPr>
+            <p:cNvPr id="20" name="원통형 19">
+              <a:extLst>
+                <a:ext uri="{FF2B5EF4-FFF2-40B4-BE49-F238E27FC236}">
+                  <a16:creationId xmlns:a16="http://schemas.microsoft.com/office/drawing/2014/main" id="{97085AF3-3B7D-441B-AB79-37BE87CF54AA}"/>
+                </a:ext>
+              </a:extLst>
+            </p:cNvPr>
+            <p:cNvSpPr/>
+            <p:nvPr/>
+          </p:nvSpPr>
+          <p:spPr>
+            <a:xfrm>
+              <a:off x="6146711" y="2810916"/>
+              <a:ext cx="2861751" cy="900088"/>
+            </a:xfrm>
+            <a:prstGeom prst="can">
+              <a:avLst/>
+            </a:prstGeom>
+            <a:solidFill>
+              <a:schemeClr val="bg1">
+                <a:lumMod val="65000"/>
+              </a:schemeClr>
+            </a:solidFill>
+            <a:ln>
+              <a:solidFill>
+                <a:schemeClr val="tx1"/>
+              </a:solidFill>
+            </a:ln>
+            <a:effectLst>
+              <a:outerShdw blurRad="50800" dist="38100" dir="2700000" algn="tl" rotWithShape="0">
+                <a:prstClr val="black">
+                  <a:alpha val="40000"/>
+                </a:prstClr>
+              </a:outerShdw>
+            </a:effectLst>
+          </p:spPr>
+          <p:style>
+            <a:lnRef idx="2">
+              <a:schemeClr val="accent1">
+                <a:shade val="50000"/>
+              </a:schemeClr>
+            </a:lnRef>
+            <a:fillRef idx="1">
+              <a:schemeClr val="accent1"/>
+            </a:fillRef>
+            <a:effectRef idx="0">
+              <a:schemeClr val="accent1"/>
+            </a:effectRef>
+            <a:fontRef idx="minor">
+              <a:schemeClr val="lt1"/>
+            </a:fontRef>
+          </p:style>
+          <p:txBody>
+            <a:bodyPr rtlCol="0" anchor="ctr"/>
+            <a:lstStyle/>
+            <a:p>
+              <a:pPr algn="ctr"/>
+              <a:r>
+                <a:rPr lang="en-US" altLang="ko-KR" sz="1500" dirty="0" err="1">
+                  <a:solidFill>
+                    <a:schemeClr val="tx1"/>
+                  </a:solidFill>
+                  <a:latin typeface="a옛날사진관3" panose="02020600000000000000" pitchFamily="18" charset="-127"/>
+                  <a:ea typeface="a옛날사진관3" panose="02020600000000000000" pitchFamily="18" charset="-127"/>
+                </a:rPr>
+                <a:t>DataBase</a:t>
+              </a:r>
+              <a:endParaRPr lang="ko-KR" altLang="en-US" sz="1500" dirty="0">
+                <a:solidFill>
+                  <a:schemeClr val="tx1"/>
+                </a:solidFill>
+                <a:latin typeface="a옛날사진관3" panose="02020600000000000000" pitchFamily="18" charset="-127"/>
+                <a:ea typeface="a옛날사진관3" panose="02020600000000000000" pitchFamily="18" charset="-127"/>
+              </a:endParaRPr>
+            </a:p>
+          </p:txBody>
+        </p:sp>
+        <p:sp>
+          <p:nvSpPr>
+            <p:cNvPr id="21" name="사각형: 둥근 모서리 20">
+              <a:extLst>
+                <a:ext uri="{FF2B5EF4-FFF2-40B4-BE49-F238E27FC236}">
+                  <a16:creationId xmlns:a16="http://schemas.microsoft.com/office/drawing/2014/main" id="{F5FDA9B0-D907-4ED6-A025-01733503097C}"/>
+                </a:ext>
+              </a:extLst>
+            </p:cNvPr>
+            <p:cNvSpPr/>
+            <p:nvPr/>
+          </p:nvSpPr>
+          <p:spPr>
+            <a:xfrm>
+              <a:off x="6146710" y="1604504"/>
+              <a:ext cx="2861751" cy="478753"/>
+            </a:xfrm>
+            <a:prstGeom prst="roundRect">
+              <a:avLst/>
+            </a:prstGeom>
+            <a:solidFill>
+              <a:schemeClr val="bg1"/>
+            </a:solidFill>
+            <a:ln>
+              <a:solidFill>
+                <a:schemeClr val="tx1"/>
+              </a:solidFill>
+            </a:ln>
+            <a:effectLst>
+              <a:outerShdw blurRad="50800" dist="38100" dir="2700000" algn="tl" rotWithShape="0">
+                <a:prstClr val="black">
+                  <a:alpha val="40000"/>
+                </a:prstClr>
+              </a:outerShdw>
+            </a:effectLst>
+          </p:spPr>
+          <p:style>
+            <a:lnRef idx="2">
+              <a:schemeClr val="accent1">
+                <a:shade val="50000"/>
+              </a:schemeClr>
+            </a:lnRef>
+            <a:fillRef idx="1">
+              <a:schemeClr val="accent1"/>
+            </a:fillRef>
+            <a:effectRef idx="0">
+              <a:schemeClr val="accent1"/>
+            </a:effectRef>
+            <a:fontRef idx="minor">
+              <a:schemeClr val="lt1"/>
+            </a:fontRef>
+          </p:style>
+          <p:txBody>
+            <a:bodyPr rtlCol="0" anchor="ctr"/>
+            <a:lstStyle/>
+            <a:p>
+              <a:pPr algn="ctr"/>
+              <a:r>
+                <a:rPr lang="en-US" altLang="ko-KR" dirty="0">
+                  <a:solidFill>
+                    <a:schemeClr val="tx1"/>
+                  </a:solidFill>
+                  <a:latin typeface="a옛날사진관3" panose="02020600000000000000" pitchFamily="18" charset="-127"/>
+                  <a:ea typeface="a옛날사진관3" panose="02020600000000000000" pitchFamily="18" charset="-127"/>
+                </a:rPr>
+                <a:t>Spring Core</a:t>
+              </a:r>
+              <a:endParaRPr lang="ko-KR" altLang="en-US" dirty="0">
+                <a:solidFill>
+                  <a:schemeClr val="tx1"/>
+                </a:solidFill>
+                <a:latin typeface="a옛날사진관3" panose="02020600000000000000" pitchFamily="18" charset="-127"/>
+                <a:ea typeface="a옛날사진관3" panose="02020600000000000000" pitchFamily="18" charset="-127"/>
+              </a:endParaRPr>
+            </a:p>
+          </p:txBody>
+        </p:sp>
+        <p:sp>
+          <p:nvSpPr>
+            <p:cNvPr id="22" name="사각형: 둥근 모서리 21">
+              <a:extLst>
+                <a:ext uri="{FF2B5EF4-FFF2-40B4-BE49-F238E27FC236}">
+                  <a16:creationId xmlns:a16="http://schemas.microsoft.com/office/drawing/2014/main" id="{0D8F2896-D24F-4292-9F43-9445A2AABC93}"/>
+                </a:ext>
+              </a:extLst>
+            </p:cNvPr>
+            <p:cNvSpPr/>
+            <p:nvPr/>
+          </p:nvSpPr>
+          <p:spPr>
+            <a:xfrm>
+              <a:off x="6146710" y="1028599"/>
+              <a:ext cx="2861751" cy="478753"/>
+            </a:xfrm>
+            <a:prstGeom prst="roundRect">
+              <a:avLst/>
+            </a:prstGeom>
+            <a:solidFill>
+              <a:schemeClr val="bg1"/>
+            </a:solidFill>
+            <a:ln>
+              <a:solidFill>
+                <a:schemeClr val="tx1"/>
+              </a:solidFill>
+            </a:ln>
+            <a:effectLst>
+              <a:outerShdw blurRad="50800" dist="38100" dir="2700000" algn="tl" rotWithShape="0">
+                <a:prstClr val="black">
+                  <a:alpha val="40000"/>
+                </a:prstClr>
+              </a:outerShdw>
+            </a:effectLst>
+          </p:spPr>
+          <p:style>
+            <a:lnRef idx="2">
+              <a:schemeClr val="accent1">
+                <a:shade val="50000"/>
+              </a:schemeClr>
+            </a:lnRef>
+            <a:fillRef idx="1">
+              <a:schemeClr val="accent1"/>
+            </a:fillRef>
+            <a:effectRef idx="0">
+              <a:schemeClr val="accent1"/>
+            </a:effectRef>
+            <a:fontRef idx="minor">
+              <a:schemeClr val="lt1"/>
+            </a:fontRef>
+          </p:style>
+          <p:txBody>
+            <a:bodyPr rtlCol="0" anchor="ctr"/>
+            <a:lstStyle/>
+            <a:p>
+              <a:pPr algn="ctr"/>
+              <a:r>
+                <a:rPr lang="en-US" altLang="ko-KR" dirty="0">
+                  <a:solidFill>
+                    <a:schemeClr val="tx1"/>
+                  </a:solidFill>
+                  <a:latin typeface="a옛날사진관3" panose="02020600000000000000" pitchFamily="18" charset="-127"/>
+                  <a:ea typeface="a옛날사진관3" panose="02020600000000000000" pitchFamily="18" charset="-127"/>
+                </a:rPr>
+                <a:t>Spring MVC</a:t>
+              </a:r>
+              <a:endParaRPr lang="ko-KR" altLang="en-US" dirty="0">
+                <a:solidFill>
+                  <a:schemeClr val="tx1"/>
+                </a:solidFill>
+                <a:latin typeface="a옛날사진관3" panose="02020600000000000000" pitchFamily="18" charset="-127"/>
+                <a:ea typeface="a옛날사진관3" panose="02020600000000000000" pitchFamily="18" charset="-127"/>
+              </a:endParaRPr>
+            </a:p>
+          </p:txBody>
+        </p:sp>
+        <p:sp>
+          <p:nvSpPr>
+            <p:cNvPr id="23" name="오른쪽 중괄호 22">
+              <a:extLst>
+                <a:ext uri="{FF2B5EF4-FFF2-40B4-BE49-F238E27FC236}">
+                  <a16:creationId xmlns:a16="http://schemas.microsoft.com/office/drawing/2014/main" id="{3F86BEE4-CE57-45DC-9E46-BA2196CFF582}"/>
+                </a:ext>
+              </a:extLst>
+            </p:cNvPr>
+            <p:cNvSpPr/>
+            <p:nvPr/>
+          </p:nvSpPr>
+          <p:spPr>
+            <a:xfrm>
+              <a:off x="9184180" y="1871331"/>
+              <a:ext cx="279400" cy="478753"/>
+            </a:xfrm>
+            <a:prstGeom prst="rightBrace">
+              <a:avLst/>
+            </a:prstGeom>
+            <a:solidFill>
+              <a:schemeClr val="bg1"/>
+            </a:solidFill>
+            <a:ln w="19050">
+              <a:solidFill>
+                <a:schemeClr val="tx1">
+                  <a:lumMod val="65000"/>
+                  <a:lumOff val="35000"/>
+                </a:schemeClr>
+              </a:solidFill>
+            </a:ln>
+            <a:effectLst>
+              <a:outerShdw blurRad="50800" dist="38100" dir="2700000" algn="tl" rotWithShape="0">
+                <a:prstClr val="black">
+                  <a:alpha val="40000"/>
+                </a:prstClr>
+              </a:outerShdw>
+            </a:effectLst>
+          </p:spPr>
+          <p:style>
+            <a:lnRef idx="1">
+              <a:schemeClr val="dk1"/>
+            </a:lnRef>
+            <a:fillRef idx="0">
+              <a:schemeClr val="dk1"/>
+            </a:fillRef>
+            <a:effectRef idx="0">
+              <a:schemeClr val="dk1"/>
+            </a:effectRef>
+            <a:fontRef idx="minor">
+              <a:schemeClr val="tx1"/>
+            </a:fontRef>
+          </p:style>
+          <p:txBody>
+            <a:bodyPr rtlCol="0" anchor="ctr"/>
+            <a:lstStyle/>
+            <a:p>
+              <a:pPr algn="ctr"/>
+              <a:endParaRPr lang="ko-KR" altLang="en-US"/>
+            </a:p>
+          </p:txBody>
+        </p:sp>
+        <p:sp>
+          <p:nvSpPr>
+            <p:cNvPr id="24" name="TextBox 23">
+              <a:extLst>
+                <a:ext uri="{FF2B5EF4-FFF2-40B4-BE49-F238E27FC236}">
+                  <a16:creationId xmlns:a16="http://schemas.microsoft.com/office/drawing/2014/main" id="{CC0A97AF-3358-4B16-90AB-2AC07F959532}"/>
+                </a:ext>
+              </a:extLst>
+            </p:cNvPr>
+            <p:cNvSpPr txBox="1"/>
+            <p:nvPr/>
+          </p:nvSpPr>
+          <p:spPr>
+            <a:xfrm>
+              <a:off x="9639300" y="1106392"/>
+              <a:ext cx="2087431" cy="323165"/>
+            </a:xfrm>
+            <a:prstGeom prst="rect">
+              <a:avLst/>
+            </a:prstGeom>
+            <a:solidFill>
+              <a:schemeClr val="bg1"/>
+            </a:solidFill>
+            <a:ln>
+              <a:solidFill>
+                <a:schemeClr val="tx1"/>
+              </a:solidFill>
+            </a:ln>
+            <a:effectLst>
+              <a:outerShdw blurRad="50800" dist="38100" dir="2700000" algn="tl" rotWithShape="0">
+                <a:prstClr val="black">
+                  <a:alpha val="40000"/>
+                </a:prstClr>
+              </a:outerShdw>
+            </a:effectLst>
+          </p:spPr>
+          <p:txBody>
+            <a:bodyPr wrap="none" rtlCol="0">
+              <a:spAutoFit/>
+            </a:bodyPr>
+            <a:lstStyle/>
+            <a:p>
+              <a:r>
+                <a:rPr lang="en-US" altLang="ko-KR" sz="1500" dirty="0" err="1">
+                  <a:latin typeface="a옛날사진관3" panose="02020600000000000000" pitchFamily="18" charset="-127"/>
+                  <a:ea typeface="a옛날사진관3" panose="02020600000000000000" pitchFamily="18" charset="-127"/>
+                </a:rPr>
+                <a:t>ServletConfig.class</a:t>
+              </a:r>
+              <a:endParaRPr lang="ko-KR" altLang="en-US" sz="1500" dirty="0">
+                <a:latin typeface="a옛날사진관3" panose="02020600000000000000" pitchFamily="18" charset="-127"/>
+                <a:ea typeface="a옛날사진관3" panose="02020600000000000000" pitchFamily="18" charset="-127"/>
+              </a:endParaRPr>
+            </a:p>
+          </p:txBody>
+        </p:sp>
+        <p:cxnSp>
+          <p:nvCxnSpPr>
+            <p:cNvPr id="25" name="직선 연결선 24">
+              <a:extLst>
+                <a:ext uri="{FF2B5EF4-FFF2-40B4-BE49-F238E27FC236}">
+                  <a16:creationId xmlns:a16="http://schemas.microsoft.com/office/drawing/2014/main" id="{31D04351-C544-46F4-AF4A-5A57634A9736}"/>
+                </a:ext>
+              </a:extLst>
+            </p:cNvPr>
+            <p:cNvCxnSpPr>
+              <a:stCxn id="22" idx="3"/>
+              <a:endCxn id="24" idx="1"/>
+            </p:cNvCxnSpPr>
+            <p:nvPr/>
+          </p:nvCxnSpPr>
+          <p:spPr>
+            <a:xfrm flipV="1">
+              <a:off x="9128029" y="1267975"/>
+              <a:ext cx="391702" cy="1"/>
+            </a:xfrm>
+            <a:prstGeom prst="line">
+              <a:avLst/>
+            </a:prstGeom>
+            <a:ln w="19050">
+              <a:solidFill>
+                <a:schemeClr val="tx1">
+                  <a:lumMod val="50000"/>
+                  <a:lumOff val="50000"/>
+                </a:schemeClr>
+              </a:solidFill>
+            </a:ln>
+            <a:effectLst>
+              <a:outerShdw blurRad="50800" dist="38100" dir="2700000" algn="tl" rotWithShape="0">
+                <a:prstClr val="black">
+                  <a:alpha val="40000"/>
+                </a:prstClr>
+              </a:outerShdw>
+            </a:effectLst>
+          </p:spPr>
+          <p:style>
+            <a:lnRef idx="1">
+              <a:schemeClr val="accent1"/>
+            </a:lnRef>
+            <a:fillRef idx="0">
+              <a:schemeClr val="accent1"/>
+            </a:fillRef>
+            <a:effectRef idx="0">
+              <a:schemeClr val="accent1"/>
+            </a:effectRef>
+            <a:fontRef idx="minor">
+              <a:schemeClr val="tx1"/>
+            </a:fontRef>
+          </p:style>
+        </p:cxnSp>
+      </p:grpSp>
     </p:spTree>
     <p:extLst>
       <p:ext uri="{BB962C8B-B14F-4D97-AF65-F5344CB8AC3E}">
@@ -7558,6 +8861,1871 @@
           <a:chExt cx="0" cy="0"/>
         </a:xfrm>
       </p:grpSpPr>
+      <p:grpSp>
+        <p:nvGrpSpPr>
+          <p:cNvPr id="21" name="그룹 20">
+            <a:extLst>
+              <a:ext uri="{FF2B5EF4-FFF2-40B4-BE49-F238E27FC236}">
+                <a16:creationId xmlns:a16="http://schemas.microsoft.com/office/drawing/2014/main" id="{83CA4BCF-B52A-490E-AB8C-1905EAD4DF0A}"/>
+              </a:ext>
+            </a:extLst>
+          </p:cNvPr>
+          <p:cNvGrpSpPr/>
+          <p:nvPr/>
+        </p:nvGrpSpPr>
+        <p:grpSpPr>
+          <a:xfrm>
+            <a:off x="229886" y="255875"/>
+            <a:ext cx="4799314" cy="2881025"/>
+            <a:chOff x="229886" y="255875"/>
+            <a:chExt cx="4799314" cy="2881025"/>
+          </a:xfrm>
+        </p:grpSpPr>
+        <p:sp>
+          <p:nvSpPr>
+            <p:cNvPr id="5" name="사각형: 둥근 모서리 4">
+              <a:extLst>
+                <a:ext uri="{FF2B5EF4-FFF2-40B4-BE49-F238E27FC236}">
+                  <a16:creationId xmlns:a16="http://schemas.microsoft.com/office/drawing/2014/main" id="{A540CAFD-C4E8-4251-AF1C-B3F352C80B96}"/>
+                </a:ext>
+              </a:extLst>
+            </p:cNvPr>
+            <p:cNvSpPr/>
+            <p:nvPr/>
+          </p:nvSpPr>
+          <p:spPr>
+            <a:xfrm>
+              <a:off x="229886" y="640168"/>
+              <a:ext cx="4799314" cy="2496732"/>
+            </a:xfrm>
+            <a:prstGeom prst="roundRect">
+              <a:avLst/>
+            </a:prstGeom>
+            <a:solidFill>
+              <a:schemeClr val="bg1"/>
+            </a:solidFill>
+            <a:ln>
+              <a:solidFill>
+                <a:schemeClr val="tx1"/>
+              </a:solidFill>
+            </a:ln>
+            <a:effectLst>
+              <a:outerShdw blurRad="50800" dist="38100" dir="2700000" algn="tl" rotWithShape="0">
+                <a:prstClr val="black">
+                  <a:alpha val="40000"/>
+                </a:prstClr>
+              </a:outerShdw>
+            </a:effectLst>
+          </p:spPr>
+          <p:style>
+            <a:lnRef idx="2">
+              <a:schemeClr val="accent1">
+                <a:shade val="50000"/>
+              </a:schemeClr>
+            </a:lnRef>
+            <a:fillRef idx="1">
+              <a:schemeClr val="accent1"/>
+            </a:fillRef>
+            <a:effectRef idx="0">
+              <a:schemeClr val="accent1"/>
+            </a:effectRef>
+            <a:fontRef idx="minor">
+              <a:schemeClr val="lt1"/>
+            </a:fontRef>
+          </p:style>
+          <p:txBody>
+            <a:bodyPr rtlCol="0" anchor="ctr"/>
+            <a:lstStyle/>
+            <a:p>
+              <a:pPr algn="ctr"/>
+              <a:endParaRPr lang="ko-KR" altLang="en-US" dirty="0">
+                <a:solidFill>
+                  <a:schemeClr val="tx1"/>
+                </a:solidFill>
+                <a:latin typeface="a옛날사진관3" panose="02020600000000000000" pitchFamily="18" charset="-127"/>
+                <a:ea typeface="a옛날사진관3" panose="02020600000000000000" pitchFamily="18" charset="-127"/>
+              </a:endParaRPr>
+            </a:p>
+          </p:txBody>
+        </p:sp>
+        <p:sp>
+          <p:nvSpPr>
+            <p:cNvPr id="6" name="TextBox 5">
+              <a:extLst>
+                <a:ext uri="{FF2B5EF4-FFF2-40B4-BE49-F238E27FC236}">
+                  <a16:creationId xmlns:a16="http://schemas.microsoft.com/office/drawing/2014/main" id="{7C13479F-66BF-4A0A-80E1-1DBC808809B0}"/>
+                </a:ext>
+              </a:extLst>
+            </p:cNvPr>
+            <p:cNvSpPr txBox="1"/>
+            <p:nvPr/>
+          </p:nvSpPr>
+          <p:spPr>
+            <a:xfrm>
+              <a:off x="351247" y="255875"/>
+              <a:ext cx="2606867" cy="338554"/>
+            </a:xfrm>
+            <a:prstGeom prst="rect">
+              <a:avLst/>
+            </a:prstGeom>
+            <a:noFill/>
+          </p:spPr>
+          <p:txBody>
+            <a:bodyPr wrap="none" rtlCol="0">
+              <a:spAutoFit/>
+            </a:bodyPr>
+            <a:lstStyle/>
+            <a:p>
+              <a:r>
+                <a:rPr lang="en-US" altLang="ko-KR" sz="1600" dirty="0" err="1">
+                  <a:latin typeface="a옛날사진관3" panose="02020600000000000000" pitchFamily="18" charset="-127"/>
+                  <a:ea typeface="a옛날사진관3" panose="02020600000000000000" pitchFamily="18" charset="-127"/>
+                </a:rPr>
+                <a:t>WebApplicationContext</a:t>
+              </a:r>
+              <a:endParaRPr lang="ko-KR" altLang="en-US" sz="1600" dirty="0">
+                <a:latin typeface="a옛날사진관3" panose="02020600000000000000" pitchFamily="18" charset="-127"/>
+                <a:ea typeface="a옛날사진관3" panose="02020600000000000000" pitchFamily="18" charset="-127"/>
+              </a:endParaRPr>
+            </a:p>
+          </p:txBody>
+        </p:sp>
+        <p:sp>
+          <p:nvSpPr>
+            <p:cNvPr id="8" name="사각형: 둥근 모서리 7">
+              <a:extLst>
+                <a:ext uri="{FF2B5EF4-FFF2-40B4-BE49-F238E27FC236}">
+                  <a16:creationId xmlns:a16="http://schemas.microsoft.com/office/drawing/2014/main" id="{996BEFFA-32B1-4D70-A27C-FB627BD6AABB}"/>
+                </a:ext>
+              </a:extLst>
+            </p:cNvPr>
+            <p:cNvSpPr/>
+            <p:nvPr/>
+          </p:nvSpPr>
+          <p:spPr>
+            <a:xfrm>
+              <a:off x="471186" y="1198968"/>
+              <a:ext cx="2449814" cy="1683932"/>
+            </a:xfrm>
+            <a:prstGeom prst="roundRect">
+              <a:avLst/>
+            </a:prstGeom>
+            <a:solidFill>
+              <a:schemeClr val="bg1"/>
+            </a:solidFill>
+            <a:ln>
+              <a:solidFill>
+                <a:schemeClr val="tx1"/>
+              </a:solidFill>
+            </a:ln>
+            <a:effectLst>
+              <a:outerShdw blurRad="50800" dist="38100" dir="2700000" algn="tl" rotWithShape="0">
+                <a:prstClr val="black">
+                  <a:alpha val="40000"/>
+                </a:prstClr>
+              </a:outerShdw>
+            </a:effectLst>
+          </p:spPr>
+          <p:style>
+            <a:lnRef idx="2">
+              <a:schemeClr val="accent1">
+                <a:shade val="50000"/>
+              </a:schemeClr>
+            </a:lnRef>
+            <a:fillRef idx="1">
+              <a:schemeClr val="accent1"/>
+            </a:fillRef>
+            <a:effectRef idx="0">
+              <a:schemeClr val="accent1"/>
+            </a:effectRef>
+            <a:fontRef idx="minor">
+              <a:schemeClr val="lt1"/>
+            </a:fontRef>
+          </p:style>
+          <p:txBody>
+            <a:bodyPr rtlCol="0" anchor="ctr"/>
+            <a:lstStyle/>
+            <a:p>
+              <a:pPr algn="ctr"/>
+              <a:endParaRPr lang="ko-KR" altLang="en-US" dirty="0">
+                <a:solidFill>
+                  <a:schemeClr val="tx1"/>
+                </a:solidFill>
+                <a:latin typeface="a옛날사진관3" panose="02020600000000000000" pitchFamily="18" charset="-127"/>
+                <a:ea typeface="a옛날사진관3" panose="02020600000000000000" pitchFamily="18" charset="-127"/>
+              </a:endParaRPr>
+            </a:p>
+          </p:txBody>
+        </p:sp>
+        <p:sp>
+          <p:nvSpPr>
+            <p:cNvPr id="12" name="사각형: 둥근 모서리 11">
+              <a:extLst>
+                <a:ext uri="{FF2B5EF4-FFF2-40B4-BE49-F238E27FC236}">
+                  <a16:creationId xmlns:a16="http://schemas.microsoft.com/office/drawing/2014/main" id="{0320E529-9356-4B5C-AA77-35BB60F08F69}"/>
+                </a:ext>
+              </a:extLst>
+            </p:cNvPr>
+            <p:cNvSpPr/>
+            <p:nvPr/>
+          </p:nvSpPr>
+          <p:spPr>
+            <a:xfrm>
+              <a:off x="3346529" y="1198968"/>
+              <a:ext cx="1257142" cy="1683932"/>
+            </a:xfrm>
+            <a:prstGeom prst="roundRect">
+              <a:avLst/>
+            </a:prstGeom>
+            <a:solidFill>
+              <a:schemeClr val="bg1"/>
+            </a:solidFill>
+            <a:ln>
+              <a:solidFill>
+                <a:schemeClr val="tx1"/>
+              </a:solidFill>
+            </a:ln>
+            <a:effectLst>
+              <a:outerShdw blurRad="50800" dist="38100" dir="2700000" algn="tl" rotWithShape="0">
+                <a:prstClr val="black">
+                  <a:alpha val="40000"/>
+                </a:prstClr>
+              </a:outerShdw>
+            </a:effectLst>
+          </p:spPr>
+          <p:style>
+            <a:lnRef idx="2">
+              <a:schemeClr val="accent1">
+                <a:shade val="50000"/>
+              </a:schemeClr>
+            </a:lnRef>
+            <a:fillRef idx="1">
+              <a:schemeClr val="accent1"/>
+            </a:fillRef>
+            <a:effectRef idx="0">
+              <a:schemeClr val="accent1"/>
+            </a:effectRef>
+            <a:fontRef idx="minor">
+              <a:schemeClr val="lt1"/>
+            </a:fontRef>
+          </p:style>
+          <p:txBody>
+            <a:bodyPr rtlCol="0" anchor="ctr"/>
+            <a:lstStyle/>
+            <a:p>
+              <a:pPr algn="ctr"/>
+              <a:endParaRPr lang="ko-KR" altLang="en-US" dirty="0">
+                <a:solidFill>
+                  <a:schemeClr val="tx1"/>
+                </a:solidFill>
+                <a:latin typeface="a옛날사진관3" panose="02020600000000000000" pitchFamily="18" charset="-127"/>
+                <a:ea typeface="a옛날사진관3" panose="02020600000000000000" pitchFamily="18" charset="-127"/>
+              </a:endParaRPr>
+            </a:p>
+          </p:txBody>
+        </p:sp>
+        <p:sp>
+          <p:nvSpPr>
+            <p:cNvPr id="14" name="화살표: 왼쪽/오른쪽 13">
+              <a:extLst>
+                <a:ext uri="{FF2B5EF4-FFF2-40B4-BE49-F238E27FC236}">
+                  <a16:creationId xmlns:a16="http://schemas.microsoft.com/office/drawing/2014/main" id="{2E7937D0-2608-444B-A562-3668B9611D9F}"/>
+                </a:ext>
+              </a:extLst>
+            </p:cNvPr>
+            <p:cNvSpPr/>
+            <p:nvPr/>
+          </p:nvSpPr>
+          <p:spPr>
+            <a:xfrm>
+              <a:off x="2744753" y="1743377"/>
+              <a:ext cx="835094" cy="595114"/>
+            </a:xfrm>
+            <a:prstGeom prst="leftRightArrow">
+              <a:avLst/>
+            </a:prstGeom>
+            <a:solidFill>
+              <a:schemeClr val="bg1">
+                <a:lumMod val="75000"/>
+              </a:schemeClr>
+            </a:solidFill>
+            <a:ln>
+              <a:solidFill>
+                <a:schemeClr val="tx1"/>
+              </a:solidFill>
+            </a:ln>
+            <a:effectLst>
+              <a:outerShdw blurRad="50800" dist="38100" dir="2700000" algn="tl" rotWithShape="0">
+                <a:prstClr val="black">
+                  <a:alpha val="40000"/>
+                </a:prstClr>
+              </a:outerShdw>
+            </a:effectLst>
+          </p:spPr>
+          <p:style>
+            <a:lnRef idx="2">
+              <a:schemeClr val="accent1">
+                <a:shade val="50000"/>
+              </a:schemeClr>
+            </a:lnRef>
+            <a:fillRef idx="1">
+              <a:schemeClr val="accent1"/>
+            </a:fillRef>
+            <a:effectRef idx="0">
+              <a:schemeClr val="accent1"/>
+            </a:effectRef>
+            <a:fontRef idx="minor">
+              <a:schemeClr val="lt1"/>
+            </a:fontRef>
+          </p:style>
+          <p:txBody>
+            <a:bodyPr rtlCol="0" anchor="ctr"/>
+            <a:lstStyle/>
+            <a:p>
+              <a:pPr algn="ctr"/>
+              <a:endParaRPr lang="ko-KR" altLang="en-US"/>
+            </a:p>
+          </p:txBody>
+        </p:sp>
+        <p:sp>
+          <p:nvSpPr>
+            <p:cNvPr id="16" name="TextBox 15">
+              <a:extLst>
+                <a:ext uri="{FF2B5EF4-FFF2-40B4-BE49-F238E27FC236}">
+                  <a16:creationId xmlns:a16="http://schemas.microsoft.com/office/drawing/2014/main" id="{1C9578A0-E728-4517-897E-B1B56F668DD5}"/>
+                </a:ext>
+              </a:extLst>
+            </p:cNvPr>
+            <p:cNvSpPr txBox="1"/>
+            <p:nvPr/>
+          </p:nvSpPr>
+          <p:spPr>
+            <a:xfrm>
+              <a:off x="1159952" y="814675"/>
+              <a:ext cx="1072281" cy="338554"/>
+            </a:xfrm>
+            <a:prstGeom prst="rect">
+              <a:avLst/>
+            </a:prstGeom>
+            <a:noFill/>
+          </p:spPr>
+          <p:txBody>
+            <a:bodyPr wrap="none" rtlCol="0">
+              <a:spAutoFit/>
+            </a:bodyPr>
+            <a:lstStyle/>
+            <a:p>
+              <a:r>
+                <a:rPr lang="en-US" altLang="ko-KR" sz="1600">
+                  <a:latin typeface="a옛날사진관3" panose="02020600000000000000" pitchFamily="18" charset="-127"/>
+                  <a:ea typeface="a옛날사진관3" panose="02020600000000000000" pitchFamily="18" charset="-127"/>
+                </a:rPr>
+                <a:t>MVC </a:t>
+              </a:r>
+              <a:r>
+                <a:rPr lang="ko-KR" altLang="en-US" sz="1600" dirty="0">
+                  <a:latin typeface="a옛날사진관3" panose="02020600000000000000" pitchFamily="18" charset="-127"/>
+                  <a:ea typeface="a옛날사진관3" panose="02020600000000000000" pitchFamily="18" charset="-127"/>
+                </a:rPr>
+                <a:t>설정</a:t>
+              </a:r>
+            </a:p>
+          </p:txBody>
+        </p:sp>
+        <p:sp>
+          <p:nvSpPr>
+            <p:cNvPr id="18" name="TextBox 17">
+              <a:extLst>
+                <a:ext uri="{FF2B5EF4-FFF2-40B4-BE49-F238E27FC236}">
+                  <a16:creationId xmlns:a16="http://schemas.microsoft.com/office/drawing/2014/main" id="{CF9C13BE-89E1-496C-B8F3-B37C80CD2B31}"/>
+                </a:ext>
+              </a:extLst>
+            </p:cNvPr>
+            <p:cNvSpPr txBox="1"/>
+            <p:nvPr/>
+          </p:nvSpPr>
+          <p:spPr>
+            <a:xfrm>
+              <a:off x="3462780" y="834311"/>
+              <a:ext cx="1024639" cy="338554"/>
+            </a:xfrm>
+            <a:prstGeom prst="rect">
+              <a:avLst/>
+            </a:prstGeom>
+            <a:noFill/>
+          </p:spPr>
+          <p:txBody>
+            <a:bodyPr wrap="none" rtlCol="0">
+              <a:spAutoFit/>
+            </a:bodyPr>
+            <a:lstStyle/>
+            <a:p>
+              <a:r>
+                <a:rPr lang="ko-KR" altLang="en-US" sz="1600">
+                  <a:latin typeface="a옛날사진관3" panose="02020600000000000000" pitchFamily="18" charset="-127"/>
+                  <a:ea typeface="a옛날사진관3" panose="02020600000000000000" pitchFamily="18" charset="-127"/>
+                </a:rPr>
+                <a:t>일반 설정</a:t>
+              </a:r>
+              <a:endParaRPr lang="ko-KR" altLang="en-US" sz="1600" dirty="0">
+                <a:latin typeface="a옛날사진관3" panose="02020600000000000000" pitchFamily="18" charset="-127"/>
+                <a:ea typeface="a옛날사진관3" panose="02020600000000000000" pitchFamily="18" charset="-127"/>
+              </a:endParaRPr>
+            </a:p>
+          </p:txBody>
+        </p:sp>
+      </p:grpSp>
+      <p:grpSp>
+        <p:nvGrpSpPr>
+          <p:cNvPr id="24" name="그룹 23">
+            <a:extLst>
+              <a:ext uri="{FF2B5EF4-FFF2-40B4-BE49-F238E27FC236}">
+                <a16:creationId xmlns:a16="http://schemas.microsoft.com/office/drawing/2014/main" id="{60511486-06F5-4882-BD12-99FB09D2A7BD}"/>
+              </a:ext>
+            </a:extLst>
+          </p:cNvPr>
+          <p:cNvGrpSpPr/>
+          <p:nvPr/>
+        </p:nvGrpSpPr>
+        <p:grpSpPr>
+          <a:xfrm>
+            <a:off x="6363986" y="302864"/>
+            <a:ext cx="4799314" cy="2881025"/>
+            <a:chOff x="6351286" y="255875"/>
+            <a:chExt cx="4799314" cy="2881025"/>
+          </a:xfrm>
+        </p:grpSpPr>
+        <p:sp>
+          <p:nvSpPr>
+            <p:cNvPr id="20" name="사각형: 둥근 모서리 19">
+              <a:extLst>
+                <a:ext uri="{FF2B5EF4-FFF2-40B4-BE49-F238E27FC236}">
+                  <a16:creationId xmlns:a16="http://schemas.microsoft.com/office/drawing/2014/main" id="{3842E8FE-284B-4CFA-B2BC-4B06BC616AAE}"/>
+                </a:ext>
+              </a:extLst>
+            </p:cNvPr>
+            <p:cNvSpPr/>
+            <p:nvPr/>
+          </p:nvSpPr>
+          <p:spPr>
+            <a:xfrm>
+              <a:off x="6351286" y="640168"/>
+              <a:ext cx="4799314" cy="2496732"/>
+            </a:xfrm>
+            <a:prstGeom prst="roundRect">
+              <a:avLst/>
+            </a:prstGeom>
+            <a:solidFill>
+              <a:schemeClr val="bg1"/>
+            </a:solidFill>
+            <a:ln>
+              <a:solidFill>
+                <a:schemeClr val="tx1"/>
+              </a:solidFill>
+            </a:ln>
+            <a:effectLst>
+              <a:outerShdw blurRad="50800" dist="38100" dir="2700000" algn="tl" rotWithShape="0">
+                <a:prstClr val="black">
+                  <a:alpha val="40000"/>
+                </a:prstClr>
+              </a:outerShdw>
+            </a:effectLst>
+          </p:spPr>
+          <p:style>
+            <a:lnRef idx="2">
+              <a:schemeClr val="accent1">
+                <a:shade val="50000"/>
+              </a:schemeClr>
+            </a:lnRef>
+            <a:fillRef idx="1">
+              <a:schemeClr val="accent1"/>
+            </a:fillRef>
+            <a:effectRef idx="0">
+              <a:schemeClr val="accent1"/>
+            </a:effectRef>
+            <a:fontRef idx="minor">
+              <a:schemeClr val="lt1"/>
+            </a:fontRef>
+          </p:style>
+          <p:txBody>
+            <a:bodyPr rtlCol="0" anchor="ctr"/>
+            <a:lstStyle/>
+            <a:p>
+              <a:pPr algn="ctr"/>
+              <a:endParaRPr lang="ko-KR" altLang="en-US" dirty="0">
+                <a:solidFill>
+                  <a:schemeClr val="tx1"/>
+                </a:solidFill>
+                <a:latin typeface="a옛날사진관3" panose="02020600000000000000" pitchFamily="18" charset="-127"/>
+                <a:ea typeface="a옛날사진관3" panose="02020600000000000000" pitchFamily="18" charset="-127"/>
+              </a:endParaRPr>
+            </a:p>
+          </p:txBody>
+        </p:sp>
+        <p:sp>
+          <p:nvSpPr>
+            <p:cNvPr id="23" name="TextBox 22">
+              <a:extLst>
+                <a:ext uri="{FF2B5EF4-FFF2-40B4-BE49-F238E27FC236}">
+                  <a16:creationId xmlns:a16="http://schemas.microsoft.com/office/drawing/2014/main" id="{F2ED8631-B23E-4280-A9C1-DFE86D92BE9F}"/>
+                </a:ext>
+              </a:extLst>
+            </p:cNvPr>
+            <p:cNvSpPr txBox="1"/>
+            <p:nvPr/>
+          </p:nvSpPr>
+          <p:spPr>
+            <a:xfrm>
+              <a:off x="6536147" y="255875"/>
+              <a:ext cx="2606867" cy="338554"/>
+            </a:xfrm>
+            <a:prstGeom prst="rect">
+              <a:avLst/>
+            </a:prstGeom>
+            <a:noFill/>
+          </p:spPr>
+          <p:txBody>
+            <a:bodyPr wrap="none" rtlCol="0">
+              <a:spAutoFit/>
+            </a:bodyPr>
+            <a:lstStyle/>
+            <a:p>
+              <a:r>
+                <a:rPr lang="en-US" altLang="ko-KR" sz="1600" dirty="0" err="1">
+                  <a:latin typeface="a옛날사진관3" panose="02020600000000000000" pitchFamily="18" charset="-127"/>
+                  <a:ea typeface="a옛날사진관3" panose="02020600000000000000" pitchFamily="18" charset="-127"/>
+                </a:rPr>
+                <a:t>WebApplicationContext</a:t>
+              </a:r>
+              <a:endParaRPr lang="ko-KR" altLang="en-US" sz="1600" dirty="0">
+                <a:latin typeface="a옛날사진관3" panose="02020600000000000000" pitchFamily="18" charset="-127"/>
+                <a:ea typeface="a옛날사진관3" panose="02020600000000000000" pitchFamily="18" charset="-127"/>
+              </a:endParaRPr>
+            </a:p>
+          </p:txBody>
+        </p:sp>
+      </p:grpSp>
+      <p:sp>
+        <p:nvSpPr>
+          <p:cNvPr id="25" name="눈물 방울 24">
+            <a:extLst>
+              <a:ext uri="{FF2B5EF4-FFF2-40B4-BE49-F238E27FC236}">
+                <a16:creationId xmlns:a16="http://schemas.microsoft.com/office/drawing/2014/main" id="{75225D2C-91C0-45AE-9FFA-E36F063BBD64}"/>
+              </a:ext>
+            </a:extLst>
+          </p:cNvPr>
+          <p:cNvSpPr/>
+          <p:nvPr/>
+        </p:nvSpPr>
+        <p:spPr>
+          <a:xfrm>
+            <a:off x="8020718" y="1015745"/>
+            <a:ext cx="468000" cy="468000"/>
+          </a:xfrm>
+          <a:prstGeom prst="teardrop">
+            <a:avLst/>
+          </a:prstGeom>
+          <a:solidFill>
+            <a:schemeClr val="bg1"/>
+          </a:solidFill>
+          <a:ln>
+            <a:solidFill>
+              <a:schemeClr val="tx1"/>
+            </a:solidFill>
+          </a:ln>
+          <a:effectLst>
+            <a:outerShdw blurRad="50800" dist="38100" dir="2700000" algn="tl" rotWithShape="0">
+              <a:prstClr val="black">
+                <a:alpha val="40000"/>
+              </a:prstClr>
+            </a:outerShdw>
+          </a:effectLst>
+        </p:spPr>
+        <p:style>
+          <a:lnRef idx="2">
+            <a:schemeClr val="accent1">
+              <a:shade val="50000"/>
+            </a:schemeClr>
+          </a:lnRef>
+          <a:fillRef idx="1">
+            <a:schemeClr val="accent1"/>
+          </a:fillRef>
+          <a:effectRef idx="0">
+            <a:schemeClr val="accent1"/>
+          </a:effectRef>
+          <a:fontRef idx="minor">
+            <a:schemeClr val="lt1"/>
+          </a:fontRef>
+        </p:style>
+        <p:txBody>
+          <a:bodyPr rtlCol="0" anchor="ctr"/>
+          <a:lstStyle/>
+          <a:p>
+            <a:pPr algn="ctr"/>
+            <a:r>
+              <a:rPr lang="en-US" altLang="ko-KR" sz="1500" dirty="0">
+                <a:solidFill>
+                  <a:schemeClr val="tx1"/>
+                </a:solidFill>
+                <a:latin typeface="a옛날사진관3" panose="02020600000000000000" pitchFamily="18" charset="-127"/>
+                <a:ea typeface="a옛날사진관3" panose="02020600000000000000" pitchFamily="18" charset="-127"/>
+              </a:rPr>
+              <a:t>r</a:t>
+            </a:r>
+            <a:endParaRPr lang="ko-KR" altLang="en-US" sz="1500" dirty="0">
+              <a:solidFill>
+                <a:schemeClr val="tx1"/>
+              </a:solidFill>
+              <a:latin typeface="a옛날사진관3" panose="02020600000000000000" pitchFamily="18" charset="-127"/>
+              <a:ea typeface="a옛날사진관3" panose="02020600000000000000" pitchFamily="18" charset="-127"/>
+            </a:endParaRPr>
+          </a:p>
+        </p:txBody>
+      </p:sp>
+      <p:sp>
+        <p:nvSpPr>
+          <p:cNvPr id="27" name="눈물 방울 26">
+            <a:extLst>
+              <a:ext uri="{FF2B5EF4-FFF2-40B4-BE49-F238E27FC236}">
+                <a16:creationId xmlns:a16="http://schemas.microsoft.com/office/drawing/2014/main" id="{9A32DFFA-E2B5-43DB-89F1-5FB8C655EB29}"/>
+              </a:ext>
+            </a:extLst>
+          </p:cNvPr>
+          <p:cNvSpPr/>
+          <p:nvPr/>
+        </p:nvSpPr>
+        <p:spPr>
+          <a:xfrm>
+            <a:off x="8388328" y="1947314"/>
+            <a:ext cx="468000" cy="468000"/>
+          </a:xfrm>
+          <a:prstGeom prst="teardrop">
+            <a:avLst/>
+          </a:prstGeom>
+          <a:solidFill>
+            <a:schemeClr val="bg1"/>
+          </a:solidFill>
+          <a:ln>
+            <a:solidFill>
+              <a:schemeClr val="tx1"/>
+            </a:solidFill>
+          </a:ln>
+          <a:effectLst>
+            <a:outerShdw blurRad="50800" dist="38100" dir="2700000" algn="tl" rotWithShape="0">
+              <a:prstClr val="black">
+                <a:alpha val="40000"/>
+              </a:prstClr>
+            </a:outerShdw>
+          </a:effectLst>
+        </p:spPr>
+        <p:style>
+          <a:lnRef idx="2">
+            <a:schemeClr val="accent1">
+              <a:shade val="50000"/>
+            </a:schemeClr>
+          </a:lnRef>
+          <a:fillRef idx="1">
+            <a:schemeClr val="accent1"/>
+          </a:fillRef>
+          <a:effectRef idx="0">
+            <a:schemeClr val="accent1"/>
+          </a:effectRef>
+          <a:fontRef idx="minor">
+            <a:schemeClr val="lt1"/>
+          </a:fontRef>
+        </p:style>
+        <p:txBody>
+          <a:bodyPr rtlCol="0" anchor="ctr"/>
+          <a:lstStyle/>
+          <a:p>
+            <a:pPr algn="ctr"/>
+            <a:r>
+              <a:rPr lang="en-US" altLang="ko-KR" sz="1500" dirty="0">
+                <a:solidFill>
+                  <a:schemeClr val="tx1"/>
+                </a:solidFill>
+                <a:latin typeface="a옛날사진관3" panose="02020600000000000000" pitchFamily="18" charset="-127"/>
+                <a:ea typeface="a옛날사진관3" panose="02020600000000000000" pitchFamily="18" charset="-127"/>
+              </a:rPr>
+              <a:t>r</a:t>
+            </a:r>
+            <a:endParaRPr lang="ko-KR" altLang="en-US" sz="1500" dirty="0">
+              <a:solidFill>
+                <a:schemeClr val="tx1"/>
+              </a:solidFill>
+              <a:latin typeface="a옛날사진관3" panose="02020600000000000000" pitchFamily="18" charset="-127"/>
+              <a:ea typeface="a옛날사진관3" panose="02020600000000000000" pitchFamily="18" charset="-127"/>
+            </a:endParaRPr>
+          </a:p>
+        </p:txBody>
+      </p:sp>
+      <p:sp>
+        <p:nvSpPr>
+          <p:cNvPr id="29" name="눈물 방울 28">
+            <a:extLst>
+              <a:ext uri="{FF2B5EF4-FFF2-40B4-BE49-F238E27FC236}">
+                <a16:creationId xmlns:a16="http://schemas.microsoft.com/office/drawing/2014/main" id="{682B2DC9-276C-45D5-94A1-756D6C6C5F6D}"/>
+              </a:ext>
+            </a:extLst>
+          </p:cNvPr>
+          <p:cNvSpPr/>
+          <p:nvPr/>
+        </p:nvSpPr>
+        <p:spPr>
+          <a:xfrm>
+            <a:off x="9265961" y="1415757"/>
+            <a:ext cx="468000" cy="468000"/>
+          </a:xfrm>
+          <a:prstGeom prst="teardrop">
+            <a:avLst/>
+          </a:prstGeom>
+          <a:solidFill>
+            <a:schemeClr val="bg1"/>
+          </a:solidFill>
+          <a:ln>
+            <a:solidFill>
+              <a:schemeClr val="tx1"/>
+            </a:solidFill>
+          </a:ln>
+          <a:effectLst>
+            <a:outerShdw blurRad="50800" dist="38100" dir="2700000" algn="tl" rotWithShape="0">
+              <a:prstClr val="black">
+                <a:alpha val="40000"/>
+              </a:prstClr>
+            </a:outerShdw>
+          </a:effectLst>
+        </p:spPr>
+        <p:style>
+          <a:lnRef idx="2">
+            <a:schemeClr val="accent1">
+              <a:shade val="50000"/>
+            </a:schemeClr>
+          </a:lnRef>
+          <a:fillRef idx="1">
+            <a:schemeClr val="accent1"/>
+          </a:fillRef>
+          <a:effectRef idx="0">
+            <a:schemeClr val="accent1"/>
+          </a:effectRef>
+          <a:fontRef idx="minor">
+            <a:schemeClr val="lt1"/>
+          </a:fontRef>
+        </p:style>
+        <p:txBody>
+          <a:bodyPr rtlCol="0" anchor="ctr"/>
+          <a:lstStyle/>
+          <a:p>
+            <a:pPr algn="ctr"/>
+            <a:r>
+              <a:rPr lang="en-US" altLang="ko-KR" sz="1500" dirty="0">
+                <a:solidFill>
+                  <a:schemeClr val="tx1"/>
+                </a:solidFill>
+                <a:latin typeface="a옛날사진관3" panose="02020600000000000000" pitchFamily="18" charset="-127"/>
+                <a:ea typeface="a옛날사진관3" panose="02020600000000000000" pitchFamily="18" charset="-127"/>
+              </a:rPr>
+              <a:t>r</a:t>
+            </a:r>
+            <a:endParaRPr lang="ko-KR" altLang="en-US" sz="1500" dirty="0">
+              <a:solidFill>
+                <a:schemeClr val="tx1"/>
+              </a:solidFill>
+              <a:latin typeface="a옛날사진관3" panose="02020600000000000000" pitchFamily="18" charset="-127"/>
+              <a:ea typeface="a옛날사진관3" panose="02020600000000000000" pitchFamily="18" charset="-127"/>
+            </a:endParaRPr>
+          </a:p>
+        </p:txBody>
+      </p:sp>
+      <p:sp>
+        <p:nvSpPr>
+          <p:cNvPr id="31" name="눈물 방울 30">
+            <a:extLst>
+              <a:ext uri="{FF2B5EF4-FFF2-40B4-BE49-F238E27FC236}">
+                <a16:creationId xmlns:a16="http://schemas.microsoft.com/office/drawing/2014/main" id="{021DD784-610C-49B6-9A56-F9E30D268788}"/>
+              </a:ext>
+            </a:extLst>
+          </p:cNvPr>
+          <p:cNvSpPr/>
+          <p:nvPr/>
+        </p:nvSpPr>
+        <p:spPr>
+          <a:xfrm>
+            <a:off x="10386645" y="1079245"/>
+            <a:ext cx="468000" cy="468000"/>
+          </a:xfrm>
+          <a:prstGeom prst="teardrop">
+            <a:avLst/>
+          </a:prstGeom>
+          <a:solidFill>
+            <a:schemeClr val="bg1"/>
+          </a:solidFill>
+          <a:ln>
+            <a:solidFill>
+              <a:schemeClr val="tx1"/>
+            </a:solidFill>
+          </a:ln>
+          <a:effectLst>
+            <a:outerShdw blurRad="50800" dist="38100" dir="2700000" algn="tl" rotWithShape="0">
+              <a:prstClr val="black">
+                <a:alpha val="40000"/>
+              </a:prstClr>
+            </a:outerShdw>
+          </a:effectLst>
+        </p:spPr>
+        <p:style>
+          <a:lnRef idx="2">
+            <a:schemeClr val="accent1">
+              <a:shade val="50000"/>
+            </a:schemeClr>
+          </a:lnRef>
+          <a:fillRef idx="1">
+            <a:schemeClr val="accent1"/>
+          </a:fillRef>
+          <a:effectRef idx="0">
+            <a:schemeClr val="accent1"/>
+          </a:effectRef>
+          <a:fontRef idx="minor">
+            <a:schemeClr val="lt1"/>
+          </a:fontRef>
+        </p:style>
+        <p:txBody>
+          <a:bodyPr rtlCol="0" anchor="ctr"/>
+          <a:lstStyle/>
+          <a:p>
+            <a:pPr algn="ctr"/>
+            <a:r>
+              <a:rPr lang="en-US" altLang="ko-KR" sz="1500" dirty="0">
+                <a:solidFill>
+                  <a:schemeClr val="tx1"/>
+                </a:solidFill>
+                <a:latin typeface="a옛날사진관3" panose="02020600000000000000" pitchFamily="18" charset="-127"/>
+                <a:ea typeface="a옛날사진관3" panose="02020600000000000000" pitchFamily="18" charset="-127"/>
+              </a:rPr>
+              <a:t>r</a:t>
+            </a:r>
+            <a:endParaRPr lang="ko-KR" altLang="en-US" sz="1500" dirty="0">
+              <a:solidFill>
+                <a:schemeClr val="tx1"/>
+              </a:solidFill>
+              <a:latin typeface="a옛날사진관3" panose="02020600000000000000" pitchFamily="18" charset="-127"/>
+              <a:ea typeface="a옛날사진관3" panose="02020600000000000000" pitchFamily="18" charset="-127"/>
+            </a:endParaRPr>
+          </a:p>
+        </p:txBody>
+      </p:sp>
+      <p:sp>
+        <p:nvSpPr>
+          <p:cNvPr id="33" name="눈물 방울 32">
+            <a:extLst>
+              <a:ext uri="{FF2B5EF4-FFF2-40B4-BE49-F238E27FC236}">
+                <a16:creationId xmlns:a16="http://schemas.microsoft.com/office/drawing/2014/main" id="{41AB3543-203A-49FF-A345-4760E934C75B}"/>
+              </a:ext>
+            </a:extLst>
+          </p:cNvPr>
+          <p:cNvSpPr/>
+          <p:nvPr/>
+        </p:nvSpPr>
+        <p:spPr>
+          <a:xfrm>
+            <a:off x="10087592" y="2104491"/>
+            <a:ext cx="468000" cy="468000"/>
+          </a:xfrm>
+          <a:prstGeom prst="teardrop">
+            <a:avLst/>
+          </a:prstGeom>
+          <a:solidFill>
+            <a:schemeClr val="bg1"/>
+          </a:solidFill>
+          <a:ln>
+            <a:solidFill>
+              <a:schemeClr val="tx1"/>
+            </a:solidFill>
+          </a:ln>
+          <a:effectLst>
+            <a:outerShdw blurRad="50800" dist="38100" dir="2700000" algn="tl" rotWithShape="0">
+              <a:prstClr val="black">
+                <a:alpha val="40000"/>
+              </a:prstClr>
+            </a:outerShdw>
+          </a:effectLst>
+        </p:spPr>
+        <p:style>
+          <a:lnRef idx="2">
+            <a:schemeClr val="accent1">
+              <a:shade val="50000"/>
+            </a:schemeClr>
+          </a:lnRef>
+          <a:fillRef idx="1">
+            <a:schemeClr val="accent1"/>
+          </a:fillRef>
+          <a:effectRef idx="0">
+            <a:schemeClr val="accent1"/>
+          </a:effectRef>
+          <a:fontRef idx="minor">
+            <a:schemeClr val="lt1"/>
+          </a:fontRef>
+        </p:style>
+        <p:txBody>
+          <a:bodyPr rtlCol="0" anchor="ctr"/>
+          <a:lstStyle/>
+          <a:p>
+            <a:pPr algn="ctr"/>
+            <a:r>
+              <a:rPr lang="en-US" altLang="ko-KR" sz="1500" dirty="0">
+                <a:solidFill>
+                  <a:schemeClr val="tx1"/>
+                </a:solidFill>
+                <a:latin typeface="a옛날사진관3" panose="02020600000000000000" pitchFamily="18" charset="-127"/>
+                <a:ea typeface="a옛날사진관3" panose="02020600000000000000" pitchFamily="18" charset="-127"/>
+              </a:rPr>
+              <a:t>r</a:t>
+            </a:r>
+            <a:endParaRPr lang="ko-KR" altLang="en-US" sz="1500" dirty="0">
+              <a:solidFill>
+                <a:schemeClr val="tx1"/>
+              </a:solidFill>
+              <a:latin typeface="a옛날사진관3" panose="02020600000000000000" pitchFamily="18" charset="-127"/>
+              <a:ea typeface="a옛날사진관3" panose="02020600000000000000" pitchFamily="18" charset="-127"/>
+            </a:endParaRPr>
+          </a:p>
+        </p:txBody>
+      </p:sp>
+      <p:cxnSp>
+        <p:nvCxnSpPr>
+          <p:cNvPr id="35" name="직선 연결선 34">
+            <a:extLst>
+              <a:ext uri="{FF2B5EF4-FFF2-40B4-BE49-F238E27FC236}">
+                <a16:creationId xmlns:a16="http://schemas.microsoft.com/office/drawing/2014/main" id="{9EAC1735-7083-4BF1-B73F-944FE6D3D5B0}"/>
+              </a:ext>
+            </a:extLst>
+          </p:cNvPr>
+          <p:cNvCxnSpPr>
+            <a:stCxn id="27" idx="0"/>
+            <a:endCxn id="33" idx="4"/>
+          </p:cNvCxnSpPr>
+          <p:nvPr/>
+        </p:nvCxnSpPr>
+        <p:spPr>
+          <a:xfrm>
+            <a:off x="8856328" y="2181314"/>
+            <a:ext cx="1231264" cy="157177"/>
+          </a:xfrm>
+          <a:prstGeom prst="line">
+            <a:avLst/>
+          </a:prstGeom>
+          <a:ln w="12700"/>
+          <a:effectLst>
+            <a:outerShdw blurRad="50800" dist="38100" dir="2700000" algn="tl" rotWithShape="0">
+              <a:prstClr val="black">
+                <a:alpha val="40000"/>
+              </a:prstClr>
+            </a:outerShdw>
+          </a:effectLst>
+        </p:spPr>
+        <p:style>
+          <a:lnRef idx="1">
+            <a:schemeClr val="dk1"/>
+          </a:lnRef>
+          <a:fillRef idx="0">
+            <a:schemeClr val="dk1"/>
+          </a:fillRef>
+          <a:effectRef idx="0">
+            <a:schemeClr val="dk1"/>
+          </a:effectRef>
+          <a:fontRef idx="minor">
+            <a:schemeClr val="tx1"/>
+          </a:fontRef>
+        </p:style>
+      </p:cxnSp>
+      <p:cxnSp>
+        <p:nvCxnSpPr>
+          <p:cNvPr id="36" name="직선 연결선 35">
+            <a:extLst>
+              <a:ext uri="{FF2B5EF4-FFF2-40B4-BE49-F238E27FC236}">
+                <a16:creationId xmlns:a16="http://schemas.microsoft.com/office/drawing/2014/main" id="{74D07501-DF99-45B8-B679-1E04ED8B44FE}"/>
+              </a:ext>
+            </a:extLst>
+          </p:cNvPr>
+          <p:cNvCxnSpPr>
+            <a:cxnSpLocks/>
+            <a:stCxn id="29" idx="0"/>
+            <a:endCxn id="31" idx="4"/>
+          </p:cNvCxnSpPr>
+          <p:nvPr/>
+        </p:nvCxnSpPr>
+        <p:spPr>
+          <a:xfrm flipV="1">
+            <a:off x="9733961" y="1313245"/>
+            <a:ext cx="652684" cy="336512"/>
+          </a:xfrm>
+          <a:prstGeom prst="line">
+            <a:avLst/>
+          </a:prstGeom>
+          <a:ln w="12700"/>
+          <a:effectLst>
+            <a:outerShdw blurRad="50800" dist="38100" dir="2700000" algn="tl" rotWithShape="0">
+              <a:prstClr val="black">
+                <a:alpha val="40000"/>
+              </a:prstClr>
+            </a:outerShdw>
+          </a:effectLst>
+        </p:spPr>
+        <p:style>
+          <a:lnRef idx="1">
+            <a:schemeClr val="dk1"/>
+          </a:lnRef>
+          <a:fillRef idx="0">
+            <a:schemeClr val="dk1"/>
+          </a:fillRef>
+          <a:effectRef idx="0">
+            <a:schemeClr val="dk1"/>
+          </a:effectRef>
+          <a:fontRef idx="minor">
+            <a:schemeClr val="tx1"/>
+          </a:fontRef>
+        </p:style>
+      </p:cxnSp>
+      <p:sp>
+        <p:nvSpPr>
+          <p:cNvPr id="43" name="TextBox 42">
+            <a:extLst>
+              <a:ext uri="{FF2B5EF4-FFF2-40B4-BE49-F238E27FC236}">
+                <a16:creationId xmlns:a16="http://schemas.microsoft.com/office/drawing/2014/main" id="{E1745F7D-32C3-486C-A7E1-F8864BD663C9}"/>
+              </a:ext>
+            </a:extLst>
+          </p:cNvPr>
+          <p:cNvSpPr txBox="1"/>
+          <p:nvPr/>
+        </p:nvSpPr>
+        <p:spPr>
+          <a:xfrm>
+            <a:off x="6870086" y="3485875"/>
+            <a:ext cx="3620543" cy="323165"/>
+          </a:xfrm>
+          <a:prstGeom prst="rect">
+            <a:avLst/>
+          </a:prstGeom>
+          <a:solidFill>
+            <a:schemeClr val="bg1"/>
+          </a:solidFill>
+          <a:ln>
+            <a:solidFill>
+              <a:schemeClr val="tx1"/>
+            </a:solidFill>
+          </a:ln>
+          <a:effectLst>
+            <a:outerShdw blurRad="50800" dist="38100" dir="2700000" algn="tl" rotWithShape="0">
+              <a:prstClr val="black">
+                <a:alpha val="40000"/>
+              </a:prstClr>
+            </a:outerShdw>
+          </a:effectLst>
+        </p:spPr>
+        <p:txBody>
+          <a:bodyPr wrap="none" rtlCol="0">
+            <a:spAutoFit/>
+          </a:bodyPr>
+          <a:lstStyle/>
+          <a:p>
+            <a:r>
+              <a:rPr lang="en-US" altLang="ko-KR" sz="1500" dirty="0">
+                <a:latin typeface="a옛날사진관3" panose="02020600000000000000" pitchFamily="18" charset="-127"/>
+                <a:ea typeface="a옛날사진관3" panose="02020600000000000000" pitchFamily="18" charset="-127"/>
+              </a:rPr>
+              <a:t>root-context.xml </a:t>
+            </a:r>
+            <a:r>
+              <a:rPr lang="ko-KR" altLang="en-US" sz="1500" dirty="0">
+                <a:latin typeface="a옛날사진관3" panose="02020600000000000000" pitchFamily="18" charset="-127"/>
+                <a:ea typeface="a옛날사진관3" panose="02020600000000000000" pitchFamily="18" charset="-127"/>
+              </a:rPr>
+              <a:t>에서 정의된 </a:t>
+            </a:r>
+            <a:r>
+              <a:rPr lang="en-US" altLang="ko-KR" sz="1500" dirty="0">
+                <a:latin typeface="a옛날사진관3" panose="02020600000000000000" pitchFamily="18" charset="-127"/>
+                <a:ea typeface="a옛날사진관3" panose="02020600000000000000" pitchFamily="18" charset="-127"/>
+              </a:rPr>
+              <a:t>Bean</a:t>
+            </a:r>
+            <a:r>
+              <a:rPr lang="ko-KR" altLang="en-US" sz="1500" dirty="0">
+                <a:latin typeface="a옛날사진관3" panose="02020600000000000000" pitchFamily="18" charset="-127"/>
+                <a:ea typeface="a옛날사진관3" panose="02020600000000000000" pitchFamily="18" charset="-127"/>
+              </a:rPr>
+              <a:t>들</a:t>
+            </a:r>
+          </a:p>
+        </p:txBody>
+      </p:sp>
+      <p:sp>
+        <p:nvSpPr>
+          <p:cNvPr id="41" name="눈물 방울 40">
+            <a:extLst>
+              <a:ext uri="{FF2B5EF4-FFF2-40B4-BE49-F238E27FC236}">
+                <a16:creationId xmlns:a16="http://schemas.microsoft.com/office/drawing/2014/main" id="{071E3695-123D-4963-AE02-F7C0D7E02AB3}"/>
+              </a:ext>
+            </a:extLst>
+          </p:cNvPr>
+          <p:cNvSpPr/>
+          <p:nvPr/>
+        </p:nvSpPr>
+        <p:spPr>
+          <a:xfrm>
+            <a:off x="6427486" y="3440112"/>
+            <a:ext cx="468000" cy="468000"/>
+          </a:xfrm>
+          <a:prstGeom prst="teardrop">
+            <a:avLst/>
+          </a:prstGeom>
+          <a:solidFill>
+            <a:schemeClr val="bg1"/>
+          </a:solidFill>
+          <a:ln>
+            <a:solidFill>
+              <a:schemeClr val="tx1"/>
+            </a:solidFill>
+          </a:ln>
+          <a:effectLst>
+            <a:outerShdw blurRad="50800" dist="38100" dir="2700000" algn="tl" rotWithShape="0">
+              <a:prstClr val="black">
+                <a:alpha val="40000"/>
+              </a:prstClr>
+            </a:outerShdw>
+          </a:effectLst>
+        </p:spPr>
+        <p:style>
+          <a:lnRef idx="2">
+            <a:schemeClr val="accent1">
+              <a:shade val="50000"/>
+            </a:schemeClr>
+          </a:lnRef>
+          <a:fillRef idx="1">
+            <a:schemeClr val="accent1"/>
+          </a:fillRef>
+          <a:effectRef idx="0">
+            <a:schemeClr val="accent1"/>
+          </a:effectRef>
+          <a:fontRef idx="minor">
+            <a:schemeClr val="lt1"/>
+          </a:fontRef>
+        </p:style>
+        <p:txBody>
+          <a:bodyPr rtlCol="0" anchor="ctr"/>
+          <a:lstStyle/>
+          <a:p>
+            <a:pPr algn="ctr"/>
+            <a:r>
+              <a:rPr lang="en-US" altLang="ko-KR" sz="1500" dirty="0">
+                <a:solidFill>
+                  <a:schemeClr val="tx1"/>
+                </a:solidFill>
+                <a:latin typeface="a옛날사진관3" panose="02020600000000000000" pitchFamily="18" charset="-127"/>
+                <a:ea typeface="a옛날사진관3" panose="02020600000000000000" pitchFamily="18" charset="-127"/>
+              </a:rPr>
+              <a:t>r</a:t>
+            </a:r>
+            <a:endParaRPr lang="ko-KR" altLang="en-US" sz="1500" dirty="0">
+              <a:solidFill>
+                <a:schemeClr val="tx1"/>
+              </a:solidFill>
+              <a:latin typeface="a옛날사진관3" panose="02020600000000000000" pitchFamily="18" charset="-127"/>
+              <a:ea typeface="a옛날사진관3" panose="02020600000000000000" pitchFamily="18" charset="-127"/>
+            </a:endParaRPr>
+          </a:p>
+        </p:txBody>
+      </p:sp>
+      <p:sp>
+        <p:nvSpPr>
+          <p:cNvPr id="47" name="TextBox 46">
+            <a:extLst>
+              <a:ext uri="{FF2B5EF4-FFF2-40B4-BE49-F238E27FC236}">
+                <a16:creationId xmlns:a16="http://schemas.microsoft.com/office/drawing/2014/main" id="{9A4EB7FE-2C27-4BC3-A022-CF5F6765BB43}"/>
+              </a:ext>
+            </a:extLst>
+          </p:cNvPr>
+          <p:cNvSpPr txBox="1"/>
+          <p:nvPr/>
+        </p:nvSpPr>
+        <p:spPr>
+          <a:xfrm>
+            <a:off x="6877556" y="4007725"/>
+            <a:ext cx="3901068" cy="323165"/>
+          </a:xfrm>
+          <a:prstGeom prst="rect">
+            <a:avLst/>
+          </a:prstGeom>
+          <a:solidFill>
+            <a:schemeClr val="bg1"/>
+          </a:solidFill>
+          <a:ln>
+            <a:solidFill>
+              <a:schemeClr val="tx1"/>
+            </a:solidFill>
+          </a:ln>
+          <a:effectLst>
+            <a:outerShdw blurRad="50800" dist="38100" dir="2700000" algn="tl" rotWithShape="0">
+              <a:prstClr val="black">
+                <a:alpha val="40000"/>
+              </a:prstClr>
+            </a:outerShdw>
+          </a:effectLst>
+        </p:spPr>
+        <p:txBody>
+          <a:bodyPr wrap="none" rtlCol="0">
+            <a:spAutoFit/>
+          </a:bodyPr>
+          <a:lstStyle/>
+          <a:p>
+            <a:r>
+              <a:rPr lang="en-US" altLang="ko-KR" sz="1500" dirty="0">
+                <a:latin typeface="a옛날사진관3" panose="02020600000000000000" pitchFamily="18" charset="-127"/>
+                <a:ea typeface="a옛날사진관3" panose="02020600000000000000" pitchFamily="18" charset="-127"/>
+              </a:rPr>
+              <a:t>servlet-context.xml </a:t>
+            </a:r>
+            <a:r>
+              <a:rPr lang="ko-KR" altLang="en-US" sz="1500" dirty="0">
+                <a:latin typeface="a옛날사진관3" panose="02020600000000000000" pitchFamily="18" charset="-127"/>
+                <a:ea typeface="a옛날사진관3" panose="02020600000000000000" pitchFamily="18" charset="-127"/>
+              </a:rPr>
+              <a:t>에서 정의된 </a:t>
+            </a:r>
+            <a:r>
+              <a:rPr lang="en-US" altLang="ko-KR" sz="1500" dirty="0">
+                <a:latin typeface="a옛날사진관3" panose="02020600000000000000" pitchFamily="18" charset="-127"/>
+                <a:ea typeface="a옛날사진관3" panose="02020600000000000000" pitchFamily="18" charset="-127"/>
+              </a:rPr>
+              <a:t>Bean</a:t>
+            </a:r>
+            <a:r>
+              <a:rPr lang="ko-KR" altLang="en-US" sz="1500" dirty="0">
+                <a:latin typeface="a옛날사진관3" panose="02020600000000000000" pitchFamily="18" charset="-127"/>
+                <a:ea typeface="a옛날사진관3" panose="02020600000000000000" pitchFamily="18" charset="-127"/>
+              </a:rPr>
+              <a:t>들</a:t>
+            </a:r>
+          </a:p>
+        </p:txBody>
+      </p:sp>
+      <p:sp>
+        <p:nvSpPr>
+          <p:cNvPr id="45" name="눈물 방울 44">
+            <a:extLst>
+              <a:ext uri="{FF2B5EF4-FFF2-40B4-BE49-F238E27FC236}">
+                <a16:creationId xmlns:a16="http://schemas.microsoft.com/office/drawing/2014/main" id="{238276F7-AC3D-4393-9B4C-E6BE2403C7D9}"/>
+              </a:ext>
+            </a:extLst>
+          </p:cNvPr>
+          <p:cNvSpPr/>
+          <p:nvPr/>
+        </p:nvSpPr>
+        <p:spPr>
+          <a:xfrm>
+            <a:off x="6427486" y="3976098"/>
+            <a:ext cx="468000" cy="468000"/>
+          </a:xfrm>
+          <a:prstGeom prst="teardrop">
+            <a:avLst/>
+          </a:prstGeom>
+          <a:solidFill>
+            <a:schemeClr val="bg1">
+              <a:lumMod val="85000"/>
+            </a:schemeClr>
+          </a:solidFill>
+          <a:ln>
+            <a:solidFill>
+              <a:schemeClr val="tx1"/>
+            </a:solidFill>
+          </a:ln>
+          <a:effectLst>
+            <a:outerShdw blurRad="50800" dist="38100" dir="2700000" algn="tl" rotWithShape="0">
+              <a:prstClr val="black">
+                <a:alpha val="40000"/>
+              </a:prstClr>
+            </a:outerShdw>
+          </a:effectLst>
+        </p:spPr>
+        <p:style>
+          <a:lnRef idx="2">
+            <a:schemeClr val="accent1">
+              <a:shade val="50000"/>
+            </a:schemeClr>
+          </a:lnRef>
+          <a:fillRef idx="1">
+            <a:schemeClr val="accent1"/>
+          </a:fillRef>
+          <a:effectRef idx="0">
+            <a:schemeClr val="accent1"/>
+          </a:effectRef>
+          <a:fontRef idx="minor">
+            <a:schemeClr val="lt1"/>
+          </a:fontRef>
+        </p:style>
+        <p:txBody>
+          <a:bodyPr rtlCol="0" anchor="ctr"/>
+          <a:lstStyle/>
+          <a:p>
+            <a:pPr algn="ctr"/>
+            <a:r>
+              <a:rPr lang="en-US" altLang="ko-KR" sz="1500" dirty="0">
+                <a:solidFill>
+                  <a:schemeClr val="tx1"/>
+                </a:solidFill>
+                <a:latin typeface="a옛날사진관3" panose="02020600000000000000" pitchFamily="18" charset="-127"/>
+                <a:ea typeface="a옛날사진관3" panose="02020600000000000000" pitchFamily="18" charset="-127"/>
+              </a:rPr>
+              <a:t>s</a:t>
+            </a:r>
+            <a:endParaRPr lang="ko-KR" altLang="en-US" sz="1500" dirty="0">
+              <a:solidFill>
+                <a:schemeClr val="tx1"/>
+              </a:solidFill>
+              <a:latin typeface="a옛날사진관3" panose="02020600000000000000" pitchFamily="18" charset="-127"/>
+              <a:ea typeface="a옛날사진관3" panose="02020600000000000000" pitchFamily="18" charset="-127"/>
+            </a:endParaRPr>
+          </a:p>
+        </p:txBody>
+      </p:sp>
+      <p:sp>
+        <p:nvSpPr>
+          <p:cNvPr id="51" name="눈물 방울 50">
+            <a:extLst>
+              <a:ext uri="{FF2B5EF4-FFF2-40B4-BE49-F238E27FC236}">
+                <a16:creationId xmlns:a16="http://schemas.microsoft.com/office/drawing/2014/main" id="{02051A54-7872-42BD-853F-787A6214E5A8}"/>
+              </a:ext>
+            </a:extLst>
+          </p:cNvPr>
+          <p:cNvSpPr/>
+          <p:nvPr/>
+        </p:nvSpPr>
+        <p:spPr>
+          <a:xfrm>
+            <a:off x="6661486" y="834311"/>
+            <a:ext cx="468000" cy="468000"/>
+          </a:xfrm>
+          <a:prstGeom prst="teardrop">
+            <a:avLst/>
+          </a:prstGeom>
+          <a:solidFill>
+            <a:schemeClr val="bg1">
+              <a:lumMod val="85000"/>
+            </a:schemeClr>
+          </a:solidFill>
+          <a:ln>
+            <a:solidFill>
+              <a:schemeClr val="tx1"/>
+            </a:solidFill>
+          </a:ln>
+          <a:effectLst>
+            <a:outerShdw blurRad="50800" dist="38100" dir="2700000" algn="tl" rotWithShape="0">
+              <a:prstClr val="black">
+                <a:alpha val="40000"/>
+              </a:prstClr>
+            </a:outerShdw>
+          </a:effectLst>
+        </p:spPr>
+        <p:style>
+          <a:lnRef idx="2">
+            <a:schemeClr val="accent1">
+              <a:shade val="50000"/>
+            </a:schemeClr>
+          </a:lnRef>
+          <a:fillRef idx="1">
+            <a:schemeClr val="accent1"/>
+          </a:fillRef>
+          <a:effectRef idx="0">
+            <a:schemeClr val="accent1"/>
+          </a:effectRef>
+          <a:fontRef idx="minor">
+            <a:schemeClr val="lt1"/>
+          </a:fontRef>
+        </p:style>
+        <p:txBody>
+          <a:bodyPr rtlCol="0" anchor="ctr"/>
+          <a:lstStyle/>
+          <a:p>
+            <a:pPr algn="ctr"/>
+            <a:r>
+              <a:rPr lang="en-US" altLang="ko-KR" sz="1500" dirty="0">
+                <a:solidFill>
+                  <a:schemeClr val="tx1"/>
+                </a:solidFill>
+                <a:latin typeface="a옛날사진관3" panose="02020600000000000000" pitchFamily="18" charset="-127"/>
+                <a:ea typeface="a옛날사진관3" panose="02020600000000000000" pitchFamily="18" charset="-127"/>
+              </a:rPr>
+              <a:t>s</a:t>
+            </a:r>
+            <a:endParaRPr lang="ko-KR" altLang="en-US" sz="1500" dirty="0">
+              <a:solidFill>
+                <a:schemeClr val="tx1"/>
+              </a:solidFill>
+              <a:latin typeface="a옛날사진관3" panose="02020600000000000000" pitchFamily="18" charset="-127"/>
+              <a:ea typeface="a옛날사진관3" panose="02020600000000000000" pitchFamily="18" charset="-127"/>
+            </a:endParaRPr>
+          </a:p>
+        </p:txBody>
+      </p:sp>
+      <p:sp>
+        <p:nvSpPr>
+          <p:cNvPr id="53" name="눈물 방울 52">
+            <a:extLst>
+              <a:ext uri="{FF2B5EF4-FFF2-40B4-BE49-F238E27FC236}">
+                <a16:creationId xmlns:a16="http://schemas.microsoft.com/office/drawing/2014/main" id="{59841641-885A-4AA1-BA4E-CC12AB3C0A3A}"/>
+              </a:ext>
+            </a:extLst>
+          </p:cNvPr>
+          <p:cNvSpPr/>
+          <p:nvPr/>
+        </p:nvSpPr>
+        <p:spPr>
+          <a:xfrm>
+            <a:off x="7244063" y="1409629"/>
+            <a:ext cx="468000" cy="468000"/>
+          </a:xfrm>
+          <a:prstGeom prst="teardrop">
+            <a:avLst/>
+          </a:prstGeom>
+          <a:solidFill>
+            <a:schemeClr val="bg1">
+              <a:lumMod val="85000"/>
+            </a:schemeClr>
+          </a:solidFill>
+          <a:ln>
+            <a:solidFill>
+              <a:schemeClr val="tx1"/>
+            </a:solidFill>
+          </a:ln>
+          <a:effectLst>
+            <a:outerShdw blurRad="50800" dist="38100" dir="2700000" algn="tl" rotWithShape="0">
+              <a:prstClr val="black">
+                <a:alpha val="40000"/>
+              </a:prstClr>
+            </a:outerShdw>
+          </a:effectLst>
+        </p:spPr>
+        <p:style>
+          <a:lnRef idx="2">
+            <a:schemeClr val="accent1">
+              <a:shade val="50000"/>
+            </a:schemeClr>
+          </a:lnRef>
+          <a:fillRef idx="1">
+            <a:schemeClr val="accent1"/>
+          </a:fillRef>
+          <a:effectRef idx="0">
+            <a:schemeClr val="accent1"/>
+          </a:effectRef>
+          <a:fontRef idx="minor">
+            <a:schemeClr val="lt1"/>
+          </a:fontRef>
+        </p:style>
+        <p:txBody>
+          <a:bodyPr rtlCol="0" anchor="ctr"/>
+          <a:lstStyle/>
+          <a:p>
+            <a:pPr algn="ctr"/>
+            <a:r>
+              <a:rPr lang="en-US" altLang="ko-KR" sz="1500" dirty="0">
+                <a:solidFill>
+                  <a:schemeClr val="tx1"/>
+                </a:solidFill>
+                <a:latin typeface="a옛날사진관3" panose="02020600000000000000" pitchFamily="18" charset="-127"/>
+                <a:ea typeface="a옛날사진관3" panose="02020600000000000000" pitchFamily="18" charset="-127"/>
+              </a:rPr>
+              <a:t>s</a:t>
+            </a:r>
+            <a:endParaRPr lang="ko-KR" altLang="en-US" sz="1500" dirty="0">
+              <a:solidFill>
+                <a:schemeClr val="tx1"/>
+              </a:solidFill>
+              <a:latin typeface="a옛날사진관3" panose="02020600000000000000" pitchFamily="18" charset="-127"/>
+              <a:ea typeface="a옛날사진관3" panose="02020600000000000000" pitchFamily="18" charset="-127"/>
+            </a:endParaRPr>
+          </a:p>
+        </p:txBody>
+      </p:sp>
+      <p:sp>
+        <p:nvSpPr>
+          <p:cNvPr id="55" name="눈물 방울 54">
+            <a:extLst>
+              <a:ext uri="{FF2B5EF4-FFF2-40B4-BE49-F238E27FC236}">
+                <a16:creationId xmlns:a16="http://schemas.microsoft.com/office/drawing/2014/main" id="{A5D927A7-3C07-44E7-9D3C-29ADAFD04666}"/>
+              </a:ext>
+            </a:extLst>
+          </p:cNvPr>
+          <p:cNvSpPr/>
+          <p:nvPr/>
+        </p:nvSpPr>
+        <p:spPr>
+          <a:xfrm>
+            <a:off x="6526525" y="2007297"/>
+            <a:ext cx="468000" cy="468000"/>
+          </a:xfrm>
+          <a:prstGeom prst="teardrop">
+            <a:avLst/>
+          </a:prstGeom>
+          <a:solidFill>
+            <a:schemeClr val="bg1">
+              <a:lumMod val="85000"/>
+            </a:schemeClr>
+          </a:solidFill>
+          <a:ln>
+            <a:solidFill>
+              <a:schemeClr val="tx1"/>
+            </a:solidFill>
+          </a:ln>
+          <a:effectLst>
+            <a:outerShdw blurRad="50800" dist="38100" dir="2700000" algn="tl" rotWithShape="0">
+              <a:prstClr val="black">
+                <a:alpha val="40000"/>
+              </a:prstClr>
+            </a:outerShdw>
+          </a:effectLst>
+        </p:spPr>
+        <p:style>
+          <a:lnRef idx="2">
+            <a:schemeClr val="accent1">
+              <a:shade val="50000"/>
+            </a:schemeClr>
+          </a:lnRef>
+          <a:fillRef idx="1">
+            <a:schemeClr val="accent1"/>
+          </a:fillRef>
+          <a:effectRef idx="0">
+            <a:schemeClr val="accent1"/>
+          </a:effectRef>
+          <a:fontRef idx="minor">
+            <a:schemeClr val="lt1"/>
+          </a:fontRef>
+        </p:style>
+        <p:txBody>
+          <a:bodyPr rtlCol="0" anchor="ctr"/>
+          <a:lstStyle/>
+          <a:p>
+            <a:pPr algn="ctr"/>
+            <a:r>
+              <a:rPr lang="en-US" altLang="ko-KR" sz="1500" dirty="0">
+                <a:solidFill>
+                  <a:schemeClr val="tx1"/>
+                </a:solidFill>
+                <a:latin typeface="a옛날사진관3" panose="02020600000000000000" pitchFamily="18" charset="-127"/>
+                <a:ea typeface="a옛날사진관3" panose="02020600000000000000" pitchFamily="18" charset="-127"/>
+              </a:rPr>
+              <a:t>s</a:t>
+            </a:r>
+            <a:endParaRPr lang="ko-KR" altLang="en-US" sz="1500" dirty="0">
+              <a:solidFill>
+                <a:schemeClr val="tx1"/>
+              </a:solidFill>
+              <a:latin typeface="a옛날사진관3" panose="02020600000000000000" pitchFamily="18" charset="-127"/>
+              <a:ea typeface="a옛날사진관3" panose="02020600000000000000" pitchFamily="18" charset="-127"/>
+            </a:endParaRPr>
+          </a:p>
+        </p:txBody>
+      </p:sp>
+      <p:sp>
+        <p:nvSpPr>
+          <p:cNvPr id="57" name="눈물 방울 56">
+            <a:extLst>
+              <a:ext uri="{FF2B5EF4-FFF2-40B4-BE49-F238E27FC236}">
+                <a16:creationId xmlns:a16="http://schemas.microsoft.com/office/drawing/2014/main" id="{EB18C2BF-7043-4E7E-9BDF-C3DDB7A045F4}"/>
+              </a:ext>
+            </a:extLst>
+          </p:cNvPr>
+          <p:cNvSpPr/>
+          <p:nvPr/>
+        </p:nvSpPr>
+        <p:spPr>
+          <a:xfrm>
+            <a:off x="7064379" y="2467465"/>
+            <a:ext cx="468000" cy="468000"/>
+          </a:xfrm>
+          <a:prstGeom prst="teardrop">
+            <a:avLst/>
+          </a:prstGeom>
+          <a:solidFill>
+            <a:schemeClr val="bg1">
+              <a:lumMod val="85000"/>
+            </a:schemeClr>
+          </a:solidFill>
+          <a:ln>
+            <a:solidFill>
+              <a:schemeClr val="tx1"/>
+            </a:solidFill>
+          </a:ln>
+          <a:effectLst>
+            <a:outerShdw blurRad="50800" dist="38100" dir="2700000" algn="tl" rotWithShape="0">
+              <a:prstClr val="black">
+                <a:alpha val="40000"/>
+              </a:prstClr>
+            </a:outerShdw>
+          </a:effectLst>
+        </p:spPr>
+        <p:style>
+          <a:lnRef idx="2">
+            <a:schemeClr val="accent1">
+              <a:shade val="50000"/>
+            </a:schemeClr>
+          </a:lnRef>
+          <a:fillRef idx="1">
+            <a:schemeClr val="accent1"/>
+          </a:fillRef>
+          <a:effectRef idx="0">
+            <a:schemeClr val="accent1"/>
+          </a:effectRef>
+          <a:fontRef idx="minor">
+            <a:schemeClr val="lt1"/>
+          </a:fontRef>
+        </p:style>
+        <p:txBody>
+          <a:bodyPr rtlCol="0" anchor="ctr"/>
+          <a:lstStyle/>
+          <a:p>
+            <a:pPr algn="ctr"/>
+            <a:r>
+              <a:rPr lang="en-US" altLang="ko-KR" sz="1500" dirty="0">
+                <a:solidFill>
+                  <a:schemeClr val="tx1"/>
+                </a:solidFill>
+                <a:latin typeface="a옛날사진관3" panose="02020600000000000000" pitchFamily="18" charset="-127"/>
+                <a:ea typeface="a옛날사진관3" panose="02020600000000000000" pitchFamily="18" charset="-127"/>
+              </a:rPr>
+              <a:t>s</a:t>
+            </a:r>
+            <a:endParaRPr lang="ko-KR" altLang="en-US" sz="1500" dirty="0">
+              <a:solidFill>
+                <a:schemeClr val="tx1"/>
+              </a:solidFill>
+              <a:latin typeface="a옛날사진관3" panose="02020600000000000000" pitchFamily="18" charset="-127"/>
+              <a:ea typeface="a옛날사진관3" panose="02020600000000000000" pitchFamily="18" charset="-127"/>
+            </a:endParaRPr>
+          </a:p>
+        </p:txBody>
+      </p:sp>
+      <p:sp>
+        <p:nvSpPr>
+          <p:cNvPr id="59" name="눈물 방울 58">
+            <a:extLst>
+              <a:ext uri="{FF2B5EF4-FFF2-40B4-BE49-F238E27FC236}">
+                <a16:creationId xmlns:a16="http://schemas.microsoft.com/office/drawing/2014/main" id="{CCC69DF0-12AB-4205-AA02-E16EE6477AEF}"/>
+              </a:ext>
+            </a:extLst>
+          </p:cNvPr>
+          <p:cNvSpPr/>
+          <p:nvPr/>
+        </p:nvSpPr>
+        <p:spPr>
+          <a:xfrm>
+            <a:off x="7654267" y="2062759"/>
+            <a:ext cx="468000" cy="468000"/>
+          </a:xfrm>
+          <a:prstGeom prst="teardrop">
+            <a:avLst/>
+          </a:prstGeom>
+          <a:solidFill>
+            <a:schemeClr val="bg1">
+              <a:lumMod val="85000"/>
+            </a:schemeClr>
+          </a:solidFill>
+          <a:ln>
+            <a:solidFill>
+              <a:schemeClr val="tx1"/>
+            </a:solidFill>
+          </a:ln>
+          <a:effectLst>
+            <a:outerShdw blurRad="50800" dist="38100" dir="2700000" algn="tl" rotWithShape="0">
+              <a:prstClr val="black">
+                <a:alpha val="40000"/>
+              </a:prstClr>
+            </a:outerShdw>
+          </a:effectLst>
+        </p:spPr>
+        <p:style>
+          <a:lnRef idx="2">
+            <a:schemeClr val="accent1">
+              <a:shade val="50000"/>
+            </a:schemeClr>
+          </a:lnRef>
+          <a:fillRef idx="1">
+            <a:schemeClr val="accent1"/>
+          </a:fillRef>
+          <a:effectRef idx="0">
+            <a:schemeClr val="accent1"/>
+          </a:effectRef>
+          <a:fontRef idx="minor">
+            <a:schemeClr val="lt1"/>
+          </a:fontRef>
+        </p:style>
+        <p:txBody>
+          <a:bodyPr rtlCol="0" anchor="ctr"/>
+          <a:lstStyle/>
+          <a:p>
+            <a:pPr algn="ctr"/>
+            <a:r>
+              <a:rPr lang="en-US" altLang="ko-KR" sz="1500" dirty="0">
+                <a:solidFill>
+                  <a:schemeClr val="tx1"/>
+                </a:solidFill>
+                <a:latin typeface="a옛날사진관3" panose="02020600000000000000" pitchFamily="18" charset="-127"/>
+                <a:ea typeface="a옛날사진관3" panose="02020600000000000000" pitchFamily="18" charset="-127"/>
+              </a:rPr>
+              <a:t>s</a:t>
+            </a:r>
+            <a:endParaRPr lang="ko-KR" altLang="en-US" sz="1500" dirty="0">
+              <a:solidFill>
+                <a:schemeClr val="tx1"/>
+              </a:solidFill>
+              <a:latin typeface="a옛날사진관3" panose="02020600000000000000" pitchFamily="18" charset="-127"/>
+              <a:ea typeface="a옛날사진관3" panose="02020600000000000000" pitchFamily="18" charset="-127"/>
+            </a:endParaRPr>
+          </a:p>
+        </p:txBody>
+      </p:sp>
+      <p:cxnSp>
+        <p:nvCxnSpPr>
+          <p:cNvPr id="60" name="직선 연결선 59">
+            <a:extLst>
+              <a:ext uri="{FF2B5EF4-FFF2-40B4-BE49-F238E27FC236}">
+                <a16:creationId xmlns:a16="http://schemas.microsoft.com/office/drawing/2014/main" id="{FC2D2BE0-F305-4AB6-B5C2-0D8BF83FEDA9}"/>
+              </a:ext>
+            </a:extLst>
+          </p:cNvPr>
+          <p:cNvCxnSpPr>
+            <a:cxnSpLocks/>
+            <a:stCxn id="59" idx="0"/>
+            <a:endCxn id="27" idx="4"/>
+          </p:cNvCxnSpPr>
+          <p:nvPr/>
+        </p:nvCxnSpPr>
+        <p:spPr>
+          <a:xfrm flipV="1">
+            <a:off x="8122267" y="2181314"/>
+            <a:ext cx="266061" cy="115445"/>
+          </a:xfrm>
+          <a:prstGeom prst="line">
+            <a:avLst/>
+          </a:prstGeom>
+          <a:ln w="12700"/>
+          <a:effectLst>
+            <a:outerShdw blurRad="50800" dist="38100" dir="2700000" algn="tl" rotWithShape="0">
+              <a:prstClr val="black">
+                <a:alpha val="40000"/>
+              </a:prstClr>
+            </a:outerShdw>
+          </a:effectLst>
+        </p:spPr>
+        <p:style>
+          <a:lnRef idx="1">
+            <a:schemeClr val="dk1"/>
+          </a:lnRef>
+          <a:fillRef idx="0">
+            <a:schemeClr val="dk1"/>
+          </a:fillRef>
+          <a:effectRef idx="0">
+            <a:schemeClr val="dk1"/>
+          </a:effectRef>
+          <a:fontRef idx="minor">
+            <a:schemeClr val="tx1"/>
+          </a:fontRef>
+        </p:style>
+      </p:cxnSp>
+      <p:cxnSp>
+        <p:nvCxnSpPr>
+          <p:cNvPr id="63" name="직선 연결선 62">
+            <a:extLst>
+              <a:ext uri="{FF2B5EF4-FFF2-40B4-BE49-F238E27FC236}">
+                <a16:creationId xmlns:a16="http://schemas.microsoft.com/office/drawing/2014/main" id="{0B9A989D-2927-4E80-9D5B-32AC727DDA03}"/>
+              </a:ext>
+            </a:extLst>
+          </p:cNvPr>
+          <p:cNvCxnSpPr>
+            <a:cxnSpLocks/>
+            <a:stCxn id="53" idx="7"/>
+            <a:endCxn id="25" idx="4"/>
+          </p:cNvCxnSpPr>
+          <p:nvPr/>
+        </p:nvCxnSpPr>
+        <p:spPr>
+          <a:xfrm flipV="1">
+            <a:off x="7712063" y="1249745"/>
+            <a:ext cx="308655" cy="159884"/>
+          </a:xfrm>
+          <a:prstGeom prst="line">
+            <a:avLst/>
+          </a:prstGeom>
+          <a:ln w="12700"/>
+          <a:effectLst>
+            <a:outerShdw blurRad="50800" dist="38100" dir="2700000" algn="tl" rotWithShape="0">
+              <a:prstClr val="black">
+                <a:alpha val="40000"/>
+              </a:prstClr>
+            </a:outerShdw>
+          </a:effectLst>
+        </p:spPr>
+        <p:style>
+          <a:lnRef idx="1">
+            <a:schemeClr val="dk1"/>
+          </a:lnRef>
+          <a:fillRef idx="0">
+            <a:schemeClr val="dk1"/>
+          </a:fillRef>
+          <a:effectRef idx="0">
+            <a:schemeClr val="dk1"/>
+          </a:effectRef>
+          <a:fontRef idx="minor">
+            <a:schemeClr val="tx1"/>
+          </a:fontRef>
+        </p:style>
+      </p:cxnSp>
+      <p:cxnSp>
+        <p:nvCxnSpPr>
+          <p:cNvPr id="66" name="직선 연결선 65">
+            <a:extLst>
+              <a:ext uri="{FF2B5EF4-FFF2-40B4-BE49-F238E27FC236}">
+                <a16:creationId xmlns:a16="http://schemas.microsoft.com/office/drawing/2014/main" id="{AE54E54B-7629-451D-A0E2-6F84B6A58427}"/>
+              </a:ext>
+            </a:extLst>
+          </p:cNvPr>
+          <p:cNvCxnSpPr>
+            <a:cxnSpLocks/>
+            <a:stCxn id="51" idx="1"/>
+            <a:endCxn id="53" idx="5"/>
+          </p:cNvCxnSpPr>
+          <p:nvPr/>
+        </p:nvCxnSpPr>
+        <p:spPr>
+          <a:xfrm>
+            <a:off x="7060949" y="1233774"/>
+            <a:ext cx="251651" cy="244392"/>
+          </a:xfrm>
+          <a:prstGeom prst="line">
+            <a:avLst/>
+          </a:prstGeom>
+          <a:ln w="12700"/>
+          <a:effectLst>
+            <a:outerShdw blurRad="50800" dist="38100" dir="2700000" algn="tl" rotWithShape="0">
+              <a:prstClr val="black">
+                <a:alpha val="40000"/>
+              </a:prstClr>
+            </a:outerShdw>
+          </a:effectLst>
+        </p:spPr>
+        <p:style>
+          <a:lnRef idx="1">
+            <a:schemeClr val="dk1"/>
+          </a:lnRef>
+          <a:fillRef idx="0">
+            <a:schemeClr val="dk1"/>
+          </a:fillRef>
+          <a:effectRef idx="0">
+            <a:schemeClr val="dk1"/>
+          </a:effectRef>
+          <a:fontRef idx="minor">
+            <a:schemeClr val="tx1"/>
+          </a:fontRef>
+        </p:style>
+      </p:cxnSp>
     </p:spTree>
     <p:extLst>
       <p:ext uri="{BB962C8B-B14F-4D97-AF65-F5344CB8AC3E}">
@@ -7588,6 +10756,974 @@
           <a:chExt cx="0" cy="0"/>
         </a:xfrm>
       </p:grpSpPr>
+      <p:sp>
+        <p:nvSpPr>
+          <p:cNvPr id="3" name="사각형: 둥근 모서리 2">
+            <a:extLst>
+              <a:ext uri="{FF2B5EF4-FFF2-40B4-BE49-F238E27FC236}">
+                <a16:creationId xmlns:a16="http://schemas.microsoft.com/office/drawing/2014/main" id="{CCC53130-D282-4793-81FD-75C23997AF3B}"/>
+              </a:ext>
+            </a:extLst>
+          </p:cNvPr>
+          <p:cNvSpPr/>
+          <p:nvPr/>
+        </p:nvSpPr>
+        <p:spPr>
+          <a:xfrm>
+            <a:off x="1437047" y="877165"/>
+            <a:ext cx="1153753" cy="513291"/>
+          </a:xfrm>
+          <a:prstGeom prst="roundRect">
+            <a:avLst/>
+          </a:prstGeom>
+          <a:solidFill>
+            <a:schemeClr val="bg1"/>
+          </a:solidFill>
+          <a:ln>
+            <a:solidFill>
+              <a:schemeClr val="tx1"/>
+            </a:solidFill>
+          </a:ln>
+          <a:effectLst>
+            <a:outerShdw blurRad="50800" dist="38100" dir="2700000" algn="tl" rotWithShape="0">
+              <a:prstClr val="black">
+                <a:alpha val="40000"/>
+              </a:prstClr>
+            </a:outerShdw>
+          </a:effectLst>
+        </p:spPr>
+        <p:style>
+          <a:lnRef idx="2">
+            <a:schemeClr val="accent1">
+              <a:shade val="50000"/>
+            </a:schemeClr>
+          </a:lnRef>
+          <a:fillRef idx="1">
+            <a:schemeClr val="accent1"/>
+          </a:fillRef>
+          <a:effectRef idx="0">
+            <a:schemeClr val="accent1"/>
+          </a:effectRef>
+          <a:fontRef idx="minor">
+            <a:schemeClr val="lt1"/>
+          </a:fontRef>
+        </p:style>
+        <p:txBody>
+          <a:bodyPr rtlCol="0" anchor="ctr"/>
+          <a:lstStyle/>
+          <a:p>
+            <a:pPr algn="ctr"/>
+            <a:endParaRPr lang="ko-KR" altLang="en-US" dirty="0">
+              <a:solidFill>
+                <a:schemeClr val="tx1"/>
+              </a:solidFill>
+              <a:latin typeface="a옛날사진관3" panose="02020600000000000000" pitchFamily="18" charset="-127"/>
+              <a:ea typeface="a옛날사진관3" panose="02020600000000000000" pitchFamily="18" charset="-127"/>
+            </a:endParaRPr>
+          </a:p>
+        </p:txBody>
+      </p:sp>
+      <p:sp>
+        <p:nvSpPr>
+          <p:cNvPr id="5" name="화살표: 왼쪽/오른쪽 4">
+            <a:extLst>
+              <a:ext uri="{FF2B5EF4-FFF2-40B4-BE49-F238E27FC236}">
+                <a16:creationId xmlns:a16="http://schemas.microsoft.com/office/drawing/2014/main" id="{79571156-14ED-4EDD-84D8-CF0CF67F9893}"/>
+              </a:ext>
+            </a:extLst>
+          </p:cNvPr>
+          <p:cNvSpPr/>
+          <p:nvPr/>
+        </p:nvSpPr>
+        <p:spPr>
+          <a:xfrm rot="5400000">
+            <a:off x="2780983" y="1543043"/>
+            <a:ext cx="447459" cy="338347"/>
+          </a:xfrm>
+          <a:prstGeom prst="leftRightArrow">
+            <a:avLst/>
+          </a:prstGeom>
+          <a:solidFill>
+            <a:schemeClr val="bg1">
+              <a:lumMod val="75000"/>
+            </a:schemeClr>
+          </a:solidFill>
+          <a:ln>
+            <a:solidFill>
+              <a:schemeClr val="tx1"/>
+            </a:solidFill>
+          </a:ln>
+          <a:effectLst>
+            <a:outerShdw blurRad="50800" dist="38100" dir="2700000" algn="tl" rotWithShape="0">
+              <a:prstClr val="black">
+                <a:alpha val="40000"/>
+              </a:prstClr>
+            </a:outerShdw>
+          </a:effectLst>
+        </p:spPr>
+        <p:style>
+          <a:lnRef idx="2">
+            <a:schemeClr val="accent1">
+              <a:shade val="50000"/>
+            </a:schemeClr>
+          </a:lnRef>
+          <a:fillRef idx="1">
+            <a:schemeClr val="accent1"/>
+          </a:fillRef>
+          <a:effectRef idx="0">
+            <a:schemeClr val="accent1"/>
+          </a:effectRef>
+          <a:fontRef idx="minor">
+            <a:schemeClr val="lt1"/>
+          </a:fontRef>
+        </p:style>
+        <p:txBody>
+          <a:bodyPr rtlCol="0" anchor="ctr"/>
+          <a:lstStyle/>
+          <a:p>
+            <a:pPr algn="ctr"/>
+            <a:endParaRPr lang="ko-KR" altLang="en-US"/>
+          </a:p>
+        </p:txBody>
+      </p:sp>
+      <p:sp>
+        <p:nvSpPr>
+          <p:cNvPr id="7" name="사각형: 둥근 모서리 6">
+            <a:extLst>
+              <a:ext uri="{FF2B5EF4-FFF2-40B4-BE49-F238E27FC236}">
+                <a16:creationId xmlns:a16="http://schemas.microsoft.com/office/drawing/2014/main" id="{7D7F378E-D041-4DCA-90D6-B65C49A086A6}"/>
+              </a:ext>
+            </a:extLst>
+          </p:cNvPr>
+          <p:cNvSpPr/>
+          <p:nvPr/>
+        </p:nvSpPr>
+        <p:spPr>
+          <a:xfrm>
+            <a:off x="2692105" y="877165"/>
+            <a:ext cx="1153753" cy="513291"/>
+          </a:xfrm>
+          <a:prstGeom prst="roundRect">
+            <a:avLst/>
+          </a:prstGeom>
+          <a:solidFill>
+            <a:schemeClr val="bg1"/>
+          </a:solidFill>
+          <a:ln>
+            <a:solidFill>
+              <a:schemeClr val="tx1"/>
+            </a:solidFill>
+          </a:ln>
+          <a:effectLst>
+            <a:outerShdw blurRad="50800" dist="38100" dir="2700000" algn="tl" rotWithShape="0">
+              <a:prstClr val="black">
+                <a:alpha val="40000"/>
+              </a:prstClr>
+            </a:outerShdw>
+          </a:effectLst>
+        </p:spPr>
+        <p:style>
+          <a:lnRef idx="2">
+            <a:schemeClr val="accent1">
+              <a:shade val="50000"/>
+            </a:schemeClr>
+          </a:lnRef>
+          <a:fillRef idx="1">
+            <a:schemeClr val="accent1"/>
+          </a:fillRef>
+          <a:effectRef idx="0">
+            <a:schemeClr val="accent1"/>
+          </a:effectRef>
+          <a:fontRef idx="minor">
+            <a:schemeClr val="lt1"/>
+          </a:fontRef>
+        </p:style>
+        <p:txBody>
+          <a:bodyPr rtlCol="0" anchor="ctr"/>
+          <a:lstStyle/>
+          <a:p>
+            <a:pPr algn="ctr"/>
+            <a:endParaRPr lang="ko-KR" altLang="en-US" dirty="0">
+              <a:solidFill>
+                <a:schemeClr val="tx1"/>
+              </a:solidFill>
+              <a:latin typeface="a옛날사진관3" panose="02020600000000000000" pitchFamily="18" charset="-127"/>
+              <a:ea typeface="a옛날사진관3" panose="02020600000000000000" pitchFamily="18" charset="-127"/>
+            </a:endParaRPr>
+          </a:p>
+        </p:txBody>
+      </p:sp>
+      <p:sp>
+        <p:nvSpPr>
+          <p:cNvPr id="9" name="사각형: 둥근 모서리 8">
+            <a:extLst>
+              <a:ext uri="{FF2B5EF4-FFF2-40B4-BE49-F238E27FC236}">
+                <a16:creationId xmlns:a16="http://schemas.microsoft.com/office/drawing/2014/main" id="{95BE7DDC-909C-4B37-8349-D5AF03538514}"/>
+              </a:ext>
+            </a:extLst>
+          </p:cNvPr>
+          <p:cNvSpPr/>
+          <p:nvPr/>
+        </p:nvSpPr>
+        <p:spPr>
+          <a:xfrm>
+            <a:off x="3947163" y="877165"/>
+            <a:ext cx="1153753" cy="513291"/>
+          </a:xfrm>
+          <a:prstGeom prst="roundRect">
+            <a:avLst/>
+          </a:prstGeom>
+          <a:solidFill>
+            <a:schemeClr val="bg1"/>
+          </a:solidFill>
+          <a:ln>
+            <a:solidFill>
+              <a:schemeClr val="tx1"/>
+            </a:solidFill>
+          </a:ln>
+          <a:effectLst>
+            <a:outerShdw blurRad="50800" dist="38100" dir="2700000" algn="tl" rotWithShape="0">
+              <a:prstClr val="black">
+                <a:alpha val="40000"/>
+              </a:prstClr>
+            </a:outerShdw>
+          </a:effectLst>
+        </p:spPr>
+        <p:style>
+          <a:lnRef idx="2">
+            <a:schemeClr val="accent1">
+              <a:shade val="50000"/>
+            </a:schemeClr>
+          </a:lnRef>
+          <a:fillRef idx="1">
+            <a:schemeClr val="accent1"/>
+          </a:fillRef>
+          <a:effectRef idx="0">
+            <a:schemeClr val="accent1"/>
+          </a:effectRef>
+          <a:fontRef idx="minor">
+            <a:schemeClr val="lt1"/>
+          </a:fontRef>
+        </p:style>
+        <p:txBody>
+          <a:bodyPr rtlCol="0" anchor="ctr"/>
+          <a:lstStyle/>
+          <a:p>
+            <a:pPr algn="ctr"/>
+            <a:endParaRPr lang="ko-KR" altLang="en-US" dirty="0">
+              <a:solidFill>
+                <a:schemeClr val="tx1"/>
+              </a:solidFill>
+              <a:latin typeface="a옛날사진관3" panose="02020600000000000000" pitchFamily="18" charset="-127"/>
+              <a:ea typeface="a옛날사진관3" panose="02020600000000000000" pitchFamily="18" charset="-127"/>
+            </a:endParaRPr>
+          </a:p>
+        </p:txBody>
+      </p:sp>
+      <p:sp>
+        <p:nvSpPr>
+          <p:cNvPr id="11" name="사각형: 둥근 모서리 10">
+            <a:extLst>
+              <a:ext uri="{FF2B5EF4-FFF2-40B4-BE49-F238E27FC236}">
+                <a16:creationId xmlns:a16="http://schemas.microsoft.com/office/drawing/2014/main" id="{4C9E575A-2866-43BC-9068-41FBE38D6D92}"/>
+              </a:ext>
+            </a:extLst>
+          </p:cNvPr>
+          <p:cNvSpPr/>
+          <p:nvPr/>
+        </p:nvSpPr>
+        <p:spPr>
+          <a:xfrm>
+            <a:off x="5202221" y="877164"/>
+            <a:ext cx="1153753" cy="513291"/>
+          </a:xfrm>
+          <a:prstGeom prst="roundRect">
+            <a:avLst/>
+          </a:prstGeom>
+          <a:solidFill>
+            <a:schemeClr val="bg1"/>
+          </a:solidFill>
+          <a:ln>
+            <a:solidFill>
+              <a:schemeClr val="tx1"/>
+            </a:solidFill>
+          </a:ln>
+          <a:effectLst>
+            <a:outerShdw blurRad="50800" dist="38100" dir="2700000" algn="tl" rotWithShape="0">
+              <a:prstClr val="black">
+                <a:alpha val="40000"/>
+              </a:prstClr>
+            </a:outerShdw>
+          </a:effectLst>
+        </p:spPr>
+        <p:style>
+          <a:lnRef idx="2">
+            <a:schemeClr val="accent1">
+              <a:shade val="50000"/>
+            </a:schemeClr>
+          </a:lnRef>
+          <a:fillRef idx="1">
+            <a:schemeClr val="accent1"/>
+          </a:fillRef>
+          <a:effectRef idx="0">
+            <a:schemeClr val="accent1"/>
+          </a:effectRef>
+          <a:fontRef idx="minor">
+            <a:schemeClr val="lt1"/>
+          </a:fontRef>
+        </p:style>
+        <p:txBody>
+          <a:bodyPr rtlCol="0" anchor="ctr"/>
+          <a:lstStyle/>
+          <a:p>
+            <a:pPr algn="ctr"/>
+            <a:endParaRPr lang="ko-KR" altLang="en-US" dirty="0">
+              <a:solidFill>
+                <a:schemeClr val="tx1"/>
+              </a:solidFill>
+              <a:latin typeface="a옛날사진관3" panose="02020600000000000000" pitchFamily="18" charset="-127"/>
+              <a:ea typeface="a옛날사진관3" panose="02020600000000000000" pitchFamily="18" charset="-127"/>
+            </a:endParaRPr>
+          </a:p>
+        </p:txBody>
+      </p:sp>
+      <p:sp>
+        <p:nvSpPr>
+          <p:cNvPr id="13" name="TextBox 12">
+            <a:extLst>
+              <a:ext uri="{FF2B5EF4-FFF2-40B4-BE49-F238E27FC236}">
+                <a16:creationId xmlns:a16="http://schemas.microsoft.com/office/drawing/2014/main" id="{A6394B7E-6570-48B7-A24A-13DBE301CC78}"/>
+              </a:ext>
+            </a:extLst>
+          </p:cNvPr>
+          <p:cNvSpPr txBox="1"/>
+          <p:nvPr/>
+        </p:nvSpPr>
+        <p:spPr>
+          <a:xfrm>
+            <a:off x="1759798" y="464229"/>
+            <a:ext cx="1864613" cy="338554"/>
+          </a:xfrm>
+          <a:prstGeom prst="rect">
+            <a:avLst/>
+          </a:prstGeom>
+          <a:noFill/>
+        </p:spPr>
+        <p:txBody>
+          <a:bodyPr wrap="none" rtlCol="0">
+            <a:spAutoFit/>
+          </a:bodyPr>
+          <a:lstStyle/>
+          <a:p>
+            <a:r>
+              <a:rPr lang="ko-KR" altLang="en-US" sz="1600" dirty="0">
+                <a:latin typeface="a옛날사진관3" panose="02020600000000000000" pitchFamily="18" charset="-127"/>
+                <a:ea typeface="a옛날사진관3" panose="02020600000000000000" pitchFamily="18" charset="-127"/>
+              </a:rPr>
+              <a:t>개발자의 코드 영역</a:t>
+            </a:r>
+          </a:p>
+        </p:txBody>
+      </p:sp>
+      <p:cxnSp>
+        <p:nvCxnSpPr>
+          <p:cNvPr id="14" name="직선 연결선 13">
+            <a:extLst>
+              <a:ext uri="{FF2B5EF4-FFF2-40B4-BE49-F238E27FC236}">
+                <a16:creationId xmlns:a16="http://schemas.microsoft.com/office/drawing/2014/main" id="{647A0580-E121-48B6-A473-AAB9C7ED9815}"/>
+              </a:ext>
+            </a:extLst>
+          </p:cNvPr>
+          <p:cNvCxnSpPr>
+            <a:cxnSpLocks/>
+          </p:cNvCxnSpPr>
+          <p:nvPr/>
+        </p:nvCxnSpPr>
+        <p:spPr>
+          <a:xfrm>
+            <a:off x="1263580" y="2033978"/>
+            <a:ext cx="5367165" cy="0"/>
+          </a:xfrm>
+          <a:prstGeom prst="line">
+            <a:avLst/>
+          </a:prstGeom>
+          <a:ln w="57150">
+            <a:prstDash val="dash"/>
+          </a:ln>
+          <a:effectLst>
+            <a:outerShdw blurRad="50800" dist="38100" dir="2700000" algn="tl" rotWithShape="0">
+              <a:prstClr val="black">
+                <a:alpha val="40000"/>
+              </a:prstClr>
+            </a:outerShdw>
+          </a:effectLst>
+        </p:spPr>
+        <p:style>
+          <a:lnRef idx="1">
+            <a:schemeClr val="dk1"/>
+          </a:lnRef>
+          <a:fillRef idx="0">
+            <a:schemeClr val="dk1"/>
+          </a:fillRef>
+          <a:effectRef idx="0">
+            <a:schemeClr val="dk1"/>
+          </a:effectRef>
+          <a:fontRef idx="minor">
+            <a:schemeClr val="tx1"/>
+          </a:fontRef>
+        </p:style>
+      </p:cxnSp>
+      <p:sp>
+        <p:nvSpPr>
+          <p:cNvPr id="20" name="화살표: 왼쪽/오른쪽 19">
+            <a:extLst>
+              <a:ext uri="{FF2B5EF4-FFF2-40B4-BE49-F238E27FC236}">
+                <a16:creationId xmlns:a16="http://schemas.microsoft.com/office/drawing/2014/main" id="{F563ABD1-1010-44DC-94E4-4BC483A392EB}"/>
+              </a:ext>
+            </a:extLst>
+          </p:cNvPr>
+          <p:cNvSpPr/>
+          <p:nvPr/>
+        </p:nvSpPr>
+        <p:spPr>
+          <a:xfrm rot="5400000">
+            <a:off x="4469483" y="1543042"/>
+            <a:ext cx="447459" cy="338347"/>
+          </a:xfrm>
+          <a:prstGeom prst="leftRightArrow">
+            <a:avLst/>
+          </a:prstGeom>
+          <a:solidFill>
+            <a:schemeClr val="bg1">
+              <a:lumMod val="75000"/>
+            </a:schemeClr>
+          </a:solidFill>
+          <a:ln>
+            <a:solidFill>
+              <a:schemeClr val="tx1"/>
+            </a:solidFill>
+          </a:ln>
+          <a:effectLst>
+            <a:outerShdw blurRad="50800" dist="38100" dir="2700000" algn="tl" rotWithShape="0">
+              <a:prstClr val="black">
+                <a:alpha val="40000"/>
+              </a:prstClr>
+            </a:outerShdw>
+          </a:effectLst>
+        </p:spPr>
+        <p:style>
+          <a:lnRef idx="2">
+            <a:schemeClr val="accent1">
+              <a:shade val="50000"/>
+            </a:schemeClr>
+          </a:lnRef>
+          <a:fillRef idx="1">
+            <a:schemeClr val="accent1"/>
+          </a:fillRef>
+          <a:effectRef idx="0">
+            <a:schemeClr val="accent1"/>
+          </a:effectRef>
+          <a:fontRef idx="minor">
+            <a:schemeClr val="lt1"/>
+          </a:fontRef>
+        </p:style>
+        <p:txBody>
+          <a:bodyPr rtlCol="0" anchor="ctr"/>
+          <a:lstStyle/>
+          <a:p>
+            <a:pPr algn="ctr"/>
+            <a:endParaRPr lang="ko-KR" altLang="en-US"/>
+          </a:p>
+        </p:txBody>
+      </p:sp>
+      <p:sp>
+        <p:nvSpPr>
+          <p:cNvPr id="22" name="사각형: 둥근 모서리 21">
+            <a:extLst>
+              <a:ext uri="{FF2B5EF4-FFF2-40B4-BE49-F238E27FC236}">
+                <a16:creationId xmlns:a16="http://schemas.microsoft.com/office/drawing/2014/main" id="{77AB52A2-6B92-4C25-A7C0-11BA6F584FAF}"/>
+              </a:ext>
+            </a:extLst>
+          </p:cNvPr>
+          <p:cNvSpPr/>
+          <p:nvPr/>
+        </p:nvSpPr>
+        <p:spPr>
+          <a:xfrm>
+            <a:off x="1433723" y="2305098"/>
+            <a:ext cx="4922251" cy="513291"/>
+          </a:xfrm>
+          <a:prstGeom prst="roundRect">
+            <a:avLst/>
+          </a:prstGeom>
+          <a:solidFill>
+            <a:schemeClr val="bg1"/>
+          </a:solidFill>
+          <a:ln>
+            <a:solidFill>
+              <a:schemeClr val="tx1"/>
+            </a:solidFill>
+          </a:ln>
+          <a:effectLst>
+            <a:outerShdw blurRad="50800" dist="38100" dir="2700000" algn="tl" rotWithShape="0">
+              <a:prstClr val="black">
+                <a:alpha val="40000"/>
+              </a:prstClr>
+            </a:outerShdw>
+          </a:effectLst>
+        </p:spPr>
+        <p:style>
+          <a:lnRef idx="2">
+            <a:schemeClr val="accent1">
+              <a:shade val="50000"/>
+            </a:schemeClr>
+          </a:lnRef>
+          <a:fillRef idx="1">
+            <a:schemeClr val="accent1"/>
+          </a:fillRef>
+          <a:effectRef idx="0">
+            <a:schemeClr val="accent1"/>
+          </a:effectRef>
+          <a:fontRef idx="minor">
+            <a:schemeClr val="lt1"/>
+          </a:fontRef>
+        </p:style>
+        <p:txBody>
+          <a:bodyPr rtlCol="0" anchor="ctr"/>
+          <a:lstStyle/>
+          <a:p>
+            <a:pPr algn="ctr"/>
+            <a:r>
+              <a:rPr lang="en-US" altLang="ko-KR" dirty="0">
+                <a:solidFill>
+                  <a:schemeClr val="tx1"/>
+                </a:solidFill>
+                <a:latin typeface="a옛날사진관3" panose="02020600000000000000" pitchFamily="18" charset="-127"/>
+                <a:ea typeface="a옛날사진관3" panose="02020600000000000000" pitchFamily="18" charset="-127"/>
+              </a:rPr>
+              <a:t>Spring MVC</a:t>
+            </a:r>
+            <a:endParaRPr lang="ko-KR" altLang="en-US" dirty="0">
+              <a:solidFill>
+                <a:schemeClr val="tx1"/>
+              </a:solidFill>
+              <a:latin typeface="a옛날사진관3" panose="02020600000000000000" pitchFamily="18" charset="-127"/>
+              <a:ea typeface="a옛날사진관3" panose="02020600000000000000" pitchFamily="18" charset="-127"/>
+            </a:endParaRPr>
+          </a:p>
+        </p:txBody>
+      </p:sp>
+      <p:sp>
+        <p:nvSpPr>
+          <p:cNvPr id="24" name="화살표: 왼쪽/오른쪽 23">
+            <a:extLst>
+              <a:ext uri="{FF2B5EF4-FFF2-40B4-BE49-F238E27FC236}">
+                <a16:creationId xmlns:a16="http://schemas.microsoft.com/office/drawing/2014/main" id="{A083B85D-B3EC-461F-92DE-095351C42497}"/>
+              </a:ext>
+            </a:extLst>
+          </p:cNvPr>
+          <p:cNvSpPr/>
+          <p:nvPr/>
+        </p:nvSpPr>
+        <p:spPr>
+          <a:xfrm rot="5400000">
+            <a:off x="2780983" y="3022219"/>
+            <a:ext cx="447459" cy="338347"/>
+          </a:xfrm>
+          <a:prstGeom prst="leftRightArrow">
+            <a:avLst/>
+          </a:prstGeom>
+          <a:solidFill>
+            <a:schemeClr val="bg1">
+              <a:lumMod val="75000"/>
+            </a:schemeClr>
+          </a:solidFill>
+          <a:ln>
+            <a:solidFill>
+              <a:schemeClr val="tx1"/>
+            </a:solidFill>
+          </a:ln>
+          <a:effectLst>
+            <a:outerShdw blurRad="50800" dist="38100" dir="2700000" algn="tl" rotWithShape="0">
+              <a:prstClr val="black">
+                <a:alpha val="40000"/>
+              </a:prstClr>
+            </a:outerShdw>
+          </a:effectLst>
+        </p:spPr>
+        <p:style>
+          <a:lnRef idx="2">
+            <a:schemeClr val="accent1">
+              <a:shade val="50000"/>
+            </a:schemeClr>
+          </a:lnRef>
+          <a:fillRef idx="1">
+            <a:schemeClr val="accent1"/>
+          </a:fillRef>
+          <a:effectRef idx="0">
+            <a:schemeClr val="accent1"/>
+          </a:effectRef>
+          <a:fontRef idx="minor">
+            <a:schemeClr val="lt1"/>
+          </a:fontRef>
+        </p:style>
+        <p:txBody>
+          <a:bodyPr rtlCol="0" anchor="ctr"/>
+          <a:lstStyle/>
+          <a:p>
+            <a:pPr algn="ctr"/>
+            <a:endParaRPr lang="ko-KR" altLang="en-US"/>
+          </a:p>
+        </p:txBody>
+      </p:sp>
+      <p:cxnSp>
+        <p:nvCxnSpPr>
+          <p:cNvPr id="25" name="직선 연결선 24">
+            <a:extLst>
+              <a:ext uri="{FF2B5EF4-FFF2-40B4-BE49-F238E27FC236}">
+                <a16:creationId xmlns:a16="http://schemas.microsoft.com/office/drawing/2014/main" id="{A3F26620-8D58-4AF9-B68E-6B8D06112496}"/>
+              </a:ext>
+            </a:extLst>
+          </p:cNvPr>
+          <p:cNvCxnSpPr>
+            <a:cxnSpLocks/>
+          </p:cNvCxnSpPr>
+          <p:nvPr/>
+        </p:nvCxnSpPr>
+        <p:spPr>
+          <a:xfrm>
+            <a:off x="1263580" y="3513154"/>
+            <a:ext cx="5367165" cy="0"/>
+          </a:xfrm>
+          <a:prstGeom prst="line">
+            <a:avLst/>
+          </a:prstGeom>
+          <a:ln w="57150">
+            <a:prstDash val="dash"/>
+          </a:ln>
+          <a:effectLst>
+            <a:outerShdw blurRad="50800" dist="38100" dir="2700000" algn="tl" rotWithShape="0">
+              <a:prstClr val="black">
+                <a:alpha val="40000"/>
+              </a:prstClr>
+            </a:outerShdw>
+          </a:effectLst>
+        </p:spPr>
+        <p:style>
+          <a:lnRef idx="1">
+            <a:schemeClr val="dk1"/>
+          </a:lnRef>
+          <a:fillRef idx="0">
+            <a:schemeClr val="dk1"/>
+          </a:fillRef>
+          <a:effectRef idx="0">
+            <a:schemeClr val="dk1"/>
+          </a:effectRef>
+          <a:fontRef idx="minor">
+            <a:schemeClr val="tx1"/>
+          </a:fontRef>
+        </p:style>
+      </p:cxnSp>
+      <p:sp>
+        <p:nvSpPr>
+          <p:cNvPr id="26" name="화살표: 왼쪽/오른쪽 25">
+            <a:extLst>
+              <a:ext uri="{FF2B5EF4-FFF2-40B4-BE49-F238E27FC236}">
+                <a16:creationId xmlns:a16="http://schemas.microsoft.com/office/drawing/2014/main" id="{A9FF7641-C507-467A-A02C-46E79BF6D10F}"/>
+              </a:ext>
+            </a:extLst>
+          </p:cNvPr>
+          <p:cNvSpPr/>
+          <p:nvPr/>
+        </p:nvSpPr>
+        <p:spPr>
+          <a:xfrm rot="5400000">
+            <a:off x="4469483" y="3022218"/>
+            <a:ext cx="447459" cy="338347"/>
+          </a:xfrm>
+          <a:prstGeom prst="leftRightArrow">
+            <a:avLst/>
+          </a:prstGeom>
+          <a:solidFill>
+            <a:schemeClr val="bg1">
+              <a:lumMod val="75000"/>
+            </a:schemeClr>
+          </a:solidFill>
+          <a:ln>
+            <a:solidFill>
+              <a:schemeClr val="tx1"/>
+            </a:solidFill>
+          </a:ln>
+          <a:effectLst>
+            <a:outerShdw blurRad="50800" dist="38100" dir="2700000" algn="tl" rotWithShape="0">
+              <a:prstClr val="black">
+                <a:alpha val="40000"/>
+              </a:prstClr>
+            </a:outerShdw>
+          </a:effectLst>
+        </p:spPr>
+        <p:style>
+          <a:lnRef idx="2">
+            <a:schemeClr val="accent1">
+              <a:shade val="50000"/>
+            </a:schemeClr>
+          </a:lnRef>
+          <a:fillRef idx="1">
+            <a:schemeClr val="accent1"/>
+          </a:fillRef>
+          <a:effectRef idx="0">
+            <a:schemeClr val="accent1"/>
+          </a:effectRef>
+          <a:fontRef idx="minor">
+            <a:schemeClr val="lt1"/>
+          </a:fontRef>
+        </p:style>
+        <p:txBody>
+          <a:bodyPr rtlCol="0" anchor="ctr"/>
+          <a:lstStyle/>
+          <a:p>
+            <a:pPr algn="ctr"/>
+            <a:endParaRPr lang="ko-KR" altLang="en-US"/>
+          </a:p>
+        </p:txBody>
+      </p:sp>
+      <p:sp>
+        <p:nvSpPr>
+          <p:cNvPr id="28" name="사각형: 둥근 모서리 27">
+            <a:extLst>
+              <a:ext uri="{FF2B5EF4-FFF2-40B4-BE49-F238E27FC236}">
+                <a16:creationId xmlns:a16="http://schemas.microsoft.com/office/drawing/2014/main" id="{D97134BD-0B7B-472C-BCD9-075EC1FFE582}"/>
+              </a:ext>
+            </a:extLst>
+          </p:cNvPr>
+          <p:cNvSpPr/>
+          <p:nvPr/>
+        </p:nvSpPr>
+        <p:spPr>
+          <a:xfrm>
+            <a:off x="1486036" y="3715941"/>
+            <a:ext cx="4922251" cy="513291"/>
+          </a:xfrm>
+          <a:prstGeom prst="roundRect">
+            <a:avLst/>
+          </a:prstGeom>
+          <a:solidFill>
+            <a:schemeClr val="bg1"/>
+          </a:solidFill>
+          <a:ln>
+            <a:solidFill>
+              <a:schemeClr val="tx1"/>
+            </a:solidFill>
+          </a:ln>
+          <a:effectLst>
+            <a:outerShdw blurRad="50800" dist="38100" dir="2700000" algn="tl" rotWithShape="0">
+              <a:prstClr val="black">
+                <a:alpha val="40000"/>
+              </a:prstClr>
+            </a:outerShdw>
+          </a:effectLst>
+        </p:spPr>
+        <p:style>
+          <a:lnRef idx="2">
+            <a:schemeClr val="accent1">
+              <a:shade val="50000"/>
+            </a:schemeClr>
+          </a:lnRef>
+          <a:fillRef idx="1">
+            <a:schemeClr val="accent1"/>
+          </a:fillRef>
+          <a:effectRef idx="0">
+            <a:schemeClr val="accent1"/>
+          </a:effectRef>
+          <a:fontRef idx="minor">
+            <a:schemeClr val="lt1"/>
+          </a:fontRef>
+        </p:style>
+        <p:txBody>
+          <a:bodyPr rtlCol="0" anchor="ctr"/>
+          <a:lstStyle/>
+          <a:p>
+            <a:pPr algn="ctr"/>
+            <a:r>
+              <a:rPr lang="en-US" altLang="ko-KR" dirty="0">
+                <a:solidFill>
+                  <a:schemeClr val="tx1"/>
+                </a:solidFill>
+                <a:latin typeface="a옛날사진관3" panose="02020600000000000000" pitchFamily="18" charset="-127"/>
+                <a:ea typeface="a옛날사진관3" panose="02020600000000000000" pitchFamily="18" charset="-127"/>
+              </a:rPr>
+              <a:t>Servlet / JSP</a:t>
+            </a:r>
+            <a:endParaRPr lang="ko-KR" altLang="en-US" dirty="0">
+              <a:solidFill>
+                <a:schemeClr val="tx1"/>
+              </a:solidFill>
+              <a:latin typeface="a옛날사진관3" panose="02020600000000000000" pitchFamily="18" charset="-127"/>
+              <a:ea typeface="a옛날사진관3" panose="02020600000000000000" pitchFamily="18" charset="-127"/>
+            </a:endParaRPr>
+          </a:p>
+        </p:txBody>
+      </p:sp>
+      <p:sp>
+        <p:nvSpPr>
+          <p:cNvPr id="30" name="TextBox 29">
+            <a:extLst>
+              <a:ext uri="{FF2B5EF4-FFF2-40B4-BE49-F238E27FC236}">
+                <a16:creationId xmlns:a16="http://schemas.microsoft.com/office/drawing/2014/main" id="{C4B64CCF-0DAD-4B8B-AD66-42D79AAF933F}"/>
+              </a:ext>
+            </a:extLst>
+          </p:cNvPr>
+          <p:cNvSpPr txBox="1"/>
+          <p:nvPr/>
+        </p:nvSpPr>
+        <p:spPr>
+          <a:xfrm>
+            <a:off x="6878645" y="964532"/>
+            <a:ext cx="4339650" cy="584775"/>
+          </a:xfrm>
+          <a:prstGeom prst="rect">
+            <a:avLst/>
+          </a:prstGeom>
+          <a:noFill/>
+        </p:spPr>
+        <p:txBody>
+          <a:bodyPr wrap="none" rtlCol="0">
+            <a:spAutoFit/>
+          </a:bodyPr>
+          <a:lstStyle/>
+          <a:p>
+            <a:r>
+              <a:rPr lang="ko-KR" altLang="en-US" sz="1600" dirty="0">
+                <a:latin typeface="a옛날사진관3" panose="02020600000000000000" pitchFamily="18" charset="-127"/>
+                <a:ea typeface="a옛날사진관3" panose="02020600000000000000" pitchFamily="18" charset="-127"/>
+              </a:rPr>
+              <a:t>개발자는 </a:t>
+            </a:r>
+            <a:r>
+              <a:rPr lang="en-US" altLang="ko-KR" sz="1600" dirty="0">
+                <a:latin typeface="a옛날사진관3" panose="02020600000000000000" pitchFamily="18" charset="-127"/>
+                <a:ea typeface="a옛날사진관3" panose="02020600000000000000" pitchFamily="18" charset="-127"/>
+              </a:rPr>
+              <a:t>Servlet/JSP</a:t>
+            </a:r>
+            <a:r>
+              <a:rPr lang="ko-KR" altLang="en-US" sz="1600" dirty="0">
+                <a:latin typeface="a옛날사진관3" panose="02020600000000000000" pitchFamily="18" charset="-127"/>
+                <a:ea typeface="a옛날사진관3" panose="02020600000000000000" pitchFamily="18" charset="-127"/>
+              </a:rPr>
+              <a:t>의 </a:t>
+            </a:r>
+            <a:r>
+              <a:rPr lang="en-US" altLang="ko-KR" sz="1600" dirty="0">
+                <a:latin typeface="a옛날사진관3" panose="02020600000000000000" pitchFamily="18" charset="-127"/>
+                <a:ea typeface="a옛날사진관3" panose="02020600000000000000" pitchFamily="18" charset="-127"/>
+              </a:rPr>
+              <a:t>API</a:t>
+            </a:r>
+            <a:r>
+              <a:rPr lang="ko-KR" altLang="en-US" sz="1600" dirty="0">
+                <a:latin typeface="a옛날사진관3" panose="02020600000000000000" pitchFamily="18" charset="-127"/>
+                <a:ea typeface="a옛날사진관3" panose="02020600000000000000" pitchFamily="18" charset="-127"/>
+              </a:rPr>
+              <a:t>에 </a:t>
+            </a:r>
+            <a:r>
+              <a:rPr lang="ko-KR" altLang="en-US" sz="1600" dirty="0" err="1">
+                <a:latin typeface="a옛날사진관3" panose="02020600000000000000" pitchFamily="18" charset="-127"/>
+                <a:ea typeface="a옛날사진관3" panose="02020600000000000000" pitchFamily="18" charset="-127"/>
+              </a:rPr>
+              <a:t>신경쓰지</a:t>
+            </a:r>
+            <a:r>
+              <a:rPr lang="ko-KR" altLang="en-US" sz="1600" dirty="0">
+                <a:latin typeface="a옛날사진관3" panose="02020600000000000000" pitchFamily="18" charset="-127"/>
+                <a:ea typeface="a옛날사진관3" panose="02020600000000000000" pitchFamily="18" charset="-127"/>
+              </a:rPr>
+              <a:t> 않고</a:t>
+            </a:r>
+            <a:endParaRPr lang="en-US" altLang="ko-KR" sz="1600" dirty="0">
+              <a:latin typeface="a옛날사진관3" panose="02020600000000000000" pitchFamily="18" charset="-127"/>
+              <a:ea typeface="a옛날사진관3" panose="02020600000000000000" pitchFamily="18" charset="-127"/>
+            </a:endParaRPr>
+          </a:p>
+          <a:p>
+            <a:r>
+              <a:rPr lang="ko-KR" altLang="en-US" sz="1600" dirty="0">
+                <a:latin typeface="a옛날사진관3" panose="02020600000000000000" pitchFamily="18" charset="-127"/>
+                <a:ea typeface="a옛날사진관3" panose="02020600000000000000" pitchFamily="18" charset="-127"/>
+              </a:rPr>
+              <a:t>웹 애플리케이션을 제작</a:t>
+            </a:r>
+            <a:endParaRPr lang="en-US" altLang="ko-KR" sz="1600" dirty="0">
+              <a:latin typeface="a옛날사진관3" panose="02020600000000000000" pitchFamily="18" charset="-127"/>
+              <a:ea typeface="a옛날사진관3" panose="02020600000000000000" pitchFamily="18" charset="-127"/>
+            </a:endParaRPr>
+          </a:p>
+        </p:txBody>
+      </p:sp>
+      <p:sp>
+        <p:nvSpPr>
+          <p:cNvPr id="32" name="TextBox 31">
+            <a:extLst>
+              <a:ext uri="{FF2B5EF4-FFF2-40B4-BE49-F238E27FC236}">
+                <a16:creationId xmlns:a16="http://schemas.microsoft.com/office/drawing/2014/main" id="{C8C49853-ABB6-4E77-811D-90F11473862C}"/>
+              </a:ext>
+            </a:extLst>
+          </p:cNvPr>
+          <p:cNvSpPr txBox="1"/>
+          <p:nvPr/>
+        </p:nvSpPr>
+        <p:spPr>
+          <a:xfrm>
+            <a:off x="6878645" y="2382887"/>
+            <a:ext cx="4311501" cy="338554"/>
+          </a:xfrm>
+          <a:prstGeom prst="rect">
+            <a:avLst/>
+          </a:prstGeom>
+          <a:noFill/>
+        </p:spPr>
+        <p:txBody>
+          <a:bodyPr wrap="none" rtlCol="0">
+            <a:spAutoFit/>
+          </a:bodyPr>
+          <a:lstStyle/>
+          <a:p>
+            <a:r>
+              <a:rPr lang="en-US" altLang="ko-KR" sz="1600" dirty="0">
+                <a:latin typeface="a옛날사진관3" panose="02020600000000000000" pitchFamily="18" charset="-127"/>
+                <a:ea typeface="a옛날사진관3" panose="02020600000000000000" pitchFamily="18" charset="-127"/>
+              </a:rPr>
+              <a:t>Spring MVC</a:t>
+            </a:r>
+            <a:r>
+              <a:rPr lang="ko-KR" altLang="en-US" sz="1600" dirty="0">
+                <a:latin typeface="a옛날사진관3" panose="02020600000000000000" pitchFamily="18" charset="-127"/>
+                <a:ea typeface="a옛날사진관3" panose="02020600000000000000" pitchFamily="18" charset="-127"/>
+              </a:rPr>
+              <a:t>는 내부적으로 </a:t>
+            </a:r>
+            <a:r>
+              <a:rPr lang="en-US" altLang="ko-KR" sz="1600" dirty="0">
+                <a:latin typeface="a옛날사진관3" panose="02020600000000000000" pitchFamily="18" charset="-127"/>
+                <a:ea typeface="a옛날사진관3" panose="02020600000000000000" pitchFamily="18" charset="-127"/>
+              </a:rPr>
+              <a:t>Servlet/JSP </a:t>
+            </a:r>
+            <a:r>
+              <a:rPr lang="ko-KR" altLang="en-US" sz="1600" dirty="0">
+                <a:latin typeface="a옛날사진관3" panose="02020600000000000000" pitchFamily="18" charset="-127"/>
+                <a:ea typeface="a옛날사진관3" panose="02020600000000000000" pitchFamily="18" charset="-127"/>
+              </a:rPr>
+              <a:t>처리</a:t>
+            </a:r>
+            <a:endParaRPr lang="en-US" altLang="ko-KR" sz="1600" dirty="0">
+              <a:latin typeface="a옛날사진관3" panose="02020600000000000000" pitchFamily="18" charset="-127"/>
+              <a:ea typeface="a옛날사진관3" panose="02020600000000000000" pitchFamily="18" charset="-127"/>
+            </a:endParaRPr>
+          </a:p>
+        </p:txBody>
+      </p:sp>
     </p:spTree>
     <p:extLst>
       <p:ext uri="{BB962C8B-B14F-4D97-AF65-F5344CB8AC3E}">
@@ -7618,6 +11754,666 @@
           <a:chExt cx="0" cy="0"/>
         </a:xfrm>
       </p:grpSpPr>
+      <p:sp>
+        <p:nvSpPr>
+          <p:cNvPr id="3" name="사각형: 둥근 모서리 2">
+            <a:extLst>
+              <a:ext uri="{FF2B5EF4-FFF2-40B4-BE49-F238E27FC236}">
+                <a16:creationId xmlns:a16="http://schemas.microsoft.com/office/drawing/2014/main" id="{01B617DD-A28C-43E4-B8B4-D1738727AB09}"/>
+              </a:ext>
+            </a:extLst>
+          </p:cNvPr>
+          <p:cNvSpPr/>
+          <p:nvPr/>
+        </p:nvSpPr>
+        <p:spPr>
+          <a:xfrm>
+            <a:off x="2584529" y="1217824"/>
+            <a:ext cx="1575094" cy="513291"/>
+          </a:xfrm>
+          <a:prstGeom prst="roundRect">
+            <a:avLst/>
+          </a:prstGeom>
+          <a:solidFill>
+            <a:schemeClr val="bg1"/>
+          </a:solidFill>
+          <a:ln>
+            <a:solidFill>
+              <a:schemeClr val="tx1"/>
+            </a:solidFill>
+          </a:ln>
+          <a:effectLst>
+            <a:outerShdw blurRad="50800" dist="38100" dir="2700000" algn="tl" rotWithShape="0">
+              <a:prstClr val="black">
+                <a:alpha val="40000"/>
+              </a:prstClr>
+            </a:outerShdw>
+          </a:effectLst>
+        </p:spPr>
+        <p:style>
+          <a:lnRef idx="2">
+            <a:schemeClr val="accent1">
+              <a:shade val="50000"/>
+            </a:schemeClr>
+          </a:lnRef>
+          <a:fillRef idx="1">
+            <a:schemeClr val="accent1"/>
+          </a:fillRef>
+          <a:effectRef idx="0">
+            <a:schemeClr val="accent1"/>
+          </a:effectRef>
+          <a:fontRef idx="minor">
+            <a:schemeClr val="lt1"/>
+          </a:fontRef>
+        </p:style>
+        <p:txBody>
+          <a:bodyPr rtlCol="0" anchor="ctr"/>
+          <a:lstStyle/>
+          <a:p>
+            <a:pPr algn="ctr"/>
+            <a:r>
+              <a:rPr lang="en-US" altLang="ko-KR" dirty="0">
+                <a:solidFill>
+                  <a:schemeClr val="tx1"/>
+                </a:solidFill>
+                <a:latin typeface="a옛날사진관3" panose="02020600000000000000" pitchFamily="18" charset="-127"/>
+                <a:ea typeface="a옛날사진관3" panose="02020600000000000000" pitchFamily="18" charset="-127"/>
+              </a:rPr>
+              <a:t>Controller</a:t>
+            </a:r>
+            <a:endParaRPr lang="ko-KR" altLang="en-US" dirty="0">
+              <a:solidFill>
+                <a:schemeClr val="tx1"/>
+              </a:solidFill>
+              <a:latin typeface="a옛날사진관3" panose="02020600000000000000" pitchFamily="18" charset="-127"/>
+              <a:ea typeface="a옛날사진관3" panose="02020600000000000000" pitchFamily="18" charset="-127"/>
+            </a:endParaRPr>
+          </a:p>
+        </p:txBody>
+      </p:sp>
+      <p:sp>
+        <p:nvSpPr>
+          <p:cNvPr id="5" name="사각형: 둥근 모서리 4">
+            <a:extLst>
+              <a:ext uri="{FF2B5EF4-FFF2-40B4-BE49-F238E27FC236}">
+                <a16:creationId xmlns:a16="http://schemas.microsoft.com/office/drawing/2014/main" id="{25389C7E-6021-4016-889B-EC9499ECEE3F}"/>
+              </a:ext>
+            </a:extLst>
+          </p:cNvPr>
+          <p:cNvSpPr/>
+          <p:nvPr/>
+        </p:nvSpPr>
+        <p:spPr>
+          <a:xfrm>
+            <a:off x="1796982" y="2553565"/>
+            <a:ext cx="1575094" cy="513291"/>
+          </a:xfrm>
+          <a:prstGeom prst="roundRect">
+            <a:avLst/>
+          </a:prstGeom>
+          <a:solidFill>
+            <a:schemeClr val="bg1"/>
+          </a:solidFill>
+          <a:ln>
+            <a:solidFill>
+              <a:schemeClr val="tx1"/>
+            </a:solidFill>
+          </a:ln>
+          <a:effectLst>
+            <a:outerShdw blurRad="50800" dist="38100" dir="2700000" algn="tl" rotWithShape="0">
+              <a:prstClr val="black">
+                <a:alpha val="40000"/>
+              </a:prstClr>
+            </a:outerShdw>
+          </a:effectLst>
+        </p:spPr>
+        <p:style>
+          <a:lnRef idx="2">
+            <a:schemeClr val="accent1">
+              <a:shade val="50000"/>
+            </a:schemeClr>
+          </a:lnRef>
+          <a:fillRef idx="1">
+            <a:schemeClr val="accent1"/>
+          </a:fillRef>
+          <a:effectRef idx="0">
+            <a:schemeClr val="accent1"/>
+          </a:effectRef>
+          <a:fontRef idx="minor">
+            <a:schemeClr val="lt1"/>
+          </a:fontRef>
+        </p:style>
+        <p:txBody>
+          <a:bodyPr rtlCol="0" anchor="ctr"/>
+          <a:lstStyle/>
+          <a:p>
+            <a:pPr algn="ctr"/>
+            <a:r>
+              <a:rPr lang="en-US" altLang="ko-KR" dirty="0">
+                <a:solidFill>
+                  <a:schemeClr val="tx1"/>
+                </a:solidFill>
+                <a:latin typeface="a옛날사진관3" panose="02020600000000000000" pitchFamily="18" charset="-127"/>
+                <a:ea typeface="a옛날사진관3" panose="02020600000000000000" pitchFamily="18" charset="-127"/>
+              </a:rPr>
+              <a:t>View</a:t>
+            </a:r>
+            <a:endParaRPr lang="ko-KR" altLang="en-US" dirty="0">
+              <a:solidFill>
+                <a:schemeClr val="tx1"/>
+              </a:solidFill>
+              <a:latin typeface="a옛날사진관3" panose="02020600000000000000" pitchFamily="18" charset="-127"/>
+              <a:ea typeface="a옛날사진관3" panose="02020600000000000000" pitchFamily="18" charset="-127"/>
+            </a:endParaRPr>
+          </a:p>
+        </p:txBody>
+      </p:sp>
+      <p:sp>
+        <p:nvSpPr>
+          <p:cNvPr id="7" name="사각형: 둥근 모서리 6">
+            <a:extLst>
+              <a:ext uri="{FF2B5EF4-FFF2-40B4-BE49-F238E27FC236}">
+                <a16:creationId xmlns:a16="http://schemas.microsoft.com/office/drawing/2014/main" id="{64E9B11B-9C5F-40C8-8975-C51B09C9FC68}"/>
+              </a:ext>
+            </a:extLst>
+          </p:cNvPr>
+          <p:cNvSpPr/>
+          <p:nvPr/>
+        </p:nvSpPr>
+        <p:spPr>
+          <a:xfrm>
+            <a:off x="4536141" y="1538023"/>
+            <a:ext cx="1575094" cy="386184"/>
+          </a:xfrm>
+          <a:prstGeom prst="roundRect">
+            <a:avLst/>
+          </a:prstGeom>
+          <a:solidFill>
+            <a:schemeClr val="bg1"/>
+          </a:solidFill>
+          <a:ln>
+            <a:solidFill>
+              <a:schemeClr val="tx1"/>
+            </a:solidFill>
+          </a:ln>
+          <a:effectLst>
+            <a:outerShdw blurRad="50800" dist="38100" dir="2700000" algn="tl" rotWithShape="0">
+              <a:prstClr val="black">
+                <a:alpha val="40000"/>
+              </a:prstClr>
+            </a:outerShdw>
+          </a:effectLst>
+        </p:spPr>
+        <p:style>
+          <a:lnRef idx="2">
+            <a:schemeClr val="accent1">
+              <a:shade val="50000"/>
+            </a:schemeClr>
+          </a:lnRef>
+          <a:fillRef idx="1">
+            <a:schemeClr val="accent1"/>
+          </a:fillRef>
+          <a:effectRef idx="0">
+            <a:schemeClr val="accent1"/>
+          </a:effectRef>
+          <a:fontRef idx="minor">
+            <a:schemeClr val="lt1"/>
+          </a:fontRef>
+        </p:style>
+        <p:txBody>
+          <a:bodyPr rtlCol="0" anchor="ctr"/>
+          <a:lstStyle/>
+          <a:p>
+            <a:pPr algn="ctr"/>
+            <a:r>
+              <a:rPr lang="en-US" altLang="ko-KR">
+                <a:solidFill>
+                  <a:schemeClr val="tx1"/>
+                </a:solidFill>
+                <a:latin typeface="a옛날사진관3" panose="02020600000000000000" pitchFamily="18" charset="-127"/>
+                <a:ea typeface="a옛날사진관3" panose="02020600000000000000" pitchFamily="18" charset="-127"/>
+              </a:rPr>
+              <a:t>Model</a:t>
+            </a:r>
+            <a:endParaRPr lang="ko-KR" altLang="en-US" dirty="0">
+              <a:solidFill>
+                <a:schemeClr val="tx1"/>
+              </a:solidFill>
+              <a:latin typeface="a옛날사진관3" panose="02020600000000000000" pitchFamily="18" charset="-127"/>
+              <a:ea typeface="a옛날사진관3" panose="02020600000000000000" pitchFamily="18" charset="-127"/>
+            </a:endParaRPr>
+          </a:p>
+        </p:txBody>
+      </p:sp>
+      <p:cxnSp>
+        <p:nvCxnSpPr>
+          <p:cNvPr id="9" name="직선 화살표 연결선 8">
+            <a:extLst>
+              <a:ext uri="{FF2B5EF4-FFF2-40B4-BE49-F238E27FC236}">
+                <a16:creationId xmlns:a16="http://schemas.microsoft.com/office/drawing/2014/main" id="{1EC26D13-3FD6-47EA-A1FB-EBDD614840E6}"/>
+              </a:ext>
+            </a:extLst>
+          </p:cNvPr>
+          <p:cNvCxnSpPr/>
+          <p:nvPr/>
+        </p:nvCxnSpPr>
+        <p:spPr>
+          <a:xfrm>
+            <a:off x="1142558" y="1470211"/>
+            <a:ext cx="1335742" cy="0"/>
+          </a:xfrm>
+          <a:prstGeom prst="straightConnector1">
+            <a:avLst/>
+          </a:prstGeom>
+          <a:ln w="38100">
+            <a:tailEnd type="triangle"/>
+          </a:ln>
+          <a:effectLst>
+            <a:outerShdw blurRad="50800" dist="38100" dir="2700000" algn="tl" rotWithShape="0">
+              <a:prstClr val="black">
+                <a:alpha val="40000"/>
+              </a:prstClr>
+            </a:outerShdw>
+          </a:effectLst>
+        </p:spPr>
+        <p:style>
+          <a:lnRef idx="1">
+            <a:schemeClr val="dk1"/>
+          </a:lnRef>
+          <a:fillRef idx="0">
+            <a:schemeClr val="dk1"/>
+          </a:fillRef>
+          <a:effectRef idx="0">
+            <a:schemeClr val="dk1"/>
+          </a:effectRef>
+          <a:fontRef idx="minor">
+            <a:schemeClr val="tx1"/>
+          </a:fontRef>
+        </p:style>
+      </p:cxnSp>
+      <p:cxnSp>
+        <p:nvCxnSpPr>
+          <p:cNvPr id="11" name="직선 화살표 연결선 10">
+            <a:extLst>
+              <a:ext uri="{FF2B5EF4-FFF2-40B4-BE49-F238E27FC236}">
+                <a16:creationId xmlns:a16="http://schemas.microsoft.com/office/drawing/2014/main" id="{6D41C80B-BAD5-43E7-98B1-EA2DB74A6DA4}"/>
+              </a:ext>
+            </a:extLst>
+          </p:cNvPr>
+          <p:cNvCxnSpPr/>
+          <p:nvPr/>
+        </p:nvCxnSpPr>
+        <p:spPr>
+          <a:xfrm>
+            <a:off x="4295742" y="1470211"/>
+            <a:ext cx="2055893" cy="0"/>
+          </a:xfrm>
+          <a:prstGeom prst="straightConnector1">
+            <a:avLst/>
+          </a:prstGeom>
+          <a:ln w="38100">
+            <a:solidFill>
+              <a:schemeClr val="tx1"/>
+            </a:solidFill>
+            <a:headEnd type="triangle"/>
+            <a:tailEnd type="triangle"/>
+          </a:ln>
+          <a:effectLst>
+            <a:outerShdw blurRad="50800" dist="38100" dir="2700000" algn="tl" rotWithShape="0">
+              <a:prstClr val="black">
+                <a:alpha val="40000"/>
+              </a:prstClr>
+            </a:outerShdw>
+          </a:effectLst>
+        </p:spPr>
+        <p:style>
+          <a:lnRef idx="1">
+            <a:schemeClr val="dk1"/>
+          </a:lnRef>
+          <a:fillRef idx="0">
+            <a:schemeClr val="dk1"/>
+          </a:fillRef>
+          <a:effectRef idx="0">
+            <a:schemeClr val="dk1"/>
+          </a:effectRef>
+          <a:fontRef idx="minor">
+            <a:schemeClr val="tx1"/>
+          </a:fontRef>
+        </p:style>
+      </p:cxnSp>
+      <p:cxnSp>
+        <p:nvCxnSpPr>
+          <p:cNvPr id="12" name="직선 화살표 연결선 11">
+            <a:extLst>
+              <a:ext uri="{FF2B5EF4-FFF2-40B4-BE49-F238E27FC236}">
+                <a16:creationId xmlns:a16="http://schemas.microsoft.com/office/drawing/2014/main" id="{FA2AAC1C-852D-480C-99C5-D8A68CC9E8A2}"/>
+              </a:ext>
+            </a:extLst>
+          </p:cNvPr>
+          <p:cNvCxnSpPr>
+            <a:cxnSpLocks/>
+          </p:cNvCxnSpPr>
+          <p:nvPr/>
+        </p:nvCxnSpPr>
+        <p:spPr>
+          <a:xfrm flipH="1">
+            <a:off x="2662519" y="1783232"/>
+            <a:ext cx="673698" cy="683735"/>
+          </a:xfrm>
+          <a:prstGeom prst="straightConnector1">
+            <a:avLst/>
+          </a:prstGeom>
+          <a:ln w="38100">
+            <a:tailEnd type="triangle"/>
+          </a:ln>
+          <a:effectLst>
+            <a:outerShdw blurRad="50800" dist="38100" dir="2700000" algn="tl" rotWithShape="0">
+              <a:prstClr val="black">
+                <a:alpha val="40000"/>
+              </a:prstClr>
+            </a:outerShdw>
+          </a:effectLst>
+        </p:spPr>
+        <p:style>
+          <a:lnRef idx="1">
+            <a:schemeClr val="dk1"/>
+          </a:lnRef>
+          <a:fillRef idx="0">
+            <a:schemeClr val="dk1"/>
+          </a:fillRef>
+          <a:effectRef idx="0">
+            <a:schemeClr val="dk1"/>
+          </a:effectRef>
+          <a:fontRef idx="minor">
+            <a:schemeClr val="tx1"/>
+          </a:fontRef>
+        </p:style>
+      </p:cxnSp>
+      <p:cxnSp>
+        <p:nvCxnSpPr>
+          <p:cNvPr id="16" name="직선 화살표 연결선 15">
+            <a:extLst>
+              <a:ext uri="{FF2B5EF4-FFF2-40B4-BE49-F238E27FC236}">
+                <a16:creationId xmlns:a16="http://schemas.microsoft.com/office/drawing/2014/main" id="{57083661-0AFF-440D-B9D0-A4F084D2455B}"/>
+              </a:ext>
+            </a:extLst>
+          </p:cNvPr>
+          <p:cNvCxnSpPr>
+            <a:cxnSpLocks/>
+          </p:cNvCxnSpPr>
+          <p:nvPr/>
+        </p:nvCxnSpPr>
+        <p:spPr>
+          <a:xfrm flipH="1">
+            <a:off x="425383" y="2810210"/>
+            <a:ext cx="1295841" cy="0"/>
+          </a:xfrm>
+          <a:prstGeom prst="straightConnector1">
+            <a:avLst/>
+          </a:prstGeom>
+          <a:ln w="38100">
+            <a:tailEnd type="triangle"/>
+          </a:ln>
+          <a:effectLst>
+            <a:outerShdw blurRad="50800" dist="38100" dir="2700000" algn="tl" rotWithShape="0">
+              <a:prstClr val="black">
+                <a:alpha val="40000"/>
+              </a:prstClr>
+            </a:outerShdw>
+          </a:effectLst>
+        </p:spPr>
+        <p:style>
+          <a:lnRef idx="1">
+            <a:schemeClr val="dk1"/>
+          </a:lnRef>
+          <a:fillRef idx="0">
+            <a:schemeClr val="dk1"/>
+          </a:fillRef>
+          <a:effectRef idx="0">
+            <a:schemeClr val="dk1"/>
+          </a:effectRef>
+          <a:fontRef idx="minor">
+            <a:schemeClr val="tx1"/>
+          </a:fontRef>
+        </p:style>
+      </p:cxnSp>
+      <p:sp>
+        <p:nvSpPr>
+          <p:cNvPr id="19" name="TextBox 18">
+            <a:extLst>
+              <a:ext uri="{FF2B5EF4-FFF2-40B4-BE49-F238E27FC236}">
+                <a16:creationId xmlns:a16="http://schemas.microsoft.com/office/drawing/2014/main" id="{2C3EF2DC-FEEA-4F47-8B78-E4E9255AA2BD}"/>
+              </a:ext>
+            </a:extLst>
+          </p:cNvPr>
+          <p:cNvSpPr txBox="1"/>
+          <p:nvPr/>
+        </p:nvSpPr>
+        <p:spPr>
+          <a:xfrm>
+            <a:off x="1142558" y="1119135"/>
+            <a:ext cx="1152688" cy="307777"/>
+          </a:xfrm>
+          <a:prstGeom prst="rect">
+            <a:avLst/>
+          </a:prstGeom>
+          <a:noFill/>
+        </p:spPr>
+        <p:txBody>
+          <a:bodyPr wrap="none" rtlCol="0">
+            <a:spAutoFit/>
+          </a:bodyPr>
+          <a:lstStyle/>
+          <a:p>
+            <a:r>
+              <a:rPr lang="en-US" altLang="ko-KR" sz="1400" dirty="0">
+                <a:latin typeface="a옛날사진관3" panose="02020600000000000000" pitchFamily="18" charset="-127"/>
+                <a:ea typeface="a옛날사진관3" panose="02020600000000000000" pitchFamily="18" charset="-127"/>
+              </a:rPr>
+              <a:t>1. Request</a:t>
+            </a:r>
+          </a:p>
+        </p:txBody>
+      </p:sp>
+      <p:sp>
+        <p:nvSpPr>
+          <p:cNvPr id="21" name="TextBox 20">
+            <a:extLst>
+              <a:ext uri="{FF2B5EF4-FFF2-40B4-BE49-F238E27FC236}">
+                <a16:creationId xmlns:a16="http://schemas.microsoft.com/office/drawing/2014/main" id="{4A6E88A5-2F28-427E-8354-584B54AA6415}"/>
+              </a:ext>
+            </a:extLst>
+          </p:cNvPr>
+          <p:cNvSpPr txBox="1"/>
+          <p:nvPr/>
+        </p:nvSpPr>
+        <p:spPr>
+          <a:xfrm>
+            <a:off x="2584529" y="823449"/>
+            <a:ext cx="2906373" cy="307777"/>
+          </a:xfrm>
+          <a:prstGeom prst="rect">
+            <a:avLst/>
+          </a:prstGeom>
+          <a:noFill/>
+        </p:spPr>
+        <p:txBody>
+          <a:bodyPr wrap="none" rtlCol="0">
+            <a:spAutoFit/>
+          </a:bodyPr>
+          <a:lstStyle/>
+          <a:p>
+            <a:r>
+              <a:rPr lang="en-US" altLang="ko-KR" sz="1400" dirty="0">
+                <a:latin typeface="a옛날사진관3" panose="02020600000000000000" pitchFamily="18" charset="-127"/>
+                <a:ea typeface="a옛날사진관3" panose="02020600000000000000" pitchFamily="18" charset="-127"/>
+              </a:rPr>
+              <a:t>2. Request </a:t>
+            </a:r>
+            <a:r>
+              <a:rPr lang="ko-KR" altLang="en-US" sz="1400" dirty="0">
+                <a:latin typeface="a옛날사진관3" panose="02020600000000000000" pitchFamily="18" charset="-127"/>
+                <a:ea typeface="a옛날사진관3" panose="02020600000000000000" pitchFamily="18" charset="-127"/>
+              </a:rPr>
+              <a:t>처리를 위한 로직 연동</a:t>
+            </a:r>
+            <a:endParaRPr lang="en-US" altLang="ko-KR" sz="1400" dirty="0">
+              <a:latin typeface="a옛날사진관3" panose="02020600000000000000" pitchFamily="18" charset="-127"/>
+              <a:ea typeface="a옛날사진관3" panose="02020600000000000000" pitchFamily="18" charset="-127"/>
+            </a:endParaRPr>
+          </a:p>
+        </p:txBody>
+      </p:sp>
+      <p:sp>
+        <p:nvSpPr>
+          <p:cNvPr id="23" name="TextBox 22">
+            <a:extLst>
+              <a:ext uri="{FF2B5EF4-FFF2-40B4-BE49-F238E27FC236}">
+                <a16:creationId xmlns:a16="http://schemas.microsoft.com/office/drawing/2014/main" id="{0EE7B525-D781-436C-AE58-6E4923D4E873}"/>
+              </a:ext>
+            </a:extLst>
+          </p:cNvPr>
+          <p:cNvSpPr txBox="1"/>
+          <p:nvPr/>
+        </p:nvSpPr>
+        <p:spPr>
+          <a:xfrm>
+            <a:off x="6234511" y="1042452"/>
+            <a:ext cx="2281394" cy="307777"/>
+          </a:xfrm>
+          <a:prstGeom prst="rect">
+            <a:avLst/>
+          </a:prstGeom>
+          <a:noFill/>
+        </p:spPr>
+        <p:txBody>
+          <a:bodyPr wrap="none" rtlCol="0">
+            <a:spAutoFit/>
+          </a:bodyPr>
+          <a:lstStyle/>
+          <a:p>
+            <a:r>
+              <a:rPr lang="en-US" altLang="ko-KR" sz="1400" dirty="0">
+                <a:latin typeface="a옛날사진관3" panose="02020600000000000000" pitchFamily="18" charset="-127"/>
+                <a:ea typeface="a옛날사진관3" panose="02020600000000000000" pitchFamily="18" charset="-127"/>
+              </a:rPr>
+              <a:t>3. </a:t>
+            </a:r>
+            <a:r>
+              <a:rPr lang="ko-KR" altLang="en-US" sz="1400" dirty="0">
+                <a:latin typeface="a옛날사진관3" panose="02020600000000000000" pitchFamily="18" charset="-127"/>
+                <a:ea typeface="a옛날사진관3" panose="02020600000000000000" pitchFamily="18" charset="-127"/>
+              </a:rPr>
+              <a:t>순수한 데이터 처리 로직</a:t>
+            </a:r>
+            <a:endParaRPr lang="en-US" altLang="ko-KR" sz="1400" dirty="0">
+              <a:latin typeface="a옛날사진관3" panose="02020600000000000000" pitchFamily="18" charset="-127"/>
+              <a:ea typeface="a옛날사진관3" panose="02020600000000000000" pitchFamily="18" charset="-127"/>
+            </a:endParaRPr>
+          </a:p>
+        </p:txBody>
+      </p:sp>
+      <p:sp>
+        <p:nvSpPr>
+          <p:cNvPr id="25" name="TextBox 24">
+            <a:extLst>
+              <a:ext uri="{FF2B5EF4-FFF2-40B4-BE49-F238E27FC236}">
+                <a16:creationId xmlns:a16="http://schemas.microsoft.com/office/drawing/2014/main" id="{74DE3CD7-E4E1-4500-8B84-BF010C41010F}"/>
+              </a:ext>
+            </a:extLst>
+          </p:cNvPr>
+          <p:cNvSpPr txBox="1"/>
+          <p:nvPr/>
+        </p:nvSpPr>
+        <p:spPr>
+          <a:xfrm>
+            <a:off x="2999368" y="2103263"/>
+            <a:ext cx="2699778" cy="307777"/>
+          </a:xfrm>
+          <a:prstGeom prst="rect">
+            <a:avLst/>
+          </a:prstGeom>
+          <a:noFill/>
+        </p:spPr>
+        <p:txBody>
+          <a:bodyPr wrap="none" rtlCol="0">
+            <a:spAutoFit/>
+          </a:bodyPr>
+          <a:lstStyle/>
+          <a:p>
+            <a:r>
+              <a:rPr lang="en-US" altLang="ko-KR" sz="1400" dirty="0">
+                <a:latin typeface="a옛날사진관3" panose="02020600000000000000" pitchFamily="18" charset="-127"/>
+                <a:ea typeface="a옛날사진관3" panose="02020600000000000000" pitchFamily="18" charset="-127"/>
+              </a:rPr>
+              <a:t>4. </a:t>
+            </a:r>
+            <a:r>
+              <a:rPr lang="ko-KR" altLang="en-US" sz="1400" dirty="0">
+                <a:latin typeface="a옛날사진관3" panose="02020600000000000000" pitchFamily="18" charset="-127"/>
+                <a:ea typeface="a옛날사진관3" panose="02020600000000000000" pitchFamily="18" charset="-127"/>
+              </a:rPr>
+              <a:t>처리된 데이터를 </a:t>
+            </a:r>
+            <a:r>
+              <a:rPr lang="en-US" altLang="ko-KR" sz="1400" dirty="0">
+                <a:latin typeface="a옛날사진관3" panose="02020600000000000000" pitchFamily="18" charset="-127"/>
+                <a:ea typeface="a옛날사진관3" panose="02020600000000000000" pitchFamily="18" charset="-127"/>
+              </a:rPr>
+              <a:t>View</a:t>
+            </a:r>
+            <a:r>
+              <a:rPr lang="ko-KR" altLang="en-US" sz="1400" dirty="0">
+                <a:latin typeface="a옛날사진관3" panose="02020600000000000000" pitchFamily="18" charset="-127"/>
+                <a:ea typeface="a옛날사진관3" panose="02020600000000000000" pitchFamily="18" charset="-127"/>
+              </a:rPr>
+              <a:t>로 전달</a:t>
+            </a:r>
+            <a:endParaRPr lang="en-US" altLang="ko-KR" sz="1400" dirty="0">
+              <a:latin typeface="a옛날사진관3" panose="02020600000000000000" pitchFamily="18" charset="-127"/>
+              <a:ea typeface="a옛날사진관3" panose="02020600000000000000" pitchFamily="18" charset="-127"/>
+            </a:endParaRPr>
+          </a:p>
+        </p:txBody>
+      </p:sp>
+      <p:sp>
+        <p:nvSpPr>
+          <p:cNvPr id="27" name="TextBox 26">
+            <a:extLst>
+              <a:ext uri="{FF2B5EF4-FFF2-40B4-BE49-F238E27FC236}">
+                <a16:creationId xmlns:a16="http://schemas.microsoft.com/office/drawing/2014/main" id="{D5A0AF0D-0DD3-4C58-A398-4BED8CE7A7B3}"/>
+              </a:ext>
+            </a:extLst>
+          </p:cNvPr>
+          <p:cNvSpPr txBox="1"/>
+          <p:nvPr/>
+        </p:nvSpPr>
+        <p:spPr>
+          <a:xfrm>
+            <a:off x="470064" y="2468098"/>
+            <a:ext cx="1276119" cy="307777"/>
+          </a:xfrm>
+          <a:prstGeom prst="rect">
+            <a:avLst/>
+          </a:prstGeom>
+          <a:noFill/>
+        </p:spPr>
+        <p:txBody>
+          <a:bodyPr wrap="none" rtlCol="0">
+            <a:spAutoFit/>
+          </a:bodyPr>
+          <a:lstStyle/>
+          <a:p>
+            <a:r>
+              <a:rPr lang="en-US" altLang="ko-KR" sz="1400" dirty="0">
+                <a:latin typeface="a옛날사진관3" panose="02020600000000000000" pitchFamily="18" charset="-127"/>
+                <a:ea typeface="a옛날사진관3" panose="02020600000000000000" pitchFamily="18" charset="-127"/>
+              </a:rPr>
+              <a:t>5. Response</a:t>
+            </a:r>
+          </a:p>
+        </p:txBody>
+      </p:sp>
     </p:spTree>
     <p:extLst>
       <p:ext uri="{BB962C8B-B14F-4D97-AF65-F5344CB8AC3E}">
@@ -7648,10 +12444,1587 @@
           <a:chExt cx="0" cy="0"/>
         </a:xfrm>
       </p:grpSpPr>
+      <p:sp>
+        <p:nvSpPr>
+          <p:cNvPr id="2" name="사각형: 둥근 모서리 1">
+            <a:extLst>
+              <a:ext uri="{FF2B5EF4-FFF2-40B4-BE49-F238E27FC236}">
+                <a16:creationId xmlns:a16="http://schemas.microsoft.com/office/drawing/2014/main" id="{29CEEBA8-92CC-42DD-A380-275496F2C252}"/>
+              </a:ext>
+            </a:extLst>
+          </p:cNvPr>
+          <p:cNvSpPr/>
+          <p:nvPr/>
+        </p:nvSpPr>
+        <p:spPr>
+          <a:xfrm>
+            <a:off x="2369375" y="1564564"/>
+            <a:ext cx="2659824" cy="1247020"/>
+          </a:xfrm>
+          <a:prstGeom prst="roundRect">
+            <a:avLst/>
+          </a:prstGeom>
+          <a:solidFill>
+            <a:schemeClr val="tx1">
+              <a:lumMod val="50000"/>
+              <a:lumOff val="50000"/>
+            </a:schemeClr>
+          </a:solidFill>
+          <a:ln>
+            <a:solidFill>
+              <a:schemeClr val="tx1"/>
+            </a:solidFill>
+          </a:ln>
+          <a:effectLst>
+            <a:outerShdw blurRad="50800" dist="38100" dir="2700000" algn="tl" rotWithShape="0">
+              <a:prstClr val="black">
+                <a:alpha val="40000"/>
+              </a:prstClr>
+            </a:outerShdw>
+          </a:effectLst>
+        </p:spPr>
+        <p:style>
+          <a:lnRef idx="2">
+            <a:schemeClr val="accent1">
+              <a:shade val="50000"/>
+            </a:schemeClr>
+          </a:lnRef>
+          <a:fillRef idx="1">
+            <a:schemeClr val="accent1"/>
+          </a:fillRef>
+          <a:effectRef idx="0">
+            <a:schemeClr val="accent1"/>
+          </a:effectRef>
+          <a:fontRef idx="minor">
+            <a:schemeClr val="lt1"/>
+          </a:fontRef>
+        </p:style>
+        <p:txBody>
+          <a:bodyPr rtlCol="0" anchor="ctr"/>
+          <a:lstStyle/>
+          <a:p>
+            <a:pPr algn="ctr"/>
+            <a:r>
+              <a:rPr lang="en-US" altLang="ko-KR" dirty="0" err="1">
+                <a:solidFill>
+                  <a:schemeClr val="bg1"/>
+                </a:solidFill>
+                <a:latin typeface="a옛날사진관3" panose="02020600000000000000" pitchFamily="18" charset="-127"/>
+                <a:ea typeface="a옛날사진관3" panose="02020600000000000000" pitchFamily="18" charset="-127"/>
+              </a:rPr>
+              <a:t>DispatcherServlet</a:t>
+            </a:r>
+            <a:endParaRPr lang="ko-KR" altLang="en-US" dirty="0">
+              <a:solidFill>
+                <a:schemeClr val="bg1"/>
+              </a:solidFill>
+              <a:latin typeface="a옛날사진관3" panose="02020600000000000000" pitchFamily="18" charset="-127"/>
+              <a:ea typeface="a옛날사진관3" panose="02020600000000000000" pitchFamily="18" charset="-127"/>
+            </a:endParaRPr>
+          </a:p>
+        </p:txBody>
+      </p:sp>
+      <p:cxnSp>
+        <p:nvCxnSpPr>
+          <p:cNvPr id="5" name="직선 화살표 연결선 4">
+            <a:extLst>
+              <a:ext uri="{FF2B5EF4-FFF2-40B4-BE49-F238E27FC236}">
+                <a16:creationId xmlns:a16="http://schemas.microsoft.com/office/drawing/2014/main" id="{5D8629A7-E9EC-4013-BEDE-F2BEBFD842FB}"/>
+              </a:ext>
+            </a:extLst>
+          </p:cNvPr>
+          <p:cNvCxnSpPr>
+            <a:cxnSpLocks/>
+          </p:cNvCxnSpPr>
+          <p:nvPr/>
+        </p:nvCxnSpPr>
+        <p:spPr>
+          <a:xfrm>
+            <a:off x="1380565" y="2093721"/>
+            <a:ext cx="945335" cy="0"/>
+          </a:xfrm>
+          <a:prstGeom prst="straightConnector1">
+            <a:avLst/>
+          </a:prstGeom>
+          <a:ln w="38100">
+            <a:tailEnd type="triangle"/>
+          </a:ln>
+          <a:effectLst>
+            <a:outerShdw blurRad="50800" dist="38100" dir="2700000" algn="tl" rotWithShape="0">
+              <a:prstClr val="black">
+                <a:alpha val="40000"/>
+              </a:prstClr>
+            </a:outerShdw>
+          </a:effectLst>
+        </p:spPr>
+        <p:style>
+          <a:lnRef idx="1">
+            <a:schemeClr val="dk1"/>
+          </a:lnRef>
+          <a:fillRef idx="0">
+            <a:schemeClr val="dk1"/>
+          </a:fillRef>
+          <a:effectRef idx="0">
+            <a:schemeClr val="dk1"/>
+          </a:effectRef>
+          <a:fontRef idx="minor">
+            <a:schemeClr val="tx1"/>
+          </a:fontRef>
+        </p:style>
+      </p:cxnSp>
+      <p:cxnSp>
+        <p:nvCxnSpPr>
+          <p:cNvPr id="7" name="직선 화살표 연결선 6">
+            <a:extLst>
+              <a:ext uri="{FF2B5EF4-FFF2-40B4-BE49-F238E27FC236}">
+                <a16:creationId xmlns:a16="http://schemas.microsoft.com/office/drawing/2014/main" id="{C31670C8-FBCB-4C0D-AD2B-9C3CCF87ED0B}"/>
+              </a:ext>
+            </a:extLst>
+          </p:cNvPr>
+          <p:cNvCxnSpPr>
+            <a:cxnSpLocks/>
+          </p:cNvCxnSpPr>
+          <p:nvPr/>
+        </p:nvCxnSpPr>
+        <p:spPr>
+          <a:xfrm flipH="1" flipV="1">
+            <a:off x="4222376" y="3039035"/>
+            <a:ext cx="1143672" cy="1007382"/>
+          </a:xfrm>
+          <a:prstGeom prst="straightConnector1">
+            <a:avLst/>
+          </a:prstGeom>
+          <a:ln w="38100">
+            <a:tailEnd type="triangle"/>
+          </a:ln>
+          <a:effectLst>
+            <a:outerShdw blurRad="50800" dist="38100" dir="2700000" algn="tl" rotWithShape="0">
+              <a:prstClr val="black">
+                <a:alpha val="40000"/>
+              </a:prstClr>
+            </a:outerShdw>
+          </a:effectLst>
+        </p:spPr>
+        <p:style>
+          <a:lnRef idx="1">
+            <a:schemeClr val="dk1"/>
+          </a:lnRef>
+          <a:fillRef idx="0">
+            <a:schemeClr val="dk1"/>
+          </a:fillRef>
+          <a:effectRef idx="0">
+            <a:schemeClr val="dk1"/>
+          </a:effectRef>
+          <a:fontRef idx="minor">
+            <a:schemeClr val="tx1"/>
+          </a:fontRef>
+        </p:style>
+      </p:cxnSp>
+      <p:cxnSp>
+        <p:nvCxnSpPr>
+          <p:cNvPr id="8" name="직선 화살표 연결선 7">
+            <a:extLst>
+              <a:ext uri="{FF2B5EF4-FFF2-40B4-BE49-F238E27FC236}">
+                <a16:creationId xmlns:a16="http://schemas.microsoft.com/office/drawing/2014/main" id="{C916866F-5B21-4867-936C-82A642D09F29}"/>
+              </a:ext>
+            </a:extLst>
+          </p:cNvPr>
+          <p:cNvCxnSpPr>
+            <a:cxnSpLocks/>
+          </p:cNvCxnSpPr>
+          <p:nvPr/>
+        </p:nvCxnSpPr>
+        <p:spPr>
+          <a:xfrm>
+            <a:off x="3266460" y="2948491"/>
+            <a:ext cx="0" cy="515245"/>
+          </a:xfrm>
+          <a:prstGeom prst="straightConnector1">
+            <a:avLst/>
+          </a:prstGeom>
+          <a:ln w="38100">
+            <a:tailEnd type="triangle"/>
+          </a:ln>
+          <a:effectLst>
+            <a:outerShdw blurRad="50800" dist="38100" dir="2700000" algn="tl" rotWithShape="0">
+              <a:prstClr val="black">
+                <a:alpha val="40000"/>
+              </a:prstClr>
+            </a:outerShdw>
+          </a:effectLst>
+        </p:spPr>
+        <p:style>
+          <a:lnRef idx="1">
+            <a:schemeClr val="dk1"/>
+          </a:lnRef>
+          <a:fillRef idx="0">
+            <a:schemeClr val="dk1"/>
+          </a:fillRef>
+          <a:effectRef idx="0">
+            <a:schemeClr val="dk1"/>
+          </a:effectRef>
+          <a:fontRef idx="minor">
+            <a:schemeClr val="tx1"/>
+          </a:fontRef>
+        </p:style>
+      </p:cxnSp>
+      <p:sp>
+        <p:nvSpPr>
+          <p:cNvPr id="9" name="TextBox 8">
+            <a:extLst>
+              <a:ext uri="{FF2B5EF4-FFF2-40B4-BE49-F238E27FC236}">
+                <a16:creationId xmlns:a16="http://schemas.microsoft.com/office/drawing/2014/main" id="{0730798E-BB72-4AAA-9538-3B317C36AFCC}"/>
+              </a:ext>
+            </a:extLst>
+          </p:cNvPr>
+          <p:cNvSpPr txBox="1"/>
+          <p:nvPr/>
+        </p:nvSpPr>
+        <p:spPr>
+          <a:xfrm>
+            <a:off x="1790711" y="1733680"/>
+            <a:ext cx="298480" cy="307777"/>
+          </a:xfrm>
+          <a:prstGeom prst="rect">
+            <a:avLst/>
+          </a:prstGeom>
+          <a:solidFill>
+            <a:schemeClr val="bg1"/>
+          </a:solidFill>
+          <a:ln>
+            <a:solidFill>
+              <a:schemeClr val="tx1"/>
+            </a:solidFill>
+          </a:ln>
+          <a:effectLst>
+            <a:outerShdw blurRad="50800" dist="38100" dir="2700000" algn="tl" rotWithShape="0">
+              <a:prstClr val="black">
+                <a:alpha val="40000"/>
+              </a:prstClr>
+            </a:outerShdw>
+          </a:effectLst>
+        </p:spPr>
+        <p:txBody>
+          <a:bodyPr wrap="none" rtlCol="0">
+            <a:spAutoFit/>
+          </a:bodyPr>
+          <a:lstStyle/>
+          <a:p>
+            <a:r>
+              <a:rPr lang="en-US" altLang="ko-KR" sz="1400" dirty="0">
+                <a:latin typeface="a옛날사진관3" panose="02020600000000000000" pitchFamily="18" charset="-127"/>
+                <a:ea typeface="a옛날사진관3" panose="02020600000000000000" pitchFamily="18" charset="-127"/>
+              </a:rPr>
+              <a:t>1</a:t>
+            </a:r>
+          </a:p>
+        </p:txBody>
+      </p:sp>
+      <p:cxnSp>
+        <p:nvCxnSpPr>
+          <p:cNvPr id="15" name="직선 화살표 연결선 14">
+            <a:extLst>
+              <a:ext uri="{FF2B5EF4-FFF2-40B4-BE49-F238E27FC236}">
+                <a16:creationId xmlns:a16="http://schemas.microsoft.com/office/drawing/2014/main" id="{C459798B-C802-4C94-8052-1E8CF496273C}"/>
+              </a:ext>
+            </a:extLst>
+          </p:cNvPr>
+          <p:cNvCxnSpPr>
+            <a:cxnSpLocks/>
+          </p:cNvCxnSpPr>
+          <p:nvPr/>
+        </p:nvCxnSpPr>
+        <p:spPr>
+          <a:xfrm flipH="1">
+            <a:off x="1362635" y="2242214"/>
+            <a:ext cx="923145" cy="0"/>
+          </a:xfrm>
+          <a:prstGeom prst="straightConnector1">
+            <a:avLst/>
+          </a:prstGeom>
+          <a:ln w="38100">
+            <a:tailEnd type="triangle"/>
+          </a:ln>
+          <a:effectLst>
+            <a:outerShdw blurRad="50800" dist="38100" dir="2700000" algn="tl" rotWithShape="0">
+              <a:prstClr val="black">
+                <a:alpha val="40000"/>
+              </a:prstClr>
+            </a:outerShdw>
+          </a:effectLst>
+        </p:spPr>
+        <p:style>
+          <a:lnRef idx="1">
+            <a:schemeClr val="dk1"/>
+          </a:lnRef>
+          <a:fillRef idx="0">
+            <a:schemeClr val="dk1"/>
+          </a:fillRef>
+          <a:effectRef idx="0">
+            <a:schemeClr val="dk1"/>
+          </a:effectRef>
+          <a:fontRef idx="minor">
+            <a:schemeClr val="tx1"/>
+          </a:fontRef>
+        </p:style>
+      </p:cxnSp>
+      <p:sp>
+        <p:nvSpPr>
+          <p:cNvPr id="21" name="TextBox 20">
+            <a:extLst>
+              <a:ext uri="{FF2B5EF4-FFF2-40B4-BE49-F238E27FC236}">
+                <a16:creationId xmlns:a16="http://schemas.microsoft.com/office/drawing/2014/main" id="{78DBD6E7-2AFF-41F3-A381-BE7DF0811CD7}"/>
+              </a:ext>
+            </a:extLst>
+          </p:cNvPr>
+          <p:cNvSpPr txBox="1"/>
+          <p:nvPr/>
+        </p:nvSpPr>
+        <p:spPr>
+          <a:xfrm>
+            <a:off x="1790711" y="2304185"/>
+            <a:ext cx="298480" cy="307777"/>
+          </a:xfrm>
+          <a:prstGeom prst="rect">
+            <a:avLst/>
+          </a:prstGeom>
+          <a:solidFill>
+            <a:schemeClr val="bg1"/>
+          </a:solidFill>
+          <a:ln>
+            <a:solidFill>
+              <a:schemeClr val="tx1"/>
+            </a:solidFill>
+          </a:ln>
+          <a:effectLst>
+            <a:outerShdw blurRad="50800" dist="38100" dir="2700000" algn="tl" rotWithShape="0">
+              <a:prstClr val="black">
+                <a:alpha val="40000"/>
+              </a:prstClr>
+            </a:outerShdw>
+          </a:effectLst>
+        </p:spPr>
+        <p:txBody>
+          <a:bodyPr wrap="none" rtlCol="0">
+            <a:spAutoFit/>
+          </a:bodyPr>
+          <a:lstStyle/>
+          <a:p>
+            <a:r>
+              <a:rPr lang="en-US" altLang="ko-KR" sz="1400" dirty="0">
+                <a:latin typeface="a옛날사진관3" panose="02020600000000000000" pitchFamily="18" charset="-127"/>
+                <a:ea typeface="a옛날사진관3" panose="02020600000000000000" pitchFamily="18" charset="-127"/>
+              </a:rPr>
+              <a:t>7</a:t>
+            </a:r>
+          </a:p>
+        </p:txBody>
+      </p:sp>
+      <p:sp>
+        <p:nvSpPr>
+          <p:cNvPr id="23" name="사각형: 둥근 모서리 22">
+            <a:extLst>
+              <a:ext uri="{FF2B5EF4-FFF2-40B4-BE49-F238E27FC236}">
+                <a16:creationId xmlns:a16="http://schemas.microsoft.com/office/drawing/2014/main" id="{ED8A6C5B-2AA5-432A-8151-B3E6951C4242}"/>
+              </a:ext>
+            </a:extLst>
+          </p:cNvPr>
+          <p:cNvSpPr/>
+          <p:nvPr/>
+        </p:nvSpPr>
+        <p:spPr>
+          <a:xfrm>
+            <a:off x="5576047" y="246529"/>
+            <a:ext cx="2214282" cy="1086007"/>
+          </a:xfrm>
+          <a:prstGeom prst="roundRect">
+            <a:avLst/>
+          </a:prstGeom>
+          <a:solidFill>
+            <a:schemeClr val="tx1">
+              <a:lumMod val="50000"/>
+              <a:lumOff val="50000"/>
+            </a:schemeClr>
+          </a:solidFill>
+          <a:ln>
+            <a:solidFill>
+              <a:schemeClr val="tx1"/>
+            </a:solidFill>
+          </a:ln>
+          <a:effectLst>
+            <a:outerShdw blurRad="50800" dist="38100" dir="2700000" algn="tl" rotWithShape="0">
+              <a:prstClr val="black">
+                <a:alpha val="40000"/>
+              </a:prstClr>
+            </a:outerShdw>
+          </a:effectLst>
+        </p:spPr>
+        <p:style>
+          <a:lnRef idx="2">
+            <a:schemeClr val="accent1">
+              <a:shade val="50000"/>
+            </a:schemeClr>
+          </a:lnRef>
+          <a:fillRef idx="1">
+            <a:schemeClr val="accent1"/>
+          </a:fillRef>
+          <a:effectRef idx="0">
+            <a:schemeClr val="accent1"/>
+          </a:effectRef>
+          <a:fontRef idx="minor">
+            <a:schemeClr val="lt1"/>
+          </a:fontRef>
+        </p:style>
+        <p:txBody>
+          <a:bodyPr rtlCol="0" anchor="ctr"/>
+          <a:lstStyle/>
+          <a:p>
+            <a:pPr algn="ctr"/>
+            <a:r>
+              <a:rPr lang="en-US" altLang="ko-KR">
+                <a:solidFill>
+                  <a:schemeClr val="bg1"/>
+                </a:solidFill>
+                <a:latin typeface="a옛날사진관3" panose="02020600000000000000" pitchFamily="18" charset="-127"/>
+                <a:ea typeface="a옛날사진관3" panose="02020600000000000000" pitchFamily="18" charset="-127"/>
+              </a:rPr>
+              <a:t>HandlerMapping</a:t>
+            </a:r>
+            <a:endParaRPr lang="ko-KR" altLang="en-US" dirty="0">
+              <a:solidFill>
+                <a:schemeClr val="bg1"/>
+              </a:solidFill>
+              <a:latin typeface="a옛날사진관3" panose="02020600000000000000" pitchFamily="18" charset="-127"/>
+              <a:ea typeface="a옛날사진관3" panose="02020600000000000000" pitchFamily="18" charset="-127"/>
+            </a:endParaRPr>
+          </a:p>
+        </p:txBody>
+      </p:sp>
+      <p:sp>
+        <p:nvSpPr>
+          <p:cNvPr id="25" name="사각형: 둥근 모서리 24">
+            <a:extLst>
+              <a:ext uri="{FF2B5EF4-FFF2-40B4-BE49-F238E27FC236}">
+                <a16:creationId xmlns:a16="http://schemas.microsoft.com/office/drawing/2014/main" id="{5BFA554F-C0B0-41CB-A6B6-4E87A649752A}"/>
+              </a:ext>
+            </a:extLst>
+          </p:cNvPr>
+          <p:cNvSpPr/>
+          <p:nvPr/>
+        </p:nvSpPr>
+        <p:spPr>
+          <a:xfrm>
+            <a:off x="5576047" y="1645070"/>
+            <a:ext cx="2214282" cy="1086007"/>
+          </a:xfrm>
+          <a:prstGeom prst="roundRect">
+            <a:avLst/>
+          </a:prstGeom>
+          <a:solidFill>
+            <a:schemeClr val="tx1">
+              <a:lumMod val="50000"/>
+              <a:lumOff val="50000"/>
+            </a:schemeClr>
+          </a:solidFill>
+          <a:ln>
+            <a:solidFill>
+              <a:schemeClr val="tx1"/>
+            </a:solidFill>
+          </a:ln>
+          <a:effectLst>
+            <a:outerShdw blurRad="50800" dist="38100" dir="2700000" algn="tl" rotWithShape="0">
+              <a:prstClr val="black">
+                <a:alpha val="40000"/>
+              </a:prstClr>
+            </a:outerShdw>
+          </a:effectLst>
+        </p:spPr>
+        <p:style>
+          <a:lnRef idx="2">
+            <a:schemeClr val="accent1">
+              <a:shade val="50000"/>
+            </a:schemeClr>
+          </a:lnRef>
+          <a:fillRef idx="1">
+            <a:schemeClr val="accent1"/>
+          </a:fillRef>
+          <a:effectRef idx="0">
+            <a:schemeClr val="accent1"/>
+          </a:effectRef>
+          <a:fontRef idx="minor">
+            <a:schemeClr val="lt1"/>
+          </a:fontRef>
+        </p:style>
+        <p:txBody>
+          <a:bodyPr rtlCol="0" anchor="ctr"/>
+          <a:lstStyle/>
+          <a:p>
+            <a:pPr algn="ctr"/>
+            <a:r>
+              <a:rPr lang="en-US" altLang="ko-KR" dirty="0" err="1">
+                <a:solidFill>
+                  <a:schemeClr val="bg1"/>
+                </a:solidFill>
+                <a:latin typeface="a옛날사진관3" panose="02020600000000000000" pitchFamily="18" charset="-127"/>
+                <a:ea typeface="a옛날사진관3" panose="02020600000000000000" pitchFamily="18" charset="-127"/>
+              </a:rPr>
+              <a:t>HandlerAdapter</a:t>
+            </a:r>
+            <a:endParaRPr lang="ko-KR" altLang="en-US" dirty="0">
+              <a:solidFill>
+                <a:schemeClr val="bg1"/>
+              </a:solidFill>
+              <a:latin typeface="a옛날사진관3" panose="02020600000000000000" pitchFamily="18" charset="-127"/>
+              <a:ea typeface="a옛날사진관3" panose="02020600000000000000" pitchFamily="18" charset="-127"/>
+            </a:endParaRPr>
+          </a:p>
+        </p:txBody>
+      </p:sp>
+      <p:sp>
+        <p:nvSpPr>
+          <p:cNvPr id="27" name="사각형: 둥근 모서리 26">
+            <a:extLst>
+              <a:ext uri="{FF2B5EF4-FFF2-40B4-BE49-F238E27FC236}">
+                <a16:creationId xmlns:a16="http://schemas.microsoft.com/office/drawing/2014/main" id="{3A43C674-75F5-409D-915B-E818E3EBDF52}"/>
+              </a:ext>
+            </a:extLst>
+          </p:cNvPr>
+          <p:cNvSpPr/>
+          <p:nvPr/>
+        </p:nvSpPr>
+        <p:spPr>
+          <a:xfrm>
+            <a:off x="8615083" y="1645070"/>
+            <a:ext cx="2214282" cy="1086007"/>
+          </a:xfrm>
+          <a:prstGeom prst="roundRect">
+            <a:avLst/>
+          </a:prstGeom>
+          <a:solidFill>
+            <a:schemeClr val="bg1"/>
+          </a:solidFill>
+          <a:ln>
+            <a:solidFill>
+              <a:schemeClr val="tx1"/>
+            </a:solidFill>
+          </a:ln>
+          <a:effectLst>
+            <a:outerShdw blurRad="50800" dist="38100" dir="2700000" algn="tl" rotWithShape="0">
+              <a:prstClr val="black">
+                <a:alpha val="40000"/>
+              </a:prstClr>
+            </a:outerShdw>
+          </a:effectLst>
+        </p:spPr>
+        <p:style>
+          <a:lnRef idx="2">
+            <a:schemeClr val="accent1">
+              <a:shade val="50000"/>
+            </a:schemeClr>
+          </a:lnRef>
+          <a:fillRef idx="1">
+            <a:schemeClr val="accent1"/>
+          </a:fillRef>
+          <a:effectRef idx="0">
+            <a:schemeClr val="accent1"/>
+          </a:effectRef>
+          <a:fontRef idx="minor">
+            <a:schemeClr val="lt1"/>
+          </a:fontRef>
+        </p:style>
+        <p:txBody>
+          <a:bodyPr rtlCol="0" anchor="ctr"/>
+          <a:lstStyle/>
+          <a:p>
+            <a:pPr algn="ctr"/>
+            <a:r>
+              <a:rPr lang="en-US" altLang="ko-KR" dirty="0">
+                <a:solidFill>
+                  <a:schemeClr val="tx1"/>
+                </a:solidFill>
+                <a:latin typeface="a옛날사진관3" panose="02020600000000000000" pitchFamily="18" charset="-127"/>
+                <a:ea typeface="a옛날사진관3" panose="02020600000000000000" pitchFamily="18" charset="-127"/>
+              </a:rPr>
+              <a:t>Controller</a:t>
+            </a:r>
+            <a:endParaRPr lang="ko-KR" altLang="en-US" dirty="0">
+              <a:solidFill>
+                <a:schemeClr val="tx1"/>
+              </a:solidFill>
+              <a:latin typeface="a옛날사진관3" panose="02020600000000000000" pitchFamily="18" charset="-127"/>
+              <a:ea typeface="a옛날사진관3" panose="02020600000000000000" pitchFamily="18" charset="-127"/>
+            </a:endParaRPr>
+          </a:p>
+        </p:txBody>
+      </p:sp>
+      <p:sp>
+        <p:nvSpPr>
+          <p:cNvPr id="29" name="사각형: 둥근 모서리 28">
+            <a:extLst>
+              <a:ext uri="{FF2B5EF4-FFF2-40B4-BE49-F238E27FC236}">
+                <a16:creationId xmlns:a16="http://schemas.microsoft.com/office/drawing/2014/main" id="{9D534986-49A2-46A9-97BE-4410CF20FB3E}"/>
+              </a:ext>
+            </a:extLst>
+          </p:cNvPr>
+          <p:cNvSpPr/>
+          <p:nvPr/>
+        </p:nvSpPr>
+        <p:spPr>
+          <a:xfrm>
+            <a:off x="5576047" y="3423195"/>
+            <a:ext cx="2214282" cy="1086007"/>
+          </a:xfrm>
+          <a:prstGeom prst="roundRect">
+            <a:avLst/>
+          </a:prstGeom>
+          <a:solidFill>
+            <a:schemeClr val="tx1">
+              <a:lumMod val="50000"/>
+              <a:lumOff val="50000"/>
+            </a:schemeClr>
+          </a:solidFill>
+          <a:ln>
+            <a:solidFill>
+              <a:schemeClr val="tx1"/>
+            </a:solidFill>
+          </a:ln>
+          <a:effectLst>
+            <a:outerShdw blurRad="50800" dist="38100" dir="2700000" algn="tl" rotWithShape="0">
+              <a:prstClr val="black">
+                <a:alpha val="40000"/>
+              </a:prstClr>
+            </a:outerShdw>
+          </a:effectLst>
+        </p:spPr>
+        <p:style>
+          <a:lnRef idx="2">
+            <a:schemeClr val="accent1">
+              <a:shade val="50000"/>
+            </a:schemeClr>
+          </a:lnRef>
+          <a:fillRef idx="1">
+            <a:schemeClr val="accent1"/>
+          </a:fillRef>
+          <a:effectRef idx="0">
+            <a:schemeClr val="accent1"/>
+          </a:effectRef>
+          <a:fontRef idx="minor">
+            <a:schemeClr val="lt1"/>
+          </a:fontRef>
+        </p:style>
+        <p:txBody>
+          <a:bodyPr rtlCol="0" anchor="ctr"/>
+          <a:lstStyle/>
+          <a:p>
+            <a:pPr algn="ctr"/>
+            <a:r>
+              <a:rPr lang="en-US" altLang="ko-KR" dirty="0" err="1">
+                <a:solidFill>
+                  <a:schemeClr val="bg1"/>
+                </a:solidFill>
+                <a:latin typeface="a옛날사진관3" panose="02020600000000000000" pitchFamily="18" charset="-127"/>
+                <a:ea typeface="a옛날사진관3" panose="02020600000000000000" pitchFamily="18" charset="-127"/>
+              </a:rPr>
+              <a:t>ViewResolver</a:t>
+            </a:r>
+            <a:endParaRPr lang="ko-KR" altLang="en-US" dirty="0">
+              <a:solidFill>
+                <a:schemeClr val="bg1"/>
+              </a:solidFill>
+              <a:latin typeface="a옛날사진관3" panose="02020600000000000000" pitchFamily="18" charset="-127"/>
+              <a:ea typeface="a옛날사진관3" panose="02020600000000000000" pitchFamily="18" charset="-127"/>
+            </a:endParaRPr>
+          </a:p>
+        </p:txBody>
+      </p:sp>
+      <p:cxnSp>
+        <p:nvCxnSpPr>
+          <p:cNvPr id="32" name="직선 화살표 연결선 31">
+            <a:extLst>
+              <a:ext uri="{FF2B5EF4-FFF2-40B4-BE49-F238E27FC236}">
+                <a16:creationId xmlns:a16="http://schemas.microsoft.com/office/drawing/2014/main" id="{A680A949-EE8C-4B33-837F-A8FD1C93C9BC}"/>
+              </a:ext>
+            </a:extLst>
+          </p:cNvPr>
+          <p:cNvCxnSpPr>
+            <a:cxnSpLocks/>
+          </p:cNvCxnSpPr>
+          <p:nvPr/>
+        </p:nvCxnSpPr>
+        <p:spPr>
+          <a:xfrm>
+            <a:off x="4390348" y="2948491"/>
+            <a:ext cx="1080700" cy="949407"/>
+          </a:xfrm>
+          <a:prstGeom prst="straightConnector1">
+            <a:avLst/>
+          </a:prstGeom>
+          <a:ln w="38100">
+            <a:tailEnd type="triangle"/>
+          </a:ln>
+          <a:effectLst>
+            <a:outerShdw blurRad="50800" dist="38100" dir="2700000" algn="tl" rotWithShape="0">
+              <a:prstClr val="black">
+                <a:alpha val="40000"/>
+              </a:prstClr>
+            </a:outerShdw>
+          </a:effectLst>
+        </p:spPr>
+        <p:style>
+          <a:lnRef idx="1">
+            <a:schemeClr val="dk1"/>
+          </a:lnRef>
+          <a:fillRef idx="0">
+            <a:schemeClr val="dk1"/>
+          </a:fillRef>
+          <a:effectRef idx="0">
+            <a:schemeClr val="dk1"/>
+          </a:effectRef>
+          <a:fontRef idx="minor">
+            <a:schemeClr val="tx1"/>
+          </a:fontRef>
+        </p:style>
+      </p:cxnSp>
+      <p:sp>
+        <p:nvSpPr>
+          <p:cNvPr id="36" name="TextBox 35">
+            <a:extLst>
+              <a:ext uri="{FF2B5EF4-FFF2-40B4-BE49-F238E27FC236}">
+                <a16:creationId xmlns:a16="http://schemas.microsoft.com/office/drawing/2014/main" id="{9E0F066E-690A-4972-9110-8CDDB830D8B8}"/>
+              </a:ext>
+            </a:extLst>
+          </p:cNvPr>
+          <p:cNvSpPr txBox="1"/>
+          <p:nvPr/>
+        </p:nvSpPr>
+        <p:spPr>
+          <a:xfrm>
+            <a:off x="4720820" y="3242132"/>
+            <a:ext cx="298480" cy="307777"/>
+          </a:xfrm>
+          <a:prstGeom prst="rect">
+            <a:avLst/>
+          </a:prstGeom>
+          <a:solidFill>
+            <a:schemeClr val="bg1"/>
+          </a:solidFill>
+          <a:ln>
+            <a:solidFill>
+              <a:schemeClr val="tx1"/>
+            </a:solidFill>
+          </a:ln>
+          <a:effectLst>
+            <a:outerShdw blurRad="50800" dist="38100" dir="2700000" algn="tl" rotWithShape="0">
+              <a:prstClr val="black">
+                <a:alpha val="40000"/>
+              </a:prstClr>
+            </a:outerShdw>
+          </a:effectLst>
+        </p:spPr>
+        <p:txBody>
+          <a:bodyPr wrap="none" rtlCol="0">
+            <a:spAutoFit/>
+          </a:bodyPr>
+          <a:lstStyle/>
+          <a:p>
+            <a:r>
+              <a:rPr lang="en-US" altLang="ko-KR" sz="1400" dirty="0">
+                <a:latin typeface="a옛날사진관3" panose="02020600000000000000" pitchFamily="18" charset="-127"/>
+                <a:ea typeface="a옛날사진관3" panose="02020600000000000000" pitchFamily="18" charset="-127"/>
+              </a:rPr>
+              <a:t>5</a:t>
+            </a:r>
+          </a:p>
+        </p:txBody>
+      </p:sp>
+      <p:sp>
+        <p:nvSpPr>
+          <p:cNvPr id="38" name="사각형: 둥근 모서리 37">
+            <a:extLst>
+              <a:ext uri="{FF2B5EF4-FFF2-40B4-BE49-F238E27FC236}">
+                <a16:creationId xmlns:a16="http://schemas.microsoft.com/office/drawing/2014/main" id="{9E7BE423-BCFC-492D-BD40-492A646B629B}"/>
+              </a:ext>
+            </a:extLst>
+          </p:cNvPr>
+          <p:cNvSpPr/>
+          <p:nvPr/>
+        </p:nvSpPr>
+        <p:spPr>
+          <a:xfrm>
+            <a:off x="2449765" y="3540836"/>
+            <a:ext cx="1607375" cy="1086007"/>
+          </a:xfrm>
+          <a:prstGeom prst="roundRect">
+            <a:avLst/>
+          </a:prstGeom>
+          <a:solidFill>
+            <a:schemeClr val="tx1">
+              <a:lumMod val="50000"/>
+              <a:lumOff val="50000"/>
+            </a:schemeClr>
+          </a:solidFill>
+          <a:ln>
+            <a:solidFill>
+              <a:schemeClr val="tx1"/>
+            </a:solidFill>
+          </a:ln>
+          <a:effectLst>
+            <a:outerShdw blurRad="50800" dist="38100" dir="2700000" algn="tl" rotWithShape="0">
+              <a:prstClr val="black">
+                <a:alpha val="40000"/>
+              </a:prstClr>
+            </a:outerShdw>
+          </a:effectLst>
+        </p:spPr>
+        <p:style>
+          <a:lnRef idx="2">
+            <a:schemeClr val="accent1">
+              <a:shade val="50000"/>
+            </a:schemeClr>
+          </a:lnRef>
+          <a:fillRef idx="1">
+            <a:schemeClr val="accent1"/>
+          </a:fillRef>
+          <a:effectRef idx="0">
+            <a:schemeClr val="accent1"/>
+          </a:effectRef>
+          <a:fontRef idx="minor">
+            <a:schemeClr val="lt1"/>
+          </a:fontRef>
+        </p:style>
+        <p:txBody>
+          <a:bodyPr rtlCol="0" anchor="ctr"/>
+          <a:lstStyle/>
+          <a:p>
+            <a:pPr algn="ctr"/>
+            <a:r>
+              <a:rPr lang="en-US" altLang="ko-KR">
+                <a:solidFill>
+                  <a:schemeClr val="bg1"/>
+                </a:solidFill>
+                <a:latin typeface="a옛날사진관3" panose="02020600000000000000" pitchFamily="18" charset="-127"/>
+                <a:ea typeface="a옛날사진관3" panose="02020600000000000000" pitchFamily="18" charset="-127"/>
+              </a:rPr>
+              <a:t>View</a:t>
+            </a:r>
+            <a:endParaRPr lang="ko-KR" altLang="en-US" dirty="0">
+              <a:solidFill>
+                <a:schemeClr val="bg1"/>
+              </a:solidFill>
+              <a:latin typeface="a옛날사진관3" panose="02020600000000000000" pitchFamily="18" charset="-127"/>
+              <a:ea typeface="a옛날사진관3" panose="02020600000000000000" pitchFamily="18" charset="-127"/>
+            </a:endParaRPr>
+          </a:p>
+        </p:txBody>
+      </p:sp>
+      <p:sp>
+        <p:nvSpPr>
+          <p:cNvPr id="42" name="TextBox 41">
+            <a:extLst>
+              <a:ext uri="{FF2B5EF4-FFF2-40B4-BE49-F238E27FC236}">
+                <a16:creationId xmlns:a16="http://schemas.microsoft.com/office/drawing/2014/main" id="{86AD8B3A-1E4F-4B0D-A979-42F9582A629F}"/>
+              </a:ext>
+            </a:extLst>
+          </p:cNvPr>
+          <p:cNvSpPr txBox="1"/>
+          <p:nvPr/>
+        </p:nvSpPr>
+        <p:spPr>
+          <a:xfrm>
+            <a:off x="2875272" y="3009387"/>
+            <a:ext cx="298480" cy="307777"/>
+          </a:xfrm>
+          <a:prstGeom prst="rect">
+            <a:avLst/>
+          </a:prstGeom>
+          <a:solidFill>
+            <a:schemeClr val="bg1"/>
+          </a:solidFill>
+          <a:ln>
+            <a:solidFill>
+              <a:schemeClr val="tx1"/>
+            </a:solidFill>
+          </a:ln>
+          <a:effectLst>
+            <a:outerShdw blurRad="50800" dist="38100" dir="2700000" algn="tl" rotWithShape="0">
+              <a:prstClr val="black">
+                <a:alpha val="40000"/>
+              </a:prstClr>
+            </a:outerShdw>
+          </a:effectLst>
+        </p:spPr>
+        <p:txBody>
+          <a:bodyPr wrap="none" rtlCol="0">
+            <a:spAutoFit/>
+          </a:bodyPr>
+          <a:lstStyle/>
+          <a:p>
+            <a:r>
+              <a:rPr lang="en-US" altLang="ko-KR" sz="1400">
+                <a:latin typeface="a옛날사진관3" panose="02020600000000000000" pitchFamily="18" charset="-127"/>
+                <a:ea typeface="a옛날사진관3" panose="02020600000000000000" pitchFamily="18" charset="-127"/>
+              </a:rPr>
+              <a:t>6</a:t>
+            </a:r>
+            <a:endParaRPr lang="en-US" altLang="ko-KR" sz="1400" dirty="0">
+              <a:latin typeface="a옛날사진관3" panose="02020600000000000000" pitchFamily="18" charset="-127"/>
+              <a:ea typeface="a옛날사진관3" panose="02020600000000000000" pitchFamily="18" charset="-127"/>
+            </a:endParaRPr>
+          </a:p>
+        </p:txBody>
+      </p:sp>
+      <p:sp>
+        <p:nvSpPr>
+          <p:cNvPr id="44" name="사각형: 둥근 모서리 43">
+            <a:extLst>
+              <a:ext uri="{FF2B5EF4-FFF2-40B4-BE49-F238E27FC236}">
+                <a16:creationId xmlns:a16="http://schemas.microsoft.com/office/drawing/2014/main" id="{14E0BF5B-BC90-4F49-8B54-0C3575B80F1C}"/>
+              </a:ext>
+            </a:extLst>
+          </p:cNvPr>
+          <p:cNvSpPr/>
+          <p:nvPr/>
+        </p:nvSpPr>
+        <p:spPr>
+          <a:xfrm>
+            <a:off x="2462772" y="5046906"/>
+            <a:ext cx="1607375" cy="1086007"/>
+          </a:xfrm>
+          <a:prstGeom prst="roundRect">
+            <a:avLst/>
+          </a:prstGeom>
+          <a:solidFill>
+            <a:schemeClr val="bg1"/>
+          </a:solidFill>
+          <a:ln>
+            <a:solidFill>
+              <a:schemeClr val="tx1"/>
+            </a:solidFill>
+          </a:ln>
+          <a:effectLst>
+            <a:outerShdw blurRad="50800" dist="38100" dir="2700000" algn="tl" rotWithShape="0">
+              <a:prstClr val="black">
+                <a:alpha val="40000"/>
+              </a:prstClr>
+            </a:outerShdw>
+          </a:effectLst>
+        </p:spPr>
+        <p:style>
+          <a:lnRef idx="2">
+            <a:schemeClr val="accent1">
+              <a:shade val="50000"/>
+            </a:schemeClr>
+          </a:lnRef>
+          <a:fillRef idx="1">
+            <a:schemeClr val="accent1"/>
+          </a:fillRef>
+          <a:effectRef idx="0">
+            <a:schemeClr val="accent1"/>
+          </a:effectRef>
+          <a:fontRef idx="minor">
+            <a:schemeClr val="lt1"/>
+          </a:fontRef>
+        </p:style>
+        <p:txBody>
+          <a:bodyPr rtlCol="0" anchor="ctr"/>
+          <a:lstStyle/>
+          <a:p>
+            <a:pPr algn="ctr"/>
+            <a:r>
+              <a:rPr lang="en-US" altLang="ko-KR" dirty="0">
+                <a:solidFill>
+                  <a:schemeClr val="tx1"/>
+                </a:solidFill>
+                <a:latin typeface="a옛날사진관3" panose="02020600000000000000" pitchFamily="18" charset="-127"/>
+                <a:ea typeface="a옛날사진관3" panose="02020600000000000000" pitchFamily="18" charset="-127"/>
+              </a:rPr>
+              <a:t>JSP </a:t>
+            </a:r>
+            <a:r>
+              <a:rPr lang="ko-KR" altLang="en-US" dirty="0">
+                <a:solidFill>
+                  <a:schemeClr val="tx1"/>
+                </a:solidFill>
+                <a:latin typeface="a옛날사진관3" panose="02020600000000000000" pitchFamily="18" charset="-127"/>
+                <a:ea typeface="a옛날사진관3" panose="02020600000000000000" pitchFamily="18" charset="-127"/>
+              </a:rPr>
+              <a:t>및 기타</a:t>
+            </a:r>
+          </a:p>
+        </p:txBody>
+      </p:sp>
+      <p:cxnSp>
+        <p:nvCxnSpPr>
+          <p:cNvPr id="45" name="직선 화살표 연결선 44">
+            <a:extLst>
+              <a:ext uri="{FF2B5EF4-FFF2-40B4-BE49-F238E27FC236}">
+                <a16:creationId xmlns:a16="http://schemas.microsoft.com/office/drawing/2014/main" id="{E2ECA559-D373-45F1-AEDF-0EBF58B0A563}"/>
+              </a:ext>
+            </a:extLst>
+          </p:cNvPr>
+          <p:cNvCxnSpPr>
+            <a:cxnSpLocks/>
+          </p:cNvCxnSpPr>
+          <p:nvPr/>
+        </p:nvCxnSpPr>
+        <p:spPr>
+          <a:xfrm>
+            <a:off x="3253452" y="4705573"/>
+            <a:ext cx="0" cy="515245"/>
+          </a:xfrm>
+          <a:prstGeom prst="straightConnector1">
+            <a:avLst/>
+          </a:prstGeom>
+          <a:ln w="38100">
+            <a:tailEnd type="triangle"/>
+          </a:ln>
+          <a:effectLst>
+            <a:outerShdw blurRad="50800" dist="38100" dir="2700000" algn="tl" rotWithShape="0">
+              <a:prstClr val="black">
+                <a:alpha val="40000"/>
+              </a:prstClr>
+            </a:outerShdw>
+          </a:effectLst>
+        </p:spPr>
+        <p:style>
+          <a:lnRef idx="1">
+            <a:schemeClr val="dk1"/>
+          </a:lnRef>
+          <a:fillRef idx="0">
+            <a:schemeClr val="dk1"/>
+          </a:fillRef>
+          <a:effectRef idx="0">
+            <a:schemeClr val="dk1"/>
+          </a:effectRef>
+          <a:fontRef idx="minor">
+            <a:schemeClr val="tx1"/>
+          </a:fontRef>
+        </p:style>
+      </p:cxnSp>
+      <p:cxnSp>
+        <p:nvCxnSpPr>
+          <p:cNvPr id="46" name="직선 화살표 연결선 45">
+            <a:extLst>
+              <a:ext uri="{FF2B5EF4-FFF2-40B4-BE49-F238E27FC236}">
+                <a16:creationId xmlns:a16="http://schemas.microsoft.com/office/drawing/2014/main" id="{627C8DF5-C035-4F24-8B61-55934E52949F}"/>
+              </a:ext>
+            </a:extLst>
+          </p:cNvPr>
+          <p:cNvCxnSpPr>
+            <a:cxnSpLocks/>
+          </p:cNvCxnSpPr>
+          <p:nvPr/>
+        </p:nvCxnSpPr>
+        <p:spPr>
+          <a:xfrm>
+            <a:off x="5090837" y="2103370"/>
+            <a:ext cx="448005" cy="0"/>
+          </a:xfrm>
+          <a:prstGeom prst="straightConnector1">
+            <a:avLst/>
+          </a:prstGeom>
+          <a:ln w="38100">
+            <a:solidFill>
+              <a:schemeClr val="tx1"/>
+            </a:solidFill>
+            <a:headEnd type="triangle"/>
+            <a:tailEnd type="triangle"/>
+          </a:ln>
+          <a:effectLst>
+            <a:outerShdw blurRad="50800" dist="38100" dir="2700000" algn="tl" rotWithShape="0">
+              <a:prstClr val="black">
+                <a:alpha val="40000"/>
+              </a:prstClr>
+            </a:outerShdw>
+          </a:effectLst>
+        </p:spPr>
+        <p:style>
+          <a:lnRef idx="1">
+            <a:schemeClr val="dk1"/>
+          </a:lnRef>
+          <a:fillRef idx="0">
+            <a:schemeClr val="dk1"/>
+          </a:fillRef>
+          <a:effectRef idx="0">
+            <a:schemeClr val="dk1"/>
+          </a:effectRef>
+          <a:fontRef idx="minor">
+            <a:schemeClr val="tx1"/>
+          </a:fontRef>
+        </p:style>
+      </p:cxnSp>
+      <p:cxnSp>
+        <p:nvCxnSpPr>
+          <p:cNvPr id="48" name="직선 화살표 연결선 47">
+            <a:extLst>
+              <a:ext uri="{FF2B5EF4-FFF2-40B4-BE49-F238E27FC236}">
+                <a16:creationId xmlns:a16="http://schemas.microsoft.com/office/drawing/2014/main" id="{9FADEC47-7E80-49F6-A78E-6D981C5877E8}"/>
+              </a:ext>
+            </a:extLst>
+          </p:cNvPr>
+          <p:cNvCxnSpPr>
+            <a:cxnSpLocks/>
+          </p:cNvCxnSpPr>
+          <p:nvPr/>
+        </p:nvCxnSpPr>
+        <p:spPr>
+          <a:xfrm>
+            <a:off x="5090837" y="2309814"/>
+            <a:ext cx="448005" cy="0"/>
+          </a:xfrm>
+          <a:prstGeom prst="straightConnector1">
+            <a:avLst/>
+          </a:prstGeom>
+          <a:ln w="38100">
+            <a:solidFill>
+              <a:schemeClr val="tx1"/>
+            </a:solidFill>
+            <a:headEnd type="triangle"/>
+            <a:tailEnd type="triangle"/>
+          </a:ln>
+          <a:effectLst>
+            <a:outerShdw blurRad="50800" dist="38100" dir="2700000" algn="tl" rotWithShape="0">
+              <a:prstClr val="black">
+                <a:alpha val="40000"/>
+              </a:prstClr>
+            </a:outerShdw>
+          </a:effectLst>
+        </p:spPr>
+        <p:style>
+          <a:lnRef idx="1">
+            <a:schemeClr val="dk1"/>
+          </a:lnRef>
+          <a:fillRef idx="0">
+            <a:schemeClr val="dk1"/>
+          </a:fillRef>
+          <a:effectRef idx="0">
+            <a:schemeClr val="dk1"/>
+          </a:effectRef>
+          <a:fontRef idx="minor">
+            <a:schemeClr val="tx1"/>
+          </a:fontRef>
+        </p:style>
+      </p:cxnSp>
+      <p:sp>
+        <p:nvSpPr>
+          <p:cNvPr id="50" name="TextBox 49">
+            <a:extLst>
+              <a:ext uri="{FF2B5EF4-FFF2-40B4-BE49-F238E27FC236}">
+                <a16:creationId xmlns:a16="http://schemas.microsoft.com/office/drawing/2014/main" id="{BE5B2780-C54D-4C05-9C86-AE79DA19DE9B}"/>
+              </a:ext>
+            </a:extLst>
+          </p:cNvPr>
+          <p:cNvSpPr txBox="1"/>
+          <p:nvPr/>
+        </p:nvSpPr>
+        <p:spPr>
+          <a:xfrm>
+            <a:off x="5172568" y="1706022"/>
+            <a:ext cx="298480" cy="307777"/>
+          </a:xfrm>
+          <a:prstGeom prst="rect">
+            <a:avLst/>
+          </a:prstGeom>
+          <a:solidFill>
+            <a:schemeClr val="bg1"/>
+          </a:solidFill>
+          <a:ln>
+            <a:solidFill>
+              <a:schemeClr val="tx1"/>
+            </a:solidFill>
+          </a:ln>
+          <a:effectLst>
+            <a:outerShdw blurRad="50800" dist="38100" dir="2700000" algn="tl" rotWithShape="0">
+              <a:prstClr val="black">
+                <a:alpha val="40000"/>
+              </a:prstClr>
+            </a:outerShdw>
+          </a:effectLst>
+        </p:spPr>
+        <p:txBody>
+          <a:bodyPr wrap="none" rtlCol="0">
+            <a:spAutoFit/>
+          </a:bodyPr>
+          <a:lstStyle/>
+          <a:p>
+            <a:r>
+              <a:rPr lang="en-US" altLang="ko-KR" sz="1400" dirty="0">
+                <a:latin typeface="a옛날사진관3" panose="02020600000000000000" pitchFamily="18" charset="-127"/>
+                <a:ea typeface="a옛날사진관3" panose="02020600000000000000" pitchFamily="18" charset="-127"/>
+              </a:rPr>
+              <a:t>3</a:t>
+            </a:r>
+          </a:p>
+        </p:txBody>
+      </p:sp>
+      <p:cxnSp>
+        <p:nvCxnSpPr>
+          <p:cNvPr id="51" name="직선 화살표 연결선 50">
+            <a:extLst>
+              <a:ext uri="{FF2B5EF4-FFF2-40B4-BE49-F238E27FC236}">
+                <a16:creationId xmlns:a16="http://schemas.microsoft.com/office/drawing/2014/main" id="{B22C4F7E-CF48-41C8-A896-619E21C3B5F6}"/>
+              </a:ext>
+            </a:extLst>
+          </p:cNvPr>
+          <p:cNvCxnSpPr>
+            <a:cxnSpLocks/>
+          </p:cNvCxnSpPr>
+          <p:nvPr/>
+        </p:nvCxnSpPr>
+        <p:spPr>
+          <a:xfrm flipV="1">
+            <a:off x="4222376" y="411621"/>
+            <a:ext cx="1183096" cy="1053073"/>
+          </a:xfrm>
+          <a:prstGeom prst="straightConnector1">
+            <a:avLst/>
+          </a:prstGeom>
+          <a:ln w="38100">
+            <a:tailEnd type="triangle"/>
+          </a:ln>
+          <a:effectLst>
+            <a:outerShdw blurRad="50800" dist="38100" dir="2700000" algn="tl" rotWithShape="0">
+              <a:prstClr val="black">
+                <a:alpha val="40000"/>
+              </a:prstClr>
+            </a:outerShdw>
+          </a:effectLst>
+        </p:spPr>
+        <p:style>
+          <a:lnRef idx="1">
+            <a:schemeClr val="dk1"/>
+          </a:lnRef>
+          <a:fillRef idx="0">
+            <a:schemeClr val="dk1"/>
+          </a:fillRef>
+          <a:effectRef idx="0">
+            <a:schemeClr val="dk1"/>
+          </a:effectRef>
+          <a:fontRef idx="minor">
+            <a:schemeClr val="tx1"/>
+          </a:fontRef>
+        </p:style>
+      </p:cxnSp>
+      <p:cxnSp>
+        <p:nvCxnSpPr>
+          <p:cNvPr id="52" name="직선 화살표 연결선 51">
+            <a:extLst>
+              <a:ext uri="{FF2B5EF4-FFF2-40B4-BE49-F238E27FC236}">
+                <a16:creationId xmlns:a16="http://schemas.microsoft.com/office/drawing/2014/main" id="{17863B43-28F1-4AFF-BBC6-8D9F981F2AC9}"/>
+              </a:ext>
+            </a:extLst>
+          </p:cNvPr>
+          <p:cNvCxnSpPr>
+            <a:cxnSpLocks/>
+          </p:cNvCxnSpPr>
+          <p:nvPr/>
+        </p:nvCxnSpPr>
+        <p:spPr>
+          <a:xfrm flipH="1">
+            <a:off x="4484001" y="639072"/>
+            <a:ext cx="953536" cy="856547"/>
+          </a:xfrm>
+          <a:prstGeom prst="straightConnector1">
+            <a:avLst/>
+          </a:prstGeom>
+          <a:ln w="38100">
+            <a:tailEnd type="triangle"/>
+          </a:ln>
+          <a:effectLst>
+            <a:outerShdw blurRad="50800" dist="38100" dir="2700000" algn="tl" rotWithShape="0">
+              <a:prstClr val="black">
+                <a:alpha val="40000"/>
+              </a:prstClr>
+            </a:outerShdw>
+          </a:effectLst>
+        </p:spPr>
+        <p:style>
+          <a:lnRef idx="1">
+            <a:schemeClr val="dk1"/>
+          </a:lnRef>
+          <a:fillRef idx="0">
+            <a:schemeClr val="dk1"/>
+          </a:fillRef>
+          <a:effectRef idx="0">
+            <a:schemeClr val="dk1"/>
+          </a:effectRef>
+          <a:fontRef idx="minor">
+            <a:schemeClr val="tx1"/>
+          </a:fontRef>
+        </p:style>
+      </p:cxnSp>
+      <p:sp>
+        <p:nvSpPr>
+          <p:cNvPr id="60" name="TextBox 59">
+            <a:extLst>
+              <a:ext uri="{FF2B5EF4-FFF2-40B4-BE49-F238E27FC236}">
+                <a16:creationId xmlns:a16="http://schemas.microsoft.com/office/drawing/2014/main" id="{C2B3F1BB-F349-4881-A453-2BBDAB108B8C}"/>
+              </a:ext>
+            </a:extLst>
+          </p:cNvPr>
+          <p:cNvSpPr txBox="1"/>
+          <p:nvPr/>
+        </p:nvSpPr>
+        <p:spPr>
+          <a:xfrm>
+            <a:off x="4360002" y="667773"/>
+            <a:ext cx="298480" cy="307777"/>
+          </a:xfrm>
+          <a:prstGeom prst="rect">
+            <a:avLst/>
+          </a:prstGeom>
+          <a:solidFill>
+            <a:schemeClr val="bg1"/>
+          </a:solidFill>
+          <a:ln>
+            <a:solidFill>
+              <a:schemeClr val="tx1"/>
+            </a:solidFill>
+          </a:ln>
+          <a:effectLst>
+            <a:outerShdw blurRad="50800" dist="38100" dir="2700000" algn="tl" rotWithShape="0">
+              <a:prstClr val="black">
+                <a:alpha val="40000"/>
+              </a:prstClr>
+            </a:outerShdw>
+          </a:effectLst>
+        </p:spPr>
+        <p:txBody>
+          <a:bodyPr wrap="none" rtlCol="0">
+            <a:spAutoFit/>
+          </a:bodyPr>
+          <a:lstStyle/>
+          <a:p>
+            <a:r>
+              <a:rPr lang="en-US" altLang="ko-KR" sz="1400">
+                <a:latin typeface="a옛날사진관3" panose="02020600000000000000" pitchFamily="18" charset="-127"/>
+                <a:ea typeface="a옛날사진관3" panose="02020600000000000000" pitchFamily="18" charset="-127"/>
+              </a:rPr>
+              <a:t>2</a:t>
+            </a:r>
+            <a:endParaRPr lang="en-US" altLang="ko-KR" sz="1400" dirty="0">
+              <a:latin typeface="a옛날사진관3" panose="02020600000000000000" pitchFamily="18" charset="-127"/>
+              <a:ea typeface="a옛날사진관3" panose="02020600000000000000" pitchFamily="18" charset="-127"/>
+            </a:endParaRPr>
+          </a:p>
+        </p:txBody>
+      </p:sp>
+      <p:cxnSp>
+        <p:nvCxnSpPr>
+          <p:cNvPr id="61" name="직선 화살표 연결선 60">
+            <a:extLst>
+              <a:ext uri="{FF2B5EF4-FFF2-40B4-BE49-F238E27FC236}">
+                <a16:creationId xmlns:a16="http://schemas.microsoft.com/office/drawing/2014/main" id="{3BAD3DA3-6867-4964-8F07-E425C0D72C90}"/>
+              </a:ext>
+            </a:extLst>
+          </p:cNvPr>
+          <p:cNvCxnSpPr>
+            <a:cxnSpLocks/>
+          </p:cNvCxnSpPr>
+          <p:nvPr/>
+        </p:nvCxnSpPr>
+        <p:spPr>
+          <a:xfrm flipH="1">
+            <a:off x="7895329" y="2412654"/>
+            <a:ext cx="639071" cy="0"/>
+          </a:xfrm>
+          <a:prstGeom prst="straightConnector1">
+            <a:avLst/>
+          </a:prstGeom>
+          <a:ln w="38100">
+            <a:tailEnd type="triangle"/>
+          </a:ln>
+          <a:effectLst>
+            <a:outerShdw blurRad="50800" dist="38100" dir="2700000" algn="tl" rotWithShape="0">
+              <a:prstClr val="black">
+                <a:alpha val="40000"/>
+              </a:prstClr>
+            </a:outerShdw>
+          </a:effectLst>
+        </p:spPr>
+        <p:style>
+          <a:lnRef idx="1">
+            <a:schemeClr val="dk1"/>
+          </a:lnRef>
+          <a:fillRef idx="0">
+            <a:schemeClr val="dk1"/>
+          </a:fillRef>
+          <a:effectRef idx="0">
+            <a:schemeClr val="dk1"/>
+          </a:effectRef>
+          <a:fontRef idx="minor">
+            <a:schemeClr val="tx1"/>
+          </a:fontRef>
+        </p:style>
+      </p:cxnSp>
+      <p:cxnSp>
+        <p:nvCxnSpPr>
+          <p:cNvPr id="62" name="직선 화살표 연결선 61">
+            <a:extLst>
+              <a:ext uri="{FF2B5EF4-FFF2-40B4-BE49-F238E27FC236}">
+                <a16:creationId xmlns:a16="http://schemas.microsoft.com/office/drawing/2014/main" id="{B1230C04-B4FC-4E24-AF33-5CF686165BCA}"/>
+              </a:ext>
+            </a:extLst>
+          </p:cNvPr>
+          <p:cNvCxnSpPr>
+            <a:cxnSpLocks/>
+          </p:cNvCxnSpPr>
+          <p:nvPr/>
+        </p:nvCxnSpPr>
+        <p:spPr>
+          <a:xfrm>
+            <a:off x="7895328" y="2213641"/>
+            <a:ext cx="639072" cy="0"/>
+          </a:xfrm>
+          <a:prstGeom prst="straightConnector1">
+            <a:avLst/>
+          </a:prstGeom>
+          <a:ln w="38100">
+            <a:tailEnd type="triangle"/>
+          </a:ln>
+          <a:effectLst>
+            <a:outerShdw blurRad="50800" dist="38100" dir="2700000" algn="tl" rotWithShape="0">
+              <a:prstClr val="black">
+                <a:alpha val="40000"/>
+              </a:prstClr>
+            </a:outerShdw>
+          </a:effectLst>
+        </p:spPr>
+        <p:style>
+          <a:lnRef idx="1">
+            <a:schemeClr val="dk1"/>
+          </a:lnRef>
+          <a:fillRef idx="0">
+            <a:schemeClr val="dk1"/>
+          </a:fillRef>
+          <a:effectRef idx="0">
+            <a:schemeClr val="dk1"/>
+          </a:effectRef>
+          <a:fontRef idx="minor">
+            <a:schemeClr val="tx1"/>
+          </a:fontRef>
+        </p:style>
+      </p:cxnSp>
+      <p:sp>
+        <p:nvSpPr>
+          <p:cNvPr id="70" name="TextBox 69">
+            <a:extLst>
+              <a:ext uri="{FF2B5EF4-FFF2-40B4-BE49-F238E27FC236}">
+                <a16:creationId xmlns:a16="http://schemas.microsoft.com/office/drawing/2014/main" id="{C5E7A461-4DF9-4973-B0F9-A78A88CCBAE7}"/>
+              </a:ext>
+            </a:extLst>
+          </p:cNvPr>
+          <p:cNvSpPr txBox="1"/>
+          <p:nvPr/>
+        </p:nvSpPr>
+        <p:spPr>
+          <a:xfrm>
+            <a:off x="8062431" y="1785944"/>
+            <a:ext cx="298480" cy="307777"/>
+          </a:xfrm>
+          <a:prstGeom prst="rect">
+            <a:avLst/>
+          </a:prstGeom>
+          <a:solidFill>
+            <a:schemeClr val="bg1"/>
+          </a:solidFill>
+          <a:ln>
+            <a:solidFill>
+              <a:schemeClr val="tx1"/>
+            </a:solidFill>
+          </a:ln>
+          <a:effectLst>
+            <a:outerShdw blurRad="50800" dist="38100" dir="2700000" algn="tl" rotWithShape="0">
+              <a:prstClr val="black">
+                <a:alpha val="40000"/>
+              </a:prstClr>
+            </a:outerShdw>
+          </a:effectLst>
+        </p:spPr>
+        <p:txBody>
+          <a:bodyPr wrap="none" rtlCol="0">
+            <a:spAutoFit/>
+          </a:bodyPr>
+          <a:lstStyle/>
+          <a:p>
+            <a:r>
+              <a:rPr lang="en-US" altLang="ko-KR" sz="1400">
+                <a:latin typeface="a옛날사진관3" panose="02020600000000000000" pitchFamily="18" charset="-127"/>
+                <a:ea typeface="a옛날사진관3" panose="02020600000000000000" pitchFamily="18" charset="-127"/>
+              </a:rPr>
+              <a:t>4</a:t>
+            </a:r>
+            <a:endParaRPr lang="en-US" altLang="ko-KR" sz="1400" dirty="0">
+              <a:latin typeface="a옛날사진관3" panose="02020600000000000000" pitchFamily="18" charset="-127"/>
+              <a:ea typeface="a옛날사진관3" panose="02020600000000000000" pitchFamily="18" charset="-127"/>
+            </a:endParaRPr>
+          </a:p>
+        </p:txBody>
+      </p:sp>
     </p:spTree>
     <p:extLst>
       <p:ext uri="{BB962C8B-B14F-4D97-AF65-F5344CB8AC3E}">
         <p14:creationId xmlns:p14="http://schemas.microsoft.com/office/powerpoint/2010/main" val="1661342168"/>
+      </p:ext>
+    </p:extLst>
+  </p:cSld>
+  <p:clrMapOvr>
+    <a:masterClrMapping/>
+  </p:clrMapOvr>
+</p:sld>
+</file>
+
+<file path=ppt/slides/slide8.xml><?xml version="1.0" encoding="utf-8"?>
+<p:sld xmlns:a="http://schemas.openxmlformats.org/drawingml/2006/main" xmlns:r="http://schemas.openxmlformats.org/officeDocument/2006/relationships" xmlns:p="http://schemas.openxmlformats.org/presentationml/2006/main">
+  <p:cSld>
+    <p:spTree>
+      <p:nvGrpSpPr>
+        <p:cNvPr id="1" name=""/>
+        <p:cNvGrpSpPr/>
+        <p:nvPr/>
+      </p:nvGrpSpPr>
+      <p:grpSpPr>
+        <a:xfrm>
+          <a:off x="0" y="0"/>
+          <a:ext cx="0" cy="0"/>
+          <a:chOff x="0" y="0"/>
+          <a:chExt cx="0" cy="0"/>
+        </a:xfrm>
+      </p:grpSpPr>
+    </p:spTree>
+    <p:extLst>
+      <p:ext uri="{BB962C8B-B14F-4D97-AF65-F5344CB8AC3E}">
+        <p14:creationId xmlns:p14="http://schemas.microsoft.com/office/powerpoint/2010/main" val="259953354"/>
+      </p:ext>
+    </p:extLst>
+  </p:cSld>
+  <p:clrMapOvr>
+    <a:masterClrMapping/>
+  </p:clrMapOvr>
+</p:sld>
+</file>
+
+<file path=ppt/slides/slide9.xml><?xml version="1.0" encoding="utf-8"?>
+<p:sld xmlns:a="http://schemas.openxmlformats.org/drawingml/2006/main" xmlns:r="http://schemas.openxmlformats.org/officeDocument/2006/relationships" xmlns:p="http://schemas.openxmlformats.org/presentationml/2006/main">
+  <p:cSld>
+    <p:spTree>
+      <p:nvGrpSpPr>
+        <p:cNvPr id="1" name=""/>
+        <p:cNvGrpSpPr/>
+        <p:nvPr/>
+      </p:nvGrpSpPr>
+      <p:grpSpPr>
+        <a:xfrm>
+          <a:off x="0" y="0"/>
+          <a:ext cx="0" cy="0"/>
+          <a:chOff x="0" y="0"/>
+          <a:chExt cx="0" cy="0"/>
+        </a:xfrm>
+      </p:grpSpPr>
+    </p:spTree>
+    <p:extLst>
+      <p:ext uri="{BB962C8B-B14F-4D97-AF65-F5344CB8AC3E}">
+        <p14:creationId xmlns:p14="http://schemas.microsoft.com/office/powerpoint/2010/main" val="388802491"/>
       </p:ext>
     </p:extLst>
   </p:cSld>
